--- a/Class 5 Slides.pptx
+++ b/Class 5 Slides.pptx
@@ -257,6 +257,11 @@
       </a:defRPr>
     </a:lvl9pPr>
   </p:defaultTextStyle>
+  <p:extLst>
+    <p:ext uri="{EFAFB233-063F-42B5-8137-9DF3F51BA10A}">
+      <p15:sldGuideLst xmlns:p15="http://schemas.microsoft.com/office/powerpoint/2012/main"/>
+    </p:ext>
+  </p:extLst>
 </p:presentation>
 </file>
 
@@ -7510,10 +7515,10 @@
               <a:buChar char="●"/>
             </a:pPr>
             <a:r>
-              <a:rPr lang="en"/>
+              <a:rPr lang="en" dirty="0"/>
               <a:t>Objectives and Timeline</a:t>
             </a:r>
-            <a:endParaRPr/>
+            <a:endParaRPr dirty="0"/>
           </a:p>
           <a:p>
             <a:pPr marL="457200" lvl="0" indent="-342900" algn="l" rtl="0">
@@ -7527,27 +7532,10 @@
               <a:buChar char="●"/>
             </a:pPr>
             <a:r>
-              <a:rPr lang="en"/>
+              <a:rPr lang="en" dirty="0"/>
               <a:t>Assignment: Live Coding Interview</a:t>
             </a:r>
-            <a:endParaRPr/>
-          </a:p>
-          <a:p>
-            <a:pPr marL="457200" lvl="0" indent="-342900" algn="l" rtl="0">
-              <a:spcBef>
-                <a:spcPts val="0"/>
-              </a:spcBef>
-              <a:spcAft>
-                <a:spcPts val="0"/>
-              </a:spcAft>
-              <a:buSzPts val="1800"/>
-              <a:buChar char="●"/>
-            </a:pPr>
-            <a:r>
-              <a:rPr lang="en"/>
-              <a:t>Q&amp;A</a:t>
-            </a:r>
-            <a:endParaRPr/>
+            <a:endParaRPr dirty="0"/>
           </a:p>
           <a:p>
             <a:pPr marL="457200" lvl="0" indent="-342900" algn="l" rtl="0">
@@ -7564,7 +7552,7 @@
               <a:rPr lang="en"/>
               <a:t>Activity</a:t>
             </a:r>
-            <a:endParaRPr/>
+            <a:endParaRPr dirty="0"/>
           </a:p>
           <a:p>
             <a:pPr marL="914400" lvl="1" indent="-317500" algn="l" rtl="0">
@@ -7578,10 +7566,10 @@
               <a:buChar char="○"/>
             </a:pPr>
             <a:r>
-              <a:rPr lang="en"/>
+              <a:rPr lang="en" dirty="0"/>
               <a:t>Scrum</a:t>
             </a:r>
-            <a:endParaRPr/>
+            <a:endParaRPr dirty="0"/>
           </a:p>
           <a:p>
             <a:pPr marL="914400" lvl="1" indent="-317500" algn="l" rtl="0">
@@ -7595,10 +7583,10 @@
               <a:buChar char="○"/>
             </a:pPr>
             <a:r>
-              <a:rPr lang="en"/>
+              <a:rPr lang="en" dirty="0"/>
               <a:t>Live Coding Interview</a:t>
             </a:r>
-            <a:endParaRPr/>
+            <a:endParaRPr dirty="0"/>
           </a:p>
           <a:p>
             <a:pPr marL="914400" lvl="1" indent="-317500" algn="l" rtl="0">
@@ -7612,10 +7600,10 @@
               <a:buChar char="○"/>
             </a:pPr>
             <a:r>
-              <a:rPr lang="en"/>
+              <a:rPr lang="en" dirty="0"/>
               <a:t>Mentor Project Feedback</a:t>
             </a:r>
-            <a:endParaRPr/>
+            <a:endParaRPr dirty="0"/>
           </a:p>
         </p:txBody>
       </p:sp>

--- a/Class 5 Slides.pptx
+++ b/Class 5 Slides.pptx
@@ -5,27 +5,26 @@
     <p:sldMasterId id="2147483659" r:id="rId1"/>
   </p:sldMasterIdLst>
   <p:notesMasterIdLst>
-    <p:notesMasterId r:id="rId10"/>
+    <p:notesMasterId r:id="rId9"/>
   </p:notesMasterIdLst>
   <p:sldIdLst>
     <p:sldId id="256" r:id="rId2"/>
     <p:sldId id="259" r:id="rId3"/>
     <p:sldId id="260" r:id="rId4"/>
-    <p:sldId id="261" r:id="rId5"/>
-    <p:sldId id="262" r:id="rId6"/>
-    <p:sldId id="263" r:id="rId7"/>
-    <p:sldId id="264" r:id="rId8"/>
-    <p:sldId id="265" r:id="rId9"/>
+    <p:sldId id="262" r:id="rId5"/>
+    <p:sldId id="263" r:id="rId6"/>
+    <p:sldId id="264" r:id="rId7"/>
+    <p:sldId id="265" r:id="rId8"/>
   </p:sldIdLst>
   <p:sldSz cx="9144000" cy="5143500" type="screen16x9"/>
   <p:notesSz cx="6858000" cy="9144000"/>
   <p:embeddedFontLst>
     <p:embeddedFont>
       <p:font typeface="Roboto" panose="02000000000000000000" pitchFamily="2" charset="0"/>
-      <p:regular r:id="rId11"/>
-      <p:bold r:id="rId12"/>
-      <p:italic r:id="rId13"/>
-      <p:boldItalic r:id="rId14"/>
+      <p:regular r:id="rId10"/>
+      <p:bold r:id="rId11"/>
+      <p:italic r:id="rId12"/>
+      <p:boldItalic r:id="rId13"/>
     </p:embeddedFont>
   </p:embeddedFontLst>
   <p:defaultTextStyle>
@@ -1027,110 +1026,6 @@
   <p:cSld>
     <p:spTree>
       <p:nvGrpSpPr>
-        <p:cNvPr id="1" name="Shape 124"/>
-        <p:cNvGrpSpPr/>
-        <p:nvPr/>
-      </p:nvGrpSpPr>
-      <p:grpSpPr>
-        <a:xfrm>
-          <a:off x="0" y="0"/>
-          <a:ext cx="0" cy="0"/>
-          <a:chOff x="0" y="0"/>
-          <a:chExt cx="0" cy="0"/>
-        </a:xfrm>
-      </p:grpSpPr>
-      <p:sp>
-        <p:nvSpPr>
-          <p:cNvPr id="125" name="Google Shape;125;g50429dd245_0_80:notes"/>
-          <p:cNvSpPr>
-            <a:spLocks noGrp="1" noRot="1" noChangeAspect="1"/>
-          </p:cNvSpPr>
-          <p:nvPr>
-            <p:ph type="sldImg" idx="2"/>
-          </p:nvPr>
-        </p:nvSpPr>
-        <p:spPr>
-          <a:xfrm>
-            <a:off x="381000" y="685800"/>
-            <a:ext cx="6096000" cy="3429000"/>
-          </a:xfrm>
-          <a:custGeom>
-            <a:avLst/>
-            <a:gdLst/>
-            <a:ahLst/>
-            <a:cxnLst/>
-            <a:rect l="l" t="t" r="r" b="b"/>
-            <a:pathLst>
-              <a:path w="120000" h="120000" extrusionOk="0">
-                <a:moveTo>
-                  <a:pt x="0" y="0"/>
-                </a:moveTo>
-                <a:lnTo>
-                  <a:pt x="120000" y="0"/>
-                </a:lnTo>
-                <a:lnTo>
-                  <a:pt x="120000" y="120000"/>
-                </a:lnTo>
-                <a:lnTo>
-                  <a:pt x="0" y="120000"/>
-                </a:lnTo>
-                <a:close/>
-              </a:path>
-            </a:pathLst>
-          </a:custGeom>
-        </p:spPr>
-      </p:sp>
-      <p:sp>
-        <p:nvSpPr>
-          <p:cNvPr id="126" name="Google Shape;126;g50429dd245_0_80:notes"/>
-          <p:cNvSpPr txBox="1">
-            <a:spLocks noGrp="1"/>
-          </p:cNvSpPr>
-          <p:nvPr>
-            <p:ph type="body" idx="1"/>
-          </p:nvPr>
-        </p:nvSpPr>
-        <p:spPr>
-          <a:xfrm>
-            <a:off x="685800" y="4343400"/>
-            <a:ext cx="5486400" cy="4114800"/>
-          </a:xfrm>
-          <a:prstGeom prst="rect">
-            <a:avLst/>
-          </a:prstGeom>
-        </p:spPr>
-        <p:txBody>
-          <a:bodyPr spcFirstLastPara="1" wrap="square" lIns="91425" tIns="91425" rIns="91425" bIns="91425" anchor="t" anchorCtr="0">
-            <a:noAutofit/>
-          </a:bodyPr>
-          <a:lstStyle/>
-          <a:p>
-            <a:pPr marL="0" lvl="0" indent="0" algn="l" rtl="0">
-              <a:spcBef>
-                <a:spcPts val="0"/>
-              </a:spcBef>
-              <a:spcAft>
-                <a:spcPts val="0"/>
-              </a:spcAft>
-              <a:buNone/>
-            </a:pPr>
-            <a:endParaRPr/>
-          </a:p>
-        </p:txBody>
-      </p:sp>
-    </p:spTree>
-  </p:cSld>
-  <p:clrMapOvr>
-    <a:masterClrMapping/>
-  </p:clrMapOvr>
-</p:notes>
-</file>
-
-<file path=ppt/notesSlides/notesSlide5.xml><?xml version="1.0" encoding="utf-8"?>
-<p:notes xmlns:a="http://schemas.openxmlformats.org/drawingml/2006/main" xmlns:r="http://schemas.openxmlformats.org/officeDocument/2006/relationships" xmlns:p="http://schemas.openxmlformats.org/presentationml/2006/main" showMasterSp="0" showMasterPhAnim="0">
-  <p:cSld>
-    <p:spTree>
-      <p:nvGrpSpPr>
         <p:cNvPr id="1" name="Shape 129"/>
         <p:cNvGrpSpPr/>
         <p:nvPr/>
@@ -1230,7 +1125,7 @@
 </p:notes>
 </file>
 
-<file path=ppt/notesSlides/notesSlide6.xml><?xml version="1.0" encoding="utf-8"?>
+<file path=ppt/notesSlides/notesSlide5.xml><?xml version="1.0" encoding="utf-8"?>
 <p:notes xmlns:a="http://schemas.openxmlformats.org/drawingml/2006/main" xmlns:r="http://schemas.openxmlformats.org/officeDocument/2006/relationships" xmlns:p="http://schemas.openxmlformats.org/presentationml/2006/main" showMasterSp="0" showMasterPhAnim="0">
   <p:cSld>
     <p:spTree>
@@ -1334,7 +1229,7 @@
 </p:notes>
 </file>
 
-<file path=ppt/notesSlides/notesSlide7.xml><?xml version="1.0" encoding="utf-8"?>
+<file path=ppt/notesSlides/notesSlide6.xml><?xml version="1.0" encoding="utf-8"?>
 <p:notes xmlns:a="http://schemas.openxmlformats.org/drawingml/2006/main" xmlns:r="http://schemas.openxmlformats.org/officeDocument/2006/relationships" xmlns:p="http://schemas.openxmlformats.org/presentationml/2006/main" showMasterSp="0" showMasterPhAnim="0">
   <p:cSld>
     <p:spTree>
@@ -1438,7 +1333,7 @@
 </p:notes>
 </file>
 
-<file path=ppt/notesSlides/notesSlide8.xml><?xml version="1.0" encoding="utf-8"?>
+<file path=ppt/notesSlides/notesSlide7.xml><?xml version="1.0" encoding="utf-8"?>
 <p:notes xmlns:a="http://schemas.openxmlformats.org/drawingml/2006/main" xmlns:r="http://schemas.openxmlformats.org/officeDocument/2006/relationships" xmlns:p="http://schemas.openxmlformats.org/presentationml/2006/main" showMasterSp="0" showMasterPhAnim="0">
   <p:cSld>
     <p:spTree>
@@ -2078,388 +1973,7 @@
 </p:sldLayout>
 </file>
 
-<file path=ppt/slideLayouts/slideLayout10.xml><?xml version="1.0" encoding="utf-8"?>
-<p:sldLayout xmlns:a="http://schemas.openxmlformats.org/drawingml/2006/main" xmlns:r="http://schemas.openxmlformats.org/officeDocument/2006/relationships" xmlns:p="http://schemas.openxmlformats.org/presentationml/2006/main" matchingName="Blank" type="blank">
-  <p:cSld name="BLANK">
-    <p:bg>
-      <p:bgPr>
-        <a:solidFill>
-          <a:schemeClr val="accent4"/>
-        </a:solidFill>
-        <a:effectLst/>
-      </p:bgPr>
-    </p:bg>
-    <p:spTree>
-      <p:nvGrpSpPr>
-        <p:cNvPr id="1" name="Shape 61"/>
-        <p:cNvGrpSpPr/>
-        <p:nvPr/>
-      </p:nvGrpSpPr>
-      <p:grpSpPr>
-        <a:xfrm>
-          <a:off x="0" y="0"/>
-          <a:ext cx="0" cy="0"/>
-          <a:chOff x="0" y="0"/>
-          <a:chExt cx="0" cy="0"/>
-        </a:xfrm>
-      </p:grpSpPr>
-      <p:sp>
-        <p:nvSpPr>
-          <p:cNvPr id="62" name="Google Shape;62;p12"/>
-          <p:cNvSpPr txBox="1">
-            <a:spLocks noGrp="1"/>
-          </p:cNvSpPr>
-          <p:nvPr>
-            <p:ph type="sldNum" idx="12"/>
-          </p:nvPr>
-        </p:nvSpPr>
-        <p:spPr>
-          <a:xfrm>
-            <a:off x="8523541" y="4695623"/>
-            <a:ext cx="548700" cy="393600"/>
-          </a:xfrm>
-          <a:prstGeom prst="rect">
-            <a:avLst/>
-          </a:prstGeom>
-        </p:spPr>
-        <p:txBody>
-          <a:bodyPr spcFirstLastPara="1" wrap="square" lIns="91425" tIns="91425" rIns="91425" bIns="91425" anchor="ctr" anchorCtr="0">
-            <a:noAutofit/>
-          </a:bodyPr>
-          <a:lstStyle>
-            <a:lvl1pPr lvl="0">
-              <a:buNone/>
-              <a:defRPr/>
-            </a:lvl1pPr>
-            <a:lvl2pPr lvl="1">
-              <a:buNone/>
-              <a:defRPr/>
-            </a:lvl2pPr>
-            <a:lvl3pPr lvl="2">
-              <a:buNone/>
-              <a:defRPr/>
-            </a:lvl3pPr>
-            <a:lvl4pPr lvl="3">
-              <a:buNone/>
-              <a:defRPr/>
-            </a:lvl4pPr>
-            <a:lvl5pPr lvl="4">
-              <a:buNone/>
-              <a:defRPr/>
-            </a:lvl5pPr>
-            <a:lvl6pPr lvl="5">
-              <a:buNone/>
-              <a:defRPr/>
-            </a:lvl6pPr>
-            <a:lvl7pPr lvl="6">
-              <a:buNone/>
-              <a:defRPr/>
-            </a:lvl7pPr>
-            <a:lvl8pPr lvl="7">
-              <a:buNone/>
-              <a:defRPr/>
-            </a:lvl8pPr>
-            <a:lvl9pPr lvl="8">
-              <a:buNone/>
-              <a:defRPr/>
-            </a:lvl9pPr>
-          </a:lstStyle>
-          <a:p>
-            <a:pPr marL="0" lvl="0" indent="0" algn="r" rtl="0">
-              <a:spcBef>
-                <a:spcPts val="0"/>
-              </a:spcBef>
-              <a:spcAft>
-                <a:spcPts val="0"/>
-              </a:spcAft>
-              <a:buNone/>
-            </a:pPr>
-            <a:fld id="{00000000-1234-1234-1234-123412341234}" type="slidenum">
-              <a:rPr lang="en"/>
-              <a:t>‹#›</a:t>
-            </a:fld>
-            <a:endParaRPr/>
-          </a:p>
-        </p:txBody>
-      </p:sp>
-    </p:spTree>
-  </p:cSld>
-  <p:clrMapOvr>
-    <a:masterClrMapping/>
-  </p:clrMapOvr>
-</p:sldLayout>
-</file>
-
 <file path=ppt/slideLayouts/slideLayout2.xml><?xml version="1.0" encoding="utf-8"?>
-<p:sldLayout xmlns:a="http://schemas.openxmlformats.org/drawingml/2006/main" xmlns:r="http://schemas.openxmlformats.org/officeDocument/2006/relationships" xmlns:p="http://schemas.openxmlformats.org/presentationml/2006/main" matchingName="Section header" type="secHead">
-  <p:cSld name="SECTION_HEADER">
-    <p:spTree>
-      <p:nvGrpSpPr>
-        <p:cNvPr id="1" name="Shape 15"/>
-        <p:cNvGrpSpPr/>
-        <p:nvPr/>
-      </p:nvGrpSpPr>
-      <p:grpSpPr>
-        <a:xfrm>
-          <a:off x="0" y="0"/>
-          <a:ext cx="0" cy="0"/>
-          <a:chOff x="0" y="0"/>
-          <a:chExt cx="0" cy="0"/>
-        </a:xfrm>
-      </p:grpSpPr>
-      <p:sp>
-        <p:nvSpPr>
-          <p:cNvPr id="16" name="Google Shape;16;p3"/>
-          <p:cNvSpPr txBox="1">
-            <a:spLocks noGrp="1"/>
-          </p:cNvSpPr>
-          <p:nvPr>
-            <p:ph type="title"/>
-          </p:nvPr>
-        </p:nvSpPr>
-        <p:spPr>
-          <a:xfrm>
-            <a:off x="460950" y="2065350"/>
-            <a:ext cx="8222100" cy="1012800"/>
-          </a:xfrm>
-          <a:prstGeom prst="rect">
-            <a:avLst/>
-          </a:prstGeom>
-        </p:spPr>
-        <p:txBody>
-          <a:bodyPr spcFirstLastPara="1" wrap="square" lIns="91425" tIns="91425" rIns="91425" bIns="91425" anchor="ctr" anchorCtr="0">
-            <a:noAutofit/>
-          </a:bodyPr>
-          <a:lstStyle>
-            <a:lvl1pPr lvl="0">
-              <a:spcBef>
-                <a:spcPts val="0"/>
-              </a:spcBef>
-              <a:spcAft>
-                <a:spcPts val="0"/>
-              </a:spcAft>
-              <a:buSzPts val="4200"/>
-              <a:buNone/>
-              <a:defRPr sz="4200"/>
-            </a:lvl1pPr>
-            <a:lvl2pPr lvl="1">
-              <a:spcBef>
-                <a:spcPts val="0"/>
-              </a:spcBef>
-              <a:spcAft>
-                <a:spcPts val="0"/>
-              </a:spcAft>
-              <a:buSzPts val="4200"/>
-              <a:buNone/>
-              <a:defRPr sz="4200"/>
-            </a:lvl2pPr>
-            <a:lvl3pPr lvl="2">
-              <a:spcBef>
-                <a:spcPts val="0"/>
-              </a:spcBef>
-              <a:spcAft>
-                <a:spcPts val="0"/>
-              </a:spcAft>
-              <a:buSzPts val="4200"/>
-              <a:buNone/>
-              <a:defRPr sz="4200"/>
-            </a:lvl3pPr>
-            <a:lvl4pPr lvl="3">
-              <a:spcBef>
-                <a:spcPts val="0"/>
-              </a:spcBef>
-              <a:spcAft>
-                <a:spcPts val="0"/>
-              </a:spcAft>
-              <a:buSzPts val="4200"/>
-              <a:buNone/>
-              <a:defRPr sz="4200"/>
-            </a:lvl4pPr>
-            <a:lvl5pPr lvl="4">
-              <a:spcBef>
-                <a:spcPts val="0"/>
-              </a:spcBef>
-              <a:spcAft>
-                <a:spcPts val="0"/>
-              </a:spcAft>
-              <a:buSzPts val="4200"/>
-              <a:buNone/>
-              <a:defRPr sz="4200"/>
-            </a:lvl5pPr>
-            <a:lvl6pPr lvl="5">
-              <a:spcBef>
-                <a:spcPts val="0"/>
-              </a:spcBef>
-              <a:spcAft>
-                <a:spcPts val="0"/>
-              </a:spcAft>
-              <a:buSzPts val="4200"/>
-              <a:buNone/>
-              <a:defRPr sz="4200"/>
-            </a:lvl6pPr>
-            <a:lvl7pPr lvl="6">
-              <a:spcBef>
-                <a:spcPts val="0"/>
-              </a:spcBef>
-              <a:spcAft>
-                <a:spcPts val="0"/>
-              </a:spcAft>
-              <a:buSzPts val="4200"/>
-              <a:buNone/>
-              <a:defRPr sz="4200"/>
-            </a:lvl7pPr>
-            <a:lvl8pPr lvl="7">
-              <a:spcBef>
-                <a:spcPts val="0"/>
-              </a:spcBef>
-              <a:spcAft>
-                <a:spcPts val="0"/>
-              </a:spcAft>
-              <a:buSzPts val="4200"/>
-              <a:buNone/>
-              <a:defRPr sz="4200"/>
-            </a:lvl8pPr>
-            <a:lvl9pPr lvl="8">
-              <a:spcBef>
-                <a:spcPts val="0"/>
-              </a:spcBef>
-              <a:spcAft>
-                <a:spcPts val="0"/>
-              </a:spcAft>
-              <a:buSzPts val="4200"/>
-              <a:buNone/>
-              <a:defRPr sz="4200"/>
-            </a:lvl9pPr>
-          </a:lstStyle>
-          <a:p>
-            <a:endParaRPr/>
-          </a:p>
-        </p:txBody>
-      </p:sp>
-      <p:sp>
-        <p:nvSpPr>
-          <p:cNvPr id="17" name="Google Shape;17;p3"/>
-          <p:cNvSpPr txBox="1">
-            <a:spLocks noGrp="1"/>
-          </p:cNvSpPr>
-          <p:nvPr>
-            <p:ph type="sldNum" idx="12"/>
-          </p:nvPr>
-        </p:nvSpPr>
-        <p:spPr>
-          <a:xfrm>
-            <a:off x="8523541" y="4695623"/>
-            <a:ext cx="548700" cy="393600"/>
-          </a:xfrm>
-          <a:prstGeom prst="rect">
-            <a:avLst/>
-          </a:prstGeom>
-        </p:spPr>
-        <p:txBody>
-          <a:bodyPr spcFirstLastPara="1" wrap="square" lIns="91425" tIns="91425" rIns="91425" bIns="91425" anchor="ctr" anchorCtr="0">
-            <a:noAutofit/>
-          </a:bodyPr>
-          <a:lstStyle>
-            <a:lvl1pPr lvl="0">
-              <a:buNone/>
-              <a:defRPr>
-                <a:solidFill>
-                  <a:schemeClr val="lt1"/>
-                </a:solidFill>
-              </a:defRPr>
-            </a:lvl1pPr>
-            <a:lvl2pPr lvl="1">
-              <a:buNone/>
-              <a:defRPr>
-                <a:solidFill>
-                  <a:schemeClr val="lt1"/>
-                </a:solidFill>
-              </a:defRPr>
-            </a:lvl2pPr>
-            <a:lvl3pPr lvl="2">
-              <a:buNone/>
-              <a:defRPr>
-                <a:solidFill>
-                  <a:schemeClr val="lt1"/>
-                </a:solidFill>
-              </a:defRPr>
-            </a:lvl3pPr>
-            <a:lvl4pPr lvl="3">
-              <a:buNone/>
-              <a:defRPr>
-                <a:solidFill>
-                  <a:schemeClr val="lt1"/>
-                </a:solidFill>
-              </a:defRPr>
-            </a:lvl4pPr>
-            <a:lvl5pPr lvl="4">
-              <a:buNone/>
-              <a:defRPr>
-                <a:solidFill>
-                  <a:schemeClr val="lt1"/>
-                </a:solidFill>
-              </a:defRPr>
-            </a:lvl5pPr>
-            <a:lvl6pPr lvl="5">
-              <a:buNone/>
-              <a:defRPr>
-                <a:solidFill>
-                  <a:schemeClr val="lt1"/>
-                </a:solidFill>
-              </a:defRPr>
-            </a:lvl6pPr>
-            <a:lvl7pPr lvl="6">
-              <a:buNone/>
-              <a:defRPr>
-                <a:solidFill>
-                  <a:schemeClr val="lt1"/>
-                </a:solidFill>
-              </a:defRPr>
-            </a:lvl7pPr>
-            <a:lvl8pPr lvl="7">
-              <a:buNone/>
-              <a:defRPr>
-                <a:solidFill>
-                  <a:schemeClr val="lt1"/>
-                </a:solidFill>
-              </a:defRPr>
-            </a:lvl8pPr>
-            <a:lvl9pPr lvl="8">
-              <a:buNone/>
-              <a:defRPr>
-                <a:solidFill>
-                  <a:schemeClr val="lt1"/>
-                </a:solidFill>
-              </a:defRPr>
-            </a:lvl9pPr>
-          </a:lstStyle>
-          <a:p>
-            <a:pPr marL="0" lvl="0" indent="0" algn="r" rtl="0">
-              <a:spcBef>
-                <a:spcPts val="0"/>
-              </a:spcBef>
-              <a:spcAft>
-                <a:spcPts val="0"/>
-              </a:spcAft>
-              <a:buNone/>
-            </a:pPr>
-            <a:fld id="{00000000-1234-1234-1234-123412341234}" type="slidenum">
-              <a:rPr lang="en"/>
-              <a:t>‹#›</a:t>
-            </a:fld>
-            <a:endParaRPr/>
-          </a:p>
-        </p:txBody>
-      </p:sp>
-    </p:spTree>
-  </p:cSld>
-  <p:clrMapOvr>
-    <a:masterClrMapping/>
-  </p:clrMapOvr>
-</p:sldLayout>
-</file>
-
-<file path=ppt/slideLayouts/slideLayout3.xml><?xml version="1.0" encoding="utf-8"?>
 <p:sldLayout xmlns:a="http://schemas.openxmlformats.org/drawingml/2006/main" xmlns:r="http://schemas.openxmlformats.org/officeDocument/2006/relationships" xmlns:p="http://schemas.openxmlformats.org/presentationml/2006/main" matchingName="Title and body" type="tx">
   <p:cSld name="TITLE_AND_BODY">
     <p:spTree>
@@ -2915,7 +2429,7 @@
 </p:sldLayout>
 </file>
 
-<file path=ppt/slideLayouts/slideLayout4.xml><?xml version="1.0" encoding="utf-8"?>
+<file path=ppt/slideLayouts/slideLayout3.xml><?xml version="1.0" encoding="utf-8"?>
 <p:sldLayout xmlns:a="http://schemas.openxmlformats.org/drawingml/2006/main" xmlns:r="http://schemas.openxmlformats.org/officeDocument/2006/relationships" xmlns:p="http://schemas.openxmlformats.org/presentationml/2006/main" matchingName="Title and two columns" type="twoColTx">
   <p:cSld name="TITLE_AND_TWO_COLUMNS">
     <p:spTree>
@@ -3500,7 +3014,7 @@
 </p:sldLayout>
 </file>
 
-<file path=ppt/slideLayouts/slideLayout5.xml><?xml version="1.0" encoding="utf-8"?>
+<file path=ppt/slideLayouts/slideLayout4.xml><?xml version="1.0" encoding="utf-8"?>
 <p:sldLayout xmlns:a="http://schemas.openxmlformats.org/drawingml/2006/main" xmlns:r="http://schemas.openxmlformats.org/officeDocument/2006/relationships" xmlns:p="http://schemas.openxmlformats.org/presentationml/2006/main" matchingName="Title only" type="titleOnly">
   <p:cSld name="TITLE_ONLY">
     <p:spTree>
@@ -3827,7 +3341,7 @@
 </p:sldLayout>
 </file>
 
-<file path=ppt/slideLayouts/slideLayout6.xml><?xml version="1.0" encoding="utf-8"?>
+<file path=ppt/slideLayouts/slideLayout5.xml><?xml version="1.0" encoding="utf-8"?>
 <p:sldLayout xmlns:a="http://schemas.openxmlformats.org/drawingml/2006/main" xmlns:r="http://schemas.openxmlformats.org/officeDocument/2006/relationships" xmlns:p="http://schemas.openxmlformats.org/presentationml/2006/main" matchingName="One column text">
   <p:cSld name="ONE_COLUMN_TEXT">
     <p:spTree>
@@ -4346,7 +3860,7 @@
 </p:sldLayout>
 </file>
 
-<file path=ppt/slideLayouts/slideLayout7.xml><?xml version="1.0" encoding="utf-8"?>
+<file path=ppt/slideLayouts/slideLayout6.xml><?xml version="1.0" encoding="utf-8"?>
 <p:sldLayout xmlns:a="http://schemas.openxmlformats.org/drawingml/2006/main" xmlns:r="http://schemas.openxmlformats.org/officeDocument/2006/relationships" xmlns:p="http://schemas.openxmlformats.org/presentationml/2006/main" matchingName="Main point">
   <p:cSld name="MAIN_POINT">
     <p:spTree>
@@ -4615,7 +4129,7 @@
 </p:sldLayout>
 </file>
 
-<file path=ppt/slideLayouts/slideLayout8.xml><?xml version="1.0" encoding="utf-8"?>
+<file path=ppt/slideLayouts/slideLayout7.xml><?xml version="1.0" encoding="utf-8"?>
 <p:sldLayout xmlns:a="http://schemas.openxmlformats.org/drawingml/2006/main" xmlns:r="http://schemas.openxmlformats.org/officeDocument/2006/relationships" xmlns:p="http://schemas.openxmlformats.org/presentationml/2006/main" matchingName="Section title and description">
   <p:cSld name="SECTION_TITLE_AND_DESCRIPTION">
     <p:spTree>
@@ -5389,7 +4903,7 @@
 </p:sldLayout>
 </file>
 
-<file path=ppt/slideLayouts/slideLayout9.xml><?xml version="1.0" encoding="utf-8"?>
+<file path=ppt/slideLayouts/slideLayout8.xml><?xml version="1.0" encoding="utf-8"?>
 <p:sldLayout xmlns:a="http://schemas.openxmlformats.org/drawingml/2006/main" xmlns:r="http://schemas.openxmlformats.org/officeDocument/2006/relationships" xmlns:p="http://schemas.openxmlformats.org/presentationml/2006/main" matchingName="Big number">
   <p:cSld name="BIG_NUMBER">
     <p:bg>
@@ -5740,6 +5254,118 @@
       <p:sp>
         <p:nvSpPr>
           <p:cNvPr id="60" name="Google Shape;60;p11"/>
+          <p:cNvSpPr txBox="1">
+            <a:spLocks noGrp="1"/>
+          </p:cNvSpPr>
+          <p:nvPr>
+            <p:ph type="sldNum" idx="12"/>
+          </p:nvPr>
+        </p:nvSpPr>
+        <p:spPr>
+          <a:xfrm>
+            <a:off x="8523541" y="4695623"/>
+            <a:ext cx="548700" cy="393600"/>
+          </a:xfrm>
+          <a:prstGeom prst="rect">
+            <a:avLst/>
+          </a:prstGeom>
+        </p:spPr>
+        <p:txBody>
+          <a:bodyPr spcFirstLastPara="1" wrap="square" lIns="91425" tIns="91425" rIns="91425" bIns="91425" anchor="ctr" anchorCtr="0">
+            <a:noAutofit/>
+          </a:bodyPr>
+          <a:lstStyle>
+            <a:lvl1pPr lvl="0">
+              <a:buNone/>
+              <a:defRPr/>
+            </a:lvl1pPr>
+            <a:lvl2pPr lvl="1">
+              <a:buNone/>
+              <a:defRPr/>
+            </a:lvl2pPr>
+            <a:lvl3pPr lvl="2">
+              <a:buNone/>
+              <a:defRPr/>
+            </a:lvl3pPr>
+            <a:lvl4pPr lvl="3">
+              <a:buNone/>
+              <a:defRPr/>
+            </a:lvl4pPr>
+            <a:lvl5pPr lvl="4">
+              <a:buNone/>
+              <a:defRPr/>
+            </a:lvl5pPr>
+            <a:lvl6pPr lvl="5">
+              <a:buNone/>
+              <a:defRPr/>
+            </a:lvl6pPr>
+            <a:lvl7pPr lvl="6">
+              <a:buNone/>
+              <a:defRPr/>
+            </a:lvl7pPr>
+            <a:lvl8pPr lvl="7">
+              <a:buNone/>
+              <a:defRPr/>
+            </a:lvl8pPr>
+            <a:lvl9pPr lvl="8">
+              <a:buNone/>
+              <a:defRPr/>
+            </a:lvl9pPr>
+          </a:lstStyle>
+          <a:p>
+            <a:pPr marL="0" lvl="0" indent="0" algn="r" rtl="0">
+              <a:spcBef>
+                <a:spcPts val="0"/>
+              </a:spcBef>
+              <a:spcAft>
+                <a:spcPts val="0"/>
+              </a:spcAft>
+              <a:buNone/>
+            </a:pPr>
+            <a:fld id="{00000000-1234-1234-1234-123412341234}" type="slidenum">
+              <a:rPr lang="en"/>
+              <a:t>‹#›</a:t>
+            </a:fld>
+            <a:endParaRPr/>
+          </a:p>
+        </p:txBody>
+      </p:sp>
+    </p:spTree>
+  </p:cSld>
+  <p:clrMapOvr>
+    <a:masterClrMapping/>
+  </p:clrMapOvr>
+</p:sldLayout>
+</file>
+
+<file path=ppt/slideLayouts/slideLayout9.xml><?xml version="1.0" encoding="utf-8"?>
+<p:sldLayout xmlns:a="http://schemas.openxmlformats.org/drawingml/2006/main" xmlns:r="http://schemas.openxmlformats.org/officeDocument/2006/relationships" xmlns:p="http://schemas.openxmlformats.org/presentationml/2006/main" matchingName="Blank" type="blank">
+  <p:cSld name="BLANK">
+    <p:bg>
+      <p:bgPr>
+        <a:solidFill>
+          <a:schemeClr val="accent4"/>
+        </a:solidFill>
+        <a:effectLst/>
+      </p:bgPr>
+    </p:bg>
+    <p:spTree>
+      <p:nvGrpSpPr>
+        <p:cNvPr id="1" name="Shape 61"/>
+        <p:cNvGrpSpPr/>
+        <p:nvPr/>
+      </p:nvGrpSpPr>
+      <p:grpSpPr>
+        <a:xfrm>
+          <a:off x="0" y="0"/>
+          <a:ext cx="0" cy="0"/>
+          <a:chOff x="0" y="0"/>
+          <a:chExt cx="0" cy="0"/>
+        </a:xfrm>
+      </p:grpSpPr>
+      <p:sp>
+        <p:nvSpPr>
+          <p:cNvPr id="62" name="Google Shape;62;p12"/>
           <p:cNvSpPr txBox="1">
             <a:spLocks noGrp="1"/>
           </p:cNvSpPr>
@@ -6518,15 +6144,14 @@
   <p:clrMap bg1="lt1" tx1="dk1" bg2="dk2" tx2="lt2" accent1="accent1" accent2="accent2" accent3="accent3" accent4="accent4" accent5="accent5" accent6="accent6" hlink="hlink" folHlink="folHlink"/>
   <p:sldLayoutIdLst>
     <p:sldLayoutId id="2147483648" r:id="rId1"/>
-    <p:sldLayoutId id="2147483649" r:id="rId2"/>
-    <p:sldLayoutId id="2147483650" r:id="rId3"/>
-    <p:sldLayoutId id="2147483651" r:id="rId4"/>
-    <p:sldLayoutId id="2147483652" r:id="rId5"/>
-    <p:sldLayoutId id="2147483653" r:id="rId6"/>
-    <p:sldLayoutId id="2147483654" r:id="rId7"/>
-    <p:sldLayoutId id="2147483655" r:id="rId8"/>
-    <p:sldLayoutId id="2147483657" r:id="rId9"/>
-    <p:sldLayoutId id="2147483658" r:id="rId10"/>
+    <p:sldLayoutId id="2147483650" r:id="rId2"/>
+    <p:sldLayoutId id="2147483651" r:id="rId3"/>
+    <p:sldLayoutId id="2147483652" r:id="rId4"/>
+    <p:sldLayoutId id="2147483653" r:id="rId5"/>
+    <p:sldLayoutId id="2147483654" r:id="rId6"/>
+    <p:sldLayoutId id="2147483655" r:id="rId7"/>
+    <p:sldLayoutId id="2147483657" r:id="rId8"/>
+    <p:sldLayoutId id="2147483658" r:id="rId9"/>
   </p:sldLayoutIdLst>
   <p:hf sldNum="0" hdr="0" ftr="0" dt="0"/>
   <p:txStyles>
@@ -7549,7 +7174,7 @@
               <a:buChar char="●"/>
             </a:pPr>
             <a:r>
-              <a:rPr lang="en"/>
+              <a:rPr lang="en" dirty="0"/>
               <a:t>Activity</a:t>
             </a:r>
             <a:endParaRPr dirty="0"/>
@@ -9254,73 +8879,6 @@
   <p:cSld>
     <p:spTree>
       <p:nvGrpSpPr>
-        <p:cNvPr id="1" name="Shape 127"/>
-        <p:cNvGrpSpPr/>
-        <p:nvPr/>
-      </p:nvGrpSpPr>
-      <p:grpSpPr>
-        <a:xfrm>
-          <a:off x="0" y="0"/>
-          <a:ext cx="0" cy="0"/>
-          <a:chOff x="0" y="0"/>
-          <a:chExt cx="0" cy="0"/>
-        </a:xfrm>
-      </p:grpSpPr>
-      <p:sp>
-        <p:nvSpPr>
-          <p:cNvPr id="128" name="Google Shape;128;p18"/>
-          <p:cNvSpPr txBox="1">
-            <a:spLocks noGrp="1"/>
-          </p:cNvSpPr>
-          <p:nvPr>
-            <p:ph type="title"/>
-          </p:nvPr>
-        </p:nvSpPr>
-        <p:spPr>
-          <a:xfrm>
-            <a:off x="460950" y="2065350"/>
-            <a:ext cx="8222100" cy="1012800"/>
-          </a:xfrm>
-          <a:prstGeom prst="rect">
-            <a:avLst/>
-          </a:prstGeom>
-        </p:spPr>
-        <p:txBody>
-          <a:bodyPr spcFirstLastPara="1" wrap="square" lIns="91425" tIns="91425" rIns="91425" bIns="91425" anchor="ctr" anchorCtr="0">
-            <a:noAutofit/>
-          </a:bodyPr>
-          <a:lstStyle/>
-          <a:p>
-            <a:pPr marL="0" lvl="0" indent="0" algn="l" rtl="0">
-              <a:spcBef>
-                <a:spcPts val="0"/>
-              </a:spcBef>
-              <a:spcAft>
-                <a:spcPts val="0"/>
-              </a:spcAft>
-              <a:buNone/>
-            </a:pPr>
-            <a:r>
-              <a:rPr lang="en"/>
-              <a:t>Live Coding</a:t>
-            </a:r>
-            <a:endParaRPr/>
-          </a:p>
-        </p:txBody>
-      </p:sp>
-    </p:spTree>
-  </p:cSld>
-  <p:clrMapOvr>
-    <a:masterClrMapping/>
-  </p:clrMapOvr>
-</p:sld>
-</file>
-
-<file path=ppt/slides/slide5.xml><?xml version="1.0" encoding="utf-8"?>
-<p:sld xmlns:a="http://schemas.openxmlformats.org/drawingml/2006/main" xmlns:r="http://schemas.openxmlformats.org/officeDocument/2006/relationships" xmlns:p="http://schemas.openxmlformats.org/presentationml/2006/main">
-  <p:cSld>
-    <p:spTree>
-      <p:nvGrpSpPr>
         <p:cNvPr id="1" name="Shape 132"/>
         <p:cNvGrpSpPr/>
         <p:nvPr/>
@@ -9555,7 +9113,7 @@
 </p:sld>
 </file>
 
-<file path=ppt/slides/slide6.xml><?xml version="1.0" encoding="utf-8"?>
+<file path=ppt/slides/slide5.xml><?xml version="1.0" encoding="utf-8"?>
 <p:sld xmlns:a="http://schemas.openxmlformats.org/drawingml/2006/main" xmlns:r="http://schemas.openxmlformats.org/officeDocument/2006/relationships" xmlns:p="http://schemas.openxmlformats.org/presentationml/2006/main">
   <p:cSld>
     <p:spTree>
@@ -10167,7 +9725,7 @@
 </p:sld>
 </file>
 
-<file path=ppt/slides/slide7.xml><?xml version="1.0" encoding="utf-8"?>
+<file path=ppt/slides/slide6.xml><?xml version="1.0" encoding="utf-8"?>
 <p:sld xmlns:a="http://schemas.openxmlformats.org/drawingml/2006/main" xmlns:r="http://schemas.openxmlformats.org/officeDocument/2006/relationships" xmlns:p="http://schemas.openxmlformats.org/presentationml/2006/main">
   <p:cSld>
     <p:spTree>
@@ -10262,10 +9820,10 @@
               <a:buChar char="●"/>
             </a:pPr>
             <a:r>
-              <a:rPr lang="en"/>
+              <a:rPr lang="en" dirty="0"/>
               <a:t>Find Your Assigned Interviewer</a:t>
             </a:r>
-            <a:endParaRPr/>
+            <a:endParaRPr dirty="0"/>
           </a:p>
           <a:p>
             <a:pPr marL="914400" lvl="1" indent="-317500" algn="l" rtl="0">
@@ -10279,10 +9837,10 @@
               <a:buChar char="○"/>
             </a:pPr>
             <a:r>
-              <a:rPr lang="en"/>
+              <a:rPr lang="en" dirty="0"/>
               <a:t>Shared in Slack #general</a:t>
             </a:r>
-            <a:endParaRPr/>
+            <a:endParaRPr dirty="0"/>
           </a:p>
           <a:p>
             <a:pPr marL="457200" lvl="0" indent="-342900" algn="l" rtl="0">
@@ -10297,9 +9855,13 @@
             </a:pPr>
             <a:r>
               <a:rPr lang="en"/>
-              <a:t>Note Their Station</a:t>
+              <a:t>Be </a:t>
             </a:r>
-            <a:endParaRPr/>
+            <a:r>
+              <a:rPr lang="en" dirty="0"/>
+              <a:t>Prepared for only 15 Minutes</a:t>
+            </a:r>
+            <a:endParaRPr dirty="0"/>
           </a:p>
           <a:p>
             <a:pPr marL="457200" lvl="0" indent="-342900" algn="l" rtl="0">
@@ -10313,27 +9875,10 @@
               <a:buChar char="●"/>
             </a:pPr>
             <a:r>
-              <a:rPr lang="en"/>
-              <a:t>Be Prepared for only 15 Minutes</a:t>
-            </a:r>
-            <a:endParaRPr/>
-          </a:p>
-          <a:p>
-            <a:pPr marL="457200" lvl="0" indent="-342900" algn="l" rtl="0">
-              <a:spcBef>
-                <a:spcPts val="0"/>
-              </a:spcBef>
-              <a:spcAft>
-                <a:spcPts val="0"/>
-              </a:spcAft>
-              <a:buSzPts val="1800"/>
-              <a:buChar char="●"/>
-            </a:pPr>
-            <a:r>
-              <a:rPr lang="en"/>
+              <a:rPr lang="en" dirty="0"/>
               <a:t>Ask for more feedback!</a:t>
             </a:r>
-            <a:endParaRPr/>
+            <a:endParaRPr dirty="0"/>
           </a:p>
         </p:txBody>
       </p:sp>
@@ -10366,7 +9911,7 @@
 </p:sld>
 </file>
 
-<file path=ppt/slides/slide8.xml><?xml version="1.0" encoding="utf-8"?>
+<file path=ppt/slides/slide7.xml><?xml version="1.0" encoding="utf-8"?>
 <p:sld xmlns:a="http://schemas.openxmlformats.org/drawingml/2006/main" xmlns:r="http://schemas.openxmlformats.org/officeDocument/2006/relationships" xmlns:p="http://schemas.openxmlformats.org/presentationml/2006/main">
   <p:cSld>
     <p:spTree>

--- a/Class 5 Slides.pptx
+++ b/Class 5 Slides.pptx
@@ -5,26 +5,35 @@
     <p:sldMasterId id="2147483659" r:id="rId1"/>
   </p:sldMasterIdLst>
   <p:notesMasterIdLst>
-    <p:notesMasterId r:id="rId9"/>
+    <p:notesMasterId r:id="rId18"/>
   </p:notesMasterIdLst>
   <p:sldIdLst>
     <p:sldId id="256" r:id="rId2"/>
     <p:sldId id="259" r:id="rId3"/>
     <p:sldId id="260" r:id="rId4"/>
-    <p:sldId id="262" r:id="rId5"/>
-    <p:sldId id="263" r:id="rId6"/>
-    <p:sldId id="264" r:id="rId7"/>
-    <p:sldId id="265" r:id="rId8"/>
+    <p:sldId id="261" r:id="rId5"/>
+    <p:sldId id="264" r:id="rId6"/>
+    <p:sldId id="265" r:id="rId7"/>
+    <p:sldId id="266" r:id="rId8"/>
+    <p:sldId id="273" r:id="rId9"/>
+    <p:sldId id="274" r:id="rId10"/>
+    <p:sldId id="267" r:id="rId11"/>
+    <p:sldId id="268" r:id="rId12"/>
+    <p:sldId id="270" r:id="rId13"/>
+    <p:sldId id="271" r:id="rId14"/>
+    <p:sldId id="269" r:id="rId15"/>
+    <p:sldId id="272" r:id="rId16"/>
+    <p:sldId id="285" r:id="rId17"/>
   </p:sldIdLst>
   <p:sldSz cx="9144000" cy="5143500" type="screen16x9"/>
   <p:notesSz cx="6858000" cy="9144000"/>
   <p:embeddedFontLst>
     <p:embeddedFont>
       <p:font typeface="Roboto" panose="02000000000000000000" pitchFamily="2" charset="0"/>
-      <p:regular r:id="rId10"/>
-      <p:bold r:id="rId11"/>
-      <p:italic r:id="rId12"/>
-      <p:boldItalic r:id="rId13"/>
+      <p:regular r:id="rId19"/>
+      <p:bold r:id="rId20"/>
+      <p:italic r:id="rId21"/>
+      <p:boldItalic r:id="rId22"/>
     </p:embeddedFont>
   </p:embeddedFontLst>
   <p:defaultTextStyle>
@@ -809,6 +818,788 @@
 </p:notes>
 </file>
 
+<file path=ppt/notesSlides/notesSlide10.xml><?xml version="1.0" encoding="utf-8"?>
+<p:notes xmlns:a="http://schemas.openxmlformats.org/drawingml/2006/main" xmlns:r="http://schemas.openxmlformats.org/officeDocument/2006/relationships" xmlns:p="http://schemas.openxmlformats.org/presentationml/2006/main" showMasterSp="0" showMasterPhAnim="0">
+  <p:cSld>
+    <p:spTree>
+      <p:nvGrpSpPr>
+        <p:cNvPr id="1" name="Shape 91"/>
+        <p:cNvGrpSpPr/>
+        <p:nvPr/>
+      </p:nvGrpSpPr>
+      <p:grpSpPr>
+        <a:xfrm>
+          <a:off x="0" y="0"/>
+          <a:ext cx="0" cy="0"/>
+          <a:chOff x="0" y="0"/>
+          <a:chExt cx="0" cy="0"/>
+        </a:xfrm>
+      </p:grpSpPr>
+      <p:sp>
+        <p:nvSpPr>
+          <p:cNvPr id="92" name="Google Shape;92;g3fd3056a27_0_0:notes"/>
+          <p:cNvSpPr>
+            <a:spLocks noGrp="1" noRot="1" noChangeAspect="1"/>
+          </p:cNvSpPr>
+          <p:nvPr>
+            <p:ph type="sldImg" idx="2"/>
+          </p:nvPr>
+        </p:nvSpPr>
+        <p:spPr>
+          <a:xfrm>
+            <a:off x="381000" y="685800"/>
+            <a:ext cx="6096000" cy="3429000"/>
+          </a:xfrm>
+          <a:custGeom>
+            <a:avLst/>
+            <a:gdLst/>
+            <a:ahLst/>
+            <a:cxnLst/>
+            <a:rect l="l" t="t" r="r" b="b"/>
+            <a:pathLst>
+              <a:path w="120000" h="120000" extrusionOk="0">
+                <a:moveTo>
+                  <a:pt x="0" y="0"/>
+                </a:moveTo>
+                <a:lnTo>
+                  <a:pt x="120000" y="0"/>
+                </a:lnTo>
+                <a:lnTo>
+                  <a:pt x="120000" y="120000"/>
+                </a:lnTo>
+                <a:lnTo>
+                  <a:pt x="0" y="120000"/>
+                </a:lnTo>
+                <a:close/>
+              </a:path>
+            </a:pathLst>
+          </a:custGeom>
+        </p:spPr>
+      </p:sp>
+      <p:sp>
+        <p:nvSpPr>
+          <p:cNvPr id="93" name="Google Shape;93;g3fd3056a27_0_0:notes"/>
+          <p:cNvSpPr txBox="1">
+            <a:spLocks noGrp="1"/>
+          </p:cNvSpPr>
+          <p:nvPr>
+            <p:ph type="body" idx="1"/>
+          </p:nvPr>
+        </p:nvSpPr>
+        <p:spPr>
+          <a:xfrm>
+            <a:off x="685800" y="4343400"/>
+            <a:ext cx="5486400" cy="4114800"/>
+          </a:xfrm>
+          <a:prstGeom prst="rect">
+            <a:avLst/>
+          </a:prstGeom>
+        </p:spPr>
+        <p:txBody>
+          <a:bodyPr spcFirstLastPara="1" wrap="square" lIns="91425" tIns="91425" rIns="91425" bIns="91425" anchor="t" anchorCtr="0">
+            <a:noAutofit/>
+          </a:bodyPr>
+          <a:lstStyle/>
+          <a:p>
+            <a:pPr marL="0" lvl="0" indent="0" algn="l" rtl="0">
+              <a:spcBef>
+                <a:spcPts val="0"/>
+              </a:spcBef>
+              <a:spcAft>
+                <a:spcPts val="0"/>
+              </a:spcAft>
+              <a:buNone/>
+            </a:pPr>
+            <a:r>
+              <a:rPr lang="en"/>
+              <a:t>Resume Aug 21st</a:t>
+            </a:r>
+            <a:endParaRPr/>
+          </a:p>
+        </p:txBody>
+      </p:sp>
+    </p:spTree>
+    <p:extLst>
+      <p:ext uri="{BB962C8B-B14F-4D97-AF65-F5344CB8AC3E}">
+        <p14:creationId xmlns:p14="http://schemas.microsoft.com/office/powerpoint/2010/main" val="3447910590"/>
+      </p:ext>
+    </p:extLst>
+  </p:cSld>
+  <p:clrMapOvr>
+    <a:masterClrMapping/>
+  </p:clrMapOvr>
+</p:notes>
+</file>
+
+<file path=ppt/notesSlides/notesSlide11.xml><?xml version="1.0" encoding="utf-8"?>
+<p:notes xmlns:a="http://schemas.openxmlformats.org/drawingml/2006/main" xmlns:r="http://schemas.openxmlformats.org/officeDocument/2006/relationships" xmlns:p="http://schemas.openxmlformats.org/presentationml/2006/main" showMasterSp="0" showMasterPhAnim="0">
+  <p:cSld>
+    <p:spTree>
+      <p:nvGrpSpPr>
+        <p:cNvPr id="1" name="Shape 91"/>
+        <p:cNvGrpSpPr/>
+        <p:nvPr/>
+      </p:nvGrpSpPr>
+      <p:grpSpPr>
+        <a:xfrm>
+          <a:off x="0" y="0"/>
+          <a:ext cx="0" cy="0"/>
+          <a:chOff x="0" y="0"/>
+          <a:chExt cx="0" cy="0"/>
+        </a:xfrm>
+      </p:grpSpPr>
+      <p:sp>
+        <p:nvSpPr>
+          <p:cNvPr id="92" name="Google Shape;92;g3fd3056a27_0_0:notes"/>
+          <p:cNvSpPr>
+            <a:spLocks noGrp="1" noRot="1" noChangeAspect="1"/>
+          </p:cNvSpPr>
+          <p:nvPr>
+            <p:ph type="sldImg" idx="2"/>
+          </p:nvPr>
+        </p:nvSpPr>
+        <p:spPr>
+          <a:xfrm>
+            <a:off x="381000" y="685800"/>
+            <a:ext cx="6096000" cy="3429000"/>
+          </a:xfrm>
+          <a:custGeom>
+            <a:avLst/>
+            <a:gdLst/>
+            <a:ahLst/>
+            <a:cxnLst/>
+            <a:rect l="l" t="t" r="r" b="b"/>
+            <a:pathLst>
+              <a:path w="120000" h="120000" extrusionOk="0">
+                <a:moveTo>
+                  <a:pt x="0" y="0"/>
+                </a:moveTo>
+                <a:lnTo>
+                  <a:pt x="120000" y="0"/>
+                </a:lnTo>
+                <a:lnTo>
+                  <a:pt x="120000" y="120000"/>
+                </a:lnTo>
+                <a:lnTo>
+                  <a:pt x="0" y="120000"/>
+                </a:lnTo>
+                <a:close/>
+              </a:path>
+            </a:pathLst>
+          </a:custGeom>
+        </p:spPr>
+      </p:sp>
+      <p:sp>
+        <p:nvSpPr>
+          <p:cNvPr id="93" name="Google Shape;93;g3fd3056a27_0_0:notes"/>
+          <p:cNvSpPr txBox="1">
+            <a:spLocks noGrp="1"/>
+          </p:cNvSpPr>
+          <p:nvPr>
+            <p:ph type="body" idx="1"/>
+          </p:nvPr>
+        </p:nvSpPr>
+        <p:spPr>
+          <a:xfrm>
+            <a:off x="685800" y="4343400"/>
+            <a:ext cx="5486400" cy="4114800"/>
+          </a:xfrm>
+          <a:prstGeom prst="rect">
+            <a:avLst/>
+          </a:prstGeom>
+        </p:spPr>
+        <p:txBody>
+          <a:bodyPr spcFirstLastPara="1" wrap="square" lIns="91425" tIns="91425" rIns="91425" bIns="91425" anchor="t" anchorCtr="0">
+            <a:noAutofit/>
+          </a:bodyPr>
+          <a:lstStyle/>
+          <a:p>
+            <a:pPr marL="0" lvl="0" indent="0" algn="l" rtl="0">
+              <a:spcBef>
+                <a:spcPts val="0"/>
+              </a:spcBef>
+              <a:spcAft>
+                <a:spcPts val="0"/>
+              </a:spcAft>
+              <a:buNone/>
+            </a:pPr>
+            <a:r>
+              <a:rPr lang="en"/>
+              <a:t>Resume Aug 21st</a:t>
+            </a:r>
+            <a:endParaRPr/>
+          </a:p>
+        </p:txBody>
+      </p:sp>
+    </p:spTree>
+    <p:extLst>
+      <p:ext uri="{BB962C8B-B14F-4D97-AF65-F5344CB8AC3E}">
+        <p14:creationId xmlns:p14="http://schemas.microsoft.com/office/powerpoint/2010/main" val="2464496078"/>
+      </p:ext>
+    </p:extLst>
+  </p:cSld>
+  <p:clrMapOvr>
+    <a:masterClrMapping/>
+  </p:clrMapOvr>
+</p:notes>
+</file>
+
+<file path=ppt/notesSlides/notesSlide12.xml><?xml version="1.0" encoding="utf-8"?>
+<p:notes xmlns:a="http://schemas.openxmlformats.org/drawingml/2006/main" xmlns:r="http://schemas.openxmlformats.org/officeDocument/2006/relationships" xmlns:p="http://schemas.openxmlformats.org/presentationml/2006/main" showMasterSp="0" showMasterPhAnim="0">
+  <p:cSld>
+    <p:spTree>
+      <p:nvGrpSpPr>
+        <p:cNvPr id="1" name="Shape 91"/>
+        <p:cNvGrpSpPr/>
+        <p:nvPr/>
+      </p:nvGrpSpPr>
+      <p:grpSpPr>
+        <a:xfrm>
+          <a:off x="0" y="0"/>
+          <a:ext cx="0" cy="0"/>
+          <a:chOff x="0" y="0"/>
+          <a:chExt cx="0" cy="0"/>
+        </a:xfrm>
+      </p:grpSpPr>
+      <p:sp>
+        <p:nvSpPr>
+          <p:cNvPr id="92" name="Google Shape;92;g3fd3056a27_0_0:notes"/>
+          <p:cNvSpPr>
+            <a:spLocks noGrp="1" noRot="1" noChangeAspect="1"/>
+          </p:cNvSpPr>
+          <p:nvPr>
+            <p:ph type="sldImg" idx="2"/>
+          </p:nvPr>
+        </p:nvSpPr>
+        <p:spPr>
+          <a:xfrm>
+            <a:off x="381000" y="685800"/>
+            <a:ext cx="6096000" cy="3429000"/>
+          </a:xfrm>
+          <a:custGeom>
+            <a:avLst/>
+            <a:gdLst/>
+            <a:ahLst/>
+            <a:cxnLst/>
+            <a:rect l="l" t="t" r="r" b="b"/>
+            <a:pathLst>
+              <a:path w="120000" h="120000" extrusionOk="0">
+                <a:moveTo>
+                  <a:pt x="0" y="0"/>
+                </a:moveTo>
+                <a:lnTo>
+                  <a:pt x="120000" y="0"/>
+                </a:lnTo>
+                <a:lnTo>
+                  <a:pt x="120000" y="120000"/>
+                </a:lnTo>
+                <a:lnTo>
+                  <a:pt x="0" y="120000"/>
+                </a:lnTo>
+                <a:close/>
+              </a:path>
+            </a:pathLst>
+          </a:custGeom>
+        </p:spPr>
+      </p:sp>
+      <p:sp>
+        <p:nvSpPr>
+          <p:cNvPr id="93" name="Google Shape;93;g3fd3056a27_0_0:notes"/>
+          <p:cNvSpPr txBox="1">
+            <a:spLocks noGrp="1"/>
+          </p:cNvSpPr>
+          <p:nvPr>
+            <p:ph type="body" idx="1"/>
+          </p:nvPr>
+        </p:nvSpPr>
+        <p:spPr>
+          <a:xfrm>
+            <a:off x="685800" y="4343400"/>
+            <a:ext cx="5486400" cy="4114800"/>
+          </a:xfrm>
+          <a:prstGeom prst="rect">
+            <a:avLst/>
+          </a:prstGeom>
+        </p:spPr>
+        <p:txBody>
+          <a:bodyPr spcFirstLastPara="1" wrap="square" lIns="91425" tIns="91425" rIns="91425" bIns="91425" anchor="t" anchorCtr="0">
+            <a:noAutofit/>
+          </a:bodyPr>
+          <a:lstStyle/>
+          <a:p>
+            <a:pPr marL="0" lvl="0" indent="0" algn="l" rtl="0">
+              <a:spcBef>
+                <a:spcPts val="0"/>
+              </a:spcBef>
+              <a:spcAft>
+                <a:spcPts val="0"/>
+              </a:spcAft>
+              <a:buNone/>
+            </a:pPr>
+            <a:r>
+              <a:rPr lang="en"/>
+              <a:t>Resume Aug 21st</a:t>
+            </a:r>
+            <a:endParaRPr/>
+          </a:p>
+        </p:txBody>
+      </p:sp>
+    </p:spTree>
+    <p:extLst>
+      <p:ext uri="{BB962C8B-B14F-4D97-AF65-F5344CB8AC3E}">
+        <p14:creationId xmlns:p14="http://schemas.microsoft.com/office/powerpoint/2010/main" val="1670712207"/>
+      </p:ext>
+    </p:extLst>
+  </p:cSld>
+  <p:clrMapOvr>
+    <a:masterClrMapping/>
+  </p:clrMapOvr>
+</p:notes>
+</file>
+
+<file path=ppt/notesSlides/notesSlide13.xml><?xml version="1.0" encoding="utf-8"?>
+<p:notes xmlns:a="http://schemas.openxmlformats.org/drawingml/2006/main" xmlns:r="http://schemas.openxmlformats.org/officeDocument/2006/relationships" xmlns:p="http://schemas.openxmlformats.org/presentationml/2006/main" showMasterSp="0" showMasterPhAnim="0">
+  <p:cSld>
+    <p:spTree>
+      <p:nvGrpSpPr>
+        <p:cNvPr id="1" name="Shape 91"/>
+        <p:cNvGrpSpPr/>
+        <p:nvPr/>
+      </p:nvGrpSpPr>
+      <p:grpSpPr>
+        <a:xfrm>
+          <a:off x="0" y="0"/>
+          <a:ext cx="0" cy="0"/>
+          <a:chOff x="0" y="0"/>
+          <a:chExt cx="0" cy="0"/>
+        </a:xfrm>
+      </p:grpSpPr>
+      <p:sp>
+        <p:nvSpPr>
+          <p:cNvPr id="92" name="Google Shape;92;g3fd3056a27_0_0:notes"/>
+          <p:cNvSpPr>
+            <a:spLocks noGrp="1" noRot="1" noChangeAspect="1"/>
+          </p:cNvSpPr>
+          <p:nvPr>
+            <p:ph type="sldImg" idx="2"/>
+          </p:nvPr>
+        </p:nvSpPr>
+        <p:spPr>
+          <a:xfrm>
+            <a:off x="381000" y="685800"/>
+            <a:ext cx="6096000" cy="3429000"/>
+          </a:xfrm>
+          <a:custGeom>
+            <a:avLst/>
+            <a:gdLst/>
+            <a:ahLst/>
+            <a:cxnLst/>
+            <a:rect l="l" t="t" r="r" b="b"/>
+            <a:pathLst>
+              <a:path w="120000" h="120000" extrusionOk="0">
+                <a:moveTo>
+                  <a:pt x="0" y="0"/>
+                </a:moveTo>
+                <a:lnTo>
+                  <a:pt x="120000" y="0"/>
+                </a:lnTo>
+                <a:lnTo>
+                  <a:pt x="120000" y="120000"/>
+                </a:lnTo>
+                <a:lnTo>
+                  <a:pt x="0" y="120000"/>
+                </a:lnTo>
+                <a:close/>
+              </a:path>
+            </a:pathLst>
+          </a:custGeom>
+        </p:spPr>
+      </p:sp>
+      <p:sp>
+        <p:nvSpPr>
+          <p:cNvPr id="93" name="Google Shape;93;g3fd3056a27_0_0:notes"/>
+          <p:cNvSpPr txBox="1">
+            <a:spLocks noGrp="1"/>
+          </p:cNvSpPr>
+          <p:nvPr>
+            <p:ph type="body" idx="1"/>
+          </p:nvPr>
+        </p:nvSpPr>
+        <p:spPr>
+          <a:xfrm>
+            <a:off x="685800" y="4343400"/>
+            <a:ext cx="5486400" cy="4114800"/>
+          </a:xfrm>
+          <a:prstGeom prst="rect">
+            <a:avLst/>
+          </a:prstGeom>
+        </p:spPr>
+        <p:txBody>
+          <a:bodyPr spcFirstLastPara="1" wrap="square" lIns="91425" tIns="91425" rIns="91425" bIns="91425" anchor="t" anchorCtr="0">
+            <a:noAutofit/>
+          </a:bodyPr>
+          <a:lstStyle/>
+          <a:p>
+            <a:pPr marL="0" lvl="0" indent="0" algn="l" rtl="0">
+              <a:spcBef>
+                <a:spcPts val="0"/>
+              </a:spcBef>
+              <a:spcAft>
+                <a:spcPts val="0"/>
+              </a:spcAft>
+              <a:buNone/>
+            </a:pPr>
+            <a:r>
+              <a:rPr lang="en"/>
+              <a:t>Resume Aug 21st</a:t>
+            </a:r>
+            <a:endParaRPr/>
+          </a:p>
+        </p:txBody>
+      </p:sp>
+    </p:spTree>
+    <p:extLst>
+      <p:ext uri="{BB962C8B-B14F-4D97-AF65-F5344CB8AC3E}">
+        <p14:creationId xmlns:p14="http://schemas.microsoft.com/office/powerpoint/2010/main" val="3892860880"/>
+      </p:ext>
+    </p:extLst>
+  </p:cSld>
+  <p:clrMapOvr>
+    <a:masterClrMapping/>
+  </p:clrMapOvr>
+</p:notes>
+</file>
+
+<file path=ppt/notesSlides/notesSlide14.xml><?xml version="1.0" encoding="utf-8"?>
+<p:notes xmlns:a="http://schemas.openxmlformats.org/drawingml/2006/main" xmlns:r="http://schemas.openxmlformats.org/officeDocument/2006/relationships" xmlns:p="http://schemas.openxmlformats.org/presentationml/2006/main" showMasterSp="0" showMasterPhAnim="0">
+  <p:cSld>
+    <p:spTree>
+      <p:nvGrpSpPr>
+        <p:cNvPr id="1" name="Shape 91"/>
+        <p:cNvGrpSpPr/>
+        <p:nvPr/>
+      </p:nvGrpSpPr>
+      <p:grpSpPr>
+        <a:xfrm>
+          <a:off x="0" y="0"/>
+          <a:ext cx="0" cy="0"/>
+          <a:chOff x="0" y="0"/>
+          <a:chExt cx="0" cy="0"/>
+        </a:xfrm>
+      </p:grpSpPr>
+      <p:sp>
+        <p:nvSpPr>
+          <p:cNvPr id="92" name="Google Shape;92;g3fd3056a27_0_0:notes"/>
+          <p:cNvSpPr>
+            <a:spLocks noGrp="1" noRot="1" noChangeAspect="1"/>
+          </p:cNvSpPr>
+          <p:nvPr>
+            <p:ph type="sldImg" idx="2"/>
+          </p:nvPr>
+        </p:nvSpPr>
+        <p:spPr>
+          <a:xfrm>
+            <a:off x="381000" y="685800"/>
+            <a:ext cx="6096000" cy="3429000"/>
+          </a:xfrm>
+          <a:custGeom>
+            <a:avLst/>
+            <a:gdLst/>
+            <a:ahLst/>
+            <a:cxnLst/>
+            <a:rect l="l" t="t" r="r" b="b"/>
+            <a:pathLst>
+              <a:path w="120000" h="120000" extrusionOk="0">
+                <a:moveTo>
+                  <a:pt x="0" y="0"/>
+                </a:moveTo>
+                <a:lnTo>
+                  <a:pt x="120000" y="0"/>
+                </a:lnTo>
+                <a:lnTo>
+                  <a:pt x="120000" y="120000"/>
+                </a:lnTo>
+                <a:lnTo>
+                  <a:pt x="0" y="120000"/>
+                </a:lnTo>
+                <a:close/>
+              </a:path>
+            </a:pathLst>
+          </a:custGeom>
+        </p:spPr>
+      </p:sp>
+      <p:sp>
+        <p:nvSpPr>
+          <p:cNvPr id="93" name="Google Shape;93;g3fd3056a27_0_0:notes"/>
+          <p:cNvSpPr txBox="1">
+            <a:spLocks noGrp="1"/>
+          </p:cNvSpPr>
+          <p:nvPr>
+            <p:ph type="body" idx="1"/>
+          </p:nvPr>
+        </p:nvSpPr>
+        <p:spPr>
+          <a:xfrm>
+            <a:off x="685800" y="4343400"/>
+            <a:ext cx="5486400" cy="4114800"/>
+          </a:xfrm>
+          <a:prstGeom prst="rect">
+            <a:avLst/>
+          </a:prstGeom>
+        </p:spPr>
+        <p:txBody>
+          <a:bodyPr spcFirstLastPara="1" wrap="square" lIns="91425" tIns="91425" rIns="91425" bIns="91425" anchor="t" anchorCtr="0">
+            <a:noAutofit/>
+          </a:bodyPr>
+          <a:lstStyle/>
+          <a:p>
+            <a:pPr marL="0" lvl="0" indent="0" algn="l" rtl="0">
+              <a:spcBef>
+                <a:spcPts val="0"/>
+              </a:spcBef>
+              <a:spcAft>
+                <a:spcPts val="0"/>
+              </a:spcAft>
+              <a:buNone/>
+            </a:pPr>
+            <a:r>
+              <a:rPr lang="en"/>
+              <a:t>Resume Aug 21st</a:t>
+            </a:r>
+            <a:endParaRPr/>
+          </a:p>
+        </p:txBody>
+      </p:sp>
+    </p:spTree>
+    <p:extLst>
+      <p:ext uri="{BB962C8B-B14F-4D97-AF65-F5344CB8AC3E}">
+        <p14:creationId xmlns:p14="http://schemas.microsoft.com/office/powerpoint/2010/main" val="4225417892"/>
+      </p:ext>
+    </p:extLst>
+  </p:cSld>
+  <p:clrMapOvr>
+    <a:masterClrMapping/>
+  </p:clrMapOvr>
+</p:notes>
+</file>
+
+<file path=ppt/notesSlides/notesSlide15.xml><?xml version="1.0" encoding="utf-8"?>
+<p:notes xmlns:a="http://schemas.openxmlformats.org/drawingml/2006/main" xmlns:r="http://schemas.openxmlformats.org/officeDocument/2006/relationships" xmlns:p="http://schemas.openxmlformats.org/presentationml/2006/main" showMasterSp="0" showMasterPhAnim="0">
+  <p:cSld>
+    <p:spTree>
+      <p:nvGrpSpPr>
+        <p:cNvPr id="1" name="Shape 91"/>
+        <p:cNvGrpSpPr/>
+        <p:nvPr/>
+      </p:nvGrpSpPr>
+      <p:grpSpPr>
+        <a:xfrm>
+          <a:off x="0" y="0"/>
+          <a:ext cx="0" cy="0"/>
+          <a:chOff x="0" y="0"/>
+          <a:chExt cx="0" cy="0"/>
+        </a:xfrm>
+      </p:grpSpPr>
+      <p:sp>
+        <p:nvSpPr>
+          <p:cNvPr id="92" name="Google Shape;92;g3fd3056a27_0_0:notes"/>
+          <p:cNvSpPr>
+            <a:spLocks noGrp="1" noRot="1" noChangeAspect="1"/>
+          </p:cNvSpPr>
+          <p:nvPr>
+            <p:ph type="sldImg" idx="2"/>
+          </p:nvPr>
+        </p:nvSpPr>
+        <p:spPr>
+          <a:xfrm>
+            <a:off x="381000" y="685800"/>
+            <a:ext cx="6096000" cy="3429000"/>
+          </a:xfrm>
+          <a:custGeom>
+            <a:avLst/>
+            <a:gdLst/>
+            <a:ahLst/>
+            <a:cxnLst/>
+            <a:rect l="l" t="t" r="r" b="b"/>
+            <a:pathLst>
+              <a:path w="120000" h="120000" extrusionOk="0">
+                <a:moveTo>
+                  <a:pt x="0" y="0"/>
+                </a:moveTo>
+                <a:lnTo>
+                  <a:pt x="120000" y="0"/>
+                </a:lnTo>
+                <a:lnTo>
+                  <a:pt x="120000" y="120000"/>
+                </a:lnTo>
+                <a:lnTo>
+                  <a:pt x="0" y="120000"/>
+                </a:lnTo>
+                <a:close/>
+              </a:path>
+            </a:pathLst>
+          </a:custGeom>
+        </p:spPr>
+      </p:sp>
+      <p:sp>
+        <p:nvSpPr>
+          <p:cNvPr id="93" name="Google Shape;93;g3fd3056a27_0_0:notes"/>
+          <p:cNvSpPr txBox="1">
+            <a:spLocks noGrp="1"/>
+          </p:cNvSpPr>
+          <p:nvPr>
+            <p:ph type="body" idx="1"/>
+          </p:nvPr>
+        </p:nvSpPr>
+        <p:spPr>
+          <a:xfrm>
+            <a:off x="685800" y="4343400"/>
+            <a:ext cx="5486400" cy="4114800"/>
+          </a:xfrm>
+          <a:prstGeom prst="rect">
+            <a:avLst/>
+          </a:prstGeom>
+        </p:spPr>
+        <p:txBody>
+          <a:bodyPr spcFirstLastPara="1" wrap="square" lIns="91425" tIns="91425" rIns="91425" bIns="91425" anchor="t" anchorCtr="0">
+            <a:noAutofit/>
+          </a:bodyPr>
+          <a:lstStyle/>
+          <a:p>
+            <a:pPr marL="0" lvl="0" indent="0" algn="l" rtl="0">
+              <a:spcBef>
+                <a:spcPts val="0"/>
+              </a:spcBef>
+              <a:spcAft>
+                <a:spcPts val="0"/>
+              </a:spcAft>
+              <a:buNone/>
+            </a:pPr>
+            <a:r>
+              <a:rPr lang="en"/>
+              <a:t>Resume Aug 21st</a:t>
+            </a:r>
+            <a:endParaRPr/>
+          </a:p>
+        </p:txBody>
+      </p:sp>
+    </p:spTree>
+    <p:extLst>
+      <p:ext uri="{BB962C8B-B14F-4D97-AF65-F5344CB8AC3E}">
+        <p14:creationId xmlns:p14="http://schemas.microsoft.com/office/powerpoint/2010/main" val="2721490249"/>
+      </p:ext>
+    </p:extLst>
+  </p:cSld>
+  <p:clrMapOvr>
+    <a:masterClrMapping/>
+  </p:clrMapOvr>
+</p:notes>
+</file>
+
+<file path=ppt/notesSlides/notesSlide16.xml><?xml version="1.0" encoding="utf-8"?>
+<p:notes xmlns:a="http://schemas.openxmlformats.org/drawingml/2006/main" xmlns:r="http://schemas.openxmlformats.org/officeDocument/2006/relationships" xmlns:p="http://schemas.openxmlformats.org/presentationml/2006/main" showMasterSp="0" showMasterPhAnim="0">
+  <p:cSld>
+    <p:spTree>
+      <p:nvGrpSpPr>
+        <p:cNvPr id="1" name="Shape 304"/>
+        <p:cNvGrpSpPr/>
+        <p:nvPr/>
+      </p:nvGrpSpPr>
+      <p:grpSpPr>
+        <a:xfrm>
+          <a:off x="0" y="0"/>
+          <a:ext cx="0" cy="0"/>
+          <a:chOff x="0" y="0"/>
+          <a:chExt cx="0" cy="0"/>
+        </a:xfrm>
+      </p:grpSpPr>
+      <p:sp>
+        <p:nvSpPr>
+          <p:cNvPr id="305" name="Google Shape;305;g326858723f_0_19:notes"/>
+          <p:cNvSpPr>
+            <a:spLocks noGrp="1" noRot="1" noChangeAspect="1"/>
+          </p:cNvSpPr>
+          <p:nvPr>
+            <p:ph type="sldImg" idx="2"/>
+          </p:nvPr>
+        </p:nvSpPr>
+        <p:spPr>
+          <a:xfrm>
+            <a:off x="381000" y="685800"/>
+            <a:ext cx="6096000" cy="3429000"/>
+          </a:xfrm>
+          <a:custGeom>
+            <a:avLst/>
+            <a:gdLst/>
+            <a:ahLst/>
+            <a:cxnLst/>
+            <a:rect l="l" t="t" r="r" b="b"/>
+            <a:pathLst>
+              <a:path w="120000" h="120000" extrusionOk="0">
+                <a:moveTo>
+                  <a:pt x="0" y="0"/>
+                </a:moveTo>
+                <a:lnTo>
+                  <a:pt x="120000" y="0"/>
+                </a:lnTo>
+                <a:lnTo>
+                  <a:pt x="120000" y="120000"/>
+                </a:lnTo>
+                <a:lnTo>
+                  <a:pt x="0" y="120000"/>
+                </a:lnTo>
+                <a:close/>
+              </a:path>
+            </a:pathLst>
+          </a:custGeom>
+        </p:spPr>
+      </p:sp>
+      <p:sp>
+        <p:nvSpPr>
+          <p:cNvPr id="306" name="Google Shape;306;g326858723f_0_19:notes"/>
+          <p:cNvSpPr txBox="1">
+            <a:spLocks noGrp="1"/>
+          </p:cNvSpPr>
+          <p:nvPr>
+            <p:ph type="body" idx="1"/>
+          </p:nvPr>
+        </p:nvSpPr>
+        <p:spPr>
+          <a:xfrm>
+            <a:off x="685800" y="4343400"/>
+            <a:ext cx="5486400" cy="4114800"/>
+          </a:xfrm>
+          <a:prstGeom prst="rect">
+            <a:avLst/>
+          </a:prstGeom>
+        </p:spPr>
+        <p:txBody>
+          <a:bodyPr spcFirstLastPara="1" wrap="square" lIns="91425" tIns="91425" rIns="91425" bIns="91425" anchor="t" anchorCtr="0">
+            <a:noAutofit/>
+          </a:bodyPr>
+          <a:lstStyle/>
+          <a:p>
+            <a:pPr marL="0" lvl="0" indent="0" algn="l" rtl="0">
+              <a:spcBef>
+                <a:spcPts val="0"/>
+              </a:spcBef>
+              <a:spcAft>
+                <a:spcPts val="0"/>
+              </a:spcAft>
+              <a:buNone/>
+            </a:pPr>
+            <a:endParaRPr/>
+          </a:p>
+        </p:txBody>
+      </p:sp>
+    </p:spTree>
+  </p:cSld>
+  <p:clrMapOvr>
+    <a:masterClrMapping/>
+  </p:clrMapOvr>
+</p:notes>
+</file>
+
 <file path=ppt/notesSlides/notesSlide2.xml><?xml version="1.0" encoding="utf-8"?>
 <p:notes xmlns:a="http://schemas.openxmlformats.org/drawingml/2006/main" xmlns:r="http://schemas.openxmlformats.org/officeDocument/2006/relationships" xmlns:p="http://schemas.openxmlformats.org/presentationml/2006/main" showMasterSp="0" showMasterPhAnim="0">
   <p:cSld>
@@ -1026,7 +1817,7 @@
   <p:cSld>
     <p:spTree>
       <p:nvGrpSpPr>
-        <p:cNvPr id="1" name="Shape 129"/>
+        <p:cNvPr id="1" name="Shape 91"/>
         <p:cNvGrpSpPr/>
         <p:nvPr/>
       </p:nvGrpSpPr>
@@ -1040,7 +1831,7 @@
       </p:grpSpPr>
       <p:sp>
         <p:nvSpPr>
-          <p:cNvPr id="130" name="Google Shape;130;g50429dd245_0_75:notes"/>
+          <p:cNvPr id="92" name="Google Shape;92;g3fd3056a27_0_0:notes"/>
           <p:cNvSpPr>
             <a:spLocks noGrp="1" noRot="1" noChangeAspect="1"/>
           </p:cNvSpPr>
@@ -1081,7 +1872,7 @@
       </p:sp>
       <p:sp>
         <p:nvSpPr>
-          <p:cNvPr id="131" name="Google Shape;131;g50429dd245_0_75:notes"/>
+          <p:cNvPr id="93" name="Google Shape;93;g3fd3056a27_0_0:notes"/>
           <p:cNvSpPr txBox="1">
             <a:spLocks noGrp="1"/>
           </p:cNvSpPr>
@@ -1113,11 +1904,20 @@
               </a:spcAft>
               <a:buNone/>
             </a:pPr>
+            <a:r>
+              <a:rPr lang="en"/>
+              <a:t>Resume Aug 21st</a:t>
+            </a:r>
             <a:endParaRPr/>
           </a:p>
         </p:txBody>
       </p:sp>
     </p:spTree>
+    <p:extLst>
+      <p:ext uri="{BB962C8B-B14F-4D97-AF65-F5344CB8AC3E}">
+        <p14:creationId xmlns:p14="http://schemas.microsoft.com/office/powerpoint/2010/main" val="18881348"/>
+      </p:ext>
+    </p:extLst>
   </p:cSld>
   <p:clrMapOvr>
     <a:masterClrMapping/>
@@ -1130,7 +1930,7 @@
   <p:cSld>
     <p:spTree>
       <p:nvGrpSpPr>
-        <p:cNvPr id="1" name="Shape 136"/>
+        <p:cNvPr id="1" name="Shape 91"/>
         <p:cNvGrpSpPr/>
         <p:nvPr/>
       </p:nvGrpSpPr>
@@ -1144,7 +1944,7 @@
       </p:grpSpPr>
       <p:sp>
         <p:nvSpPr>
-          <p:cNvPr id="137" name="Google Shape;137;g50429dd245_0_84:notes"/>
+          <p:cNvPr id="92" name="Google Shape;92;g3fd3056a27_0_0:notes"/>
           <p:cNvSpPr>
             <a:spLocks noGrp="1" noRot="1" noChangeAspect="1"/>
           </p:cNvSpPr>
@@ -1185,7 +1985,7 @@
       </p:sp>
       <p:sp>
         <p:nvSpPr>
-          <p:cNvPr id="138" name="Google Shape;138;g50429dd245_0_84:notes"/>
+          <p:cNvPr id="93" name="Google Shape;93;g3fd3056a27_0_0:notes"/>
           <p:cNvSpPr txBox="1">
             <a:spLocks noGrp="1"/>
           </p:cNvSpPr>
@@ -1217,11 +2017,20 @@
               </a:spcAft>
               <a:buNone/>
             </a:pPr>
+            <a:r>
+              <a:rPr lang="en"/>
+              <a:t>Resume Aug 21st</a:t>
+            </a:r>
             <a:endParaRPr/>
           </a:p>
         </p:txBody>
       </p:sp>
     </p:spTree>
+    <p:extLst>
+      <p:ext uri="{BB962C8B-B14F-4D97-AF65-F5344CB8AC3E}">
+        <p14:creationId xmlns:p14="http://schemas.microsoft.com/office/powerpoint/2010/main" val="590087873"/>
+      </p:ext>
+    </p:extLst>
   </p:cSld>
   <p:clrMapOvr>
     <a:masterClrMapping/>
@@ -1234,7 +2043,7 @@
   <p:cSld>
     <p:spTree>
       <p:nvGrpSpPr>
-        <p:cNvPr id="1" name="Shape 144"/>
+        <p:cNvPr id="1" name="Shape 91"/>
         <p:cNvGrpSpPr/>
         <p:nvPr/>
       </p:nvGrpSpPr>
@@ -1248,7 +2057,7 @@
       </p:grpSpPr>
       <p:sp>
         <p:nvSpPr>
-          <p:cNvPr id="145" name="Google Shape;145;g30ca61dca6_0_14:notes"/>
+          <p:cNvPr id="92" name="Google Shape;92;g3fd3056a27_0_0:notes"/>
           <p:cNvSpPr>
             <a:spLocks noGrp="1" noRot="1" noChangeAspect="1"/>
           </p:cNvSpPr>
@@ -1289,7 +2098,7 @@
       </p:sp>
       <p:sp>
         <p:nvSpPr>
-          <p:cNvPr id="146" name="Google Shape;146;g30ca61dca6_0_14:notes"/>
+          <p:cNvPr id="93" name="Google Shape;93;g3fd3056a27_0_0:notes"/>
           <p:cNvSpPr txBox="1">
             <a:spLocks noGrp="1"/>
           </p:cNvSpPr>
@@ -1321,11 +2130,20 @@
               </a:spcAft>
               <a:buNone/>
             </a:pPr>
+            <a:r>
+              <a:rPr lang="en"/>
+              <a:t>Resume Aug 21st</a:t>
+            </a:r>
             <a:endParaRPr/>
           </a:p>
         </p:txBody>
       </p:sp>
     </p:spTree>
+    <p:extLst>
+      <p:ext uri="{BB962C8B-B14F-4D97-AF65-F5344CB8AC3E}">
+        <p14:creationId xmlns:p14="http://schemas.microsoft.com/office/powerpoint/2010/main" val="1961916327"/>
+      </p:ext>
+    </p:extLst>
   </p:cSld>
   <p:clrMapOvr>
     <a:masterClrMapping/>
@@ -1338,7 +2156,7 @@
   <p:cSld>
     <p:spTree>
       <p:nvGrpSpPr>
-        <p:cNvPr id="1" name="Shape 151"/>
+        <p:cNvPr id="1" name="Shape 91"/>
         <p:cNvGrpSpPr/>
         <p:nvPr/>
       </p:nvGrpSpPr>
@@ -1352,7 +2170,7 @@
       </p:grpSpPr>
       <p:sp>
         <p:nvSpPr>
-          <p:cNvPr id="152" name="Google Shape;152;g40751e945b_1_2:notes"/>
+          <p:cNvPr id="92" name="Google Shape;92;g3fd3056a27_0_0:notes"/>
           <p:cNvSpPr>
             <a:spLocks noGrp="1" noRot="1" noChangeAspect="1"/>
           </p:cNvSpPr>
@@ -1393,7 +2211,7 @@
       </p:sp>
       <p:sp>
         <p:nvSpPr>
-          <p:cNvPr id="153" name="Google Shape;153;g40751e945b_1_2:notes"/>
+          <p:cNvPr id="93" name="Google Shape;93;g3fd3056a27_0_0:notes"/>
           <p:cNvSpPr txBox="1">
             <a:spLocks noGrp="1"/>
           </p:cNvSpPr>
@@ -1425,11 +2243,246 @@
               </a:spcAft>
               <a:buNone/>
             </a:pPr>
+            <a:r>
+              <a:rPr lang="en"/>
+              <a:t>Resume Aug 21st</a:t>
+            </a:r>
             <a:endParaRPr/>
           </a:p>
         </p:txBody>
       </p:sp>
     </p:spTree>
+    <p:extLst>
+      <p:ext uri="{BB962C8B-B14F-4D97-AF65-F5344CB8AC3E}">
+        <p14:creationId xmlns:p14="http://schemas.microsoft.com/office/powerpoint/2010/main" val="2677802266"/>
+      </p:ext>
+    </p:extLst>
+  </p:cSld>
+  <p:clrMapOvr>
+    <a:masterClrMapping/>
+  </p:clrMapOvr>
+</p:notes>
+</file>
+
+<file path=ppt/notesSlides/notesSlide8.xml><?xml version="1.0" encoding="utf-8"?>
+<p:notes xmlns:a="http://schemas.openxmlformats.org/drawingml/2006/main" xmlns:r="http://schemas.openxmlformats.org/officeDocument/2006/relationships" xmlns:p="http://schemas.openxmlformats.org/presentationml/2006/main" showMasterSp="0" showMasterPhAnim="0">
+  <p:cSld>
+    <p:spTree>
+      <p:nvGrpSpPr>
+        <p:cNvPr id="1" name="Shape 91"/>
+        <p:cNvGrpSpPr/>
+        <p:nvPr/>
+      </p:nvGrpSpPr>
+      <p:grpSpPr>
+        <a:xfrm>
+          <a:off x="0" y="0"/>
+          <a:ext cx="0" cy="0"/>
+          <a:chOff x="0" y="0"/>
+          <a:chExt cx="0" cy="0"/>
+        </a:xfrm>
+      </p:grpSpPr>
+      <p:sp>
+        <p:nvSpPr>
+          <p:cNvPr id="92" name="Google Shape;92;g3fd3056a27_0_0:notes"/>
+          <p:cNvSpPr>
+            <a:spLocks noGrp="1" noRot="1" noChangeAspect="1"/>
+          </p:cNvSpPr>
+          <p:nvPr>
+            <p:ph type="sldImg" idx="2"/>
+          </p:nvPr>
+        </p:nvSpPr>
+        <p:spPr>
+          <a:xfrm>
+            <a:off x="381000" y="685800"/>
+            <a:ext cx="6096000" cy="3429000"/>
+          </a:xfrm>
+          <a:custGeom>
+            <a:avLst/>
+            <a:gdLst/>
+            <a:ahLst/>
+            <a:cxnLst/>
+            <a:rect l="l" t="t" r="r" b="b"/>
+            <a:pathLst>
+              <a:path w="120000" h="120000" extrusionOk="0">
+                <a:moveTo>
+                  <a:pt x="0" y="0"/>
+                </a:moveTo>
+                <a:lnTo>
+                  <a:pt x="120000" y="0"/>
+                </a:lnTo>
+                <a:lnTo>
+                  <a:pt x="120000" y="120000"/>
+                </a:lnTo>
+                <a:lnTo>
+                  <a:pt x="0" y="120000"/>
+                </a:lnTo>
+                <a:close/>
+              </a:path>
+            </a:pathLst>
+          </a:custGeom>
+        </p:spPr>
+      </p:sp>
+      <p:sp>
+        <p:nvSpPr>
+          <p:cNvPr id="93" name="Google Shape;93;g3fd3056a27_0_0:notes"/>
+          <p:cNvSpPr txBox="1">
+            <a:spLocks noGrp="1"/>
+          </p:cNvSpPr>
+          <p:nvPr>
+            <p:ph type="body" idx="1"/>
+          </p:nvPr>
+        </p:nvSpPr>
+        <p:spPr>
+          <a:xfrm>
+            <a:off x="685800" y="4343400"/>
+            <a:ext cx="5486400" cy="4114800"/>
+          </a:xfrm>
+          <a:prstGeom prst="rect">
+            <a:avLst/>
+          </a:prstGeom>
+        </p:spPr>
+        <p:txBody>
+          <a:bodyPr spcFirstLastPara="1" wrap="square" lIns="91425" tIns="91425" rIns="91425" bIns="91425" anchor="t" anchorCtr="0">
+            <a:noAutofit/>
+          </a:bodyPr>
+          <a:lstStyle/>
+          <a:p>
+            <a:pPr marL="0" lvl="0" indent="0" algn="l" rtl="0">
+              <a:spcBef>
+                <a:spcPts val="0"/>
+              </a:spcBef>
+              <a:spcAft>
+                <a:spcPts val="0"/>
+              </a:spcAft>
+              <a:buNone/>
+            </a:pPr>
+            <a:r>
+              <a:rPr lang="en"/>
+              <a:t>Resume Aug 21st</a:t>
+            </a:r>
+            <a:endParaRPr/>
+          </a:p>
+        </p:txBody>
+      </p:sp>
+    </p:spTree>
+    <p:extLst>
+      <p:ext uri="{BB962C8B-B14F-4D97-AF65-F5344CB8AC3E}">
+        <p14:creationId xmlns:p14="http://schemas.microsoft.com/office/powerpoint/2010/main" val="2039510149"/>
+      </p:ext>
+    </p:extLst>
+  </p:cSld>
+  <p:clrMapOvr>
+    <a:masterClrMapping/>
+  </p:clrMapOvr>
+</p:notes>
+</file>
+
+<file path=ppt/notesSlides/notesSlide9.xml><?xml version="1.0" encoding="utf-8"?>
+<p:notes xmlns:a="http://schemas.openxmlformats.org/drawingml/2006/main" xmlns:r="http://schemas.openxmlformats.org/officeDocument/2006/relationships" xmlns:p="http://schemas.openxmlformats.org/presentationml/2006/main" showMasterSp="0" showMasterPhAnim="0">
+  <p:cSld>
+    <p:spTree>
+      <p:nvGrpSpPr>
+        <p:cNvPr id="1" name="Shape 91"/>
+        <p:cNvGrpSpPr/>
+        <p:nvPr/>
+      </p:nvGrpSpPr>
+      <p:grpSpPr>
+        <a:xfrm>
+          <a:off x="0" y="0"/>
+          <a:ext cx="0" cy="0"/>
+          <a:chOff x="0" y="0"/>
+          <a:chExt cx="0" cy="0"/>
+        </a:xfrm>
+      </p:grpSpPr>
+      <p:sp>
+        <p:nvSpPr>
+          <p:cNvPr id="92" name="Google Shape;92;g3fd3056a27_0_0:notes"/>
+          <p:cNvSpPr>
+            <a:spLocks noGrp="1" noRot="1" noChangeAspect="1"/>
+          </p:cNvSpPr>
+          <p:nvPr>
+            <p:ph type="sldImg" idx="2"/>
+          </p:nvPr>
+        </p:nvSpPr>
+        <p:spPr>
+          <a:xfrm>
+            <a:off x="381000" y="685800"/>
+            <a:ext cx="6096000" cy="3429000"/>
+          </a:xfrm>
+          <a:custGeom>
+            <a:avLst/>
+            <a:gdLst/>
+            <a:ahLst/>
+            <a:cxnLst/>
+            <a:rect l="l" t="t" r="r" b="b"/>
+            <a:pathLst>
+              <a:path w="120000" h="120000" extrusionOk="0">
+                <a:moveTo>
+                  <a:pt x="0" y="0"/>
+                </a:moveTo>
+                <a:lnTo>
+                  <a:pt x="120000" y="0"/>
+                </a:lnTo>
+                <a:lnTo>
+                  <a:pt x="120000" y="120000"/>
+                </a:lnTo>
+                <a:lnTo>
+                  <a:pt x="0" y="120000"/>
+                </a:lnTo>
+                <a:close/>
+              </a:path>
+            </a:pathLst>
+          </a:custGeom>
+        </p:spPr>
+      </p:sp>
+      <p:sp>
+        <p:nvSpPr>
+          <p:cNvPr id="93" name="Google Shape;93;g3fd3056a27_0_0:notes"/>
+          <p:cNvSpPr txBox="1">
+            <a:spLocks noGrp="1"/>
+          </p:cNvSpPr>
+          <p:nvPr>
+            <p:ph type="body" idx="1"/>
+          </p:nvPr>
+        </p:nvSpPr>
+        <p:spPr>
+          <a:xfrm>
+            <a:off x="685800" y="4343400"/>
+            <a:ext cx="5486400" cy="4114800"/>
+          </a:xfrm>
+          <a:prstGeom prst="rect">
+            <a:avLst/>
+          </a:prstGeom>
+        </p:spPr>
+        <p:txBody>
+          <a:bodyPr spcFirstLastPara="1" wrap="square" lIns="91425" tIns="91425" rIns="91425" bIns="91425" anchor="t" anchorCtr="0">
+            <a:noAutofit/>
+          </a:bodyPr>
+          <a:lstStyle/>
+          <a:p>
+            <a:pPr marL="0" lvl="0" indent="0" algn="l" rtl="0">
+              <a:spcBef>
+                <a:spcPts val="0"/>
+              </a:spcBef>
+              <a:spcAft>
+                <a:spcPts val="0"/>
+              </a:spcAft>
+              <a:buNone/>
+            </a:pPr>
+            <a:r>
+              <a:rPr lang="en"/>
+              <a:t>Resume Aug 21st</a:t>
+            </a:r>
+            <a:endParaRPr/>
+          </a:p>
+        </p:txBody>
+      </p:sp>
+    </p:spTree>
+    <p:extLst>
+      <p:ext uri="{BB962C8B-B14F-4D97-AF65-F5344CB8AC3E}">
+        <p14:creationId xmlns:p14="http://schemas.microsoft.com/office/powerpoint/2010/main" val="3344032723"/>
+      </p:ext>
+    </p:extLst>
   </p:cSld>
   <p:clrMapOvr>
     <a:masterClrMapping/>
@@ -6898,10 +7951,14 @@
               <a:buNone/>
             </a:pPr>
             <a:r>
-              <a:rPr lang="en"/>
-              <a:t>LaunchCode Liftoff</a:t>
-            </a:r>
-            <a:endParaRPr/>
+              <a:rPr lang="en" dirty="0" err="1"/>
+              <a:t>LaunchCode</a:t>
+            </a:r>
+            <a:r>
+              <a:rPr lang="en" dirty="0"/>
+              <a:t> Liftoff</a:t>
+            </a:r>
+            <a:endParaRPr dirty="0"/>
           </a:p>
         </p:txBody>
       </p:sp>
@@ -7031,8 +8088,1696 @@
             </a:pPr>
             <a:r>
               <a:rPr lang="en" dirty="0"/>
-              <a:t>5/4/2020</a:t>
-            </a:r>
+              <a:t>8/30/2021</a:t>
+            </a:r>
+            <a:endParaRPr dirty="0"/>
+          </a:p>
+        </p:txBody>
+      </p:sp>
+    </p:spTree>
+  </p:cSld>
+  <p:clrMapOvr>
+    <a:masterClrMapping/>
+  </p:clrMapOvr>
+</p:sld>
+</file>
+
+<file path=ppt/slides/slide10.xml><?xml version="1.0" encoding="utf-8"?>
+<p:sld xmlns:a="http://schemas.openxmlformats.org/drawingml/2006/main" xmlns:r="http://schemas.openxmlformats.org/officeDocument/2006/relationships" xmlns:p="http://schemas.openxmlformats.org/presentationml/2006/main">
+  <p:cSld>
+    <p:spTree>
+      <p:nvGrpSpPr>
+        <p:cNvPr id="1" name="Shape 94"/>
+        <p:cNvGrpSpPr/>
+        <p:nvPr/>
+      </p:nvGrpSpPr>
+      <p:grpSpPr>
+        <a:xfrm>
+          <a:off x="0" y="0"/>
+          <a:ext cx="0" cy="0"/>
+          <a:chOff x="0" y="0"/>
+          <a:chExt cx="0" cy="0"/>
+        </a:xfrm>
+      </p:grpSpPr>
+      <p:sp>
+        <p:nvSpPr>
+          <p:cNvPr id="95" name="Google Shape;95;p17"/>
+          <p:cNvSpPr txBox="1">
+            <a:spLocks noGrp="1"/>
+          </p:cNvSpPr>
+          <p:nvPr>
+            <p:ph type="title"/>
+          </p:nvPr>
+        </p:nvSpPr>
+        <p:spPr>
+          <a:xfrm>
+            <a:off x="471900" y="738725"/>
+            <a:ext cx="8222100" cy="767700"/>
+          </a:xfrm>
+          <a:prstGeom prst="rect">
+            <a:avLst/>
+          </a:prstGeom>
+        </p:spPr>
+        <p:txBody>
+          <a:bodyPr spcFirstLastPara="1" wrap="square" lIns="91425" tIns="91425" rIns="91425" bIns="91425" anchor="b" anchorCtr="0">
+            <a:noAutofit/>
+          </a:bodyPr>
+          <a:lstStyle/>
+          <a:p>
+            <a:pPr marL="0" lvl="0" indent="0" algn="l" rtl="0">
+              <a:spcBef>
+                <a:spcPts val="0"/>
+              </a:spcBef>
+              <a:spcAft>
+                <a:spcPts val="0"/>
+              </a:spcAft>
+              <a:buNone/>
+            </a:pPr>
+            <a:r>
+              <a:rPr lang="en-US" dirty="0"/>
+              <a:t>REST</a:t>
+            </a:r>
+            <a:endParaRPr dirty="0"/>
+          </a:p>
+        </p:txBody>
+      </p:sp>
+      <p:sp>
+        <p:nvSpPr>
+          <p:cNvPr id="31" name="Google Shape;89;p16">
+            <a:extLst>
+              <a:ext uri="{FF2B5EF4-FFF2-40B4-BE49-F238E27FC236}">
+                <a16:creationId xmlns:a16="http://schemas.microsoft.com/office/drawing/2014/main" id="{67E34750-AD08-E94A-B9F8-33F50EC2B699}"/>
+              </a:ext>
+            </a:extLst>
+          </p:cNvPr>
+          <p:cNvSpPr txBox="1">
+            <a:spLocks noGrp="1"/>
+          </p:cNvSpPr>
+          <p:nvPr>
+            <p:ph type="body" idx="1"/>
+          </p:nvPr>
+        </p:nvSpPr>
+        <p:spPr>
+          <a:xfrm>
+            <a:off x="471900" y="1919075"/>
+            <a:ext cx="8222100" cy="2710200"/>
+          </a:xfrm>
+          <a:prstGeom prst="rect">
+            <a:avLst/>
+          </a:prstGeom>
+        </p:spPr>
+        <p:txBody>
+          <a:bodyPr spcFirstLastPara="1" wrap="square" lIns="91425" tIns="91425" rIns="91425" bIns="91425" anchor="t" anchorCtr="0">
+            <a:noAutofit/>
+          </a:bodyPr>
+          <a:lstStyle/>
+          <a:p>
+            <a:pPr marL="457200" lvl="0" indent="-342900" algn="l" rtl="0">
+              <a:spcBef>
+                <a:spcPts val="0"/>
+              </a:spcBef>
+              <a:spcAft>
+                <a:spcPts val="0"/>
+              </a:spcAft>
+              <a:buSzPts val="1800"/>
+              <a:buChar char="●"/>
+            </a:pPr>
+            <a:r>
+              <a:rPr lang="en-US" dirty="0"/>
+              <a:t>REST – </a:t>
+            </a:r>
+            <a:r>
+              <a:rPr lang="en-US" b="1" dirty="0"/>
+              <a:t>Re</a:t>
+            </a:r>
+            <a:r>
+              <a:rPr lang="en-US" dirty="0"/>
+              <a:t>presentational </a:t>
+            </a:r>
+            <a:r>
+              <a:rPr lang="en-US" b="1" dirty="0"/>
+              <a:t>S</a:t>
+            </a:r>
+            <a:r>
+              <a:rPr lang="en-US" dirty="0"/>
+              <a:t>tate </a:t>
+            </a:r>
+            <a:r>
+              <a:rPr lang="en-US" b="1" dirty="0"/>
+              <a:t>T</a:t>
+            </a:r>
+            <a:r>
+              <a:rPr lang="en-US" dirty="0"/>
+              <a:t>ransfer</a:t>
+            </a:r>
+          </a:p>
+          <a:p>
+            <a:pPr marL="457200" lvl="0" indent="-342900" algn="l" rtl="0">
+              <a:spcBef>
+                <a:spcPts val="0"/>
+              </a:spcBef>
+              <a:spcAft>
+                <a:spcPts val="0"/>
+              </a:spcAft>
+              <a:buSzPts val="1800"/>
+              <a:buChar char="●"/>
+            </a:pPr>
+            <a:r>
+              <a:rPr lang="en-US" dirty="0"/>
+              <a:t>Some interviewers will ask you to define REST, a lot of people fail on this, they can provide examples, but fail to explain what it is.</a:t>
+            </a:r>
+          </a:p>
+          <a:p>
+            <a:pPr marL="457200" lvl="0" indent="-342900" algn="l" rtl="0">
+              <a:spcBef>
+                <a:spcPts val="0"/>
+              </a:spcBef>
+              <a:spcAft>
+                <a:spcPts val="0"/>
+              </a:spcAft>
+              <a:buSzPts val="1800"/>
+              <a:buChar char="●"/>
+            </a:pPr>
+            <a:r>
+              <a:rPr lang="en-US" dirty="0"/>
+              <a:t>REST in its simplest form is a design paradigm for web services built on top of HTTP.</a:t>
+            </a:r>
+          </a:p>
+          <a:p>
+            <a:pPr marL="457200" lvl="0" indent="-342900" algn="l" rtl="0">
+              <a:spcBef>
+                <a:spcPts val="0"/>
+              </a:spcBef>
+              <a:spcAft>
+                <a:spcPts val="0"/>
+              </a:spcAft>
+              <a:buSzPts val="1800"/>
+              <a:buChar char="●"/>
+            </a:pPr>
+            <a:r>
+              <a:rPr lang="en-US" dirty="0"/>
+              <a:t>HTTP Verbs</a:t>
+            </a:r>
+          </a:p>
+          <a:p>
+            <a:pPr lvl="1" indent="-342900">
+              <a:spcBef>
+                <a:spcPts val="0"/>
+              </a:spcBef>
+              <a:buSzPts val="1800"/>
+              <a:buChar char="●"/>
+            </a:pPr>
+            <a:r>
+              <a:rPr lang="en-US" dirty="0"/>
+              <a:t>GET</a:t>
+            </a:r>
+          </a:p>
+          <a:p>
+            <a:pPr lvl="1" indent="-342900">
+              <a:spcBef>
+                <a:spcPts val="0"/>
+              </a:spcBef>
+              <a:buSzPts val="1800"/>
+              <a:buChar char="●"/>
+            </a:pPr>
+            <a:r>
+              <a:rPr lang="en-US" dirty="0"/>
+              <a:t>POST</a:t>
+            </a:r>
+          </a:p>
+          <a:p>
+            <a:pPr lvl="1" indent="-342900">
+              <a:spcBef>
+                <a:spcPts val="0"/>
+              </a:spcBef>
+              <a:buSzPts val="1800"/>
+              <a:buChar char="●"/>
+            </a:pPr>
+            <a:r>
+              <a:rPr lang="en-US" dirty="0"/>
+              <a:t>PUT</a:t>
+            </a:r>
+          </a:p>
+          <a:p>
+            <a:pPr lvl="1" indent="-342900">
+              <a:spcBef>
+                <a:spcPts val="0"/>
+              </a:spcBef>
+              <a:buSzPts val="1800"/>
+              <a:buChar char="●"/>
+            </a:pPr>
+            <a:r>
+              <a:rPr lang="en-US" dirty="0"/>
+              <a:t>DELETE</a:t>
+            </a:r>
+          </a:p>
+          <a:p>
+            <a:pPr indent="-342900">
+              <a:buSzPts val="1800"/>
+            </a:pPr>
+            <a:r>
+              <a:rPr lang="en-US" dirty="0"/>
+              <a:t>RESTful services should be client-server based stateless web services usually using JSON as the data type. </a:t>
+            </a:r>
+          </a:p>
+          <a:p>
+            <a:pPr indent="-342900">
+              <a:buSzPts val="1800"/>
+            </a:pPr>
+            <a:endParaRPr lang="en-US" dirty="0"/>
+          </a:p>
+          <a:p>
+            <a:pPr marL="457200" lvl="0" indent="-342900" algn="l" rtl="0">
+              <a:spcBef>
+                <a:spcPts val="0"/>
+              </a:spcBef>
+              <a:spcAft>
+                <a:spcPts val="0"/>
+              </a:spcAft>
+              <a:buSzPts val="1800"/>
+              <a:buChar char="●"/>
+            </a:pPr>
+            <a:endParaRPr dirty="0"/>
+          </a:p>
+        </p:txBody>
+      </p:sp>
+    </p:spTree>
+    <p:extLst>
+      <p:ext uri="{BB962C8B-B14F-4D97-AF65-F5344CB8AC3E}">
+        <p14:creationId xmlns:p14="http://schemas.microsoft.com/office/powerpoint/2010/main" val="629303076"/>
+      </p:ext>
+    </p:extLst>
+  </p:cSld>
+  <p:clrMapOvr>
+    <a:masterClrMapping/>
+  </p:clrMapOvr>
+</p:sld>
+</file>
+
+<file path=ppt/slides/slide11.xml><?xml version="1.0" encoding="utf-8"?>
+<p:sld xmlns:a="http://schemas.openxmlformats.org/drawingml/2006/main" xmlns:r="http://schemas.openxmlformats.org/officeDocument/2006/relationships" xmlns:p="http://schemas.openxmlformats.org/presentationml/2006/main">
+  <p:cSld>
+    <p:spTree>
+      <p:nvGrpSpPr>
+        <p:cNvPr id="1" name="Shape 94"/>
+        <p:cNvGrpSpPr/>
+        <p:nvPr/>
+      </p:nvGrpSpPr>
+      <p:grpSpPr>
+        <a:xfrm>
+          <a:off x="0" y="0"/>
+          <a:ext cx="0" cy="0"/>
+          <a:chOff x="0" y="0"/>
+          <a:chExt cx="0" cy="0"/>
+        </a:xfrm>
+      </p:grpSpPr>
+      <p:sp>
+        <p:nvSpPr>
+          <p:cNvPr id="95" name="Google Shape;95;p17"/>
+          <p:cNvSpPr txBox="1">
+            <a:spLocks noGrp="1"/>
+          </p:cNvSpPr>
+          <p:nvPr>
+            <p:ph type="title"/>
+          </p:nvPr>
+        </p:nvSpPr>
+        <p:spPr>
+          <a:xfrm>
+            <a:off x="471900" y="738725"/>
+            <a:ext cx="8222100" cy="767700"/>
+          </a:xfrm>
+          <a:prstGeom prst="rect">
+            <a:avLst/>
+          </a:prstGeom>
+        </p:spPr>
+        <p:txBody>
+          <a:bodyPr spcFirstLastPara="1" wrap="square" lIns="91425" tIns="91425" rIns="91425" bIns="91425" anchor="b" anchorCtr="0">
+            <a:noAutofit/>
+          </a:bodyPr>
+          <a:lstStyle/>
+          <a:p>
+            <a:pPr marL="0" lvl="0" indent="0" algn="l" rtl="0">
+              <a:spcBef>
+                <a:spcPts val="0"/>
+              </a:spcBef>
+              <a:spcAft>
+                <a:spcPts val="0"/>
+              </a:spcAft>
+              <a:buNone/>
+            </a:pPr>
+            <a:r>
+              <a:rPr lang="en-US" dirty="0"/>
+              <a:t>Public Clouds</a:t>
+            </a:r>
+            <a:endParaRPr dirty="0"/>
+          </a:p>
+        </p:txBody>
+      </p:sp>
+      <p:sp>
+        <p:nvSpPr>
+          <p:cNvPr id="31" name="Google Shape;89;p16">
+            <a:extLst>
+              <a:ext uri="{FF2B5EF4-FFF2-40B4-BE49-F238E27FC236}">
+                <a16:creationId xmlns:a16="http://schemas.microsoft.com/office/drawing/2014/main" id="{67E34750-AD08-E94A-B9F8-33F50EC2B699}"/>
+              </a:ext>
+            </a:extLst>
+          </p:cNvPr>
+          <p:cNvSpPr txBox="1">
+            <a:spLocks noGrp="1"/>
+          </p:cNvSpPr>
+          <p:nvPr>
+            <p:ph type="body" idx="1"/>
+          </p:nvPr>
+        </p:nvSpPr>
+        <p:spPr>
+          <a:xfrm>
+            <a:off x="471900" y="1919075"/>
+            <a:ext cx="8222100" cy="2710200"/>
+          </a:xfrm>
+          <a:prstGeom prst="rect">
+            <a:avLst/>
+          </a:prstGeom>
+        </p:spPr>
+        <p:txBody>
+          <a:bodyPr spcFirstLastPara="1" wrap="square" lIns="91425" tIns="91425" rIns="91425" bIns="91425" anchor="t" anchorCtr="0">
+            <a:noAutofit/>
+          </a:bodyPr>
+          <a:lstStyle/>
+          <a:p>
+            <a:pPr marL="457200" lvl="0" indent="-342900" algn="l" rtl="0">
+              <a:spcBef>
+                <a:spcPts val="0"/>
+              </a:spcBef>
+              <a:spcAft>
+                <a:spcPts val="0"/>
+              </a:spcAft>
+              <a:buSzPts val="1800"/>
+              <a:buChar char="●"/>
+            </a:pPr>
+            <a:r>
+              <a:rPr lang="en-US" dirty="0"/>
+              <a:t>You’ve probably heard of them before, AWS, Azure, GCP, etc.</a:t>
+            </a:r>
+          </a:p>
+          <a:p>
+            <a:pPr marL="457200" lvl="0" indent="-342900" algn="l" rtl="0">
+              <a:spcBef>
+                <a:spcPts val="0"/>
+              </a:spcBef>
+              <a:spcAft>
+                <a:spcPts val="0"/>
+              </a:spcAft>
+              <a:buSzPts val="1800"/>
+              <a:buChar char="●"/>
+            </a:pPr>
+            <a:r>
+              <a:rPr lang="en-US" dirty="0"/>
+              <a:t>These are the public clouds many companies are using to run their businesses!</a:t>
+            </a:r>
+          </a:p>
+          <a:p>
+            <a:pPr marL="457200" lvl="0" indent="-342900" algn="l" rtl="0">
+              <a:spcBef>
+                <a:spcPts val="0"/>
+              </a:spcBef>
+              <a:spcAft>
+                <a:spcPts val="0"/>
+              </a:spcAft>
+              <a:buSzPts val="1800"/>
+              <a:buChar char="●"/>
+            </a:pPr>
+            <a:r>
+              <a:rPr lang="en-US" dirty="0"/>
+              <a:t>These public clouds provide many services at various layers including</a:t>
+            </a:r>
+          </a:p>
+          <a:p>
+            <a:pPr lvl="1" indent="-342900">
+              <a:spcBef>
+                <a:spcPts val="0"/>
+              </a:spcBef>
+              <a:buSzPts val="1800"/>
+              <a:buChar char="●"/>
+            </a:pPr>
+            <a:r>
+              <a:rPr lang="en-US" dirty="0"/>
+              <a:t>IAAS – Infrastructure as a service – Basic building blocks of IT – Servers, network, data storage, etc.</a:t>
+            </a:r>
+          </a:p>
+          <a:p>
+            <a:pPr lvl="1" indent="-342900">
+              <a:spcBef>
+                <a:spcPts val="0"/>
+              </a:spcBef>
+              <a:buSzPts val="1800"/>
+              <a:buChar char="●"/>
+            </a:pPr>
+            <a:r>
+              <a:rPr lang="en-US" dirty="0"/>
+              <a:t>PAAS – Platform as a service – Hardware and OS, allows for focus on deployment. No need to worry about OS level concerns (patches, </a:t>
+            </a:r>
+            <a:r>
+              <a:rPr lang="en-US" dirty="0" err="1"/>
+              <a:t>etc</a:t>
+            </a:r>
+            <a:r>
+              <a:rPr lang="en-US" dirty="0"/>
+              <a:t>)</a:t>
+            </a:r>
+          </a:p>
+          <a:p>
+            <a:pPr lvl="1" indent="-342900">
+              <a:spcBef>
+                <a:spcPts val="0"/>
+              </a:spcBef>
+              <a:buSzPts val="1800"/>
+              <a:buChar char="●"/>
+            </a:pPr>
+            <a:r>
+              <a:rPr lang="en-US" dirty="0"/>
+              <a:t>SAAS – Software as a service – Completed product that can be run and is managed by the cloud provider. E.g. – Web-based email</a:t>
+            </a:r>
+          </a:p>
+          <a:p>
+            <a:pPr indent="-342900">
+              <a:buSzPts val="1800"/>
+            </a:pPr>
+            <a:r>
+              <a:rPr lang="en-US" dirty="0"/>
+              <a:t>The layer of public cloud services you use will depend on your needs, as you go from IAAS -&gt; SAAS, your low-level control disappears.</a:t>
+            </a:r>
+          </a:p>
+          <a:p>
+            <a:pPr indent="-342900">
+              <a:buSzPts val="1800"/>
+            </a:pPr>
+            <a:r>
+              <a:rPr lang="en-US" dirty="0">
+                <a:hlinkClick r:id="rId3"/>
+              </a:rPr>
+              <a:t>https://aws.amazon.com/types-of-cloud-computing/</a:t>
+            </a:r>
+            <a:endParaRPr lang="en-US" dirty="0"/>
+          </a:p>
+          <a:p>
+            <a:pPr indent="-342900">
+              <a:buSzPts val="1800"/>
+            </a:pPr>
+            <a:endParaRPr lang="en-US" dirty="0"/>
+          </a:p>
+          <a:p>
+            <a:pPr marL="457200" lvl="0" indent="-342900" algn="l" rtl="0">
+              <a:spcBef>
+                <a:spcPts val="0"/>
+              </a:spcBef>
+              <a:spcAft>
+                <a:spcPts val="0"/>
+              </a:spcAft>
+              <a:buSzPts val="1800"/>
+              <a:buChar char="●"/>
+            </a:pPr>
+            <a:endParaRPr dirty="0"/>
+          </a:p>
+        </p:txBody>
+      </p:sp>
+    </p:spTree>
+    <p:extLst>
+      <p:ext uri="{BB962C8B-B14F-4D97-AF65-F5344CB8AC3E}">
+        <p14:creationId xmlns:p14="http://schemas.microsoft.com/office/powerpoint/2010/main" val="1630937321"/>
+      </p:ext>
+    </p:extLst>
+  </p:cSld>
+  <p:clrMapOvr>
+    <a:masterClrMapping/>
+  </p:clrMapOvr>
+</p:sld>
+</file>
+
+<file path=ppt/slides/slide12.xml><?xml version="1.0" encoding="utf-8"?>
+<p:sld xmlns:a="http://schemas.openxmlformats.org/drawingml/2006/main" xmlns:r="http://schemas.openxmlformats.org/officeDocument/2006/relationships" xmlns:p="http://schemas.openxmlformats.org/presentationml/2006/main">
+  <p:cSld>
+    <p:spTree>
+      <p:nvGrpSpPr>
+        <p:cNvPr id="1" name="Shape 94"/>
+        <p:cNvGrpSpPr/>
+        <p:nvPr/>
+      </p:nvGrpSpPr>
+      <p:grpSpPr>
+        <a:xfrm>
+          <a:off x="0" y="0"/>
+          <a:ext cx="0" cy="0"/>
+          <a:chOff x="0" y="0"/>
+          <a:chExt cx="0" cy="0"/>
+        </a:xfrm>
+      </p:grpSpPr>
+      <p:sp>
+        <p:nvSpPr>
+          <p:cNvPr id="95" name="Google Shape;95;p17"/>
+          <p:cNvSpPr txBox="1">
+            <a:spLocks noGrp="1"/>
+          </p:cNvSpPr>
+          <p:nvPr>
+            <p:ph type="title"/>
+          </p:nvPr>
+        </p:nvSpPr>
+        <p:spPr>
+          <a:xfrm>
+            <a:off x="471900" y="738725"/>
+            <a:ext cx="8222100" cy="767700"/>
+          </a:xfrm>
+          <a:prstGeom prst="rect">
+            <a:avLst/>
+          </a:prstGeom>
+        </p:spPr>
+        <p:txBody>
+          <a:bodyPr spcFirstLastPara="1" wrap="square" lIns="91425" tIns="91425" rIns="91425" bIns="91425" anchor="b" anchorCtr="0">
+            <a:noAutofit/>
+          </a:bodyPr>
+          <a:lstStyle/>
+          <a:p>
+            <a:pPr marL="0" lvl="0" indent="0" algn="l" rtl="0">
+              <a:spcBef>
+                <a:spcPts val="0"/>
+              </a:spcBef>
+              <a:spcAft>
+                <a:spcPts val="0"/>
+              </a:spcAft>
+              <a:buNone/>
+            </a:pPr>
+            <a:r>
+              <a:rPr lang="en-US" dirty="0"/>
+              <a:t>Containerization</a:t>
+            </a:r>
+            <a:endParaRPr dirty="0"/>
+          </a:p>
+        </p:txBody>
+      </p:sp>
+      <p:sp>
+        <p:nvSpPr>
+          <p:cNvPr id="31" name="Google Shape;89;p16">
+            <a:extLst>
+              <a:ext uri="{FF2B5EF4-FFF2-40B4-BE49-F238E27FC236}">
+                <a16:creationId xmlns:a16="http://schemas.microsoft.com/office/drawing/2014/main" id="{67E34750-AD08-E94A-B9F8-33F50EC2B699}"/>
+              </a:ext>
+            </a:extLst>
+          </p:cNvPr>
+          <p:cNvSpPr txBox="1">
+            <a:spLocks noGrp="1"/>
+          </p:cNvSpPr>
+          <p:nvPr>
+            <p:ph type="body" idx="1"/>
+          </p:nvPr>
+        </p:nvSpPr>
+        <p:spPr>
+          <a:xfrm>
+            <a:off x="471900" y="1919075"/>
+            <a:ext cx="8222100" cy="2710200"/>
+          </a:xfrm>
+          <a:prstGeom prst="rect">
+            <a:avLst/>
+          </a:prstGeom>
+        </p:spPr>
+        <p:txBody>
+          <a:bodyPr spcFirstLastPara="1" wrap="square" lIns="91425" tIns="91425" rIns="91425" bIns="91425" anchor="t" anchorCtr="0">
+            <a:noAutofit/>
+          </a:bodyPr>
+          <a:lstStyle/>
+          <a:p>
+            <a:pPr indent="-342900">
+              <a:buSzPts val="1800"/>
+            </a:pPr>
+            <a:r>
+              <a:rPr lang="en-US" dirty="0"/>
+              <a:t>Back in the day, all web services were deployed to purchased, physical hardware as monolith servers/applications.</a:t>
+            </a:r>
+          </a:p>
+          <a:p>
+            <a:pPr marL="457200" lvl="0" indent="-342900" algn="l" rtl="0">
+              <a:spcBef>
+                <a:spcPts val="0"/>
+              </a:spcBef>
+              <a:spcAft>
+                <a:spcPts val="0"/>
+              </a:spcAft>
+              <a:buSzPts val="1800"/>
+              <a:buChar char="●"/>
+            </a:pPr>
+            <a:r>
+              <a:rPr lang="en-US" dirty="0"/>
+              <a:t>This was very expensive and left a lot of unused hardware as usually only 1 application was running per server.</a:t>
+            </a:r>
+          </a:p>
+          <a:p>
+            <a:pPr marL="457200" lvl="0" indent="-342900" algn="l" rtl="0">
+              <a:spcBef>
+                <a:spcPts val="0"/>
+              </a:spcBef>
+              <a:spcAft>
+                <a:spcPts val="0"/>
+              </a:spcAft>
+              <a:buSzPts val="1800"/>
+              <a:buChar char="●"/>
+            </a:pPr>
+            <a:r>
+              <a:rPr lang="en-US" dirty="0"/>
+              <a:t>Then we were introduced to virtual machines. This allowed us to split up a single server into multiple (virtual) servers, each with their own operating system and hardware resources</a:t>
+            </a:r>
+          </a:p>
+          <a:p>
+            <a:pPr marL="457200" lvl="0" indent="-342900" algn="l" rtl="0">
+              <a:spcBef>
+                <a:spcPts val="0"/>
+              </a:spcBef>
+              <a:spcAft>
+                <a:spcPts val="0"/>
+              </a:spcAft>
+              <a:buSzPts val="1800"/>
+              <a:buChar char="●"/>
+            </a:pPr>
+            <a:r>
+              <a:rPr lang="en-US" dirty="0"/>
+              <a:t>This was an improvement, but required each virtual machine to be updated</a:t>
+            </a:r>
+          </a:p>
+          <a:p>
+            <a:pPr marL="457200" lvl="0" indent="-342900" algn="l" rtl="0">
+              <a:spcBef>
+                <a:spcPts val="0"/>
+              </a:spcBef>
+              <a:spcAft>
+                <a:spcPts val="0"/>
+              </a:spcAft>
+              <a:buSzPts val="1800"/>
+              <a:buChar char="●"/>
+            </a:pPr>
+            <a:r>
+              <a:rPr lang="en-US" dirty="0"/>
+              <a:t>And lastly, we come to containers. Containers allowed multiple applications on a single machine with a single operating system (usually Linux :P) </a:t>
+            </a:r>
+          </a:p>
+          <a:p>
+            <a:pPr marL="457200" lvl="0" indent="-342900" algn="l" rtl="0">
+              <a:spcBef>
+                <a:spcPts val="0"/>
+              </a:spcBef>
+              <a:spcAft>
+                <a:spcPts val="0"/>
+              </a:spcAft>
+              <a:buSzPts val="1800"/>
+              <a:buChar char="●"/>
+            </a:pPr>
+            <a:endParaRPr dirty="0"/>
+          </a:p>
+        </p:txBody>
+      </p:sp>
+    </p:spTree>
+    <p:extLst>
+      <p:ext uri="{BB962C8B-B14F-4D97-AF65-F5344CB8AC3E}">
+        <p14:creationId xmlns:p14="http://schemas.microsoft.com/office/powerpoint/2010/main" val="3335204846"/>
+      </p:ext>
+    </p:extLst>
+  </p:cSld>
+  <p:clrMapOvr>
+    <a:masterClrMapping/>
+  </p:clrMapOvr>
+</p:sld>
+</file>
+
+<file path=ppt/slides/slide13.xml><?xml version="1.0" encoding="utf-8"?>
+<p:sld xmlns:a="http://schemas.openxmlformats.org/drawingml/2006/main" xmlns:r="http://schemas.openxmlformats.org/officeDocument/2006/relationships" xmlns:p="http://schemas.openxmlformats.org/presentationml/2006/main">
+  <p:cSld>
+    <p:spTree>
+      <p:nvGrpSpPr>
+        <p:cNvPr id="1" name="Shape 94"/>
+        <p:cNvGrpSpPr/>
+        <p:nvPr/>
+      </p:nvGrpSpPr>
+      <p:grpSpPr>
+        <a:xfrm>
+          <a:off x="0" y="0"/>
+          <a:ext cx="0" cy="0"/>
+          <a:chOff x="0" y="0"/>
+          <a:chExt cx="0" cy="0"/>
+        </a:xfrm>
+      </p:grpSpPr>
+      <p:sp>
+        <p:nvSpPr>
+          <p:cNvPr id="95" name="Google Shape;95;p17"/>
+          <p:cNvSpPr txBox="1">
+            <a:spLocks noGrp="1"/>
+          </p:cNvSpPr>
+          <p:nvPr>
+            <p:ph type="title"/>
+          </p:nvPr>
+        </p:nvSpPr>
+        <p:spPr>
+          <a:xfrm>
+            <a:off x="471900" y="738725"/>
+            <a:ext cx="8222100" cy="767700"/>
+          </a:xfrm>
+          <a:prstGeom prst="rect">
+            <a:avLst/>
+          </a:prstGeom>
+        </p:spPr>
+        <p:txBody>
+          <a:bodyPr spcFirstLastPara="1" wrap="square" lIns="91425" tIns="91425" rIns="91425" bIns="91425" anchor="b" anchorCtr="0">
+            <a:noAutofit/>
+          </a:bodyPr>
+          <a:lstStyle/>
+          <a:p>
+            <a:pPr marL="0" lvl="0" indent="0" algn="l" rtl="0">
+              <a:spcBef>
+                <a:spcPts val="0"/>
+              </a:spcBef>
+              <a:spcAft>
+                <a:spcPts val="0"/>
+              </a:spcAft>
+              <a:buNone/>
+            </a:pPr>
+            <a:r>
+              <a:rPr lang="en-US" dirty="0"/>
+              <a:t>Containerization Vs VM</a:t>
+            </a:r>
+            <a:endParaRPr dirty="0"/>
+          </a:p>
+        </p:txBody>
+      </p:sp>
+      <p:sp>
+        <p:nvSpPr>
+          <p:cNvPr id="3" name="Text Placeholder 2">
+            <a:extLst>
+              <a:ext uri="{FF2B5EF4-FFF2-40B4-BE49-F238E27FC236}">
+                <a16:creationId xmlns:a16="http://schemas.microsoft.com/office/drawing/2014/main" id="{EC85E240-3A06-E34E-8D5F-294738518061}"/>
+              </a:ext>
+            </a:extLst>
+          </p:cNvPr>
+          <p:cNvSpPr>
+            <a:spLocks noGrp="1"/>
+          </p:cNvSpPr>
+          <p:nvPr>
+            <p:ph type="body" idx="1"/>
+          </p:nvPr>
+        </p:nvSpPr>
+        <p:spPr>
+          <a:xfrm>
+            <a:off x="2473882" y="1694575"/>
+            <a:ext cx="712663" cy="322128"/>
+          </a:xfrm>
+        </p:spPr>
+        <p:txBody>
+          <a:bodyPr/>
+          <a:lstStyle/>
+          <a:p>
+            <a:pPr marL="139700" indent="0">
+              <a:buNone/>
+            </a:pPr>
+            <a:r>
+              <a:rPr lang="en-US" dirty="0"/>
+              <a:t>VM</a:t>
+            </a:r>
+          </a:p>
+        </p:txBody>
+      </p:sp>
+      <p:pic>
+        <p:nvPicPr>
+          <p:cNvPr id="5" name="Picture 4" descr="Graphical user interface, website&#10;&#10;Description automatically generated">
+            <a:extLst>
+              <a:ext uri="{FF2B5EF4-FFF2-40B4-BE49-F238E27FC236}">
+                <a16:creationId xmlns:a16="http://schemas.microsoft.com/office/drawing/2014/main" id="{2AD17ABC-5AFA-004B-97DD-96B93DDF8925}"/>
+              </a:ext>
+            </a:extLst>
+          </p:cNvPr>
+          <p:cNvPicPr>
+            <a:picLocks noChangeAspect="1"/>
+          </p:cNvPicPr>
+          <p:nvPr/>
+        </p:nvPicPr>
+        <p:blipFill>
+          <a:blip r:embed="rId3"/>
+          <a:stretch>
+            <a:fillRect/>
+          </a:stretch>
+        </p:blipFill>
+        <p:spPr>
+          <a:xfrm>
+            <a:off x="901398" y="2016703"/>
+            <a:ext cx="7341204" cy="3025222"/>
+          </a:xfrm>
+          <a:prstGeom prst="rect">
+            <a:avLst/>
+          </a:prstGeom>
+        </p:spPr>
+      </p:pic>
+      <p:sp>
+        <p:nvSpPr>
+          <p:cNvPr id="8" name="Text Placeholder 2">
+            <a:extLst>
+              <a:ext uri="{FF2B5EF4-FFF2-40B4-BE49-F238E27FC236}">
+                <a16:creationId xmlns:a16="http://schemas.microsoft.com/office/drawing/2014/main" id="{261194EE-9C90-1B48-9BB1-6CE5D3ACB816}"/>
+              </a:ext>
+            </a:extLst>
+          </p:cNvPr>
+          <p:cNvSpPr txBox="1">
+            <a:spLocks/>
+          </p:cNvSpPr>
+          <p:nvPr/>
+        </p:nvSpPr>
+        <p:spPr>
+          <a:xfrm>
+            <a:off x="5832766" y="1694575"/>
+            <a:ext cx="1198416" cy="322128"/>
+          </a:xfrm>
+          <a:prstGeom prst="rect">
+            <a:avLst/>
+          </a:prstGeom>
+          <a:noFill/>
+          <a:ln>
+            <a:noFill/>
+          </a:ln>
+        </p:spPr>
+        <p:txBody>
+          <a:bodyPr spcFirstLastPara="1" wrap="square" lIns="91425" tIns="91425" rIns="91425" bIns="91425" anchor="t" anchorCtr="0">
+            <a:noAutofit/>
+          </a:bodyPr>
+          <a:lstStyle>
+            <a:defPPr marR="0" lvl="0" algn="l" rtl="0">
+              <a:lnSpc>
+                <a:spcPct val="100000"/>
+              </a:lnSpc>
+              <a:spcBef>
+                <a:spcPts val="0"/>
+              </a:spcBef>
+              <a:spcAft>
+                <a:spcPts val="0"/>
+              </a:spcAft>
+            </a:defPPr>
+            <a:lvl1pPr marL="457200" marR="0" lvl="0" indent="-317500" algn="l" rtl="0">
+              <a:lnSpc>
+                <a:spcPct val="115000"/>
+              </a:lnSpc>
+              <a:spcBef>
+                <a:spcPts val="0"/>
+              </a:spcBef>
+              <a:spcAft>
+                <a:spcPts val="0"/>
+              </a:spcAft>
+              <a:buClr>
+                <a:schemeClr val="lt2"/>
+              </a:buClr>
+              <a:buSzPts val="1400"/>
+              <a:buFont typeface="Roboto"/>
+              <a:buChar char="●"/>
+              <a:defRPr sz="1400" b="0" i="0" u="none" strike="noStrike" cap="none">
+                <a:solidFill>
+                  <a:schemeClr val="lt2"/>
+                </a:solidFill>
+                <a:latin typeface="Roboto"/>
+                <a:ea typeface="Roboto"/>
+                <a:cs typeface="Roboto"/>
+                <a:sym typeface="Roboto"/>
+              </a:defRPr>
+            </a:lvl1pPr>
+            <a:lvl2pPr marL="914400" marR="0" lvl="1" indent="-304800" algn="l" rtl="0">
+              <a:lnSpc>
+                <a:spcPct val="115000"/>
+              </a:lnSpc>
+              <a:spcBef>
+                <a:spcPts val="1600"/>
+              </a:spcBef>
+              <a:spcAft>
+                <a:spcPts val="0"/>
+              </a:spcAft>
+              <a:buClr>
+                <a:schemeClr val="lt2"/>
+              </a:buClr>
+              <a:buSzPts val="1200"/>
+              <a:buFont typeface="Roboto"/>
+              <a:buChar char="○"/>
+              <a:defRPr sz="1200" b="0" i="0" u="none" strike="noStrike" cap="none">
+                <a:solidFill>
+                  <a:schemeClr val="lt2"/>
+                </a:solidFill>
+                <a:latin typeface="Roboto"/>
+                <a:ea typeface="Roboto"/>
+                <a:cs typeface="Roboto"/>
+                <a:sym typeface="Roboto"/>
+              </a:defRPr>
+            </a:lvl2pPr>
+            <a:lvl3pPr marL="1371600" marR="0" lvl="2" indent="-304800" algn="l" rtl="0">
+              <a:lnSpc>
+                <a:spcPct val="115000"/>
+              </a:lnSpc>
+              <a:spcBef>
+                <a:spcPts val="1600"/>
+              </a:spcBef>
+              <a:spcAft>
+                <a:spcPts val="0"/>
+              </a:spcAft>
+              <a:buClr>
+                <a:schemeClr val="lt2"/>
+              </a:buClr>
+              <a:buSzPts val="1200"/>
+              <a:buFont typeface="Roboto"/>
+              <a:buChar char="■"/>
+              <a:defRPr sz="1200" b="0" i="0" u="none" strike="noStrike" cap="none">
+                <a:solidFill>
+                  <a:schemeClr val="lt2"/>
+                </a:solidFill>
+                <a:latin typeface="Roboto"/>
+                <a:ea typeface="Roboto"/>
+                <a:cs typeface="Roboto"/>
+                <a:sym typeface="Roboto"/>
+              </a:defRPr>
+            </a:lvl3pPr>
+            <a:lvl4pPr marL="1828800" marR="0" lvl="3" indent="-304800" algn="l" rtl="0">
+              <a:lnSpc>
+                <a:spcPct val="115000"/>
+              </a:lnSpc>
+              <a:spcBef>
+                <a:spcPts val="1600"/>
+              </a:spcBef>
+              <a:spcAft>
+                <a:spcPts val="0"/>
+              </a:spcAft>
+              <a:buClr>
+                <a:schemeClr val="lt2"/>
+              </a:buClr>
+              <a:buSzPts val="1200"/>
+              <a:buFont typeface="Roboto"/>
+              <a:buChar char="●"/>
+              <a:defRPr sz="1200" b="0" i="0" u="none" strike="noStrike" cap="none">
+                <a:solidFill>
+                  <a:schemeClr val="lt2"/>
+                </a:solidFill>
+                <a:latin typeface="Roboto"/>
+                <a:ea typeface="Roboto"/>
+                <a:cs typeface="Roboto"/>
+                <a:sym typeface="Roboto"/>
+              </a:defRPr>
+            </a:lvl4pPr>
+            <a:lvl5pPr marL="2286000" marR="0" lvl="4" indent="-304800" algn="l" rtl="0">
+              <a:lnSpc>
+                <a:spcPct val="115000"/>
+              </a:lnSpc>
+              <a:spcBef>
+                <a:spcPts val="1600"/>
+              </a:spcBef>
+              <a:spcAft>
+                <a:spcPts val="0"/>
+              </a:spcAft>
+              <a:buClr>
+                <a:schemeClr val="lt2"/>
+              </a:buClr>
+              <a:buSzPts val="1200"/>
+              <a:buFont typeface="Roboto"/>
+              <a:buChar char="○"/>
+              <a:defRPr sz="1200" b="0" i="0" u="none" strike="noStrike" cap="none">
+                <a:solidFill>
+                  <a:schemeClr val="lt2"/>
+                </a:solidFill>
+                <a:latin typeface="Roboto"/>
+                <a:ea typeface="Roboto"/>
+                <a:cs typeface="Roboto"/>
+                <a:sym typeface="Roboto"/>
+              </a:defRPr>
+            </a:lvl5pPr>
+            <a:lvl6pPr marL="2743200" marR="0" lvl="5" indent="-304800" algn="l" rtl="0">
+              <a:lnSpc>
+                <a:spcPct val="115000"/>
+              </a:lnSpc>
+              <a:spcBef>
+                <a:spcPts val="1600"/>
+              </a:spcBef>
+              <a:spcAft>
+                <a:spcPts val="0"/>
+              </a:spcAft>
+              <a:buClr>
+                <a:schemeClr val="lt2"/>
+              </a:buClr>
+              <a:buSzPts val="1200"/>
+              <a:buFont typeface="Roboto"/>
+              <a:buChar char="■"/>
+              <a:defRPr sz="1200" b="0" i="0" u="none" strike="noStrike" cap="none">
+                <a:solidFill>
+                  <a:schemeClr val="lt2"/>
+                </a:solidFill>
+                <a:latin typeface="Roboto"/>
+                <a:ea typeface="Roboto"/>
+                <a:cs typeface="Roboto"/>
+                <a:sym typeface="Roboto"/>
+              </a:defRPr>
+            </a:lvl6pPr>
+            <a:lvl7pPr marL="3200400" marR="0" lvl="6" indent="-304800" algn="l" rtl="0">
+              <a:lnSpc>
+                <a:spcPct val="115000"/>
+              </a:lnSpc>
+              <a:spcBef>
+                <a:spcPts val="1600"/>
+              </a:spcBef>
+              <a:spcAft>
+                <a:spcPts val="0"/>
+              </a:spcAft>
+              <a:buClr>
+                <a:schemeClr val="lt2"/>
+              </a:buClr>
+              <a:buSzPts val="1200"/>
+              <a:buFont typeface="Roboto"/>
+              <a:buChar char="●"/>
+              <a:defRPr sz="1200" b="0" i="0" u="none" strike="noStrike" cap="none">
+                <a:solidFill>
+                  <a:schemeClr val="lt2"/>
+                </a:solidFill>
+                <a:latin typeface="Roboto"/>
+                <a:ea typeface="Roboto"/>
+                <a:cs typeface="Roboto"/>
+                <a:sym typeface="Roboto"/>
+              </a:defRPr>
+            </a:lvl7pPr>
+            <a:lvl8pPr marL="3657600" marR="0" lvl="7" indent="-304800" algn="l" rtl="0">
+              <a:lnSpc>
+                <a:spcPct val="115000"/>
+              </a:lnSpc>
+              <a:spcBef>
+                <a:spcPts val="1600"/>
+              </a:spcBef>
+              <a:spcAft>
+                <a:spcPts val="0"/>
+              </a:spcAft>
+              <a:buClr>
+                <a:schemeClr val="lt2"/>
+              </a:buClr>
+              <a:buSzPts val="1200"/>
+              <a:buFont typeface="Roboto"/>
+              <a:buChar char="○"/>
+              <a:defRPr sz="1200" b="0" i="0" u="none" strike="noStrike" cap="none">
+                <a:solidFill>
+                  <a:schemeClr val="lt2"/>
+                </a:solidFill>
+                <a:latin typeface="Roboto"/>
+                <a:ea typeface="Roboto"/>
+                <a:cs typeface="Roboto"/>
+                <a:sym typeface="Roboto"/>
+              </a:defRPr>
+            </a:lvl8pPr>
+            <a:lvl9pPr marL="4114800" marR="0" lvl="8" indent="-304800" algn="l" rtl="0">
+              <a:lnSpc>
+                <a:spcPct val="115000"/>
+              </a:lnSpc>
+              <a:spcBef>
+                <a:spcPts val="1600"/>
+              </a:spcBef>
+              <a:spcAft>
+                <a:spcPts val="1600"/>
+              </a:spcAft>
+              <a:buClr>
+                <a:schemeClr val="lt2"/>
+              </a:buClr>
+              <a:buSzPts val="1200"/>
+              <a:buFont typeface="Roboto"/>
+              <a:buChar char="■"/>
+              <a:defRPr sz="1200" b="0" i="0" u="none" strike="noStrike" cap="none">
+                <a:solidFill>
+                  <a:schemeClr val="lt2"/>
+                </a:solidFill>
+                <a:latin typeface="Roboto"/>
+                <a:ea typeface="Roboto"/>
+                <a:cs typeface="Roboto"/>
+                <a:sym typeface="Roboto"/>
+              </a:defRPr>
+            </a:lvl9pPr>
+          </a:lstStyle>
+          <a:p>
+            <a:pPr marL="139700" indent="0">
+              <a:buFont typeface="Roboto"/>
+              <a:buNone/>
+            </a:pPr>
+            <a:r>
+              <a:rPr lang="en-US" dirty="0"/>
+              <a:t>Containers</a:t>
+            </a:r>
+          </a:p>
+        </p:txBody>
+      </p:sp>
+    </p:spTree>
+    <p:extLst>
+      <p:ext uri="{BB962C8B-B14F-4D97-AF65-F5344CB8AC3E}">
+        <p14:creationId xmlns:p14="http://schemas.microsoft.com/office/powerpoint/2010/main" val="2943863576"/>
+      </p:ext>
+    </p:extLst>
+  </p:cSld>
+  <p:clrMapOvr>
+    <a:masterClrMapping/>
+  </p:clrMapOvr>
+</p:sld>
+</file>
+
+<file path=ppt/slides/slide14.xml><?xml version="1.0" encoding="utf-8"?>
+<p:sld xmlns:a="http://schemas.openxmlformats.org/drawingml/2006/main" xmlns:r="http://schemas.openxmlformats.org/officeDocument/2006/relationships" xmlns:p="http://schemas.openxmlformats.org/presentationml/2006/main">
+  <p:cSld>
+    <p:spTree>
+      <p:nvGrpSpPr>
+        <p:cNvPr id="1" name="Shape 94"/>
+        <p:cNvGrpSpPr/>
+        <p:nvPr/>
+      </p:nvGrpSpPr>
+      <p:grpSpPr>
+        <a:xfrm>
+          <a:off x="0" y="0"/>
+          <a:ext cx="0" cy="0"/>
+          <a:chOff x="0" y="0"/>
+          <a:chExt cx="0" cy="0"/>
+        </a:xfrm>
+      </p:grpSpPr>
+      <p:sp>
+        <p:nvSpPr>
+          <p:cNvPr id="95" name="Google Shape;95;p17"/>
+          <p:cNvSpPr txBox="1">
+            <a:spLocks noGrp="1"/>
+          </p:cNvSpPr>
+          <p:nvPr>
+            <p:ph type="title"/>
+          </p:nvPr>
+        </p:nvSpPr>
+        <p:spPr>
+          <a:xfrm>
+            <a:off x="471900" y="738725"/>
+            <a:ext cx="8222100" cy="767700"/>
+          </a:xfrm>
+          <a:prstGeom prst="rect">
+            <a:avLst/>
+          </a:prstGeom>
+        </p:spPr>
+        <p:txBody>
+          <a:bodyPr spcFirstLastPara="1" wrap="square" lIns="91425" tIns="91425" rIns="91425" bIns="91425" anchor="b" anchorCtr="0">
+            <a:noAutofit/>
+          </a:bodyPr>
+          <a:lstStyle/>
+          <a:p>
+            <a:pPr marL="0" lvl="0" indent="0" algn="l" rtl="0">
+              <a:spcBef>
+                <a:spcPts val="0"/>
+              </a:spcBef>
+              <a:spcAft>
+                <a:spcPts val="0"/>
+              </a:spcAft>
+              <a:buNone/>
+            </a:pPr>
+            <a:r>
+              <a:rPr lang="en-US" dirty="0"/>
+              <a:t>Microservices</a:t>
+            </a:r>
+            <a:endParaRPr dirty="0"/>
+          </a:p>
+        </p:txBody>
+      </p:sp>
+      <p:sp>
+        <p:nvSpPr>
+          <p:cNvPr id="31" name="Google Shape;89;p16">
+            <a:extLst>
+              <a:ext uri="{FF2B5EF4-FFF2-40B4-BE49-F238E27FC236}">
+                <a16:creationId xmlns:a16="http://schemas.microsoft.com/office/drawing/2014/main" id="{67E34750-AD08-E94A-B9F8-33F50EC2B699}"/>
+              </a:ext>
+            </a:extLst>
+          </p:cNvPr>
+          <p:cNvSpPr txBox="1">
+            <a:spLocks noGrp="1"/>
+          </p:cNvSpPr>
+          <p:nvPr>
+            <p:ph type="body" idx="1"/>
+          </p:nvPr>
+        </p:nvSpPr>
+        <p:spPr>
+          <a:xfrm>
+            <a:off x="471900" y="1454948"/>
+            <a:ext cx="8222100" cy="2710200"/>
+          </a:xfrm>
+          <a:prstGeom prst="rect">
+            <a:avLst/>
+          </a:prstGeom>
+        </p:spPr>
+        <p:txBody>
+          <a:bodyPr spcFirstLastPara="1" wrap="square" lIns="91425" tIns="91425" rIns="91425" bIns="91425" anchor="t" anchorCtr="0">
+            <a:noAutofit/>
+          </a:bodyPr>
+          <a:lstStyle/>
+          <a:p>
+            <a:pPr marL="457200" lvl="0" indent="-342900" algn="l" rtl="0">
+              <a:spcBef>
+                <a:spcPts val="0"/>
+              </a:spcBef>
+              <a:spcAft>
+                <a:spcPts val="0"/>
+              </a:spcAft>
+              <a:buSzPts val="1800"/>
+              <a:buChar char="●"/>
+            </a:pPr>
+            <a:endParaRPr lang="en-US" dirty="0"/>
+          </a:p>
+          <a:p>
+            <a:pPr marL="457200" lvl="0" indent="-342900" algn="l" rtl="0">
+              <a:spcBef>
+                <a:spcPts val="0"/>
+              </a:spcBef>
+              <a:spcAft>
+                <a:spcPts val="0"/>
+              </a:spcAft>
+              <a:buSzPts val="1800"/>
+              <a:buChar char="●"/>
+            </a:pPr>
+            <a:r>
+              <a:rPr lang="en-US" dirty="0"/>
+              <a:t>Back in the day web services and applications were large, monolithic blobs.</a:t>
+            </a:r>
+          </a:p>
+          <a:p>
+            <a:pPr marL="457200" lvl="0" indent="-342900" algn="l" rtl="0">
+              <a:spcBef>
+                <a:spcPts val="0"/>
+              </a:spcBef>
+              <a:spcAft>
+                <a:spcPts val="0"/>
+              </a:spcAft>
+              <a:buSzPts val="1800"/>
+              <a:buChar char="●"/>
+            </a:pPr>
+            <a:r>
+              <a:rPr lang="en-US" dirty="0"/>
+              <a:t>With the introduction of containers, microservices started to emerge</a:t>
+            </a:r>
+          </a:p>
+          <a:p>
+            <a:pPr marL="457200" lvl="0" indent="-342900" algn="l" rtl="0">
+              <a:spcBef>
+                <a:spcPts val="0"/>
+              </a:spcBef>
+              <a:spcAft>
+                <a:spcPts val="0"/>
+              </a:spcAft>
+              <a:buSzPts val="1800"/>
+              <a:buChar char="●"/>
+            </a:pPr>
+            <a:endParaRPr dirty="0"/>
+          </a:p>
+        </p:txBody>
+      </p:sp>
+      <p:pic>
+        <p:nvPicPr>
+          <p:cNvPr id="3" name="Picture 2" descr="Diagram&#10;&#10;Description automatically generated">
+            <a:extLst>
+              <a:ext uri="{FF2B5EF4-FFF2-40B4-BE49-F238E27FC236}">
+                <a16:creationId xmlns:a16="http://schemas.microsoft.com/office/drawing/2014/main" id="{5C52F83D-3684-4D41-87C3-41C5732698F6}"/>
+              </a:ext>
+            </a:extLst>
+          </p:cNvPr>
+          <p:cNvPicPr>
+            <a:picLocks noChangeAspect="1"/>
+          </p:cNvPicPr>
+          <p:nvPr/>
+        </p:nvPicPr>
+        <p:blipFill>
+          <a:blip r:embed="rId3"/>
+          <a:stretch>
+            <a:fillRect/>
+          </a:stretch>
+        </p:blipFill>
+        <p:spPr>
+          <a:xfrm>
+            <a:off x="2464954" y="2382426"/>
+            <a:ext cx="4214091" cy="2509300"/>
+          </a:xfrm>
+          <a:prstGeom prst="rect">
+            <a:avLst/>
+          </a:prstGeom>
+        </p:spPr>
+      </p:pic>
+    </p:spTree>
+    <p:extLst>
+      <p:ext uri="{BB962C8B-B14F-4D97-AF65-F5344CB8AC3E}">
+        <p14:creationId xmlns:p14="http://schemas.microsoft.com/office/powerpoint/2010/main" val="116801307"/>
+      </p:ext>
+    </p:extLst>
+  </p:cSld>
+  <p:clrMapOvr>
+    <a:masterClrMapping/>
+  </p:clrMapOvr>
+</p:sld>
+</file>
+
+<file path=ppt/slides/slide15.xml><?xml version="1.0" encoding="utf-8"?>
+<p:sld xmlns:a="http://schemas.openxmlformats.org/drawingml/2006/main" xmlns:r="http://schemas.openxmlformats.org/officeDocument/2006/relationships" xmlns:p="http://schemas.openxmlformats.org/presentationml/2006/main">
+  <p:cSld>
+    <p:spTree>
+      <p:nvGrpSpPr>
+        <p:cNvPr id="1" name="Shape 94"/>
+        <p:cNvGrpSpPr/>
+        <p:nvPr/>
+      </p:nvGrpSpPr>
+      <p:grpSpPr>
+        <a:xfrm>
+          <a:off x="0" y="0"/>
+          <a:ext cx="0" cy="0"/>
+          <a:chOff x="0" y="0"/>
+          <a:chExt cx="0" cy="0"/>
+        </a:xfrm>
+      </p:grpSpPr>
+      <p:sp>
+        <p:nvSpPr>
+          <p:cNvPr id="95" name="Google Shape;95;p17"/>
+          <p:cNvSpPr txBox="1">
+            <a:spLocks noGrp="1"/>
+          </p:cNvSpPr>
+          <p:nvPr>
+            <p:ph type="title"/>
+          </p:nvPr>
+        </p:nvSpPr>
+        <p:spPr>
+          <a:xfrm>
+            <a:off x="471900" y="738725"/>
+            <a:ext cx="8222100" cy="767700"/>
+          </a:xfrm>
+          <a:prstGeom prst="rect">
+            <a:avLst/>
+          </a:prstGeom>
+        </p:spPr>
+        <p:txBody>
+          <a:bodyPr spcFirstLastPara="1" wrap="square" lIns="91425" tIns="91425" rIns="91425" bIns="91425" anchor="b" anchorCtr="0">
+            <a:noAutofit/>
+          </a:bodyPr>
+          <a:lstStyle/>
+          <a:p>
+            <a:pPr marL="0" lvl="0" indent="0" algn="l" rtl="0">
+              <a:spcBef>
+                <a:spcPts val="0"/>
+              </a:spcBef>
+              <a:spcAft>
+                <a:spcPts val="0"/>
+              </a:spcAft>
+              <a:buNone/>
+            </a:pPr>
+            <a:r>
+              <a:rPr lang="en-US" dirty="0"/>
+              <a:t>Microservices Vs Monolith</a:t>
+            </a:r>
+            <a:endParaRPr dirty="0"/>
+          </a:p>
+        </p:txBody>
+      </p:sp>
+      <p:sp>
+        <p:nvSpPr>
+          <p:cNvPr id="31" name="Google Shape;89;p16">
+            <a:extLst>
+              <a:ext uri="{FF2B5EF4-FFF2-40B4-BE49-F238E27FC236}">
+                <a16:creationId xmlns:a16="http://schemas.microsoft.com/office/drawing/2014/main" id="{67E34750-AD08-E94A-B9F8-33F50EC2B699}"/>
+              </a:ext>
+            </a:extLst>
+          </p:cNvPr>
+          <p:cNvSpPr txBox="1">
+            <a:spLocks noGrp="1"/>
+          </p:cNvSpPr>
+          <p:nvPr>
+            <p:ph type="body" idx="1"/>
+          </p:nvPr>
+        </p:nvSpPr>
+        <p:spPr>
+          <a:xfrm>
+            <a:off x="460950" y="1912148"/>
+            <a:ext cx="8222100" cy="2710200"/>
+          </a:xfrm>
+          <a:prstGeom prst="rect">
+            <a:avLst/>
+          </a:prstGeom>
+        </p:spPr>
+        <p:txBody>
+          <a:bodyPr spcFirstLastPara="1" wrap="square" lIns="91425" tIns="91425" rIns="91425" bIns="91425" anchor="t" anchorCtr="0">
+            <a:noAutofit/>
+          </a:bodyPr>
+          <a:lstStyle/>
+          <a:p>
+            <a:pPr marL="457200" lvl="0" indent="-342900" algn="l" rtl="0">
+              <a:spcBef>
+                <a:spcPts val="0"/>
+              </a:spcBef>
+              <a:spcAft>
+                <a:spcPts val="0"/>
+              </a:spcAft>
+              <a:buSzPts val="1800"/>
+              <a:buChar char="●"/>
+            </a:pPr>
+            <a:endParaRPr lang="en-US" dirty="0"/>
+          </a:p>
+          <a:p>
+            <a:pPr marL="457200" lvl="0" indent="-342900" algn="l" rtl="0">
+              <a:spcBef>
+                <a:spcPts val="0"/>
+              </a:spcBef>
+              <a:spcAft>
+                <a:spcPts val="0"/>
+              </a:spcAft>
+              <a:buSzPts val="1800"/>
+              <a:buChar char="●"/>
+            </a:pPr>
+            <a:r>
+              <a:rPr lang="en-US" dirty="0"/>
+              <a:t>Microservices sound great but are not always the answer.</a:t>
+            </a:r>
+          </a:p>
+          <a:p>
+            <a:pPr marL="457200" lvl="0" indent="-342900" algn="l" rtl="0">
+              <a:spcBef>
+                <a:spcPts val="0"/>
+              </a:spcBef>
+              <a:spcAft>
+                <a:spcPts val="0"/>
+              </a:spcAft>
+              <a:buSzPts val="1800"/>
+              <a:buChar char="●"/>
+            </a:pPr>
+            <a:r>
+              <a:rPr lang="en-US" dirty="0"/>
+              <a:t>Microservices require more collaboration and well-defined contracts between microservices</a:t>
+            </a:r>
+          </a:p>
+          <a:p>
+            <a:pPr marL="457200" lvl="0" indent="-342900" algn="l" rtl="0">
+              <a:spcBef>
+                <a:spcPts val="0"/>
+              </a:spcBef>
+              <a:spcAft>
+                <a:spcPts val="0"/>
+              </a:spcAft>
+              <a:buSzPts val="1800"/>
+              <a:buChar char="●"/>
+            </a:pPr>
+            <a:r>
+              <a:rPr lang="en-US" dirty="0"/>
+              <a:t>Monitoring of the microservices is a MUST</a:t>
+            </a:r>
+          </a:p>
+          <a:p>
+            <a:pPr marL="457200" lvl="0" indent="-342900" algn="l" rtl="0">
+              <a:spcBef>
+                <a:spcPts val="0"/>
+              </a:spcBef>
+              <a:spcAft>
+                <a:spcPts val="0"/>
+              </a:spcAft>
+              <a:buSzPts val="1800"/>
+              <a:buChar char="●"/>
+            </a:pPr>
+            <a:r>
+              <a:rPr lang="en-US" dirty="0"/>
+              <a:t>Monoliths are usually easier to deploy (as there is just one), however, if there are well defined contracts that support BOTH backward and forward compatibility, microservices SHOULD be able to deployed on-demand at any time.</a:t>
+            </a:r>
+          </a:p>
+          <a:p>
+            <a:pPr marL="457200" lvl="0" indent="-342900" algn="l" rtl="0">
+              <a:spcBef>
+                <a:spcPts val="0"/>
+              </a:spcBef>
+              <a:spcAft>
+                <a:spcPts val="0"/>
+              </a:spcAft>
+              <a:buSzPts val="1800"/>
+              <a:buChar char="●"/>
+            </a:pPr>
+            <a:endParaRPr lang="en-US" dirty="0"/>
+          </a:p>
+          <a:p>
+            <a:pPr marL="457200" lvl="0" indent="-342900" algn="l" rtl="0">
+              <a:spcBef>
+                <a:spcPts val="0"/>
+              </a:spcBef>
+              <a:spcAft>
+                <a:spcPts val="0"/>
+              </a:spcAft>
+              <a:buSzPts val="1800"/>
+              <a:buChar char="●"/>
+            </a:pPr>
+            <a:endParaRPr dirty="0"/>
+          </a:p>
+        </p:txBody>
+      </p:sp>
+    </p:spTree>
+    <p:extLst>
+      <p:ext uri="{BB962C8B-B14F-4D97-AF65-F5344CB8AC3E}">
+        <p14:creationId xmlns:p14="http://schemas.microsoft.com/office/powerpoint/2010/main" val="1302870740"/>
+      </p:ext>
+    </p:extLst>
+  </p:cSld>
+  <p:clrMapOvr>
+    <a:masterClrMapping/>
+  </p:clrMapOvr>
+</p:sld>
+</file>
+
+<file path=ppt/slides/slide16.xml><?xml version="1.0" encoding="utf-8"?>
+<p:sld xmlns:a="http://schemas.openxmlformats.org/drawingml/2006/main" xmlns:r="http://schemas.openxmlformats.org/officeDocument/2006/relationships" xmlns:p="http://schemas.openxmlformats.org/presentationml/2006/main">
+  <p:cSld>
+    <p:spTree>
+      <p:nvGrpSpPr>
+        <p:cNvPr id="1" name="Shape 307"/>
+        <p:cNvGrpSpPr/>
+        <p:nvPr/>
+      </p:nvGrpSpPr>
+      <p:grpSpPr>
+        <a:xfrm>
+          <a:off x="0" y="0"/>
+          <a:ext cx="0" cy="0"/>
+          <a:chOff x="0" y="0"/>
+          <a:chExt cx="0" cy="0"/>
+        </a:xfrm>
+      </p:grpSpPr>
+      <p:sp>
+        <p:nvSpPr>
+          <p:cNvPr id="308" name="Google Shape;308;p42"/>
+          <p:cNvSpPr txBox="1">
+            <a:spLocks noGrp="1"/>
+          </p:cNvSpPr>
+          <p:nvPr>
+            <p:ph type="title"/>
+          </p:nvPr>
+        </p:nvSpPr>
+        <p:spPr>
+          <a:xfrm>
+            <a:off x="471900" y="738725"/>
+            <a:ext cx="8222100" cy="767700"/>
+          </a:xfrm>
+          <a:prstGeom prst="rect">
+            <a:avLst/>
+          </a:prstGeom>
+        </p:spPr>
+        <p:txBody>
+          <a:bodyPr spcFirstLastPara="1" wrap="square" lIns="91425" tIns="91425" rIns="91425" bIns="91425" anchor="b" anchorCtr="0">
+            <a:noAutofit/>
+          </a:bodyPr>
+          <a:lstStyle/>
+          <a:p>
+            <a:pPr marL="0" lvl="0" indent="0" algn="l" rtl="0">
+              <a:spcBef>
+                <a:spcPts val="0"/>
+              </a:spcBef>
+              <a:spcAft>
+                <a:spcPts val="0"/>
+              </a:spcAft>
+              <a:buNone/>
+            </a:pPr>
+            <a:r>
+              <a:rPr lang="en"/>
+              <a:t>Recap and Q&amp;A</a:t>
+            </a:r>
+            <a:endParaRPr/>
+          </a:p>
+        </p:txBody>
+      </p:sp>
+      <p:sp>
+        <p:nvSpPr>
+          <p:cNvPr id="309" name="Google Shape;309;p42"/>
+          <p:cNvSpPr txBox="1">
+            <a:spLocks noGrp="1"/>
+          </p:cNvSpPr>
+          <p:nvPr>
+            <p:ph type="body" idx="1"/>
+          </p:nvPr>
+        </p:nvSpPr>
+        <p:spPr>
+          <a:xfrm>
+            <a:off x="471900" y="1919075"/>
+            <a:ext cx="8222100" cy="2710200"/>
+          </a:xfrm>
+          <a:prstGeom prst="rect">
+            <a:avLst/>
+          </a:prstGeom>
+        </p:spPr>
+        <p:txBody>
+          <a:bodyPr spcFirstLastPara="1" wrap="square" lIns="91425" tIns="91425" rIns="91425" bIns="91425" anchor="t" anchorCtr="0">
+            <a:noAutofit/>
+          </a:bodyPr>
+          <a:lstStyle/>
+          <a:p>
+            <a:pPr marL="0" lvl="0" indent="0" algn="l" rtl="0">
+              <a:spcBef>
+                <a:spcPts val="0"/>
+              </a:spcBef>
+              <a:spcAft>
+                <a:spcPts val="0"/>
+              </a:spcAft>
+              <a:buNone/>
+            </a:pPr>
+            <a:r>
+              <a:rPr lang="en" sz="1900" dirty="0"/>
+              <a:t>Tonight’s Objectives:</a:t>
+            </a:r>
+            <a:endParaRPr sz="1900" dirty="0"/>
+          </a:p>
+          <a:p>
+            <a:pPr marL="457200" lvl="0" indent="-342900" algn="l" rtl="0">
+              <a:spcBef>
+                <a:spcPts val="1600"/>
+              </a:spcBef>
+              <a:spcAft>
+                <a:spcPts val="0"/>
+              </a:spcAft>
+              <a:buSzPts val="1800"/>
+              <a:buChar char="●"/>
+            </a:pPr>
+            <a:r>
+              <a:rPr lang="en-US" dirty="0"/>
+              <a:t>Have a high-level understanding of some topics not covered in LC101</a:t>
+            </a:r>
+          </a:p>
+          <a:p>
+            <a:pPr marL="457200" lvl="0" indent="-342900" algn="l" rtl="0">
+              <a:spcBef>
+                <a:spcPts val="1600"/>
+              </a:spcBef>
+              <a:spcAft>
+                <a:spcPts val="0"/>
+              </a:spcAft>
+              <a:buSzPts val="1800"/>
+              <a:buChar char="●"/>
+            </a:pPr>
+            <a:r>
+              <a:rPr lang="en-US" dirty="0"/>
+              <a:t>Pique your interest </a:t>
+            </a:r>
+            <a:r>
+              <a:rPr lang="en-US" dirty="0">
+                <a:sym typeface="Wingdings" pitchFamily="2" charset="2"/>
+              </a:rPr>
+              <a:t></a:t>
+            </a:r>
+          </a:p>
+          <a:p>
+            <a:pPr marL="457200" lvl="0" indent="-342900" algn="l" rtl="0">
+              <a:spcBef>
+                <a:spcPts val="1600"/>
+              </a:spcBef>
+              <a:spcAft>
+                <a:spcPts val="0"/>
+              </a:spcAft>
+              <a:buSzPts val="1800"/>
+              <a:buChar char="●"/>
+            </a:pPr>
             <a:endParaRPr dirty="0"/>
           </a:p>
         </p:txBody>
@@ -7157,77 +9902,100 @@
               <a:buChar char="●"/>
             </a:pPr>
             <a:r>
-              <a:rPr lang="en" dirty="0"/>
-              <a:t>Assignment: Live Coding Interview</a:t>
-            </a:r>
-            <a:endParaRPr dirty="0"/>
-          </a:p>
-          <a:p>
-            <a:pPr marL="457200" lvl="0" indent="-342900" algn="l" rtl="0">
-              <a:spcBef>
-                <a:spcPts val="0"/>
-              </a:spcBef>
-              <a:spcAft>
-                <a:spcPts val="0"/>
-              </a:spcAft>
+              <a:rPr lang="en-US" dirty="0"/>
+              <a:t>Lecture:</a:t>
+            </a:r>
+          </a:p>
+          <a:p>
+            <a:pPr lvl="1" indent="-342900">
+              <a:spcBef>
+                <a:spcPts val="0"/>
+              </a:spcBef>
               <a:buSzPts val="1800"/>
               <a:buChar char="●"/>
             </a:pPr>
             <a:r>
-              <a:rPr lang="en" dirty="0"/>
-              <a:t>Activity</a:t>
-            </a:r>
-            <a:endParaRPr dirty="0"/>
-          </a:p>
-          <a:p>
-            <a:pPr marL="914400" lvl="1" indent="-317500" algn="l" rtl="0">
-              <a:spcBef>
-                <a:spcPts val="0"/>
-              </a:spcBef>
-              <a:spcAft>
-                <a:spcPts val="0"/>
-              </a:spcAft>
-              <a:buSzPts val="1400"/>
-              <a:buChar char="○"/>
-            </a:pPr>
-            <a:r>
-              <a:rPr lang="en" dirty="0"/>
-              <a:t>Scrum</a:t>
-            </a:r>
-            <a:endParaRPr dirty="0"/>
-          </a:p>
-          <a:p>
-            <a:pPr marL="914400" lvl="1" indent="-317500" algn="l" rtl="0">
-              <a:spcBef>
-                <a:spcPts val="0"/>
-              </a:spcBef>
-              <a:spcAft>
-                <a:spcPts val="0"/>
-              </a:spcAft>
-              <a:buSzPts val="1400"/>
-              <a:buChar char="○"/>
-            </a:pPr>
-            <a:r>
-              <a:rPr lang="en" dirty="0"/>
-              <a:t>Live Coding Interview</a:t>
-            </a:r>
-            <a:endParaRPr dirty="0"/>
-          </a:p>
-          <a:p>
-            <a:pPr marL="914400" lvl="1" indent="-317500" algn="l" rtl="0">
-              <a:spcBef>
-                <a:spcPts val="0"/>
-              </a:spcBef>
-              <a:spcAft>
-                <a:spcPts val="0"/>
-              </a:spcAft>
-              <a:buSzPts val="1400"/>
-              <a:buChar char="○"/>
-            </a:pPr>
-            <a:r>
-              <a:rPr lang="en" dirty="0"/>
-              <a:t>Mentor Project Feedback</a:t>
-            </a:r>
+              <a:rPr lang="en-US" dirty="0" err="1"/>
+              <a:t>DataCamp</a:t>
+            </a:r>
+            <a:r>
+              <a:rPr lang="en-US" dirty="0"/>
+              <a:t> Introduction</a:t>
+            </a:r>
+          </a:p>
+          <a:p>
+            <a:pPr lvl="1" indent="-342900">
+              <a:spcBef>
+                <a:spcPts val="0"/>
+              </a:spcBef>
+              <a:buSzPts val="1800"/>
+              <a:buChar char="●"/>
+            </a:pPr>
+            <a:endParaRPr lang="en-US" dirty="0"/>
+          </a:p>
+          <a:p>
+            <a:pPr lvl="1" indent="-342900">
+              <a:spcBef>
+                <a:spcPts val="0"/>
+              </a:spcBef>
+              <a:buSzPts val="1800"/>
+              <a:buChar char="●"/>
+            </a:pPr>
+            <a:r>
+              <a:rPr lang="en-US" dirty="0"/>
+              <a:t>Liftoff Completion Requirements</a:t>
+            </a:r>
+          </a:p>
+          <a:p>
+            <a:pPr lvl="1" indent="-342900">
+              <a:spcBef>
+                <a:spcPts val="0"/>
+              </a:spcBef>
+              <a:buSzPts val="1800"/>
+              <a:buChar char="●"/>
+            </a:pPr>
+            <a:endParaRPr lang="en-US" dirty="0"/>
+          </a:p>
+          <a:p>
+            <a:pPr lvl="1" indent="-342900">
+              <a:spcBef>
+                <a:spcPts val="0"/>
+              </a:spcBef>
+              <a:buSzPts val="1800"/>
+              <a:buChar char="●"/>
+            </a:pPr>
+            <a:r>
+              <a:rPr lang="en-US" dirty="0"/>
+              <a:t>Liftoff additional fun topics </a:t>
+            </a:r>
+            <a:r>
+              <a:rPr lang="en-US" dirty="0">
+                <a:sym typeface="Wingdings" pitchFamily="2" charset="2"/>
+              </a:rPr>
+              <a:t></a:t>
+            </a:r>
+          </a:p>
+          <a:p>
+            <a:pPr lvl="1" indent="-342900">
+              <a:spcBef>
+                <a:spcPts val="0"/>
+              </a:spcBef>
+              <a:buSzPts val="1800"/>
+              <a:buChar char="●"/>
+            </a:pPr>
+            <a:endParaRPr lang="en-US" dirty="0"/>
+          </a:p>
+          <a:p>
+            <a:pPr marL="457200" lvl="0" indent="-342900" algn="l" rtl="0">
+              <a:spcBef>
+                <a:spcPts val="0"/>
+              </a:spcBef>
+              <a:spcAft>
+                <a:spcPts val="0"/>
+              </a:spcAft>
+              <a:buSzPts val="1800"/>
+              <a:buChar char="●"/>
+            </a:pPr>
             <a:endParaRPr dirty="0"/>
           </a:p>
         </p:txBody>
@@ -8879,7 +11647,7 @@
   <p:cSld>
     <p:spTree>
       <p:nvGrpSpPr>
-        <p:cNvPr id="1" name="Shape 132"/>
+        <p:cNvPr id="1" name="Shape 94"/>
         <p:cNvGrpSpPr/>
         <p:nvPr/>
       </p:nvGrpSpPr>
@@ -8893,7 +11661,7 @@
       </p:grpSpPr>
       <p:sp>
         <p:nvSpPr>
-          <p:cNvPr id="133" name="Google Shape;133;p19"/>
+          <p:cNvPr id="95" name="Google Shape;95;p17"/>
           <p:cNvSpPr txBox="1">
             <a:spLocks noGrp="1"/>
           </p:cNvSpPr>
@@ -8926,16 +11694,26 @@
               <a:buNone/>
             </a:pPr>
             <a:r>
-              <a:rPr lang="en"/>
-              <a:t>Live Coding - Goals</a:t>
-            </a:r>
-            <a:endParaRPr/>
+              <a:rPr lang="en-US" dirty="0" err="1"/>
+              <a:t>DataCamp</a:t>
+            </a:r>
+            <a:r>
+              <a:rPr lang="en-US" dirty="0"/>
+              <a:t> Introduction </a:t>
+            </a:r>
+            <a:endParaRPr dirty="0"/>
           </a:p>
         </p:txBody>
       </p:sp>
       <p:sp>
         <p:nvSpPr>
-          <p:cNvPr id="134" name="Google Shape;134;p19"/>
+          <p:cNvPr id="31" name="Google Shape;89;p16">
+            <a:extLst>
+              <a:ext uri="{FF2B5EF4-FFF2-40B4-BE49-F238E27FC236}">
+                <a16:creationId xmlns:a16="http://schemas.microsoft.com/office/drawing/2014/main" id="{67E34750-AD08-E94A-B9F8-33F50EC2B699}"/>
+              </a:ext>
+            </a:extLst>
+          </p:cNvPr>
           <p:cNvSpPr txBox="1">
             <a:spLocks noGrp="1"/>
           </p:cNvSpPr>
@@ -8958,25 +11736,9 @@
           </a:bodyPr>
           <a:lstStyle/>
           <a:p>
-            <a:pPr marL="0" lvl="0" indent="0" algn="l" rtl="0">
-              <a:spcBef>
-                <a:spcPts val="0"/>
-              </a:spcBef>
-              <a:spcAft>
-                <a:spcPts val="0"/>
-              </a:spcAft>
-              <a:buNone/>
-            </a:pPr>
-            <a:r>
-              <a:rPr lang="en" dirty="0"/>
-              <a:t>Interviewers are looking for candidates who...</a:t>
-            </a:r>
-            <a:endParaRPr dirty="0"/>
-          </a:p>
-          <a:p>
             <a:pPr marL="457200" lvl="0" indent="-342900" algn="l" rtl="0">
               <a:spcBef>
-                <a:spcPts val="1600"/>
+                <a:spcPts val="0"/>
               </a:spcBef>
               <a:spcAft>
                 <a:spcPts val="0"/>
@@ -8984,11 +11746,7 @@
               <a:buSzPts val="1800"/>
               <a:buChar char="●"/>
             </a:pPr>
-            <a:r>
-              <a:rPr lang="en" dirty="0"/>
-              <a:t>...ask questions to fully understand the problem.</a:t>
-            </a:r>
-            <a:endParaRPr dirty="0"/>
+            <a:endParaRPr lang="en-US" dirty="0"/>
           </a:p>
           <a:p>
             <a:pPr marL="457200" lvl="0" indent="-342900" algn="l" rtl="0">
@@ -9001,111 +11759,16 @@
               <a:buSzPts val="1800"/>
               <a:buChar char="●"/>
             </a:pPr>
-            <a:r>
-              <a:rPr lang="en" dirty="0"/>
-              <a:t>...work towards a correct solution.</a:t>
-            </a:r>
             <a:endParaRPr dirty="0"/>
-          </a:p>
-          <a:p>
-            <a:pPr marL="457200" lvl="0" indent="-342900" algn="l" rtl="0">
-              <a:spcBef>
-                <a:spcPts val="0"/>
-              </a:spcBef>
-              <a:spcAft>
-                <a:spcPts val="0"/>
-              </a:spcAft>
-              <a:buSzPts val="1800"/>
-              <a:buChar char="●"/>
-            </a:pPr>
-            <a:r>
-              <a:rPr lang="en" dirty="0"/>
-              <a:t>...has an understanding of the language syntax.</a:t>
-            </a:r>
-            <a:endParaRPr dirty="0"/>
-          </a:p>
-          <a:p>
-            <a:pPr marL="457200" lvl="0" indent="-342900" algn="l" rtl="0">
-              <a:spcBef>
-                <a:spcPts val="0"/>
-              </a:spcBef>
-              <a:spcAft>
-                <a:spcPts val="0"/>
-              </a:spcAft>
-              <a:buSzPts val="1800"/>
-              <a:buChar char="●"/>
-            </a:pPr>
-            <a:r>
-              <a:rPr lang="en" dirty="0"/>
-              <a:t>...demonstrates how to test the solution.</a:t>
-            </a:r>
-            <a:endParaRPr dirty="0"/>
-          </a:p>
-          <a:p>
-            <a:pPr marL="457200" lvl="0" indent="-342900" algn="l" rtl="0">
-              <a:spcBef>
-                <a:spcPts val="0"/>
-              </a:spcBef>
-              <a:spcAft>
-                <a:spcPts val="0"/>
-              </a:spcAft>
-              <a:buSzPts val="1800"/>
-              <a:buChar char="●"/>
-            </a:pPr>
-            <a:r>
-              <a:rPr lang="en" dirty="0"/>
-              <a:t>...addresses any bugs.</a:t>
-            </a:r>
-            <a:endParaRPr dirty="0"/>
-          </a:p>
-          <a:p>
-            <a:pPr marL="457200" lvl="0" indent="-342900" algn="l" rtl="0">
-              <a:spcBef>
-                <a:spcPts val="0"/>
-              </a:spcBef>
-              <a:spcAft>
-                <a:spcPts val="0"/>
-              </a:spcAft>
-              <a:buSzPts val="1800"/>
-              <a:buChar char="●"/>
-            </a:pPr>
-            <a:r>
-              <a:rPr lang="en" b="1" u="sng" dirty="0"/>
-              <a:t>...can communicate their thought process.</a:t>
-            </a:r>
-            <a:endParaRPr b="1" u="sng" dirty="0"/>
           </a:p>
         </p:txBody>
       </p:sp>
-      <p:pic>
-        <p:nvPicPr>
-          <p:cNvPr id="135" name="Google Shape;135;p19"/>
-          <p:cNvPicPr preferRelativeResize="0"/>
-          <p:nvPr/>
-        </p:nvPicPr>
-        <p:blipFill>
-          <a:blip r:embed="rId3">
-            <a:alphaModFix/>
-          </a:blip>
-          <a:stretch>
-            <a:fillRect/>
-          </a:stretch>
-        </p:blipFill>
-        <p:spPr>
-          <a:xfrm>
-            <a:off x="5974975" y="2042213"/>
-            <a:ext cx="3049425" cy="2463925"/>
-          </a:xfrm>
-          <a:prstGeom prst="rect">
-            <a:avLst/>
-          </a:prstGeom>
-          <a:noFill/>
-          <a:ln>
-            <a:noFill/>
-          </a:ln>
-        </p:spPr>
-      </p:pic>
     </p:spTree>
+    <p:extLst>
+      <p:ext uri="{BB962C8B-B14F-4D97-AF65-F5344CB8AC3E}">
+        <p14:creationId xmlns:p14="http://schemas.microsoft.com/office/powerpoint/2010/main" val="3931427364"/>
+      </p:ext>
+    </p:extLst>
   </p:cSld>
   <p:clrMapOvr>
     <a:masterClrMapping/>
@@ -9118,7 +11781,7 @@
   <p:cSld>
     <p:spTree>
       <p:nvGrpSpPr>
-        <p:cNvPr id="1" name="Shape 139"/>
+        <p:cNvPr id="1" name="Shape 94"/>
         <p:cNvGrpSpPr/>
         <p:nvPr/>
       </p:nvGrpSpPr>
@@ -9132,7 +11795,7 @@
       </p:grpSpPr>
       <p:sp>
         <p:nvSpPr>
-          <p:cNvPr id="140" name="Google Shape;140;p20"/>
+          <p:cNvPr id="95" name="Google Shape;95;p17"/>
           <p:cNvSpPr txBox="1">
             <a:spLocks noGrp="1"/>
           </p:cNvSpPr>
@@ -9165,16 +11828,30 @@
               <a:buNone/>
             </a:pPr>
             <a:r>
-              <a:rPr lang="en"/>
-              <a:t>Live Coding - Process</a:t>
-            </a:r>
-            <a:endParaRPr/>
+              <a:rPr lang="en-US" dirty="0"/>
+              <a:t>What does it take to finish </a:t>
+            </a:r>
+            <a:r>
+              <a:rPr lang="en-US" dirty="0" err="1"/>
+              <a:t>LiftOff</a:t>
+            </a:r>
+            <a:r>
+              <a:rPr lang="en-US" dirty="0"/>
+              <a:t>?</a:t>
+            </a:r>
+            <a:endParaRPr dirty="0"/>
           </a:p>
         </p:txBody>
       </p:sp>
       <p:sp>
         <p:nvSpPr>
-          <p:cNvPr id="141" name="Google Shape;141;p20"/>
+          <p:cNvPr id="31" name="Google Shape;89;p16">
+            <a:extLst>
+              <a:ext uri="{FF2B5EF4-FFF2-40B4-BE49-F238E27FC236}">
+                <a16:creationId xmlns:a16="http://schemas.microsoft.com/office/drawing/2014/main" id="{67E34750-AD08-E94A-B9F8-33F50EC2B699}"/>
+              </a:ext>
+            </a:extLst>
+          </p:cNvPr>
           <p:cNvSpPr txBox="1">
             <a:spLocks noGrp="1"/>
           </p:cNvSpPr>
@@ -9185,7 +11862,7 @@
         <p:spPr>
           <a:xfrm>
             <a:off x="471900" y="1919075"/>
-            <a:ext cx="4119900" cy="2710200"/>
+            <a:ext cx="8222100" cy="2710200"/>
           </a:xfrm>
           <a:prstGeom prst="rect">
             <a:avLst/>
@@ -9197,531 +11874,147 @@
           </a:bodyPr>
           <a:lstStyle/>
           <a:p>
-            <a:pPr marL="457200" lvl="0" indent="-381000" algn="l" rtl="0">
-              <a:spcBef>
-                <a:spcPts val="0"/>
-              </a:spcBef>
-              <a:spcAft>
-                <a:spcPts val="0"/>
-              </a:spcAft>
-              <a:buSzPts val="2400"/>
+            <a:pPr marL="457200" lvl="0" indent="-342900" algn="l" rtl="0">
+              <a:spcBef>
+                <a:spcPts val="0"/>
+              </a:spcBef>
+              <a:spcAft>
+                <a:spcPts val="0"/>
+              </a:spcAft>
+              <a:buSzPts val="1800"/>
               <a:buChar char="●"/>
             </a:pPr>
-            <a:r>
-              <a:rPr lang="en" sz="2400"/>
-              <a:t>Gather Requirements</a:t>
-            </a:r>
-            <a:endParaRPr sz="2400"/>
-          </a:p>
-          <a:p>
-            <a:pPr marL="457200" lvl="0" indent="-381000" algn="l" rtl="0">
-              <a:spcBef>
-                <a:spcPts val="0"/>
-              </a:spcBef>
-              <a:spcAft>
-                <a:spcPts val="0"/>
-              </a:spcAft>
-              <a:buSzPts val="2400"/>
+            <a:endParaRPr lang="en-US" dirty="0"/>
+          </a:p>
+          <a:p>
+            <a:pPr marL="457200" lvl="0" indent="-342900" algn="l" rtl="0">
+              <a:spcBef>
+                <a:spcPts val="0"/>
+              </a:spcBef>
+              <a:spcAft>
+                <a:spcPts val="0"/>
+              </a:spcAft>
+              <a:buSzPts val="1800"/>
               <a:buChar char="●"/>
             </a:pPr>
             <a:r>
-              <a:rPr lang="en" sz="2400"/>
-              <a:t>Break Problem Down</a:t>
-            </a:r>
-            <a:endParaRPr sz="2400"/>
-          </a:p>
-          <a:p>
-            <a:pPr marL="457200" lvl="0" indent="-381000" algn="l" rtl="0">
-              <a:spcBef>
-                <a:spcPts val="0"/>
-              </a:spcBef>
-              <a:spcAft>
-                <a:spcPts val="0"/>
-              </a:spcAft>
-              <a:buSzPts val="2400"/>
+              <a:rPr lang="en-US" dirty="0"/>
+              <a:t>Mock Interview Module</a:t>
+            </a:r>
+          </a:p>
+          <a:p>
+            <a:pPr marL="457200" lvl="0" indent="-342900" algn="l" rtl="0">
+              <a:spcBef>
+                <a:spcPts val="0"/>
+              </a:spcBef>
+              <a:spcAft>
+                <a:spcPts val="0"/>
+              </a:spcAft>
+              <a:buSzPts val="1800"/>
               <a:buChar char="●"/>
             </a:pPr>
             <a:r>
-              <a:rPr lang="en" sz="2400"/>
-              <a:t>Pseudocode</a:t>
-            </a:r>
-            <a:endParaRPr sz="2400"/>
-          </a:p>
-          <a:p>
-            <a:pPr marL="457200" lvl="0" indent="-381000" algn="l" rtl="0">
-              <a:spcBef>
-                <a:spcPts val="0"/>
-              </a:spcBef>
-              <a:spcAft>
-                <a:spcPts val="0"/>
-              </a:spcAft>
-              <a:buSzPts val="2400"/>
+              <a:rPr lang="en-US" dirty="0"/>
+              <a:t>Live Coding Module</a:t>
+            </a:r>
+          </a:p>
+          <a:p>
+            <a:pPr marL="457200" lvl="0" indent="-342900" algn="l" rtl="0">
+              <a:spcBef>
+                <a:spcPts val="0"/>
+              </a:spcBef>
+              <a:spcAft>
+                <a:spcPts val="0"/>
+              </a:spcAft>
+              <a:buSzPts val="1800"/>
               <a:buChar char="●"/>
             </a:pPr>
             <a:r>
-              <a:rPr lang="en" sz="2400"/>
-              <a:t>Write Syntax</a:t>
-            </a:r>
-            <a:endParaRPr sz="2400"/>
-          </a:p>
-          <a:p>
-            <a:pPr marL="457200" lvl="0" indent="-381000" algn="l" rtl="0">
-              <a:spcBef>
-                <a:spcPts val="0"/>
-              </a:spcBef>
-              <a:spcAft>
-                <a:spcPts val="0"/>
-              </a:spcAft>
-              <a:buSzPts val="2400"/>
+              <a:rPr lang="en-US" dirty="0" err="1"/>
+              <a:t>LaunchCode</a:t>
+            </a:r>
+            <a:r>
+              <a:rPr lang="en-US" dirty="0"/>
+              <a:t> Resume (Submitted via Canvas)</a:t>
+            </a:r>
+          </a:p>
+          <a:p>
+            <a:pPr marL="457200" lvl="0" indent="-342900" algn="l" rtl="0">
+              <a:spcBef>
+                <a:spcPts val="0"/>
+              </a:spcBef>
+              <a:spcAft>
+                <a:spcPts val="0"/>
+              </a:spcAft>
+              <a:buSzPts val="1800"/>
               <a:buChar char="●"/>
             </a:pPr>
             <a:r>
-              <a:rPr lang="en" sz="2400"/>
-              <a:t>Test</a:t>
-            </a:r>
-            <a:endParaRPr sz="2400"/>
-          </a:p>
-          <a:p>
-            <a:pPr marL="457200" lvl="0" indent="-381000" algn="l" rtl="0">
-              <a:spcBef>
-                <a:spcPts val="0"/>
-              </a:spcBef>
-              <a:spcAft>
-                <a:spcPts val="0"/>
-              </a:spcAft>
-              <a:buSzPts val="2400"/>
+              <a:rPr lang="en-US" dirty="0"/>
+              <a:t>Final Project Review</a:t>
+            </a:r>
+          </a:p>
+          <a:p>
+            <a:pPr marL="457200" lvl="0" indent="-342900" algn="l" rtl="0">
+              <a:spcBef>
+                <a:spcPts val="0"/>
+              </a:spcBef>
+              <a:spcAft>
+                <a:spcPts val="0"/>
+              </a:spcAft>
+              <a:buSzPts val="1800"/>
               <a:buChar char="●"/>
             </a:pPr>
             <a:r>
-              <a:rPr lang="en" sz="2400"/>
-              <a:t>Make Changes</a:t>
-            </a:r>
-            <a:endParaRPr sz="2400"/>
+              <a:rPr lang="en-US" dirty="0" err="1"/>
+              <a:t>LiftOff</a:t>
+            </a:r>
+            <a:r>
+              <a:rPr lang="en-US" dirty="0"/>
+              <a:t> “Ready For Placement” Survey</a:t>
+            </a:r>
+          </a:p>
+          <a:p>
+            <a:pPr marL="457200" lvl="0" indent="-342900" algn="l" rtl="0">
+              <a:spcBef>
+                <a:spcPts val="0"/>
+              </a:spcBef>
+              <a:spcAft>
+                <a:spcPts val="0"/>
+              </a:spcAft>
+              <a:buSzPts val="1800"/>
+              <a:buChar char="●"/>
+            </a:pPr>
+            <a:r>
+              <a:rPr lang="en-US" dirty="0"/>
+              <a:t>Demographic Form (if not completed)</a:t>
+            </a:r>
+          </a:p>
+          <a:p>
+            <a:pPr marL="457200" lvl="0" indent="-342900" algn="l" rtl="0">
+              <a:spcBef>
+                <a:spcPts val="0"/>
+              </a:spcBef>
+              <a:spcAft>
+                <a:spcPts val="0"/>
+              </a:spcAft>
+              <a:buSzPts val="1800"/>
+              <a:buChar char="●"/>
+            </a:pPr>
+            <a:endParaRPr dirty="0"/>
           </a:p>
         </p:txBody>
       </p:sp>
-      <p:sp>
-        <p:nvSpPr>
-          <p:cNvPr id="142" name="Google Shape;142;p20"/>
-          <p:cNvSpPr txBox="1"/>
-          <p:nvPr/>
-        </p:nvSpPr>
-        <p:spPr>
-          <a:xfrm>
-            <a:off x="201275" y="4644050"/>
-            <a:ext cx="4591800" cy="264900"/>
-          </a:xfrm>
-          <a:prstGeom prst="rect">
-            <a:avLst/>
-          </a:prstGeom>
-          <a:noFill/>
-          <a:ln>
-            <a:noFill/>
-          </a:ln>
-        </p:spPr>
-        <p:txBody>
-          <a:bodyPr spcFirstLastPara="1" wrap="square" lIns="91425" tIns="91425" rIns="91425" bIns="91425" anchor="t" anchorCtr="0">
-            <a:noAutofit/>
-          </a:bodyPr>
-          <a:lstStyle/>
-          <a:p>
-            <a:pPr marL="0" lvl="0" indent="0" algn="l" rtl="0">
-              <a:spcBef>
-                <a:spcPts val="0"/>
-              </a:spcBef>
-              <a:spcAft>
-                <a:spcPts val="0"/>
-              </a:spcAft>
-              <a:buNone/>
-            </a:pPr>
-            <a:r>
-              <a:rPr lang="en" sz="1200" u="sng">
-                <a:solidFill>
-                  <a:schemeClr val="hlink"/>
-                </a:solidFill>
-                <a:latin typeface="Roboto"/>
-                <a:ea typeface="Roboto"/>
-                <a:cs typeface="Roboto"/>
-                <a:sym typeface="Roboto"/>
-                <a:hlinkClick r:id="rId3"/>
-              </a:rPr>
-              <a:t>https://education.launchcode.org/liftoff/videos/live-coding/</a:t>
-            </a:r>
-            <a:r>
-              <a:rPr lang="en" sz="1200">
-                <a:latin typeface="Roboto"/>
-                <a:ea typeface="Roboto"/>
-                <a:cs typeface="Roboto"/>
-                <a:sym typeface="Roboto"/>
-              </a:rPr>
-              <a:t> </a:t>
-            </a:r>
-            <a:endParaRPr sz="1200">
-              <a:latin typeface="Roboto"/>
-              <a:ea typeface="Roboto"/>
-              <a:cs typeface="Roboto"/>
-              <a:sym typeface="Roboto"/>
-            </a:endParaRPr>
-          </a:p>
-        </p:txBody>
-      </p:sp>
-      <p:pic>
-        <p:nvPicPr>
-          <p:cNvPr id="143" name="Google Shape;143;p20"/>
-          <p:cNvPicPr preferRelativeResize="0"/>
-          <p:nvPr/>
-        </p:nvPicPr>
-        <p:blipFill>
-          <a:blip r:embed="rId4">
-            <a:alphaModFix/>
-          </a:blip>
-          <a:stretch>
-            <a:fillRect/>
-          </a:stretch>
-        </p:blipFill>
-        <p:spPr>
-          <a:xfrm>
-            <a:off x="5321749" y="1816950"/>
-            <a:ext cx="3116900" cy="3092000"/>
-          </a:xfrm>
-          <a:prstGeom prst="rect">
-            <a:avLst/>
-          </a:prstGeom>
-          <a:noFill/>
-          <a:ln>
-            <a:noFill/>
-          </a:ln>
-        </p:spPr>
-      </p:pic>
     </p:spTree>
+    <p:extLst>
+      <p:ext uri="{BB962C8B-B14F-4D97-AF65-F5344CB8AC3E}">
+        <p14:creationId xmlns:p14="http://schemas.microsoft.com/office/powerpoint/2010/main" val="866737326"/>
+      </p:ext>
+    </p:extLst>
   </p:cSld>
   <p:clrMapOvr>
     <a:masterClrMapping/>
   </p:clrMapOvr>
-  <p:timing>
-    <p:tnLst>
-      <p:par>
-        <p:cTn id="1" dur="indefinite" restart="never" nodeType="tmRoot">
-          <p:childTnLst>
-            <p:seq concurrent="1" nextAc="seek">
-              <p:cTn id="2" dur="indefinite" nodeType="mainSeq">
-                <p:childTnLst>
-                  <p:par>
-                    <p:cTn id="3" fill="hold">
-                      <p:stCondLst>
-                        <p:cond delay="indefinite"/>
-                      </p:stCondLst>
-                      <p:childTnLst>
-                        <p:par>
-                          <p:cTn id="4" fill="hold">
-                            <p:stCondLst>
-                              <p:cond delay="0"/>
-                            </p:stCondLst>
-                            <p:childTnLst>
-                              <p:par>
-                                <p:cTn id="5" presetID="1" presetClass="entr" presetSubtype="0" fill="hold" nodeType="clickEffect">
-                                  <p:stCondLst>
-                                    <p:cond delay="0"/>
-                                  </p:stCondLst>
-                                  <p:childTnLst>
-                                    <p:set>
-                                      <p:cBhvr>
-                                        <p:cTn id="6" dur="1" fill="hold">
-                                          <p:stCondLst>
-                                            <p:cond delay="0"/>
-                                          </p:stCondLst>
-                                        </p:cTn>
-                                        <p:tgtEl>
-                                          <p:spTgt spid="141">
-                                            <p:txEl>
-                                              <p:pRg st="0" end="0"/>
-                                            </p:txEl>
-                                          </p:spTgt>
-                                        </p:tgtEl>
-                                        <p:attrNameLst>
-                                          <p:attrName>style.visibility</p:attrName>
-                                        </p:attrNameLst>
-                                      </p:cBhvr>
-                                      <p:to>
-                                        <p:strVal val="visible"/>
-                                      </p:to>
-                                    </p:set>
-                                  </p:childTnLst>
-                                </p:cTn>
-                              </p:par>
-                            </p:childTnLst>
-                          </p:cTn>
-                        </p:par>
-                      </p:childTnLst>
-                    </p:cTn>
-                  </p:par>
-                  <p:par>
-                    <p:cTn id="7" fill="hold">
-                      <p:stCondLst>
-                        <p:cond delay="indefinite"/>
-                      </p:stCondLst>
-                      <p:childTnLst>
-                        <p:par>
-                          <p:cTn id="8" fill="hold">
-                            <p:stCondLst>
-                              <p:cond delay="0"/>
-                            </p:stCondLst>
-                            <p:childTnLst>
-                              <p:par>
-                                <p:cTn id="9" presetID="1" presetClass="entr" presetSubtype="0" fill="hold" nodeType="clickEffect">
-                                  <p:stCondLst>
-                                    <p:cond delay="0"/>
-                                  </p:stCondLst>
-                                  <p:childTnLst>
-                                    <p:set>
-                                      <p:cBhvr>
-                                        <p:cTn id="10" dur="1" fill="hold">
-                                          <p:stCondLst>
-                                            <p:cond delay="0"/>
-                                          </p:stCondLst>
-                                        </p:cTn>
-                                        <p:tgtEl>
-                                          <p:spTgt spid="141">
-                                            <p:txEl>
-                                              <p:pRg st="1" end="1"/>
-                                            </p:txEl>
-                                          </p:spTgt>
-                                        </p:tgtEl>
-                                        <p:attrNameLst>
-                                          <p:attrName>style.visibility</p:attrName>
-                                        </p:attrNameLst>
-                                      </p:cBhvr>
-                                      <p:to>
-                                        <p:strVal val="visible"/>
-                                      </p:to>
-                                    </p:set>
-                                  </p:childTnLst>
-                                </p:cTn>
-                              </p:par>
-                            </p:childTnLst>
-                          </p:cTn>
-                        </p:par>
-                      </p:childTnLst>
-                    </p:cTn>
-                  </p:par>
-                  <p:par>
-                    <p:cTn id="11" fill="hold">
-                      <p:stCondLst>
-                        <p:cond delay="indefinite"/>
-                      </p:stCondLst>
-                      <p:childTnLst>
-                        <p:par>
-                          <p:cTn id="12" fill="hold">
-                            <p:stCondLst>
-                              <p:cond delay="0"/>
-                            </p:stCondLst>
-                            <p:childTnLst>
-                              <p:par>
-                                <p:cTn id="13" presetID="1" presetClass="entr" presetSubtype="0" fill="hold" nodeType="clickEffect">
-                                  <p:stCondLst>
-                                    <p:cond delay="0"/>
-                                  </p:stCondLst>
-                                  <p:childTnLst>
-                                    <p:set>
-                                      <p:cBhvr>
-                                        <p:cTn id="14" dur="1" fill="hold">
-                                          <p:stCondLst>
-                                            <p:cond delay="0"/>
-                                          </p:stCondLst>
-                                        </p:cTn>
-                                        <p:tgtEl>
-                                          <p:spTgt spid="141">
-                                            <p:txEl>
-                                              <p:pRg st="2" end="2"/>
-                                            </p:txEl>
-                                          </p:spTgt>
-                                        </p:tgtEl>
-                                        <p:attrNameLst>
-                                          <p:attrName>style.visibility</p:attrName>
-                                        </p:attrNameLst>
-                                      </p:cBhvr>
-                                      <p:to>
-                                        <p:strVal val="visible"/>
-                                      </p:to>
-                                    </p:set>
-                                  </p:childTnLst>
-                                </p:cTn>
-                              </p:par>
-                            </p:childTnLst>
-                          </p:cTn>
-                        </p:par>
-                      </p:childTnLst>
-                    </p:cTn>
-                  </p:par>
-                  <p:par>
-                    <p:cTn id="15" fill="hold">
-                      <p:stCondLst>
-                        <p:cond delay="indefinite"/>
-                      </p:stCondLst>
-                      <p:childTnLst>
-                        <p:par>
-                          <p:cTn id="16" fill="hold">
-                            <p:stCondLst>
-                              <p:cond delay="0"/>
-                            </p:stCondLst>
-                            <p:childTnLst>
-                              <p:par>
-                                <p:cTn id="17" presetID="1" presetClass="entr" presetSubtype="0" fill="hold" nodeType="clickEffect">
-                                  <p:stCondLst>
-                                    <p:cond delay="0"/>
-                                  </p:stCondLst>
-                                  <p:childTnLst>
-                                    <p:set>
-                                      <p:cBhvr>
-                                        <p:cTn id="18" dur="1" fill="hold">
-                                          <p:stCondLst>
-                                            <p:cond delay="0"/>
-                                          </p:stCondLst>
-                                        </p:cTn>
-                                        <p:tgtEl>
-                                          <p:spTgt spid="141">
-                                            <p:txEl>
-                                              <p:pRg st="3" end="3"/>
-                                            </p:txEl>
-                                          </p:spTgt>
-                                        </p:tgtEl>
-                                        <p:attrNameLst>
-                                          <p:attrName>style.visibility</p:attrName>
-                                        </p:attrNameLst>
-                                      </p:cBhvr>
-                                      <p:to>
-                                        <p:strVal val="visible"/>
-                                      </p:to>
-                                    </p:set>
-                                  </p:childTnLst>
-                                </p:cTn>
-                              </p:par>
-                            </p:childTnLst>
-                          </p:cTn>
-                        </p:par>
-                      </p:childTnLst>
-                    </p:cTn>
-                  </p:par>
-                  <p:par>
-                    <p:cTn id="19" fill="hold">
-                      <p:stCondLst>
-                        <p:cond delay="indefinite"/>
-                      </p:stCondLst>
-                      <p:childTnLst>
-                        <p:par>
-                          <p:cTn id="20" fill="hold">
-                            <p:stCondLst>
-                              <p:cond delay="0"/>
-                            </p:stCondLst>
-                            <p:childTnLst>
-                              <p:par>
-                                <p:cTn id="21" presetID="1" presetClass="entr" presetSubtype="0" fill="hold" nodeType="clickEffect">
-                                  <p:stCondLst>
-                                    <p:cond delay="0"/>
-                                  </p:stCondLst>
-                                  <p:childTnLst>
-                                    <p:set>
-                                      <p:cBhvr>
-                                        <p:cTn id="22" dur="1" fill="hold">
-                                          <p:stCondLst>
-                                            <p:cond delay="0"/>
-                                          </p:stCondLst>
-                                        </p:cTn>
-                                        <p:tgtEl>
-                                          <p:spTgt spid="141">
-                                            <p:txEl>
-                                              <p:pRg st="4" end="4"/>
-                                            </p:txEl>
-                                          </p:spTgt>
-                                        </p:tgtEl>
-                                        <p:attrNameLst>
-                                          <p:attrName>style.visibility</p:attrName>
-                                        </p:attrNameLst>
-                                      </p:cBhvr>
-                                      <p:to>
-                                        <p:strVal val="visible"/>
-                                      </p:to>
-                                    </p:set>
-                                  </p:childTnLst>
-                                </p:cTn>
-                              </p:par>
-                            </p:childTnLst>
-                          </p:cTn>
-                        </p:par>
-                      </p:childTnLst>
-                    </p:cTn>
-                  </p:par>
-                  <p:par>
-                    <p:cTn id="23" fill="hold">
-                      <p:stCondLst>
-                        <p:cond delay="indefinite"/>
-                      </p:stCondLst>
-                      <p:childTnLst>
-                        <p:par>
-                          <p:cTn id="24" fill="hold">
-                            <p:stCondLst>
-                              <p:cond delay="0"/>
-                            </p:stCondLst>
-                            <p:childTnLst>
-                              <p:par>
-                                <p:cTn id="25" presetID="1" presetClass="entr" presetSubtype="0" fill="hold" nodeType="clickEffect">
-                                  <p:stCondLst>
-                                    <p:cond delay="0"/>
-                                  </p:stCondLst>
-                                  <p:childTnLst>
-                                    <p:set>
-                                      <p:cBhvr>
-                                        <p:cTn id="26" dur="1" fill="hold">
-                                          <p:stCondLst>
-                                            <p:cond delay="0"/>
-                                          </p:stCondLst>
-                                        </p:cTn>
-                                        <p:tgtEl>
-                                          <p:spTgt spid="141">
-                                            <p:txEl>
-                                              <p:pRg st="5" end="5"/>
-                                            </p:txEl>
-                                          </p:spTgt>
-                                        </p:tgtEl>
-                                        <p:attrNameLst>
-                                          <p:attrName>style.visibility</p:attrName>
-                                        </p:attrNameLst>
-                                      </p:cBhvr>
-                                      <p:to>
-                                        <p:strVal val="visible"/>
-                                      </p:to>
-                                    </p:set>
-                                  </p:childTnLst>
-                                </p:cTn>
-                              </p:par>
-                            </p:childTnLst>
-                          </p:cTn>
-                        </p:par>
-                      </p:childTnLst>
-                    </p:cTn>
-                  </p:par>
-                </p:childTnLst>
-              </p:cTn>
-              <p:prevCondLst>
-                <p:cond evt="onPrev" delay="0">
-                  <p:tgtEl>
-                    <p:sldTgt/>
-                  </p:tgtEl>
-                </p:cond>
-              </p:prevCondLst>
-              <p:nextCondLst>
-                <p:cond evt="onNext" delay="0">
-                  <p:tgtEl>
-                    <p:sldTgt/>
-                  </p:tgtEl>
-                </p:cond>
-              </p:nextCondLst>
-            </p:seq>
-          </p:childTnLst>
-        </p:cTn>
-      </p:par>
-    </p:tnLst>
-  </p:timing>
 </p:sld>
 </file>
 
@@ -9730,7 +12023,7 @@
   <p:cSld>
     <p:spTree>
       <p:nvGrpSpPr>
-        <p:cNvPr id="1" name="Shape 147"/>
+        <p:cNvPr id="1" name="Shape 94"/>
         <p:cNvGrpSpPr/>
         <p:nvPr/>
       </p:nvGrpSpPr>
@@ -9744,7 +12037,7 @@
       </p:grpSpPr>
       <p:sp>
         <p:nvSpPr>
-          <p:cNvPr id="148" name="Google Shape;148;p21"/>
+          <p:cNvPr id="95" name="Google Shape;95;p17"/>
           <p:cNvSpPr txBox="1">
             <a:spLocks noGrp="1"/>
           </p:cNvSpPr>
@@ -9777,16 +12070,26 @@
               <a:buNone/>
             </a:pPr>
             <a:r>
-              <a:rPr lang="en"/>
-              <a:t>Activity - Live Coding Interview</a:t>
-            </a:r>
-            <a:endParaRPr/>
+              <a:rPr lang="en-US" dirty="0" err="1"/>
+              <a:t>LiftOff</a:t>
+            </a:r>
+            <a:r>
+              <a:rPr lang="en-US" dirty="0"/>
+              <a:t> Fun Topics!</a:t>
+            </a:r>
+            <a:endParaRPr dirty="0"/>
           </a:p>
         </p:txBody>
       </p:sp>
       <p:sp>
         <p:nvSpPr>
-          <p:cNvPr id="149" name="Google Shape;149;p21"/>
+          <p:cNvPr id="31" name="Google Shape;89;p16">
+            <a:extLst>
+              <a:ext uri="{FF2B5EF4-FFF2-40B4-BE49-F238E27FC236}">
+                <a16:creationId xmlns:a16="http://schemas.microsoft.com/office/drawing/2014/main" id="{67E34750-AD08-E94A-B9F8-33F50EC2B699}"/>
+              </a:ext>
+            </a:extLst>
+          </p:cNvPr>
           <p:cNvSpPr txBox="1">
             <a:spLocks noGrp="1"/>
           </p:cNvSpPr>
@@ -9797,7 +12100,7 @@
         <p:spPr>
           <a:xfrm>
             <a:off x="471900" y="1919075"/>
-            <a:ext cx="4109400" cy="2710200"/>
+            <a:ext cx="8222100" cy="2710200"/>
           </a:xfrm>
           <a:prstGeom prst="rect">
             <a:avLst/>
@@ -9819,28 +12122,7 @@
               <a:buSzPts val="1800"/>
               <a:buChar char="●"/>
             </a:pPr>
-            <a:r>
-              <a:rPr lang="en" dirty="0"/>
-              <a:t>Find Your Assigned Interviewer</a:t>
-            </a:r>
-            <a:endParaRPr dirty="0"/>
-          </a:p>
-          <a:p>
-            <a:pPr marL="914400" lvl="1" indent="-317500" algn="l" rtl="0">
-              <a:spcBef>
-                <a:spcPts val="0"/>
-              </a:spcBef>
-              <a:spcAft>
-                <a:spcPts val="0"/>
-              </a:spcAft>
-              <a:buSzPts val="1400"/>
-              <a:buChar char="○"/>
-            </a:pPr>
-            <a:r>
-              <a:rPr lang="en" dirty="0"/>
-              <a:t>Shared in Slack #general</a:t>
-            </a:r>
-            <a:endParaRPr dirty="0"/>
+            <a:endParaRPr lang="en-US" dirty="0"/>
           </a:p>
           <a:p>
             <a:pPr marL="457200" lvl="0" indent="-342900" algn="l" rtl="0">
@@ -9854,14 +12136,23 @@
               <a:buChar char="●"/>
             </a:pPr>
             <a:r>
-              <a:rPr lang="en"/>
-              <a:t>Be </a:t>
-            </a:r>
-            <a:r>
-              <a:rPr lang="en" dirty="0"/>
-              <a:t>Prepared for only 15 Minutes</a:t>
-            </a:r>
-            <a:endParaRPr dirty="0"/>
+              <a:rPr lang="en-US" dirty="0"/>
+              <a:t>We decided to add a few fun topics of discussion tonight outside of the normal </a:t>
+            </a:r>
+            <a:r>
+              <a:rPr lang="en-US" dirty="0" err="1"/>
+              <a:t>LiftOff</a:t>
+            </a:r>
+            <a:r>
+              <a:rPr lang="en-US" dirty="0"/>
+              <a:t> curriculum </a:t>
+            </a:r>
+            <a:r>
+              <a:rPr lang="en-US" dirty="0">
+                <a:sym typeface="Wingdings" pitchFamily="2" charset="2"/>
+              </a:rPr>
+              <a:t></a:t>
+            </a:r>
           </a:p>
           <a:p>
             <a:pPr marL="457200" lvl="0" indent="-342900" algn="l" rtl="0">
@@ -9874,36 +12165,57 @@
               <a:buSzPts val="1800"/>
               <a:buChar char="●"/>
             </a:pPr>
-            <a:r>
-              <a:rPr lang="en" dirty="0"/>
-              <a:t>Ask for more feedback!</a:t>
-            </a:r>
+            <a:endParaRPr lang="en-US" dirty="0">
+              <a:sym typeface="Wingdings" pitchFamily="2" charset="2"/>
+            </a:endParaRPr>
+          </a:p>
+          <a:p>
+            <a:pPr lvl="0" indent="-342900">
+              <a:buSzPts val="1800"/>
+            </a:pPr>
+            <a:r>
+              <a:rPr lang="en-US" dirty="0">
+                <a:sym typeface="Wingdings" pitchFamily="2" charset="2"/>
+              </a:rPr>
+              <a:t>Note: </a:t>
+            </a:r>
+            <a:r>
+              <a:rPr lang="en-US" dirty="0"/>
+              <a:t>All of these things are items that from one lecture you will not be proficient in. This is mainly to introduce you to other technologies </a:t>
+            </a:r>
+            <a:r>
+              <a:rPr lang="en-US" b="1" dirty="0"/>
+              <a:t>for you to explore after graduating </a:t>
+            </a:r>
+            <a:r>
+              <a:rPr lang="en-US" dirty="0"/>
+              <a:t>and could be something else you are interested in!</a:t>
+            </a:r>
+            <a:endParaRPr lang="en-US" dirty="0">
+              <a:sym typeface="Wingdings" pitchFamily="2" charset="2"/>
+            </a:endParaRPr>
+          </a:p>
+          <a:p>
+            <a:pPr marL="457200" lvl="0" indent="-342900" algn="l" rtl="0">
+              <a:spcBef>
+                <a:spcPts val="0"/>
+              </a:spcBef>
+              <a:spcAft>
+                <a:spcPts val="0"/>
+              </a:spcAft>
+              <a:buSzPts val="1800"/>
+              <a:buChar char="●"/>
+            </a:pPr>
             <a:endParaRPr dirty="0"/>
           </a:p>
         </p:txBody>
       </p:sp>
-      <p:pic>
-        <p:nvPicPr>
-          <p:cNvPr id="150" name="Google Shape;150;p21"/>
-          <p:cNvPicPr preferRelativeResize="0"/>
-          <p:nvPr/>
-        </p:nvPicPr>
-        <p:blipFill/>
-        <p:spPr>
-          <a:xfrm>
-            <a:off x="4581300" y="2074525"/>
-            <a:ext cx="4257900" cy="2554740"/>
-          </a:xfrm>
-          <a:prstGeom prst="rect">
-            <a:avLst/>
-          </a:prstGeom>
-          <a:noFill/>
-          <a:ln>
-            <a:noFill/>
-          </a:ln>
-        </p:spPr>
-      </p:pic>
     </p:spTree>
+    <p:extLst>
+      <p:ext uri="{BB962C8B-B14F-4D97-AF65-F5344CB8AC3E}">
+        <p14:creationId xmlns:p14="http://schemas.microsoft.com/office/powerpoint/2010/main" val="2552909750"/>
+      </p:ext>
+    </p:extLst>
   </p:cSld>
   <p:clrMapOvr>
     <a:masterClrMapping/>
@@ -9916,7 +12228,7 @@
   <p:cSld>
     <p:spTree>
       <p:nvGrpSpPr>
-        <p:cNvPr id="1" name="Shape 154"/>
+        <p:cNvPr id="1" name="Shape 94"/>
         <p:cNvGrpSpPr/>
         <p:nvPr/>
       </p:nvGrpSpPr>
@@ -9930,7 +12242,7 @@
       </p:grpSpPr>
       <p:sp>
         <p:nvSpPr>
-          <p:cNvPr id="155" name="Google Shape;155;p22"/>
+          <p:cNvPr id="95" name="Google Shape;95;p17"/>
           <p:cNvSpPr txBox="1">
             <a:spLocks noGrp="1"/>
           </p:cNvSpPr>
@@ -9963,16 +12275,22 @@
               <a:buNone/>
             </a:pPr>
             <a:r>
-              <a:rPr lang="en"/>
-              <a:t>Activity - Scrum (15 mins)</a:t>
-            </a:r>
-            <a:endParaRPr/>
+              <a:rPr lang="en-US" dirty="0"/>
+              <a:t>DevOps</a:t>
+            </a:r>
+            <a:endParaRPr dirty="0"/>
           </a:p>
         </p:txBody>
       </p:sp>
       <p:sp>
         <p:nvSpPr>
-          <p:cNvPr id="156" name="Google Shape;156;p22"/>
+          <p:cNvPr id="31" name="Google Shape;89;p16">
+            <a:extLst>
+              <a:ext uri="{FF2B5EF4-FFF2-40B4-BE49-F238E27FC236}">
+                <a16:creationId xmlns:a16="http://schemas.microsoft.com/office/drawing/2014/main" id="{67E34750-AD08-E94A-B9F8-33F50EC2B699}"/>
+              </a:ext>
+            </a:extLst>
+          </p:cNvPr>
           <p:cNvSpPr txBox="1">
             <a:spLocks noGrp="1"/>
           </p:cNvSpPr>
@@ -9982,8 +12300,8 @@
         </p:nvSpPr>
         <p:spPr>
           <a:xfrm>
-            <a:off x="471900" y="1919075"/>
-            <a:ext cx="4124700" cy="2710200"/>
+            <a:off x="460950" y="1718184"/>
+            <a:ext cx="8222100" cy="3172470"/>
           </a:xfrm>
           <a:prstGeom prst="rect">
             <a:avLst/>
@@ -10005,11 +12323,7 @@
               <a:buSzPts val="1800"/>
               <a:buChar char="●"/>
             </a:pPr>
-            <a:r>
-              <a:rPr lang="en"/>
-              <a:t>1 Minute Per Person</a:t>
-            </a:r>
-            <a:endParaRPr/>
+            <a:endParaRPr lang="en-US" dirty="0"/>
           </a:p>
           <a:p>
             <a:pPr marL="457200" lvl="0" indent="-342900" algn="l" rtl="0">
@@ -10023,10 +12337,9 @@
               <a:buChar char="●"/>
             </a:pPr>
             <a:r>
-              <a:rPr lang="en"/>
-              <a:t>What You Did</a:t>
-            </a:r>
-            <a:endParaRPr/>
+              <a:rPr lang="en-US" dirty="0"/>
+              <a:t>DevOps -&gt; Development Operations; philosophies, practices, and tools that help to deliver software/services to users more efficiently.</a:t>
+            </a:r>
           </a:p>
           <a:p>
             <a:pPr marL="457200" lvl="0" indent="-342900" algn="l" rtl="0">
@@ -10040,93 +12353,588 @@
               <a:buChar char="●"/>
             </a:pPr>
             <a:r>
-              <a:rPr lang="en"/>
-              <a:t>What You’re Working On Next</a:t>
-            </a:r>
-            <a:endParaRPr/>
-          </a:p>
-          <a:p>
-            <a:pPr marL="457200" lvl="0" indent="-342900" algn="l" rtl="0">
-              <a:spcBef>
-                <a:spcPts val="0"/>
-              </a:spcBef>
-              <a:spcAft>
-                <a:spcPts val="0"/>
-              </a:spcAft>
+              <a:rPr lang="en-US" dirty="0"/>
+              <a:t>Continuous Integration</a:t>
+            </a:r>
+          </a:p>
+          <a:p>
+            <a:pPr lvl="1" indent="-342900">
+              <a:spcBef>
+                <a:spcPts val="0"/>
+              </a:spcBef>
               <a:buSzPts val="1800"/>
               <a:buChar char="●"/>
             </a:pPr>
             <a:r>
-              <a:rPr lang="en"/>
-              <a:t>Any Blockers</a:t>
-            </a:r>
-            <a:endParaRPr/>
-          </a:p>
-          <a:p>
-            <a:pPr marL="457200" lvl="0" indent="-342900" algn="l" rtl="0">
-              <a:spcBef>
-                <a:spcPts val="0"/>
-              </a:spcBef>
-              <a:spcAft>
-                <a:spcPts val="0"/>
-              </a:spcAft>
+              <a:rPr lang="en-US" dirty="0"/>
+              <a:t>Things such as Jenkins to build code developed by multiple concurrent engineers </a:t>
+            </a:r>
+          </a:p>
+          <a:p>
+            <a:pPr lvl="0" indent="-342900">
+              <a:buSzPts val="1800"/>
+            </a:pPr>
+            <a:r>
+              <a:rPr lang="en-US" dirty="0"/>
+              <a:t>Continuous Delivery</a:t>
+            </a:r>
+          </a:p>
+          <a:p>
+            <a:pPr lvl="1" indent="-342900">
+              <a:spcBef>
+                <a:spcPts val="0"/>
+              </a:spcBef>
               <a:buSzPts val="1800"/>
               <a:buChar char="●"/>
             </a:pPr>
             <a:r>
-              <a:rPr lang="en"/>
-              <a:t>Remainder:</a:t>
-            </a:r>
-            <a:endParaRPr/>
-          </a:p>
-          <a:p>
-            <a:pPr marL="914400" lvl="1" indent="-317500" algn="l" rtl="0">
-              <a:spcBef>
-                <a:spcPts val="0"/>
-              </a:spcBef>
-              <a:spcAft>
-                <a:spcPts val="0"/>
-              </a:spcAft>
-              <a:buSzPts val="1400"/>
-              <a:buChar char="○"/>
-            </a:pPr>
-            <a:r>
-              <a:rPr lang="en"/>
-              <a:t>Mentor Project Feedback</a:t>
-            </a:r>
-            <a:endParaRPr/>
+              <a:rPr lang="en-US" dirty="0"/>
+              <a:t>Automated code building, testing and preparing for release to production. Takes code from build -&gt; deploy</a:t>
+            </a:r>
+          </a:p>
+          <a:p>
+            <a:pPr lvl="0" indent="-342900">
+              <a:buSzPts val="1800"/>
+            </a:pPr>
+            <a:r>
+              <a:rPr lang="en-US" dirty="0"/>
+              <a:t>Build Pipelines</a:t>
+            </a:r>
+          </a:p>
+          <a:p>
+            <a:pPr lvl="1" indent="-342900">
+              <a:spcBef>
+                <a:spcPts val="0"/>
+              </a:spcBef>
+              <a:buSzPts val="1800"/>
+              <a:buChar char="●"/>
+            </a:pPr>
+            <a:r>
+              <a:rPr lang="en-US" dirty="0"/>
+              <a:t>Automated code jobs/stages, a typical pipeline would </a:t>
+            </a:r>
+            <a:r>
+              <a:rPr lang="en-US" b="1" dirty="0"/>
+              <a:t>build</a:t>
+            </a:r>
+            <a:r>
+              <a:rPr lang="en-US" dirty="0"/>
+              <a:t>, </a:t>
+            </a:r>
+            <a:r>
+              <a:rPr lang="en-US" b="1" dirty="0"/>
+              <a:t>test</a:t>
+            </a:r>
+            <a:r>
+              <a:rPr lang="en-US" dirty="0"/>
+              <a:t>, </a:t>
+            </a:r>
+            <a:r>
+              <a:rPr lang="en-US" b="1" dirty="0"/>
+              <a:t>deploy to staging</a:t>
+            </a:r>
+            <a:r>
+              <a:rPr lang="en-US" dirty="0"/>
+              <a:t>, then </a:t>
+            </a:r>
+            <a:r>
+              <a:rPr lang="en-US" b="1" dirty="0"/>
+              <a:t>deploy to production</a:t>
+            </a:r>
+            <a:r>
+              <a:rPr lang="en-US" dirty="0"/>
+              <a:t>. There are many types of pipelines, see: </a:t>
+            </a:r>
+            <a:r>
+              <a:rPr lang="en-US" dirty="0">
+                <a:hlinkClick r:id="rId3"/>
+              </a:rPr>
+              <a:t>https://docs.gitlab.com/ee/ci/pipelines/</a:t>
+            </a:r>
+            <a:endParaRPr lang="en-US" dirty="0"/>
+          </a:p>
+          <a:p>
+            <a:pPr lvl="0" indent="-342900">
+              <a:buSzPts val="1800"/>
+            </a:pPr>
+            <a:r>
+              <a:rPr lang="en-US" dirty="0"/>
+              <a:t>Monitoring and Logging</a:t>
+            </a:r>
+          </a:p>
+          <a:p>
+            <a:pPr lvl="1" indent="-342900">
+              <a:spcBef>
+                <a:spcPts val="0"/>
+              </a:spcBef>
+              <a:buSzPts val="1800"/>
+              <a:buChar char="●"/>
+            </a:pPr>
+            <a:r>
+              <a:rPr lang="en-US" dirty="0"/>
+              <a:t>Things critical for high availability and troubleshooting; examples: Splunk, New Relic, etc.</a:t>
+            </a:r>
+          </a:p>
+          <a:p>
+            <a:pPr indent="-342900">
+              <a:buSzPts val="1800"/>
+            </a:pPr>
+            <a:endParaRPr lang="en-US" dirty="0"/>
           </a:p>
         </p:txBody>
       </p:sp>
-      <p:pic>
-        <p:nvPicPr>
-          <p:cNvPr id="157" name="Google Shape;157;p22"/>
-          <p:cNvPicPr preferRelativeResize="0"/>
-          <p:nvPr/>
-        </p:nvPicPr>
-        <p:blipFill>
-          <a:blip r:embed="rId3">
-            <a:alphaModFix/>
-          </a:blip>
-          <a:stretch>
-            <a:fillRect/>
-          </a:stretch>
-        </p:blipFill>
+    </p:spTree>
+    <p:extLst>
+      <p:ext uri="{BB962C8B-B14F-4D97-AF65-F5344CB8AC3E}">
+        <p14:creationId xmlns:p14="http://schemas.microsoft.com/office/powerpoint/2010/main" val="2216305668"/>
+      </p:ext>
+    </p:extLst>
+  </p:cSld>
+  <p:clrMapOvr>
+    <a:masterClrMapping/>
+  </p:clrMapOvr>
+</p:sld>
+</file>
+
+<file path=ppt/slides/slide8.xml><?xml version="1.0" encoding="utf-8"?>
+<p:sld xmlns:a="http://schemas.openxmlformats.org/drawingml/2006/main" xmlns:r="http://schemas.openxmlformats.org/officeDocument/2006/relationships" xmlns:p="http://schemas.openxmlformats.org/presentationml/2006/main">
+  <p:cSld>
+    <p:spTree>
+      <p:nvGrpSpPr>
+        <p:cNvPr id="1" name="Shape 94"/>
+        <p:cNvGrpSpPr/>
+        <p:nvPr/>
+      </p:nvGrpSpPr>
+      <p:grpSpPr>
+        <a:xfrm>
+          <a:off x="0" y="0"/>
+          <a:ext cx="0" cy="0"/>
+          <a:chOff x="0" y="0"/>
+          <a:chExt cx="0" cy="0"/>
+        </a:xfrm>
+      </p:grpSpPr>
+      <p:sp>
+        <p:nvSpPr>
+          <p:cNvPr id="95" name="Google Shape;95;p17"/>
+          <p:cNvSpPr txBox="1">
+            <a:spLocks noGrp="1"/>
+          </p:cNvSpPr>
+          <p:nvPr>
+            <p:ph type="title"/>
+          </p:nvPr>
+        </p:nvSpPr>
         <p:spPr>
           <a:xfrm>
-            <a:off x="5715000" y="0"/>
-            <a:ext cx="3429000" cy="5143500"/>
+            <a:off x="471900" y="738725"/>
+            <a:ext cx="8222100" cy="767700"/>
           </a:xfrm>
           <a:prstGeom prst="rect">
             <a:avLst/>
           </a:prstGeom>
-          <a:noFill/>
-          <a:ln>
-            <a:noFill/>
-          </a:ln>
         </p:spPr>
-      </p:pic>
+        <p:txBody>
+          <a:bodyPr spcFirstLastPara="1" wrap="square" lIns="91425" tIns="91425" rIns="91425" bIns="91425" anchor="b" anchorCtr="0">
+            <a:noAutofit/>
+          </a:bodyPr>
+          <a:lstStyle/>
+          <a:p>
+            <a:pPr marL="0" lvl="0" indent="0" algn="l" rtl="0">
+              <a:spcBef>
+                <a:spcPts val="0"/>
+              </a:spcBef>
+              <a:spcAft>
+                <a:spcPts val="0"/>
+              </a:spcAft>
+              <a:buNone/>
+            </a:pPr>
+            <a:r>
+              <a:rPr lang="en-US" dirty="0"/>
+              <a:t>Deployments (rolling and blue/green)</a:t>
+            </a:r>
+            <a:endParaRPr dirty="0"/>
+          </a:p>
+        </p:txBody>
+      </p:sp>
+      <p:sp>
+        <p:nvSpPr>
+          <p:cNvPr id="31" name="Google Shape;89;p16">
+            <a:extLst>
+              <a:ext uri="{FF2B5EF4-FFF2-40B4-BE49-F238E27FC236}">
+                <a16:creationId xmlns:a16="http://schemas.microsoft.com/office/drawing/2014/main" id="{67E34750-AD08-E94A-B9F8-33F50EC2B699}"/>
+              </a:ext>
+            </a:extLst>
+          </p:cNvPr>
+          <p:cNvSpPr txBox="1">
+            <a:spLocks noGrp="1"/>
+          </p:cNvSpPr>
+          <p:nvPr>
+            <p:ph type="body" idx="1"/>
+          </p:nvPr>
+        </p:nvSpPr>
+        <p:spPr>
+          <a:xfrm>
+            <a:off x="460950" y="1718184"/>
+            <a:ext cx="8222100" cy="3345652"/>
+          </a:xfrm>
+          <a:prstGeom prst="rect">
+            <a:avLst/>
+          </a:prstGeom>
+        </p:spPr>
+        <p:txBody>
+          <a:bodyPr spcFirstLastPara="1" wrap="square" lIns="91425" tIns="91425" rIns="91425" bIns="91425" anchor="t" anchorCtr="0">
+            <a:noAutofit/>
+          </a:bodyPr>
+          <a:lstStyle/>
+          <a:p>
+            <a:pPr marL="457200" lvl="0" indent="-342900" algn="l" rtl="0">
+              <a:spcBef>
+                <a:spcPts val="0"/>
+              </a:spcBef>
+              <a:spcAft>
+                <a:spcPts val="0"/>
+              </a:spcAft>
+              <a:buSzPts val="1800"/>
+              <a:buChar char="●"/>
+            </a:pPr>
+            <a:r>
+              <a:rPr lang="en-US" dirty="0"/>
+              <a:t>We spent all of LC101 and Liftoff (thus far) teaching you how to code, but not how to deploy</a:t>
+            </a:r>
+          </a:p>
+          <a:p>
+            <a:pPr marL="457200" lvl="0" indent="-342900" algn="l" rtl="0">
+              <a:spcBef>
+                <a:spcPts val="0"/>
+              </a:spcBef>
+              <a:spcAft>
+                <a:spcPts val="0"/>
+              </a:spcAft>
+              <a:buSzPts val="1800"/>
+              <a:buChar char="●"/>
+            </a:pPr>
+            <a:r>
+              <a:rPr lang="en-US" dirty="0"/>
+              <a:t>The 2 primary types of deployments are in-place (or rolling) deployments and blue/green deployments. They both have their pros/cons</a:t>
+            </a:r>
+          </a:p>
+          <a:p>
+            <a:pPr lvl="0" indent="-342900">
+              <a:buSzPts val="1800"/>
+            </a:pPr>
+            <a:r>
+              <a:rPr lang="en-US" dirty="0"/>
+              <a:t>In-place (aka rolling) deployments go through each server node (or instance) in the , remove it from the load balancer, shut down the web container/app, deploy the new code, restart the web container/app, and add it back into the load balancer. </a:t>
+            </a:r>
+          </a:p>
+          <a:p>
+            <a:pPr indent="-342900">
+              <a:buSzPts val="1800"/>
+            </a:pPr>
+            <a:r>
+              <a:rPr lang="en-US" dirty="0"/>
+              <a:t>Benefit of rolling deployments is that they require only one collection of nodes for each environment (dev/staging/prod)</a:t>
+            </a:r>
+          </a:p>
+          <a:p>
+            <a:pPr indent="-342900">
+              <a:buSzPts val="1800"/>
+            </a:pPr>
+            <a:r>
+              <a:rPr lang="en-US" dirty="0"/>
+              <a:t>Downfall of rolling deployments is rollbacks (going back to previous version of code) is difficult and requires doing another rolling deployment one server at a time.</a:t>
+            </a:r>
+          </a:p>
+          <a:p>
+            <a:pPr lvl="0" indent="-342900">
+              <a:buSzPts val="1800"/>
+            </a:pPr>
+            <a:r>
+              <a:rPr lang="en-US" dirty="0"/>
+              <a:t>Blue/Green deployments requires two collections of nodes for each environment, one called blue, and one called green. At any given time, only ONE collection (blue or green) is live in the environment. When it’s time to deploy new code, the new code is deployed to the collection that is not live. Once the deploy is complete, the load balancer is switched to the non-live environment.</a:t>
+            </a:r>
+          </a:p>
+          <a:p>
+            <a:pPr lvl="0" indent="-342900">
+              <a:buSzPts val="1800"/>
+            </a:pPr>
+            <a:endParaRPr lang="en-US" dirty="0"/>
+          </a:p>
+        </p:txBody>
+      </p:sp>
     </p:spTree>
+    <p:extLst>
+      <p:ext uri="{BB962C8B-B14F-4D97-AF65-F5344CB8AC3E}">
+        <p14:creationId xmlns:p14="http://schemas.microsoft.com/office/powerpoint/2010/main" val="1499700365"/>
+      </p:ext>
+    </p:extLst>
+  </p:cSld>
+  <p:clrMapOvr>
+    <a:masterClrMapping/>
+  </p:clrMapOvr>
+</p:sld>
+</file>
+
+<file path=ppt/slides/slide9.xml><?xml version="1.0" encoding="utf-8"?>
+<p:sld xmlns:a="http://schemas.openxmlformats.org/drawingml/2006/main" xmlns:r="http://schemas.openxmlformats.org/officeDocument/2006/relationships" xmlns:p="http://schemas.openxmlformats.org/presentationml/2006/main">
+  <p:cSld>
+    <p:spTree>
+      <p:nvGrpSpPr>
+        <p:cNvPr id="1" name="Shape 94"/>
+        <p:cNvGrpSpPr/>
+        <p:nvPr/>
+      </p:nvGrpSpPr>
+      <p:grpSpPr>
+        <a:xfrm>
+          <a:off x="0" y="0"/>
+          <a:ext cx="0" cy="0"/>
+          <a:chOff x="0" y="0"/>
+          <a:chExt cx="0" cy="0"/>
+        </a:xfrm>
+      </p:grpSpPr>
+      <p:sp>
+        <p:nvSpPr>
+          <p:cNvPr id="95" name="Google Shape;95;p17"/>
+          <p:cNvSpPr txBox="1">
+            <a:spLocks noGrp="1"/>
+          </p:cNvSpPr>
+          <p:nvPr>
+            <p:ph type="title"/>
+          </p:nvPr>
+        </p:nvSpPr>
+        <p:spPr>
+          <a:xfrm>
+            <a:off x="471900" y="738725"/>
+            <a:ext cx="8222100" cy="767700"/>
+          </a:xfrm>
+          <a:prstGeom prst="rect">
+            <a:avLst/>
+          </a:prstGeom>
+        </p:spPr>
+        <p:txBody>
+          <a:bodyPr spcFirstLastPara="1" wrap="square" lIns="91425" tIns="91425" rIns="91425" bIns="91425" anchor="b" anchorCtr="0">
+            <a:noAutofit/>
+          </a:bodyPr>
+          <a:lstStyle/>
+          <a:p>
+            <a:pPr marL="0" lvl="0" indent="0" algn="l" rtl="0">
+              <a:spcBef>
+                <a:spcPts val="0"/>
+              </a:spcBef>
+              <a:spcAft>
+                <a:spcPts val="0"/>
+              </a:spcAft>
+              <a:buNone/>
+            </a:pPr>
+            <a:r>
+              <a:rPr lang="en-US" dirty="0"/>
+              <a:t>Deployments (rolling and blue/green) continued…</a:t>
+            </a:r>
+            <a:endParaRPr dirty="0"/>
+          </a:p>
+        </p:txBody>
+      </p:sp>
+      <p:sp>
+        <p:nvSpPr>
+          <p:cNvPr id="31" name="Google Shape;89;p16">
+            <a:extLst>
+              <a:ext uri="{FF2B5EF4-FFF2-40B4-BE49-F238E27FC236}">
+                <a16:creationId xmlns:a16="http://schemas.microsoft.com/office/drawing/2014/main" id="{67E34750-AD08-E94A-B9F8-33F50EC2B699}"/>
+              </a:ext>
+            </a:extLst>
+          </p:cNvPr>
+          <p:cNvSpPr txBox="1">
+            <a:spLocks noGrp="1"/>
+          </p:cNvSpPr>
+          <p:nvPr>
+            <p:ph type="body" idx="1"/>
+          </p:nvPr>
+        </p:nvSpPr>
+        <p:spPr>
+          <a:xfrm>
+            <a:off x="460950" y="1718184"/>
+            <a:ext cx="8222100" cy="3345652"/>
+          </a:xfrm>
+          <a:prstGeom prst="rect">
+            <a:avLst/>
+          </a:prstGeom>
+        </p:spPr>
+        <p:txBody>
+          <a:bodyPr spcFirstLastPara="1" wrap="square" lIns="91425" tIns="91425" rIns="91425" bIns="91425" anchor="t" anchorCtr="0">
+            <a:noAutofit/>
+          </a:bodyPr>
+          <a:lstStyle/>
+          <a:p>
+            <a:pPr lvl="0" indent="-342900">
+              <a:buSzPts val="1800"/>
+            </a:pPr>
+            <a:r>
+              <a:rPr lang="en-US" dirty="0"/>
+              <a:t>Blue/Green deployments requires two clusters of nodes for each environment, one called </a:t>
+            </a:r>
+            <a:r>
+              <a:rPr lang="en-US" dirty="0">
+                <a:solidFill>
+                  <a:srgbClr val="0070C0"/>
+                </a:solidFill>
+              </a:rPr>
+              <a:t>blue</a:t>
+            </a:r>
+            <a:r>
+              <a:rPr lang="en-US" dirty="0"/>
+              <a:t>, and one called </a:t>
+            </a:r>
+            <a:r>
+              <a:rPr lang="en-US" dirty="0">
+                <a:solidFill>
+                  <a:srgbClr val="00B050"/>
+                </a:solidFill>
+              </a:rPr>
+              <a:t>green</a:t>
+            </a:r>
+            <a:r>
+              <a:rPr lang="en-US" dirty="0"/>
+              <a:t>. </a:t>
+            </a:r>
+          </a:p>
+          <a:p>
+            <a:pPr lvl="0" indent="-342900">
+              <a:buSzPts val="1800"/>
+            </a:pPr>
+            <a:r>
+              <a:rPr lang="en-US" dirty="0"/>
+              <a:t>At any given time, only ONE cluster (</a:t>
+            </a:r>
+            <a:r>
+              <a:rPr lang="en-US" dirty="0">
+                <a:solidFill>
+                  <a:srgbClr val="0070C0"/>
+                </a:solidFill>
+              </a:rPr>
+              <a:t>blue</a:t>
+            </a:r>
+            <a:r>
+              <a:rPr lang="en-US" dirty="0"/>
+              <a:t> or </a:t>
+            </a:r>
+            <a:r>
+              <a:rPr lang="en-US" dirty="0">
+                <a:solidFill>
+                  <a:srgbClr val="00B050"/>
+                </a:solidFill>
+              </a:rPr>
+              <a:t>green</a:t>
+            </a:r>
+            <a:r>
+              <a:rPr lang="en-US" dirty="0"/>
+              <a:t>) is live in the environment. </a:t>
+            </a:r>
+          </a:p>
+          <a:p>
+            <a:pPr lvl="0" indent="-342900">
+              <a:buSzPts val="1800"/>
+            </a:pPr>
+            <a:r>
+              <a:rPr lang="en-US" dirty="0"/>
+              <a:t>When it’s time to deploy new code, the new code is deployed to the cluster that is </a:t>
+            </a:r>
+            <a:r>
+              <a:rPr lang="en-US" b="1" dirty="0"/>
+              <a:t>not live</a:t>
+            </a:r>
+            <a:r>
+              <a:rPr lang="en-US" dirty="0"/>
+              <a:t>. Once the deploy is complete, the load balancer is switched to the non-live cluster.</a:t>
+            </a:r>
+          </a:p>
+          <a:p>
+            <a:pPr lvl="0" indent="-342900">
+              <a:buSzPts val="1800"/>
+            </a:pPr>
+            <a:r>
+              <a:rPr lang="en-US" dirty="0"/>
+              <a:t>e.g. If we wanted to deploy code version 2.0 and </a:t>
+            </a:r>
+            <a:r>
+              <a:rPr lang="en-US" dirty="0">
+                <a:solidFill>
+                  <a:srgbClr val="00B050"/>
+                </a:solidFill>
+              </a:rPr>
+              <a:t>green</a:t>
+            </a:r>
+            <a:r>
+              <a:rPr lang="en-US" dirty="0"/>
+              <a:t> was live with code version 1.1 and </a:t>
+            </a:r>
+            <a:r>
+              <a:rPr lang="en-US" dirty="0">
+                <a:solidFill>
+                  <a:srgbClr val="0070C0"/>
+                </a:solidFill>
+              </a:rPr>
+              <a:t>blue</a:t>
+            </a:r>
+            <a:r>
+              <a:rPr lang="en-US" dirty="0"/>
+              <a:t> was not live with version 1.0, we would deploy version 2.0 to </a:t>
+            </a:r>
+            <a:r>
+              <a:rPr lang="en-US" dirty="0">
+                <a:solidFill>
+                  <a:srgbClr val="0070C0"/>
+                </a:solidFill>
+              </a:rPr>
+              <a:t>blue</a:t>
+            </a:r>
+            <a:r>
+              <a:rPr lang="en-US" dirty="0"/>
+              <a:t> and update the load balancer to make the </a:t>
+            </a:r>
+            <a:r>
+              <a:rPr lang="en-US" dirty="0">
+                <a:solidFill>
+                  <a:srgbClr val="0070C0"/>
+                </a:solidFill>
+              </a:rPr>
+              <a:t>blue</a:t>
+            </a:r>
+            <a:r>
+              <a:rPr lang="en-US" dirty="0"/>
+              <a:t> collection live.</a:t>
+            </a:r>
+          </a:p>
+          <a:p>
+            <a:pPr lvl="0" indent="-342900">
+              <a:buSzPts val="1800"/>
+            </a:pPr>
+            <a:r>
+              <a:rPr lang="en-US" dirty="0"/>
+              <a:t>Benefit of blue/green deployments is the easy rollback if the updated code proves to be a failure.</a:t>
+            </a:r>
+          </a:p>
+          <a:p>
+            <a:pPr lvl="0" indent="-342900">
+              <a:buSzPts val="1800"/>
+            </a:pPr>
+            <a:r>
+              <a:rPr lang="en-US" dirty="0"/>
+              <a:t>The downfall is the necessity of multiple clusters, which costs $$$</a:t>
+            </a:r>
+          </a:p>
+          <a:p>
+            <a:pPr lvl="0" indent="-342900">
+              <a:buSzPts val="1800"/>
+            </a:pPr>
+            <a:endParaRPr lang="en-US" dirty="0"/>
+          </a:p>
+        </p:txBody>
+      </p:sp>
+    </p:spTree>
+    <p:extLst>
+      <p:ext uri="{BB962C8B-B14F-4D97-AF65-F5344CB8AC3E}">
+        <p14:creationId xmlns:p14="http://schemas.microsoft.com/office/powerpoint/2010/main" val="1468977908"/>
+      </p:ext>
+    </p:extLst>
   </p:cSld>
   <p:clrMapOvr>
     <a:masterClrMapping/>

--- a/Class 5 Slides.pptx
+++ b/Class 5 Slides.pptx
@@ -5,35 +5,34 @@
     <p:sldMasterId id="2147483659" r:id="rId1"/>
   </p:sldMasterIdLst>
   <p:notesMasterIdLst>
-    <p:notesMasterId r:id="rId18"/>
+    <p:notesMasterId r:id="rId17"/>
   </p:notesMasterIdLst>
   <p:sldIdLst>
     <p:sldId id="256" r:id="rId2"/>
     <p:sldId id="259" r:id="rId3"/>
     <p:sldId id="260" r:id="rId4"/>
-    <p:sldId id="261" r:id="rId5"/>
-    <p:sldId id="264" r:id="rId6"/>
-    <p:sldId id="265" r:id="rId7"/>
-    <p:sldId id="266" r:id="rId8"/>
-    <p:sldId id="273" r:id="rId9"/>
-    <p:sldId id="274" r:id="rId10"/>
-    <p:sldId id="267" r:id="rId11"/>
-    <p:sldId id="268" r:id="rId12"/>
-    <p:sldId id="270" r:id="rId13"/>
-    <p:sldId id="271" r:id="rId14"/>
-    <p:sldId id="269" r:id="rId15"/>
-    <p:sldId id="272" r:id="rId16"/>
-    <p:sldId id="285" r:id="rId17"/>
+    <p:sldId id="264" r:id="rId5"/>
+    <p:sldId id="265" r:id="rId6"/>
+    <p:sldId id="266" r:id="rId7"/>
+    <p:sldId id="273" r:id="rId8"/>
+    <p:sldId id="274" r:id="rId9"/>
+    <p:sldId id="267" r:id="rId10"/>
+    <p:sldId id="268" r:id="rId11"/>
+    <p:sldId id="270" r:id="rId12"/>
+    <p:sldId id="271" r:id="rId13"/>
+    <p:sldId id="269" r:id="rId14"/>
+    <p:sldId id="272" r:id="rId15"/>
+    <p:sldId id="285" r:id="rId16"/>
   </p:sldIdLst>
   <p:sldSz cx="9144000" cy="5143500" type="screen16x9"/>
   <p:notesSz cx="6858000" cy="9144000"/>
   <p:embeddedFontLst>
     <p:embeddedFont>
       <p:font typeface="Roboto" panose="02000000000000000000" pitchFamily="2" charset="0"/>
-      <p:regular r:id="rId19"/>
-      <p:bold r:id="rId20"/>
-      <p:italic r:id="rId21"/>
-      <p:boldItalic r:id="rId22"/>
+      <p:regular r:id="rId18"/>
+      <p:bold r:id="rId19"/>
+      <p:italic r:id="rId20"/>
+      <p:boldItalic r:id="rId21"/>
     </p:embeddedFont>
   </p:embeddedFontLst>
   <p:defaultTextStyle>
@@ -921,7 +920,7 @@
     </p:spTree>
     <p:extLst>
       <p:ext uri="{BB962C8B-B14F-4D97-AF65-F5344CB8AC3E}">
-        <p14:creationId xmlns:p14="http://schemas.microsoft.com/office/powerpoint/2010/main" val="3447910590"/>
+        <p14:creationId xmlns:p14="http://schemas.microsoft.com/office/powerpoint/2010/main" val="2464496078"/>
       </p:ext>
     </p:extLst>
   </p:cSld>
@@ -1034,7 +1033,7 @@
     </p:spTree>
     <p:extLst>
       <p:ext uri="{BB962C8B-B14F-4D97-AF65-F5344CB8AC3E}">
-        <p14:creationId xmlns:p14="http://schemas.microsoft.com/office/powerpoint/2010/main" val="2464496078"/>
+        <p14:creationId xmlns:p14="http://schemas.microsoft.com/office/powerpoint/2010/main" val="1670712207"/>
       </p:ext>
     </p:extLst>
   </p:cSld>
@@ -1147,7 +1146,7 @@
     </p:spTree>
     <p:extLst>
       <p:ext uri="{BB962C8B-B14F-4D97-AF65-F5344CB8AC3E}">
-        <p14:creationId xmlns:p14="http://schemas.microsoft.com/office/powerpoint/2010/main" val="1670712207"/>
+        <p14:creationId xmlns:p14="http://schemas.microsoft.com/office/powerpoint/2010/main" val="3892860880"/>
       </p:ext>
     </p:extLst>
   </p:cSld>
@@ -1260,7 +1259,7 @@
     </p:spTree>
     <p:extLst>
       <p:ext uri="{BB962C8B-B14F-4D97-AF65-F5344CB8AC3E}">
-        <p14:creationId xmlns:p14="http://schemas.microsoft.com/office/powerpoint/2010/main" val="3892860880"/>
+        <p14:creationId xmlns:p14="http://schemas.microsoft.com/office/powerpoint/2010/main" val="4225417892"/>
       </p:ext>
     </p:extLst>
   </p:cSld>
@@ -1373,7 +1372,7 @@
     </p:spTree>
     <p:extLst>
       <p:ext uri="{BB962C8B-B14F-4D97-AF65-F5344CB8AC3E}">
-        <p14:creationId xmlns:p14="http://schemas.microsoft.com/office/powerpoint/2010/main" val="4225417892"/>
+        <p14:creationId xmlns:p14="http://schemas.microsoft.com/office/powerpoint/2010/main" val="2721490249"/>
       </p:ext>
     </p:extLst>
   </p:cSld>
@@ -1384,119 +1383,6 @@
 </file>
 
 <file path=ppt/notesSlides/notesSlide15.xml><?xml version="1.0" encoding="utf-8"?>
-<p:notes xmlns:a="http://schemas.openxmlformats.org/drawingml/2006/main" xmlns:r="http://schemas.openxmlformats.org/officeDocument/2006/relationships" xmlns:p="http://schemas.openxmlformats.org/presentationml/2006/main" showMasterSp="0" showMasterPhAnim="0">
-  <p:cSld>
-    <p:spTree>
-      <p:nvGrpSpPr>
-        <p:cNvPr id="1" name="Shape 91"/>
-        <p:cNvGrpSpPr/>
-        <p:nvPr/>
-      </p:nvGrpSpPr>
-      <p:grpSpPr>
-        <a:xfrm>
-          <a:off x="0" y="0"/>
-          <a:ext cx="0" cy="0"/>
-          <a:chOff x="0" y="0"/>
-          <a:chExt cx="0" cy="0"/>
-        </a:xfrm>
-      </p:grpSpPr>
-      <p:sp>
-        <p:nvSpPr>
-          <p:cNvPr id="92" name="Google Shape;92;g3fd3056a27_0_0:notes"/>
-          <p:cNvSpPr>
-            <a:spLocks noGrp="1" noRot="1" noChangeAspect="1"/>
-          </p:cNvSpPr>
-          <p:nvPr>
-            <p:ph type="sldImg" idx="2"/>
-          </p:nvPr>
-        </p:nvSpPr>
-        <p:spPr>
-          <a:xfrm>
-            <a:off x="381000" y="685800"/>
-            <a:ext cx="6096000" cy="3429000"/>
-          </a:xfrm>
-          <a:custGeom>
-            <a:avLst/>
-            <a:gdLst/>
-            <a:ahLst/>
-            <a:cxnLst/>
-            <a:rect l="l" t="t" r="r" b="b"/>
-            <a:pathLst>
-              <a:path w="120000" h="120000" extrusionOk="0">
-                <a:moveTo>
-                  <a:pt x="0" y="0"/>
-                </a:moveTo>
-                <a:lnTo>
-                  <a:pt x="120000" y="0"/>
-                </a:lnTo>
-                <a:lnTo>
-                  <a:pt x="120000" y="120000"/>
-                </a:lnTo>
-                <a:lnTo>
-                  <a:pt x="0" y="120000"/>
-                </a:lnTo>
-                <a:close/>
-              </a:path>
-            </a:pathLst>
-          </a:custGeom>
-        </p:spPr>
-      </p:sp>
-      <p:sp>
-        <p:nvSpPr>
-          <p:cNvPr id="93" name="Google Shape;93;g3fd3056a27_0_0:notes"/>
-          <p:cNvSpPr txBox="1">
-            <a:spLocks noGrp="1"/>
-          </p:cNvSpPr>
-          <p:nvPr>
-            <p:ph type="body" idx="1"/>
-          </p:nvPr>
-        </p:nvSpPr>
-        <p:spPr>
-          <a:xfrm>
-            <a:off x="685800" y="4343400"/>
-            <a:ext cx="5486400" cy="4114800"/>
-          </a:xfrm>
-          <a:prstGeom prst="rect">
-            <a:avLst/>
-          </a:prstGeom>
-        </p:spPr>
-        <p:txBody>
-          <a:bodyPr spcFirstLastPara="1" wrap="square" lIns="91425" tIns="91425" rIns="91425" bIns="91425" anchor="t" anchorCtr="0">
-            <a:noAutofit/>
-          </a:bodyPr>
-          <a:lstStyle/>
-          <a:p>
-            <a:pPr marL="0" lvl="0" indent="0" algn="l" rtl="0">
-              <a:spcBef>
-                <a:spcPts val="0"/>
-              </a:spcBef>
-              <a:spcAft>
-                <a:spcPts val="0"/>
-              </a:spcAft>
-              <a:buNone/>
-            </a:pPr>
-            <a:r>
-              <a:rPr lang="en"/>
-              <a:t>Resume Aug 21st</a:t>
-            </a:r>
-            <a:endParaRPr/>
-          </a:p>
-        </p:txBody>
-      </p:sp>
-    </p:spTree>
-    <p:extLst>
-      <p:ext uri="{BB962C8B-B14F-4D97-AF65-F5344CB8AC3E}">
-        <p14:creationId xmlns:p14="http://schemas.microsoft.com/office/powerpoint/2010/main" val="2721490249"/>
-      </p:ext>
-    </p:extLst>
-  </p:cSld>
-  <p:clrMapOvr>
-    <a:masterClrMapping/>
-  </p:clrMapOvr>
-</p:notes>
-</file>
-
-<file path=ppt/notesSlides/notesSlide16.xml><?xml version="1.0" encoding="utf-8"?>
 <p:notes xmlns:a="http://schemas.openxmlformats.org/drawingml/2006/main" xmlns:r="http://schemas.openxmlformats.org/officeDocument/2006/relationships" xmlns:p="http://schemas.openxmlformats.org/presentationml/2006/main" showMasterSp="0" showMasterPhAnim="0">
   <p:cSld>
     <p:spTree>
@@ -1915,7 +1801,7 @@
     </p:spTree>
     <p:extLst>
       <p:ext uri="{BB962C8B-B14F-4D97-AF65-F5344CB8AC3E}">
-        <p14:creationId xmlns:p14="http://schemas.microsoft.com/office/powerpoint/2010/main" val="18881348"/>
+        <p14:creationId xmlns:p14="http://schemas.microsoft.com/office/powerpoint/2010/main" val="590087873"/>
       </p:ext>
     </p:extLst>
   </p:cSld>
@@ -2028,7 +1914,7 @@
     </p:spTree>
     <p:extLst>
       <p:ext uri="{BB962C8B-B14F-4D97-AF65-F5344CB8AC3E}">
-        <p14:creationId xmlns:p14="http://schemas.microsoft.com/office/powerpoint/2010/main" val="590087873"/>
+        <p14:creationId xmlns:p14="http://schemas.microsoft.com/office/powerpoint/2010/main" val="1961916327"/>
       </p:ext>
     </p:extLst>
   </p:cSld>
@@ -2141,7 +2027,7 @@
     </p:spTree>
     <p:extLst>
       <p:ext uri="{BB962C8B-B14F-4D97-AF65-F5344CB8AC3E}">
-        <p14:creationId xmlns:p14="http://schemas.microsoft.com/office/powerpoint/2010/main" val="1961916327"/>
+        <p14:creationId xmlns:p14="http://schemas.microsoft.com/office/powerpoint/2010/main" val="2677802266"/>
       </p:ext>
     </p:extLst>
   </p:cSld>
@@ -2254,7 +2140,7 @@
     </p:spTree>
     <p:extLst>
       <p:ext uri="{BB962C8B-B14F-4D97-AF65-F5344CB8AC3E}">
-        <p14:creationId xmlns:p14="http://schemas.microsoft.com/office/powerpoint/2010/main" val="2677802266"/>
+        <p14:creationId xmlns:p14="http://schemas.microsoft.com/office/powerpoint/2010/main" val="2039510149"/>
       </p:ext>
     </p:extLst>
   </p:cSld>
@@ -2367,7 +2253,7 @@
     </p:spTree>
     <p:extLst>
       <p:ext uri="{BB962C8B-B14F-4D97-AF65-F5344CB8AC3E}">
-        <p14:creationId xmlns:p14="http://schemas.microsoft.com/office/powerpoint/2010/main" val="2039510149"/>
+        <p14:creationId xmlns:p14="http://schemas.microsoft.com/office/powerpoint/2010/main" val="3344032723"/>
       </p:ext>
     </p:extLst>
   </p:cSld>
@@ -2480,7 +2366,7 @@
     </p:spTree>
     <p:extLst>
       <p:ext uri="{BB962C8B-B14F-4D97-AF65-F5344CB8AC3E}">
-        <p14:creationId xmlns:p14="http://schemas.microsoft.com/office/powerpoint/2010/main" val="3344032723"/>
+        <p14:creationId xmlns:p14="http://schemas.microsoft.com/office/powerpoint/2010/main" val="3447910590"/>
       </p:ext>
     </p:extLst>
   </p:cSld>
@@ -8155,7 +8041,7 @@
             </a:pPr>
             <a:r>
               <a:rPr lang="en-US" dirty="0"/>
-              <a:t>REST</a:t>
+              <a:t>Public Clouds</a:t>
             </a:r>
             <a:endParaRPr dirty="0"/>
           </a:p>
@@ -8204,31 +8090,7 @@
             </a:pPr>
             <a:r>
               <a:rPr lang="en-US" dirty="0"/>
-              <a:t>REST – </a:t>
-            </a:r>
-            <a:r>
-              <a:rPr lang="en-US" b="1" dirty="0"/>
-              <a:t>Re</a:t>
-            </a:r>
-            <a:r>
-              <a:rPr lang="en-US" dirty="0"/>
-              <a:t>presentational </a:t>
-            </a:r>
-            <a:r>
-              <a:rPr lang="en-US" b="1" dirty="0"/>
-              <a:t>S</a:t>
-            </a:r>
-            <a:r>
-              <a:rPr lang="en-US" dirty="0"/>
-              <a:t>tate </a:t>
-            </a:r>
-            <a:r>
-              <a:rPr lang="en-US" b="1" dirty="0"/>
-              <a:t>T</a:t>
-            </a:r>
-            <a:r>
-              <a:rPr lang="en-US" dirty="0"/>
-              <a:t>ransfer</a:t>
+              <a:t>You’ve probably heard of them before, AWS, Azure, GCP, etc.</a:t>
             </a:r>
           </a:p>
           <a:p>
@@ -8244,7 +8106,7 @@
             </a:pPr>
             <a:r>
               <a:rPr lang="en-US" dirty="0"/>
-              <a:t>Some interviewers will ask you to define REST, a lot of people fail on this, they can provide examples, but fail to explain what it is.</a:t>
+              <a:t>These are the public clouds many companies are using to run their businesses!</a:t>
             </a:r>
           </a:p>
           <a:p>
@@ -8260,23 +8122,20 @@
             </a:pPr>
             <a:r>
               <a:rPr lang="en-US" dirty="0"/>
-              <a:t>REST in its simplest form is a design paradigm for web services built on top of HTTP.</a:t>
-            </a:r>
-          </a:p>
-          <a:p>
-            <a:pPr marL="457200" lvl="0" indent="-342900" algn="l" rtl="0">
-              <a:spcBef>
-                <a:spcPts val="0"/>
-              </a:spcBef>
-              <a:spcAft>
-                <a:spcPts val="0"/>
-              </a:spcAft>
+              <a:t>These public clouds provide many services at various layers including</a:t>
+            </a:r>
+          </a:p>
+          <a:p>
+            <a:pPr lvl="1" indent="-342900">
+              <a:spcBef>
+                <a:spcPts val="0"/>
+              </a:spcBef>
               <a:buSzPts val="1800"/>
               <a:buChar char="●"/>
             </a:pPr>
             <a:r>
               <a:rPr lang="en-US" dirty="0"/>
-              <a:t>HTTP Verbs</a:t>
+              <a:t>IAAS – Infrastructure as a service – Basic building blocks of IT – Servers, network, data storage, etc.</a:t>
             </a:r>
           </a:p>
           <a:p>
@@ -8289,7 +8148,15 @@
             </a:pPr>
             <a:r>
               <a:rPr lang="en-US" dirty="0"/>
-              <a:t>GET</a:t>
+              <a:t>PAAS – Platform as a service – Hardware and OS, allows for focus on deployment. No need to worry about OS level concerns (patches, </a:t>
+            </a:r>
+            <a:r>
+              <a:rPr lang="en-US" dirty="0" err="1"/>
+              <a:t>etc</a:t>
+            </a:r>
+            <a:r>
+              <a:rPr lang="en-US" dirty="0"/>
+              <a:t>)</a:t>
             </a:r>
           </a:p>
           <a:p>
@@ -8302,33 +8169,7 @@
             </a:pPr>
             <a:r>
               <a:rPr lang="en-US" dirty="0"/>
-              <a:t>POST</a:t>
-            </a:r>
-          </a:p>
-          <a:p>
-            <a:pPr lvl="1" indent="-342900">
-              <a:spcBef>
-                <a:spcPts val="0"/>
-              </a:spcBef>
-              <a:buSzPts val="1800"/>
-              <a:buChar char="●"/>
-            </a:pPr>
-            <a:r>
-              <a:rPr lang="en-US" dirty="0"/>
-              <a:t>PUT</a:t>
-            </a:r>
-          </a:p>
-          <a:p>
-            <a:pPr lvl="1" indent="-342900">
-              <a:spcBef>
-                <a:spcPts val="0"/>
-              </a:spcBef>
-              <a:buSzPts val="1800"/>
-              <a:buChar char="●"/>
-            </a:pPr>
-            <a:r>
-              <a:rPr lang="en-US" dirty="0"/>
-              <a:t>DELETE</a:t>
+              <a:t>SAAS – Software as a service – Completed product that can be run and is managed by the cloud provider. E.g. – Web-based email</a:t>
             </a:r>
           </a:p>
           <a:p>
@@ -8337,8 +8178,20 @@
             </a:pPr>
             <a:r>
               <a:rPr lang="en-US" dirty="0"/>
-              <a:t>RESTful services should be client-server based stateless web services usually using JSON as the data type. </a:t>
-            </a:r>
+              <a:t>The layer of public cloud services you use will depend on your needs, as you go from IAAS -&gt; SAAS, your low-level control disappears.</a:t>
+            </a:r>
+          </a:p>
+          <a:p>
+            <a:pPr indent="-342900">
+              <a:buSzPts val="1800"/>
+            </a:pPr>
+            <a:r>
+              <a:rPr lang="en-US" dirty="0">
+                <a:hlinkClick r:id="rId3"/>
+              </a:rPr>
+              <a:t>https://aws.amazon.com/types-of-cloud-computing/</a:t>
+            </a:r>
+            <a:endParaRPr lang="en-US" dirty="0"/>
           </a:p>
           <a:p>
             <a:pPr indent="-342900">
@@ -8364,7 +8217,7 @@
     </p:spTree>
     <p:extLst>
       <p:ext uri="{BB962C8B-B14F-4D97-AF65-F5344CB8AC3E}">
-        <p14:creationId xmlns:p14="http://schemas.microsoft.com/office/powerpoint/2010/main" val="629303076"/>
+        <p14:creationId xmlns:p14="http://schemas.microsoft.com/office/powerpoint/2010/main" val="1630937321"/>
       </p:ext>
     </p:extLst>
   </p:cSld>
@@ -8427,7 +8280,7 @@
             </a:pPr>
             <a:r>
               <a:rPr lang="en-US" dirty="0"/>
-              <a:t>Public Clouds</a:t>
+              <a:t>Containerization</a:t>
             </a:r>
             <a:endParaRPr dirty="0"/>
           </a:p>
@@ -8464,245 +8317,6 @@
           </a:bodyPr>
           <a:lstStyle/>
           <a:p>
-            <a:pPr marL="457200" lvl="0" indent="-342900" algn="l" rtl="0">
-              <a:spcBef>
-                <a:spcPts val="0"/>
-              </a:spcBef>
-              <a:spcAft>
-                <a:spcPts val="0"/>
-              </a:spcAft>
-              <a:buSzPts val="1800"/>
-              <a:buChar char="●"/>
-            </a:pPr>
-            <a:r>
-              <a:rPr lang="en-US" dirty="0"/>
-              <a:t>You’ve probably heard of them before, AWS, Azure, GCP, etc.</a:t>
-            </a:r>
-          </a:p>
-          <a:p>
-            <a:pPr marL="457200" lvl="0" indent="-342900" algn="l" rtl="0">
-              <a:spcBef>
-                <a:spcPts val="0"/>
-              </a:spcBef>
-              <a:spcAft>
-                <a:spcPts val="0"/>
-              </a:spcAft>
-              <a:buSzPts val="1800"/>
-              <a:buChar char="●"/>
-            </a:pPr>
-            <a:r>
-              <a:rPr lang="en-US" dirty="0"/>
-              <a:t>These are the public clouds many companies are using to run their businesses!</a:t>
-            </a:r>
-          </a:p>
-          <a:p>
-            <a:pPr marL="457200" lvl="0" indent="-342900" algn="l" rtl="0">
-              <a:spcBef>
-                <a:spcPts val="0"/>
-              </a:spcBef>
-              <a:spcAft>
-                <a:spcPts val="0"/>
-              </a:spcAft>
-              <a:buSzPts val="1800"/>
-              <a:buChar char="●"/>
-            </a:pPr>
-            <a:r>
-              <a:rPr lang="en-US" dirty="0"/>
-              <a:t>These public clouds provide many services at various layers including</a:t>
-            </a:r>
-          </a:p>
-          <a:p>
-            <a:pPr lvl="1" indent="-342900">
-              <a:spcBef>
-                <a:spcPts val="0"/>
-              </a:spcBef>
-              <a:buSzPts val="1800"/>
-              <a:buChar char="●"/>
-            </a:pPr>
-            <a:r>
-              <a:rPr lang="en-US" dirty="0"/>
-              <a:t>IAAS – Infrastructure as a service – Basic building blocks of IT – Servers, network, data storage, etc.</a:t>
-            </a:r>
-          </a:p>
-          <a:p>
-            <a:pPr lvl="1" indent="-342900">
-              <a:spcBef>
-                <a:spcPts val="0"/>
-              </a:spcBef>
-              <a:buSzPts val="1800"/>
-              <a:buChar char="●"/>
-            </a:pPr>
-            <a:r>
-              <a:rPr lang="en-US" dirty="0"/>
-              <a:t>PAAS – Platform as a service – Hardware and OS, allows for focus on deployment. No need to worry about OS level concerns (patches, </a:t>
-            </a:r>
-            <a:r>
-              <a:rPr lang="en-US" dirty="0" err="1"/>
-              <a:t>etc</a:t>
-            </a:r>
-            <a:r>
-              <a:rPr lang="en-US" dirty="0"/>
-              <a:t>)</a:t>
-            </a:r>
-          </a:p>
-          <a:p>
-            <a:pPr lvl="1" indent="-342900">
-              <a:spcBef>
-                <a:spcPts val="0"/>
-              </a:spcBef>
-              <a:buSzPts val="1800"/>
-              <a:buChar char="●"/>
-            </a:pPr>
-            <a:r>
-              <a:rPr lang="en-US" dirty="0"/>
-              <a:t>SAAS – Software as a service – Completed product that can be run and is managed by the cloud provider. E.g. – Web-based email</a:t>
-            </a:r>
-          </a:p>
-          <a:p>
-            <a:pPr indent="-342900">
-              <a:buSzPts val="1800"/>
-            </a:pPr>
-            <a:r>
-              <a:rPr lang="en-US" dirty="0"/>
-              <a:t>The layer of public cloud services you use will depend on your needs, as you go from IAAS -&gt; SAAS, your low-level control disappears.</a:t>
-            </a:r>
-          </a:p>
-          <a:p>
-            <a:pPr indent="-342900">
-              <a:buSzPts val="1800"/>
-            </a:pPr>
-            <a:r>
-              <a:rPr lang="en-US" dirty="0">
-                <a:hlinkClick r:id="rId3"/>
-              </a:rPr>
-              <a:t>https://aws.amazon.com/types-of-cloud-computing/</a:t>
-            </a:r>
-            <a:endParaRPr lang="en-US" dirty="0"/>
-          </a:p>
-          <a:p>
-            <a:pPr indent="-342900">
-              <a:buSzPts val="1800"/>
-            </a:pPr>
-            <a:endParaRPr lang="en-US" dirty="0"/>
-          </a:p>
-          <a:p>
-            <a:pPr marL="457200" lvl="0" indent="-342900" algn="l" rtl="0">
-              <a:spcBef>
-                <a:spcPts val="0"/>
-              </a:spcBef>
-              <a:spcAft>
-                <a:spcPts val="0"/>
-              </a:spcAft>
-              <a:buSzPts val="1800"/>
-              <a:buChar char="●"/>
-            </a:pPr>
-            <a:endParaRPr dirty="0"/>
-          </a:p>
-        </p:txBody>
-      </p:sp>
-    </p:spTree>
-    <p:extLst>
-      <p:ext uri="{BB962C8B-B14F-4D97-AF65-F5344CB8AC3E}">
-        <p14:creationId xmlns:p14="http://schemas.microsoft.com/office/powerpoint/2010/main" val="1630937321"/>
-      </p:ext>
-    </p:extLst>
-  </p:cSld>
-  <p:clrMapOvr>
-    <a:masterClrMapping/>
-  </p:clrMapOvr>
-</p:sld>
-</file>
-
-<file path=ppt/slides/slide12.xml><?xml version="1.0" encoding="utf-8"?>
-<p:sld xmlns:a="http://schemas.openxmlformats.org/drawingml/2006/main" xmlns:r="http://schemas.openxmlformats.org/officeDocument/2006/relationships" xmlns:p="http://schemas.openxmlformats.org/presentationml/2006/main">
-  <p:cSld>
-    <p:spTree>
-      <p:nvGrpSpPr>
-        <p:cNvPr id="1" name="Shape 94"/>
-        <p:cNvGrpSpPr/>
-        <p:nvPr/>
-      </p:nvGrpSpPr>
-      <p:grpSpPr>
-        <a:xfrm>
-          <a:off x="0" y="0"/>
-          <a:ext cx="0" cy="0"/>
-          <a:chOff x="0" y="0"/>
-          <a:chExt cx="0" cy="0"/>
-        </a:xfrm>
-      </p:grpSpPr>
-      <p:sp>
-        <p:nvSpPr>
-          <p:cNvPr id="95" name="Google Shape;95;p17"/>
-          <p:cNvSpPr txBox="1">
-            <a:spLocks noGrp="1"/>
-          </p:cNvSpPr>
-          <p:nvPr>
-            <p:ph type="title"/>
-          </p:nvPr>
-        </p:nvSpPr>
-        <p:spPr>
-          <a:xfrm>
-            <a:off x="471900" y="738725"/>
-            <a:ext cx="8222100" cy="767700"/>
-          </a:xfrm>
-          <a:prstGeom prst="rect">
-            <a:avLst/>
-          </a:prstGeom>
-        </p:spPr>
-        <p:txBody>
-          <a:bodyPr spcFirstLastPara="1" wrap="square" lIns="91425" tIns="91425" rIns="91425" bIns="91425" anchor="b" anchorCtr="0">
-            <a:noAutofit/>
-          </a:bodyPr>
-          <a:lstStyle/>
-          <a:p>
-            <a:pPr marL="0" lvl="0" indent="0" algn="l" rtl="0">
-              <a:spcBef>
-                <a:spcPts val="0"/>
-              </a:spcBef>
-              <a:spcAft>
-                <a:spcPts val="0"/>
-              </a:spcAft>
-              <a:buNone/>
-            </a:pPr>
-            <a:r>
-              <a:rPr lang="en-US" dirty="0"/>
-              <a:t>Containerization</a:t>
-            </a:r>
-            <a:endParaRPr dirty="0"/>
-          </a:p>
-        </p:txBody>
-      </p:sp>
-      <p:sp>
-        <p:nvSpPr>
-          <p:cNvPr id="31" name="Google Shape;89;p16">
-            <a:extLst>
-              <a:ext uri="{FF2B5EF4-FFF2-40B4-BE49-F238E27FC236}">
-                <a16:creationId xmlns:a16="http://schemas.microsoft.com/office/drawing/2014/main" id="{67E34750-AD08-E94A-B9F8-33F50EC2B699}"/>
-              </a:ext>
-            </a:extLst>
-          </p:cNvPr>
-          <p:cNvSpPr txBox="1">
-            <a:spLocks noGrp="1"/>
-          </p:cNvSpPr>
-          <p:nvPr>
-            <p:ph type="body" idx="1"/>
-          </p:nvPr>
-        </p:nvSpPr>
-        <p:spPr>
-          <a:xfrm>
-            <a:off x="471900" y="1919075"/>
-            <a:ext cx="8222100" cy="2710200"/>
-          </a:xfrm>
-          <a:prstGeom prst="rect">
-            <a:avLst/>
-          </a:prstGeom>
-        </p:spPr>
-        <p:txBody>
-          <a:bodyPr spcFirstLastPara="1" wrap="square" lIns="91425" tIns="91425" rIns="91425" bIns="91425" anchor="t" anchorCtr="0">
-            <a:noAutofit/>
-          </a:bodyPr>
-          <a:lstStyle/>
-          <a:p>
             <a:pPr indent="-342900">
               <a:buSzPts val="1800"/>
             </a:pPr>
@@ -8803,7 +8417,7 @@
 </p:sld>
 </file>
 
-<file path=ppt/slides/slide13.xml><?xml version="1.0" encoding="utf-8"?>
+<file path=ppt/slides/slide12.xml><?xml version="1.0" encoding="utf-8"?>
 <p:sld xmlns:a="http://schemas.openxmlformats.org/drawingml/2006/main" xmlns:r="http://schemas.openxmlformats.org/officeDocument/2006/relationships" xmlns:p="http://schemas.openxmlformats.org/presentationml/2006/main">
   <p:cSld>
     <p:spTree>
@@ -9231,7 +8845,7 @@
 </p:sld>
 </file>
 
-<file path=ppt/slides/slide14.xml><?xml version="1.0" encoding="utf-8"?>
+<file path=ppt/slides/slide13.xml><?xml version="1.0" encoding="utf-8"?>
 <p:sld xmlns:a="http://schemas.openxmlformats.org/drawingml/2006/main" xmlns:r="http://schemas.openxmlformats.org/officeDocument/2006/relationships" xmlns:p="http://schemas.openxmlformats.org/presentationml/2006/main">
   <p:cSld>
     <p:spTree>
@@ -9423,7 +9037,7 @@
 </p:sld>
 </file>
 
-<file path=ppt/slides/slide15.xml><?xml version="1.0" encoding="utf-8"?>
+<file path=ppt/slides/slide14.xml><?xml version="1.0" encoding="utf-8"?>
 <p:sld xmlns:a="http://schemas.openxmlformats.org/drawingml/2006/main" xmlns:r="http://schemas.openxmlformats.org/officeDocument/2006/relationships" xmlns:p="http://schemas.openxmlformats.org/presentationml/2006/main">
   <p:cSld>
     <p:spTree>
@@ -9630,7 +9244,7 @@
 </p:sld>
 </file>
 
-<file path=ppt/slides/slide16.xml><?xml version="1.0" encoding="utf-8"?>
+<file path=ppt/slides/slide15.xml><?xml version="1.0" encoding="utf-8"?>
 <p:sld xmlns:a="http://schemas.openxmlformats.org/drawingml/2006/main" xmlns:r="http://schemas.openxmlformats.org/officeDocument/2006/relationships" xmlns:p="http://schemas.openxmlformats.org/presentationml/2006/main">
   <p:cSld>
     <p:spTree>
@@ -9915,12 +9529,8 @@
               <a:buChar char="●"/>
             </a:pPr>
             <a:r>
-              <a:rPr lang="en-US" dirty="0" err="1"/>
-              <a:t>DataCamp</a:t>
-            </a:r>
-            <a:r>
               <a:rPr lang="en-US" dirty="0"/>
-              <a:t> Introduction</a:t>
+              <a:t>Liftoff Completion Requirements</a:t>
             </a:r>
           </a:p>
           <a:p>
@@ -9943,30 +9553,7 @@
             </a:pPr>
             <a:r>
               <a:rPr lang="en-US" dirty="0"/>
-              <a:t>Liftoff Completion Requirements</a:t>
-            </a:r>
-          </a:p>
-          <a:p>
-            <a:pPr lvl="1" indent="-342900">
-              <a:spcBef>
-                <a:spcPts val="0"/>
-              </a:spcBef>
-              <a:buSzPts val="1800"/>
-              <a:buChar char="●"/>
-            </a:pPr>
-            <a:endParaRPr lang="en-US" dirty="0"/>
-          </a:p>
-          <a:p>
-            <a:pPr lvl="1" indent="-342900">
-              <a:spcBef>
-                <a:spcPts val="0"/>
-              </a:spcBef>
-              <a:buSzPts val="1800"/>
-              <a:buChar char="●"/>
-            </a:pPr>
-            <a:r>
-              <a:rPr lang="en-US" dirty="0"/>
-              <a:t>Liftoff additional fun topics </a:t>
+              <a:t>Additional fun topics </a:t>
             </a:r>
             <a:r>
               <a:rPr lang="en-US" dirty="0">
@@ -11694,12 +11281,8 @@
               <a:buNone/>
             </a:pPr>
             <a:r>
-              <a:rPr lang="en-US" dirty="0" err="1"/>
-              <a:t>DataCamp</a:t>
-            </a:r>
-            <a:r>
               <a:rPr lang="en-US" dirty="0"/>
-              <a:t> Introduction </a:t>
+              <a:t>What does it take to finish Lift Off?</a:t>
             </a:r>
             <a:endParaRPr dirty="0"/>
           </a:p>
@@ -11759,6 +11342,110 @@
               <a:buSzPts val="1800"/>
               <a:buChar char="●"/>
             </a:pPr>
+            <a:r>
+              <a:rPr lang="en-US" dirty="0"/>
+              <a:t>Mock Interview Module</a:t>
+            </a:r>
+          </a:p>
+          <a:p>
+            <a:pPr marL="457200" lvl="0" indent="-342900" algn="l" rtl="0">
+              <a:spcBef>
+                <a:spcPts val="0"/>
+              </a:spcBef>
+              <a:spcAft>
+                <a:spcPts val="0"/>
+              </a:spcAft>
+              <a:buSzPts val="1800"/>
+              <a:buChar char="●"/>
+            </a:pPr>
+            <a:r>
+              <a:rPr lang="en-US" dirty="0"/>
+              <a:t>Live Coding Module</a:t>
+            </a:r>
+          </a:p>
+          <a:p>
+            <a:pPr marL="457200" lvl="0" indent="-342900" algn="l" rtl="0">
+              <a:spcBef>
+                <a:spcPts val="0"/>
+              </a:spcBef>
+              <a:spcAft>
+                <a:spcPts val="0"/>
+              </a:spcAft>
+              <a:buSzPts val="1800"/>
+              <a:buChar char="●"/>
+            </a:pPr>
+            <a:r>
+              <a:rPr lang="en-US" dirty="0" err="1"/>
+              <a:t>LaunchCode</a:t>
+            </a:r>
+            <a:r>
+              <a:rPr lang="en-US" dirty="0"/>
+              <a:t> Resume (Submitted via Canvas)</a:t>
+            </a:r>
+          </a:p>
+          <a:p>
+            <a:pPr marL="457200" lvl="0" indent="-342900" algn="l" rtl="0">
+              <a:spcBef>
+                <a:spcPts val="0"/>
+              </a:spcBef>
+              <a:spcAft>
+                <a:spcPts val="0"/>
+              </a:spcAft>
+              <a:buSzPts val="1800"/>
+              <a:buChar char="●"/>
+            </a:pPr>
+            <a:r>
+              <a:rPr lang="en-US" dirty="0"/>
+              <a:t>Final Project Review</a:t>
+            </a:r>
+          </a:p>
+          <a:p>
+            <a:pPr marL="457200" lvl="0" indent="-342900" algn="l" rtl="0">
+              <a:spcBef>
+                <a:spcPts val="0"/>
+              </a:spcBef>
+              <a:spcAft>
+                <a:spcPts val="0"/>
+              </a:spcAft>
+              <a:buSzPts val="1800"/>
+              <a:buChar char="●"/>
+            </a:pPr>
+            <a:r>
+              <a:rPr lang="en-US" dirty="0" err="1"/>
+              <a:t>LiftOff</a:t>
+            </a:r>
+            <a:r>
+              <a:rPr lang="en-US" dirty="0"/>
+              <a:t> “Ready For Placement” Survey</a:t>
+            </a:r>
+          </a:p>
+          <a:p>
+            <a:pPr marL="457200" lvl="0" indent="-342900" algn="l" rtl="0">
+              <a:spcBef>
+                <a:spcPts val="0"/>
+              </a:spcBef>
+              <a:spcAft>
+                <a:spcPts val="0"/>
+              </a:spcAft>
+              <a:buSzPts val="1800"/>
+              <a:buChar char="●"/>
+            </a:pPr>
+            <a:r>
+              <a:rPr lang="en-US" dirty="0"/>
+              <a:t>Demographic Form (if not completed)</a:t>
+            </a:r>
+          </a:p>
+          <a:p>
+            <a:pPr marL="457200" lvl="0" indent="-342900" algn="l" rtl="0">
+              <a:spcBef>
+                <a:spcPts val="0"/>
+              </a:spcBef>
+              <a:spcAft>
+                <a:spcPts val="0"/>
+              </a:spcAft>
+              <a:buSzPts val="1800"/>
+              <a:buChar char="●"/>
+            </a:pPr>
             <a:endParaRPr dirty="0"/>
           </a:p>
         </p:txBody>
@@ -11766,7 +11453,7 @@
     </p:spTree>
     <p:extLst>
       <p:ext uri="{BB962C8B-B14F-4D97-AF65-F5344CB8AC3E}">
-        <p14:creationId xmlns:p14="http://schemas.microsoft.com/office/powerpoint/2010/main" val="3931427364"/>
+        <p14:creationId xmlns:p14="http://schemas.microsoft.com/office/powerpoint/2010/main" val="866737326"/>
       </p:ext>
     </p:extLst>
   </p:cSld>
@@ -11828,16 +11515,12 @@
               <a:buNone/>
             </a:pPr>
             <a:r>
-              <a:rPr lang="en-US" dirty="0"/>
-              <a:t>What does it take to finish </a:t>
-            </a:r>
-            <a:r>
               <a:rPr lang="en-US" dirty="0" err="1"/>
               <a:t>LiftOff</a:t>
             </a:r>
             <a:r>
               <a:rPr lang="en-US" dirty="0"/>
-              <a:t>?</a:t>
+              <a:t> Fun Topics!</a:t>
             </a:r>
             <a:endParaRPr dirty="0"/>
           </a:p>
@@ -11899,7 +11582,21 @@
             </a:pPr>
             <a:r>
               <a:rPr lang="en-US" dirty="0"/>
-              <a:t>Mock Interview Module</a:t>
+              <a:t>We decided to add a few fun topics of discussion tonight outside of the normal </a:t>
+            </a:r>
+            <a:r>
+              <a:rPr lang="en-US" dirty="0" err="1"/>
+              <a:t>LiftOff</a:t>
+            </a:r>
+            <a:r>
+              <a:rPr lang="en-US" dirty="0"/>
+              <a:t> curriculum </a:t>
+            </a:r>
+            <a:r>
+              <a:rPr lang="en-US" dirty="0">
+                <a:sym typeface="Wingdings" pitchFamily="2" charset="2"/>
+              </a:rPr>
+              <a:t></a:t>
             </a:r>
           </a:p>
           <a:p>
@@ -11913,82 +11610,35 @@
               <a:buSzPts val="1800"/>
               <a:buChar char="●"/>
             </a:pPr>
+            <a:endParaRPr lang="en-US" dirty="0">
+              <a:sym typeface="Wingdings" pitchFamily="2" charset="2"/>
+            </a:endParaRPr>
+          </a:p>
+          <a:p>
+            <a:pPr lvl="0" indent="-342900">
+              <a:buSzPts val="1800"/>
+            </a:pPr>
+            <a:r>
+              <a:rPr lang="en-US" dirty="0">
+                <a:sym typeface="Wingdings" pitchFamily="2" charset="2"/>
+              </a:rPr>
+              <a:t>Note: </a:t>
+            </a:r>
             <a:r>
               <a:rPr lang="en-US" dirty="0"/>
-              <a:t>Live Coding Module</a:t>
-            </a:r>
-          </a:p>
-          <a:p>
-            <a:pPr marL="457200" lvl="0" indent="-342900" algn="l" rtl="0">
-              <a:spcBef>
-                <a:spcPts val="0"/>
-              </a:spcBef>
-              <a:spcAft>
-                <a:spcPts val="0"/>
-              </a:spcAft>
-              <a:buSzPts val="1800"/>
-              <a:buChar char="●"/>
-            </a:pPr>
-            <a:r>
-              <a:rPr lang="en-US" dirty="0" err="1"/>
-              <a:t>LaunchCode</a:t>
+              <a:t>All these things are items that from one lecture you will not be proficient in. This is mainly to introduce you to other technologies </a:t>
+            </a:r>
+            <a:r>
+              <a:rPr lang="en-US" b="1" dirty="0"/>
+              <a:t>for you to explore after graduating </a:t>
             </a:r>
             <a:r>
               <a:rPr lang="en-US" dirty="0"/>
-              <a:t> Resume (Submitted via Canvas)</a:t>
-            </a:r>
-          </a:p>
-          <a:p>
-            <a:pPr marL="457200" lvl="0" indent="-342900" algn="l" rtl="0">
-              <a:spcBef>
-                <a:spcPts val="0"/>
-              </a:spcBef>
-              <a:spcAft>
-                <a:spcPts val="0"/>
-              </a:spcAft>
-              <a:buSzPts val="1800"/>
-              <a:buChar char="●"/>
-            </a:pPr>
-            <a:r>
-              <a:rPr lang="en-US" dirty="0"/>
-              <a:t>Final Project Review</a:t>
-            </a:r>
-          </a:p>
-          <a:p>
-            <a:pPr marL="457200" lvl="0" indent="-342900" algn="l" rtl="0">
-              <a:spcBef>
-                <a:spcPts val="0"/>
-              </a:spcBef>
-              <a:spcAft>
-                <a:spcPts val="0"/>
-              </a:spcAft>
-              <a:buSzPts val="1800"/>
-              <a:buChar char="●"/>
-            </a:pPr>
-            <a:r>
-              <a:rPr lang="en-US" dirty="0" err="1"/>
-              <a:t>LiftOff</a:t>
-            </a:r>
-            <a:r>
-              <a:rPr lang="en-US" dirty="0"/>
-              <a:t> “Ready For Placement” Survey</a:t>
-            </a:r>
-          </a:p>
-          <a:p>
-            <a:pPr marL="457200" lvl="0" indent="-342900" algn="l" rtl="0">
-              <a:spcBef>
-                <a:spcPts val="0"/>
-              </a:spcBef>
-              <a:spcAft>
-                <a:spcPts val="0"/>
-              </a:spcAft>
-              <a:buSzPts val="1800"/>
-              <a:buChar char="●"/>
-            </a:pPr>
-            <a:r>
-              <a:rPr lang="en-US" dirty="0"/>
-              <a:t>Demographic Form (if not completed)</a:t>
-            </a:r>
+              <a:t>and could be something else you are interested in!</a:t>
+            </a:r>
+            <a:endParaRPr lang="en-US" dirty="0">
+              <a:sym typeface="Wingdings" pitchFamily="2" charset="2"/>
+            </a:endParaRPr>
           </a:p>
           <a:p>
             <a:pPr marL="457200" lvl="0" indent="-342900" algn="l" rtl="0">
@@ -12008,7 +11658,7 @@
     </p:spTree>
     <p:extLst>
       <p:ext uri="{BB962C8B-B14F-4D97-AF65-F5344CB8AC3E}">
-        <p14:creationId xmlns:p14="http://schemas.microsoft.com/office/powerpoint/2010/main" val="866737326"/>
+        <p14:creationId xmlns:p14="http://schemas.microsoft.com/office/powerpoint/2010/main" val="2552909750"/>
       </p:ext>
     </p:extLst>
   </p:cSld>
@@ -12070,12 +11720,8 @@
               <a:buNone/>
             </a:pPr>
             <a:r>
-              <a:rPr lang="en-US" dirty="0" err="1"/>
-              <a:t>LiftOff</a:t>
-            </a:r>
-            <a:r>
               <a:rPr lang="en-US" dirty="0"/>
-              <a:t> Fun Topics!</a:t>
+              <a:t>DevOps</a:t>
             </a:r>
             <a:endParaRPr dirty="0"/>
           </a:p>
@@ -12099,8 +11745,8 @@
         </p:nvSpPr>
         <p:spPr>
           <a:xfrm>
-            <a:off x="471900" y="1919075"/>
-            <a:ext cx="8222100" cy="2710200"/>
+            <a:off x="460950" y="1718184"/>
+            <a:ext cx="8222100" cy="3172470"/>
           </a:xfrm>
           <a:prstGeom prst="rect">
             <a:avLst/>
@@ -12137,21 +11783,7 @@
             </a:pPr>
             <a:r>
               <a:rPr lang="en-US" dirty="0"/>
-              <a:t>We decided to add a few fun topics of discussion tonight outside of the normal </a:t>
-            </a:r>
-            <a:r>
-              <a:rPr lang="en-US" dirty="0" err="1"/>
-              <a:t>LiftOff</a:t>
-            </a:r>
-            <a:r>
-              <a:rPr lang="en-US" dirty="0"/>
-              <a:t> curriculum </a:t>
-            </a:r>
-            <a:r>
-              <a:rPr lang="en-US" dirty="0">
-                <a:sym typeface="Wingdings" pitchFamily="2" charset="2"/>
-              </a:rPr>
-              <a:t></a:t>
+              <a:t>DevOps -&gt; Development Operations; philosophies, practices, and tools that help to deliver software/services to users more efficiently.</a:t>
             </a:r>
           </a:p>
           <a:p>
@@ -12165,55 +11797,141 @@
               <a:buSzPts val="1800"/>
               <a:buChar char="●"/>
             </a:pPr>
-            <a:endParaRPr lang="en-US" dirty="0">
-              <a:sym typeface="Wingdings" pitchFamily="2" charset="2"/>
-            </a:endParaRPr>
+            <a:r>
+              <a:rPr lang="en-US" dirty="0"/>
+              <a:t>Continuous Integration</a:t>
+            </a:r>
+          </a:p>
+          <a:p>
+            <a:pPr lvl="1" indent="-342900">
+              <a:spcBef>
+                <a:spcPts val="0"/>
+              </a:spcBef>
+              <a:buSzPts val="1800"/>
+              <a:buChar char="●"/>
+            </a:pPr>
+            <a:r>
+              <a:rPr lang="en-US" dirty="0"/>
+              <a:t>Things such as Jenkins to build code developed by multiple concurrent engineers </a:t>
+            </a:r>
           </a:p>
           <a:p>
             <a:pPr lvl="0" indent="-342900">
               <a:buSzPts val="1800"/>
             </a:pPr>
             <a:r>
-              <a:rPr lang="en-US" dirty="0">
-                <a:sym typeface="Wingdings" pitchFamily="2" charset="2"/>
-              </a:rPr>
-              <a:t>Note: </a:t>
-            </a:r>
-            <a:r>
               <a:rPr lang="en-US" dirty="0"/>
-              <a:t>All of these things are items that from one lecture you will not be proficient in. This is mainly to introduce you to other technologies </a:t>
-            </a:r>
-            <a:r>
-              <a:rPr lang="en-US" b="1" dirty="0"/>
-              <a:t>for you to explore after graduating </a:t>
-            </a:r>
-            <a:r>
-              <a:rPr lang="en-US" dirty="0"/>
-              <a:t>and could be something else you are interested in!</a:t>
-            </a:r>
-            <a:endParaRPr lang="en-US" dirty="0">
-              <a:sym typeface="Wingdings" pitchFamily="2" charset="2"/>
-            </a:endParaRPr>
-          </a:p>
-          <a:p>
-            <a:pPr marL="457200" lvl="0" indent="-342900" algn="l" rtl="0">
-              <a:spcBef>
-                <a:spcPts val="0"/>
-              </a:spcBef>
-              <a:spcAft>
-                <a:spcPts val="0"/>
-              </a:spcAft>
+              <a:t>Continuous Delivery</a:t>
+            </a:r>
+          </a:p>
+          <a:p>
+            <a:pPr lvl="1" indent="-342900">
+              <a:spcBef>
+                <a:spcPts val="0"/>
+              </a:spcBef>
               <a:buSzPts val="1800"/>
               <a:buChar char="●"/>
             </a:pPr>
-            <a:endParaRPr dirty="0"/>
+            <a:r>
+              <a:rPr lang="en-US" dirty="0"/>
+              <a:t>Automated code building, testing and preparing for release to production. Takes code from build -&gt; deploy</a:t>
+            </a:r>
+          </a:p>
+          <a:p>
+            <a:pPr lvl="0" indent="-342900">
+              <a:buSzPts val="1800"/>
+            </a:pPr>
+            <a:r>
+              <a:rPr lang="en-US" dirty="0"/>
+              <a:t>Build Pipelines</a:t>
+            </a:r>
+          </a:p>
+          <a:p>
+            <a:pPr lvl="1" indent="-342900">
+              <a:spcBef>
+                <a:spcPts val="0"/>
+              </a:spcBef>
+              <a:buSzPts val="1800"/>
+              <a:buChar char="●"/>
+            </a:pPr>
+            <a:r>
+              <a:rPr lang="en-US" dirty="0"/>
+              <a:t>Automated code jobs/stages, a typical pipeline would </a:t>
+            </a:r>
+            <a:r>
+              <a:rPr lang="en-US" b="1" dirty="0"/>
+              <a:t>build</a:t>
+            </a:r>
+            <a:r>
+              <a:rPr lang="en-US" dirty="0"/>
+              <a:t>, </a:t>
+            </a:r>
+            <a:r>
+              <a:rPr lang="en-US" b="1" dirty="0"/>
+              <a:t>test</a:t>
+            </a:r>
+            <a:r>
+              <a:rPr lang="en-US" dirty="0"/>
+              <a:t>, </a:t>
+            </a:r>
+            <a:r>
+              <a:rPr lang="en-US" b="1" dirty="0"/>
+              <a:t>deploy to staging</a:t>
+            </a:r>
+            <a:r>
+              <a:rPr lang="en-US" dirty="0"/>
+              <a:t>, then </a:t>
+            </a:r>
+            <a:r>
+              <a:rPr lang="en-US" b="1" dirty="0"/>
+              <a:t>deploy to production</a:t>
+            </a:r>
+            <a:r>
+              <a:rPr lang="en-US" dirty="0"/>
+              <a:t>. There are many types of pipelines, see: </a:t>
+            </a:r>
+            <a:r>
+              <a:rPr lang="en-US" dirty="0">
+                <a:hlinkClick r:id="rId3"/>
+              </a:rPr>
+              <a:t>https://docs.gitlab.com/ee/ci/pipelines/</a:t>
+            </a:r>
+            <a:endParaRPr lang="en-US" dirty="0"/>
+          </a:p>
+          <a:p>
+            <a:pPr lvl="0" indent="-342900">
+              <a:buSzPts val="1800"/>
+            </a:pPr>
+            <a:r>
+              <a:rPr lang="en-US" dirty="0"/>
+              <a:t>Monitoring and Logging</a:t>
+            </a:r>
+          </a:p>
+          <a:p>
+            <a:pPr lvl="1" indent="-342900">
+              <a:spcBef>
+                <a:spcPts val="0"/>
+              </a:spcBef>
+              <a:buSzPts val="1800"/>
+              <a:buChar char="●"/>
+            </a:pPr>
+            <a:r>
+              <a:rPr lang="en-US" dirty="0"/>
+              <a:t>Things critical for high availability and troubleshooting; examples: Splunk, New Relic, etc.</a:t>
+            </a:r>
+          </a:p>
+          <a:p>
+            <a:pPr indent="-342900">
+              <a:buSzPts val="1800"/>
+            </a:pPr>
+            <a:endParaRPr lang="en-US" dirty="0"/>
           </a:p>
         </p:txBody>
       </p:sp>
     </p:spTree>
     <p:extLst>
       <p:ext uri="{BB962C8B-B14F-4D97-AF65-F5344CB8AC3E}">
-        <p14:creationId xmlns:p14="http://schemas.microsoft.com/office/powerpoint/2010/main" val="2552909750"/>
+        <p14:creationId xmlns:p14="http://schemas.microsoft.com/office/powerpoint/2010/main" val="2216305668"/>
       </p:ext>
     </p:extLst>
   </p:cSld>
@@ -12276,7 +11994,7 @@
             </a:pPr>
             <a:r>
               <a:rPr lang="en-US" dirty="0"/>
-              <a:t>DevOps</a:t>
+              <a:t>Deployments (rolling and blue/green)</a:t>
             </a:r>
             <a:endParaRPr dirty="0"/>
           </a:p>
@@ -12301,7 +12019,7 @@
         <p:spPr>
           <a:xfrm>
             <a:off x="460950" y="1718184"/>
-            <a:ext cx="8222100" cy="3172470"/>
+            <a:ext cx="8222100" cy="3345652"/>
           </a:xfrm>
           <a:prstGeom prst="rect">
             <a:avLst/>
@@ -12323,7 +12041,10 @@
               <a:buSzPts val="1800"/>
               <a:buChar char="●"/>
             </a:pPr>
-            <a:endParaRPr lang="en-US" dirty="0"/>
+            <a:r>
+              <a:rPr lang="en-US" dirty="0"/>
+              <a:t>We spent all of LC101 and Liftoff (thus far) teaching you how to code, but not how to deploy</a:t>
+            </a:r>
           </a:p>
           <a:p>
             <a:pPr marL="457200" lvl="0" indent="-342900" algn="l" rtl="0">
@@ -12338,36 +12059,7 @@
             </a:pPr>
             <a:r>
               <a:rPr lang="en-US" dirty="0"/>
-              <a:t>DevOps -&gt; Development Operations; philosophies, practices, and tools that help to deliver software/services to users more efficiently.</a:t>
-            </a:r>
-          </a:p>
-          <a:p>
-            <a:pPr marL="457200" lvl="0" indent="-342900" algn="l" rtl="0">
-              <a:spcBef>
-                <a:spcPts val="0"/>
-              </a:spcBef>
-              <a:spcAft>
-                <a:spcPts val="0"/>
-              </a:spcAft>
-              <a:buSzPts val="1800"/>
-              <a:buChar char="●"/>
-            </a:pPr>
-            <a:r>
-              <a:rPr lang="en-US" dirty="0"/>
-              <a:t>Continuous Integration</a:t>
-            </a:r>
-          </a:p>
-          <a:p>
-            <a:pPr lvl="1" indent="-342900">
-              <a:spcBef>
-                <a:spcPts val="0"/>
-              </a:spcBef>
-              <a:buSzPts val="1800"/>
-              <a:buChar char="●"/>
-            </a:pPr>
-            <a:r>
-              <a:rPr lang="en-US" dirty="0"/>
-              <a:t>Things such as Jenkins to build code developed by multiple concurrent engineers </a:t>
+              <a:t>The 2 primary types of deployments are in-place (or rolling) deployments and blue/green deployments. They both have their pros/cons</a:t>
             </a:r>
           </a:p>
           <a:p>
@@ -12376,20 +12068,25 @@
             </a:pPr>
             <a:r>
               <a:rPr lang="en-US" dirty="0"/>
-              <a:t>Continuous Delivery</a:t>
-            </a:r>
-          </a:p>
-          <a:p>
-            <a:pPr lvl="1" indent="-342900">
-              <a:spcBef>
-                <a:spcPts val="0"/>
-              </a:spcBef>
+              <a:t>In-place (aka rolling) deployments go through each server node (or instance) in the , remove it from the load balancer, shut down the web container/app, deploy the new code, restart the web container/app, and add it back into the load balancer. </a:t>
+            </a:r>
+          </a:p>
+          <a:p>
+            <a:pPr indent="-342900">
               <a:buSzPts val="1800"/>
-              <a:buChar char="●"/>
             </a:pPr>
             <a:r>
               <a:rPr lang="en-US" dirty="0"/>
-              <a:t>Automated code building, testing and preparing for release to production. Takes code from build -&gt; deploy</a:t>
+              <a:t>Benefit of rolling deployments is that they require only one collection of nodes for each environment (dev/staging/prod)</a:t>
+            </a:r>
+          </a:p>
+          <a:p>
+            <a:pPr indent="-342900">
+              <a:buSzPts val="1800"/>
+            </a:pPr>
+            <a:r>
+              <a:rPr lang="en-US" dirty="0"/>
+              <a:t>Downfall of rolling deployments is rollbacks (going back to previous version of code) is difficult and requires doing another rolling deployment one server at a time.</a:t>
             </a:r>
           </a:p>
           <a:p>
@@ -12398,85 +12095,11 @@
             </a:pPr>
             <a:r>
               <a:rPr lang="en-US" dirty="0"/>
-              <a:t>Build Pipelines</a:t>
-            </a:r>
-          </a:p>
-          <a:p>
-            <a:pPr lvl="1" indent="-342900">
-              <a:spcBef>
-                <a:spcPts val="0"/>
-              </a:spcBef>
-              <a:buSzPts val="1800"/>
-              <a:buChar char="●"/>
-            </a:pPr>
-            <a:r>
-              <a:rPr lang="en-US" dirty="0"/>
-              <a:t>Automated code jobs/stages, a typical pipeline would </a:t>
-            </a:r>
-            <a:r>
-              <a:rPr lang="en-US" b="1" dirty="0"/>
-              <a:t>build</a:t>
-            </a:r>
-            <a:r>
-              <a:rPr lang="en-US" dirty="0"/>
-              <a:t>, </a:t>
-            </a:r>
-            <a:r>
-              <a:rPr lang="en-US" b="1" dirty="0"/>
-              <a:t>test</a:t>
-            </a:r>
-            <a:r>
-              <a:rPr lang="en-US" dirty="0"/>
-              <a:t>, </a:t>
-            </a:r>
-            <a:r>
-              <a:rPr lang="en-US" b="1" dirty="0"/>
-              <a:t>deploy to staging</a:t>
-            </a:r>
-            <a:r>
-              <a:rPr lang="en-US" dirty="0"/>
-              <a:t>, then </a:t>
-            </a:r>
-            <a:r>
-              <a:rPr lang="en-US" b="1" dirty="0"/>
-              <a:t>deploy to production</a:t>
-            </a:r>
-            <a:r>
-              <a:rPr lang="en-US" dirty="0"/>
-              <a:t>. There are many types of pipelines, see: </a:t>
-            </a:r>
-            <a:r>
-              <a:rPr lang="en-US" dirty="0">
-                <a:hlinkClick r:id="rId3"/>
-              </a:rPr>
-              <a:t>https://docs.gitlab.com/ee/ci/pipelines/</a:t>
-            </a:r>
-            <a:endParaRPr lang="en-US" dirty="0"/>
+              <a:t>Blue/Green deployments requires two collections of nodes for each environment, one called blue, and one called green. At any given time, only ONE collection (blue or green) is live in the environment. When it’s time to deploy new code, the new code is deployed to the collection that is not live. Once the deploy is complete, the load balancer is switched to the non-live environment.</a:t>
+            </a:r>
           </a:p>
           <a:p>
             <a:pPr lvl="0" indent="-342900">
-              <a:buSzPts val="1800"/>
-            </a:pPr>
-            <a:r>
-              <a:rPr lang="en-US" dirty="0"/>
-              <a:t>Monitoring and Logging</a:t>
-            </a:r>
-          </a:p>
-          <a:p>
-            <a:pPr lvl="1" indent="-342900">
-              <a:spcBef>
-                <a:spcPts val="0"/>
-              </a:spcBef>
-              <a:buSzPts val="1800"/>
-              <a:buChar char="●"/>
-            </a:pPr>
-            <a:r>
-              <a:rPr lang="en-US" dirty="0"/>
-              <a:t>Things critical for high availability and troubleshooting; examples: Splunk, New Relic, etc.</a:t>
-            </a:r>
-          </a:p>
-          <a:p>
-            <a:pPr indent="-342900">
               <a:buSzPts val="1800"/>
             </a:pPr>
             <a:endParaRPr lang="en-US" dirty="0"/>
@@ -12486,7 +12109,7 @@
     </p:spTree>
     <p:extLst>
       <p:ext uri="{BB962C8B-B14F-4D97-AF65-F5344CB8AC3E}">
-        <p14:creationId xmlns:p14="http://schemas.microsoft.com/office/powerpoint/2010/main" val="2216305668"/>
+        <p14:creationId xmlns:p14="http://schemas.microsoft.com/office/powerpoint/2010/main" val="1499700365"/>
       </p:ext>
     </p:extLst>
   </p:cSld>
@@ -12549,7 +12172,7 @@
             </a:pPr>
             <a:r>
               <a:rPr lang="en-US" dirty="0"/>
-              <a:t>Deployments (rolling and blue/green)</a:t>
+              <a:t>Deployments (rolling and blue/green) continued…</a:t>
             </a:r>
             <a:endParaRPr dirty="0"/>
           </a:p>
@@ -12586,62 +12209,36 @@
           </a:bodyPr>
           <a:lstStyle/>
           <a:p>
-            <a:pPr marL="457200" lvl="0" indent="-342900" algn="l" rtl="0">
-              <a:spcBef>
-                <a:spcPts val="0"/>
-              </a:spcBef>
-              <a:spcAft>
-                <a:spcPts val="0"/>
-              </a:spcAft>
-              <a:buSzPts val="1800"/>
-              <a:buChar char="●"/>
-            </a:pPr>
-            <a:r>
-              <a:rPr lang="en-US" dirty="0"/>
-              <a:t>We spent all of LC101 and Liftoff (thus far) teaching you how to code, but not how to deploy</a:t>
-            </a:r>
-          </a:p>
-          <a:p>
-            <a:pPr marL="457200" lvl="0" indent="-342900" algn="l" rtl="0">
-              <a:spcBef>
-                <a:spcPts val="0"/>
-              </a:spcBef>
-              <a:spcAft>
-                <a:spcPts val="0"/>
-              </a:spcAft>
-              <a:buSzPts val="1800"/>
-              <a:buChar char="●"/>
-            </a:pPr>
-            <a:r>
-              <a:rPr lang="en-US" dirty="0"/>
-              <a:t>The 2 primary types of deployments are in-place (or rolling) deployments and blue/green deployments. They both have their pros/cons</a:t>
-            </a:r>
-          </a:p>
-          <a:p>
             <a:pPr lvl="0" indent="-342900">
               <a:buSzPts val="1800"/>
             </a:pPr>
             <a:r>
               <a:rPr lang="en-US" dirty="0"/>
-              <a:t>In-place (aka rolling) deployments go through each server node (or instance) in the , remove it from the load balancer, shut down the web container/app, deploy the new code, restart the web container/app, and add it back into the load balancer. </a:t>
-            </a:r>
-          </a:p>
-          <a:p>
-            <a:pPr indent="-342900">
-              <a:buSzPts val="1800"/>
-            </a:pPr>
+              <a:t>Blue/Green deployments requires two clusters of nodes for each environment, one called </a:t>
+            </a:r>
+            <a:r>
+              <a:rPr lang="en-US" dirty="0">
+                <a:solidFill>
+                  <a:srgbClr val="0070C0"/>
+                </a:solidFill>
+              </a:rPr>
+              <a:t>blue</a:t>
+            </a:r>
             <a:r>
               <a:rPr lang="en-US" dirty="0"/>
-              <a:t>Benefit of rolling deployments is that they require only one collection of nodes for each environment (dev/staging/prod)</a:t>
-            </a:r>
-          </a:p>
-          <a:p>
-            <a:pPr indent="-342900">
-              <a:buSzPts val="1800"/>
-            </a:pPr>
+              <a:t>, and one called </a:t>
+            </a:r>
+            <a:r>
+              <a:rPr lang="en-US" dirty="0">
+                <a:solidFill>
+                  <a:srgbClr val="00B050"/>
+                </a:solidFill>
+              </a:rPr>
+              <a:t>green</a:t>
+            </a:r>
             <a:r>
               <a:rPr lang="en-US" dirty="0"/>
-              <a:t>Downfall of rolling deployments is rollbacks (going back to previous version of code) is difficult and requires doing another rolling deployment one server at a time.</a:t>
+              <a:t>. </a:t>
             </a:r>
           </a:p>
           <a:p>
@@ -12650,7 +12247,123 @@
             </a:pPr>
             <a:r>
               <a:rPr lang="en-US" dirty="0"/>
-              <a:t>Blue/Green deployments requires two collections of nodes for each environment, one called blue, and one called green. At any given time, only ONE collection (blue or green) is live in the environment. When it’s time to deploy new code, the new code is deployed to the collection that is not live. Once the deploy is complete, the load balancer is switched to the non-live environment.</a:t>
+              <a:t>At any given time, only ONE cluster (</a:t>
+            </a:r>
+            <a:r>
+              <a:rPr lang="en-US" dirty="0">
+                <a:solidFill>
+                  <a:srgbClr val="0070C0"/>
+                </a:solidFill>
+              </a:rPr>
+              <a:t>blue</a:t>
+            </a:r>
+            <a:r>
+              <a:rPr lang="en-US" dirty="0"/>
+              <a:t> or </a:t>
+            </a:r>
+            <a:r>
+              <a:rPr lang="en-US" dirty="0">
+                <a:solidFill>
+                  <a:srgbClr val="00B050"/>
+                </a:solidFill>
+              </a:rPr>
+              <a:t>green</a:t>
+            </a:r>
+            <a:r>
+              <a:rPr lang="en-US" dirty="0"/>
+              <a:t>) is live in the environment. </a:t>
+            </a:r>
+          </a:p>
+          <a:p>
+            <a:pPr lvl="0" indent="-342900">
+              <a:buSzPts val="1800"/>
+            </a:pPr>
+            <a:r>
+              <a:rPr lang="en-US" dirty="0"/>
+              <a:t>When it’s time to deploy new code, the new code is deployed to the cluster that is </a:t>
+            </a:r>
+            <a:r>
+              <a:rPr lang="en-US" b="1" dirty="0"/>
+              <a:t>not live</a:t>
+            </a:r>
+            <a:r>
+              <a:rPr lang="en-US" dirty="0"/>
+              <a:t>. Once the deploy is complete, the load balancer is switched to the non-live cluster.</a:t>
+            </a:r>
+          </a:p>
+          <a:p>
+            <a:pPr lvl="0" indent="-342900">
+              <a:buSzPts val="1800"/>
+            </a:pPr>
+            <a:r>
+              <a:rPr lang="en-US" dirty="0"/>
+              <a:t>e.g. If we wanted to deploy code version 2.0 and </a:t>
+            </a:r>
+            <a:r>
+              <a:rPr lang="en-US" dirty="0">
+                <a:solidFill>
+                  <a:srgbClr val="00B050"/>
+                </a:solidFill>
+              </a:rPr>
+              <a:t>green</a:t>
+            </a:r>
+            <a:r>
+              <a:rPr lang="en-US" dirty="0"/>
+              <a:t> was live with code version 1.1 and </a:t>
+            </a:r>
+            <a:r>
+              <a:rPr lang="en-US" dirty="0">
+                <a:solidFill>
+                  <a:srgbClr val="0070C0"/>
+                </a:solidFill>
+              </a:rPr>
+              <a:t>blue</a:t>
+            </a:r>
+            <a:r>
+              <a:rPr lang="en-US" dirty="0"/>
+              <a:t> was not live with version 1.0, we would deploy version 2.0 to </a:t>
+            </a:r>
+            <a:r>
+              <a:rPr lang="en-US" dirty="0">
+                <a:solidFill>
+                  <a:srgbClr val="0070C0"/>
+                </a:solidFill>
+              </a:rPr>
+              <a:t>blue</a:t>
+            </a:r>
+            <a:r>
+              <a:rPr lang="en-US" dirty="0"/>
+              <a:t> and update the load balancer to make the </a:t>
+            </a:r>
+            <a:r>
+              <a:rPr lang="en-US" dirty="0">
+                <a:solidFill>
+                  <a:srgbClr val="0070C0"/>
+                </a:solidFill>
+              </a:rPr>
+              <a:t>blue</a:t>
+            </a:r>
+            <a:r>
+              <a:rPr lang="en-US" dirty="0"/>
+              <a:t> collection live.</a:t>
+            </a:r>
+          </a:p>
+          <a:p>
+            <a:pPr lvl="0" indent="-342900">
+              <a:buSzPts val="1800"/>
+            </a:pPr>
+            <a:r>
+              <a:rPr lang="en-US" dirty="0"/>
+              <a:t>Benefit of blue/green deployments is the easy rollback if the updated code proves to be a failure.</a:t>
+            </a:r>
+          </a:p>
+          <a:p>
+            <a:pPr lvl="0" indent="-342900">
+              <a:buSzPts val="1800"/>
+            </a:pPr>
+            <a:r>
+              <a:rPr lang="en-US" dirty="0"/>
+              <a:t>The downfall is the necessity of multiple clusters, which costs $$$</a:t>
             </a:r>
           </a:p>
           <a:p>
@@ -12664,7 +12377,7 @@
     </p:spTree>
     <p:extLst>
       <p:ext uri="{BB962C8B-B14F-4D97-AF65-F5344CB8AC3E}">
-        <p14:creationId xmlns:p14="http://schemas.microsoft.com/office/powerpoint/2010/main" val="1499700365"/>
+        <p14:creationId xmlns:p14="http://schemas.microsoft.com/office/powerpoint/2010/main" val="1468977908"/>
       </p:ext>
     </p:extLst>
   </p:cSld>
@@ -12727,7 +12440,7 @@
             </a:pPr>
             <a:r>
               <a:rPr lang="en-US" dirty="0"/>
-              <a:t>Deployments (rolling and blue/green) continued…</a:t>
+              <a:t>REST</a:t>
             </a:r>
             <a:endParaRPr dirty="0"/>
           </a:p>
@@ -12751,8 +12464,8 @@
         </p:nvSpPr>
         <p:spPr>
           <a:xfrm>
-            <a:off x="460950" y="1718184"/>
-            <a:ext cx="8222100" cy="3345652"/>
+            <a:off x="471900" y="1919075"/>
+            <a:ext cx="8222100" cy="2710200"/>
           </a:xfrm>
           <a:prstGeom prst="rect">
             <a:avLst/>
@@ -12764,175 +12477,179 @@
           </a:bodyPr>
           <a:lstStyle/>
           <a:p>
-            <a:pPr lvl="0" indent="-342900">
+            <a:pPr marL="457200" lvl="0" indent="-342900" algn="l" rtl="0">
+              <a:spcBef>
+                <a:spcPts val="0"/>
+              </a:spcBef>
+              <a:spcAft>
+                <a:spcPts val="0"/>
+              </a:spcAft>
               <a:buSzPts val="1800"/>
+              <a:buChar char="●"/>
             </a:pPr>
             <a:r>
               <a:rPr lang="en-US" dirty="0"/>
-              <a:t>Blue/Green deployments requires two clusters of nodes for each environment, one called </a:t>
-            </a:r>
-            <a:r>
-              <a:rPr lang="en-US" dirty="0">
-                <a:solidFill>
-                  <a:srgbClr val="0070C0"/>
-                </a:solidFill>
-              </a:rPr>
-              <a:t>blue</a:t>
+              <a:t>REST – </a:t>
+            </a:r>
+            <a:r>
+              <a:rPr lang="en-US" b="1" dirty="0"/>
+              <a:t>Re</a:t>
             </a:r>
             <a:r>
               <a:rPr lang="en-US" dirty="0"/>
-              <a:t>, and one called </a:t>
-            </a:r>
-            <a:r>
-              <a:rPr lang="en-US" dirty="0">
-                <a:solidFill>
-                  <a:srgbClr val="00B050"/>
-                </a:solidFill>
-              </a:rPr>
-              <a:t>green</a:t>
+              <a:t>presentational </a:t>
+            </a:r>
+            <a:r>
+              <a:rPr lang="en-US" b="1" dirty="0"/>
+              <a:t>S</a:t>
             </a:r>
             <a:r>
               <a:rPr lang="en-US" dirty="0"/>
-              <a:t>. </a:t>
-            </a:r>
-          </a:p>
-          <a:p>
-            <a:pPr lvl="0" indent="-342900">
+              <a:t>tate </a:t>
+            </a:r>
+            <a:r>
+              <a:rPr lang="en-US" b="1" dirty="0"/>
+              <a:t>T</a:t>
+            </a:r>
+            <a:r>
+              <a:rPr lang="en-US" dirty="0"/>
+              <a:t>ransfer</a:t>
+            </a:r>
+          </a:p>
+          <a:p>
+            <a:pPr marL="457200" lvl="0" indent="-342900" algn="l" rtl="0">
+              <a:spcBef>
+                <a:spcPts val="0"/>
+              </a:spcBef>
+              <a:spcAft>
+                <a:spcPts val="0"/>
+              </a:spcAft>
               <a:buSzPts val="1800"/>
+              <a:buChar char="●"/>
             </a:pPr>
             <a:r>
               <a:rPr lang="en-US" dirty="0"/>
-              <a:t>At any given time, only ONE cluster (</a:t>
-            </a:r>
-            <a:r>
-              <a:rPr lang="en-US" dirty="0">
-                <a:solidFill>
-                  <a:srgbClr val="0070C0"/>
-                </a:solidFill>
-              </a:rPr>
-              <a:t>blue</a:t>
-            </a:r>
+              <a:t>Some interviewers will ask you to define REST, a lot of people fail on this, they can provide examples, but fail to explain what it is.</a:t>
+            </a:r>
+          </a:p>
+          <a:p>
+            <a:pPr marL="457200" lvl="0" indent="-342900" algn="l" rtl="0">
+              <a:spcBef>
+                <a:spcPts val="0"/>
+              </a:spcBef>
+              <a:spcAft>
+                <a:spcPts val="0"/>
+              </a:spcAft>
+              <a:buSzPts val="1800"/>
+              <a:buChar char="●"/>
+            </a:pPr>
             <a:r>
               <a:rPr lang="en-US" dirty="0"/>
-              <a:t> or </a:t>
-            </a:r>
-            <a:r>
-              <a:rPr lang="en-US" dirty="0">
-                <a:solidFill>
-                  <a:srgbClr val="00B050"/>
-                </a:solidFill>
-              </a:rPr>
-              <a:t>green</a:t>
-            </a:r>
+              <a:t>REST in its simplest form is a design paradigm for web services built on top of HTTP.</a:t>
+            </a:r>
+          </a:p>
+          <a:p>
+            <a:pPr marL="457200" lvl="0" indent="-342900" algn="l" rtl="0">
+              <a:spcBef>
+                <a:spcPts val="0"/>
+              </a:spcBef>
+              <a:spcAft>
+                <a:spcPts val="0"/>
+              </a:spcAft>
+              <a:buSzPts val="1800"/>
+              <a:buChar char="●"/>
+            </a:pPr>
             <a:r>
               <a:rPr lang="en-US" dirty="0"/>
-              <a:t>) is live in the environment. </a:t>
-            </a:r>
-          </a:p>
-          <a:p>
-            <a:pPr lvl="0" indent="-342900">
+              <a:t>HTTP Verbs</a:t>
+            </a:r>
+          </a:p>
+          <a:p>
+            <a:pPr lvl="1" indent="-342900">
+              <a:spcBef>
+                <a:spcPts val="0"/>
+              </a:spcBef>
               <a:buSzPts val="1800"/>
+              <a:buChar char="●"/>
             </a:pPr>
             <a:r>
               <a:rPr lang="en-US" dirty="0"/>
-              <a:t>When it’s time to deploy new code, the new code is deployed to the cluster that is </a:t>
-            </a:r>
-            <a:r>
-              <a:rPr lang="en-US" b="1" dirty="0"/>
-              <a:t>not live</a:t>
-            </a:r>
+              <a:t>GET</a:t>
+            </a:r>
+          </a:p>
+          <a:p>
+            <a:pPr lvl="1" indent="-342900">
+              <a:spcBef>
+                <a:spcPts val="0"/>
+              </a:spcBef>
+              <a:buSzPts val="1800"/>
+              <a:buChar char="●"/>
+            </a:pPr>
             <a:r>
               <a:rPr lang="en-US" dirty="0"/>
-              <a:t>. Once the deploy is complete, the load balancer is switched to the non-live cluster.</a:t>
-            </a:r>
-          </a:p>
-          <a:p>
-            <a:pPr lvl="0" indent="-342900">
+              <a:t>POST</a:t>
+            </a:r>
+          </a:p>
+          <a:p>
+            <a:pPr lvl="1" indent="-342900">
+              <a:spcBef>
+                <a:spcPts val="0"/>
+              </a:spcBef>
               <a:buSzPts val="1800"/>
+              <a:buChar char="●"/>
             </a:pPr>
             <a:r>
               <a:rPr lang="en-US" dirty="0"/>
-              <a:t>e.g. If we wanted to deploy code version 2.0 and </a:t>
-            </a:r>
-            <a:r>
-              <a:rPr lang="en-US" dirty="0">
-                <a:solidFill>
-                  <a:srgbClr val="00B050"/>
-                </a:solidFill>
-              </a:rPr>
-              <a:t>green</a:t>
-            </a:r>
+              <a:t>PUT</a:t>
+            </a:r>
+          </a:p>
+          <a:p>
+            <a:pPr lvl="1" indent="-342900">
+              <a:spcBef>
+                <a:spcPts val="0"/>
+              </a:spcBef>
+              <a:buSzPts val="1800"/>
+              <a:buChar char="●"/>
+            </a:pPr>
             <a:r>
               <a:rPr lang="en-US" dirty="0"/>
-              <a:t> was live with code version 1.1 and </a:t>
-            </a:r>
-            <a:r>
-              <a:rPr lang="en-US" dirty="0">
-                <a:solidFill>
-                  <a:srgbClr val="0070C0"/>
-                </a:solidFill>
-              </a:rPr>
-              <a:t>blue</a:t>
-            </a:r>
+              <a:t>DELETE</a:t>
+            </a:r>
+          </a:p>
+          <a:p>
+            <a:pPr indent="-342900">
+              <a:buSzPts val="1800"/>
+            </a:pPr>
             <a:r>
               <a:rPr lang="en-US" dirty="0"/>
-              <a:t> was not live with version 1.0, we would deploy version 2.0 to </a:t>
-            </a:r>
-            <a:r>
-              <a:rPr lang="en-US" dirty="0">
-                <a:solidFill>
-                  <a:srgbClr val="0070C0"/>
-                </a:solidFill>
-              </a:rPr>
-              <a:t>blue</a:t>
-            </a:r>
-            <a:r>
-              <a:rPr lang="en-US" dirty="0"/>
-              <a:t> and update the load balancer to make the </a:t>
-            </a:r>
-            <a:r>
-              <a:rPr lang="en-US" dirty="0">
-                <a:solidFill>
-                  <a:srgbClr val="0070C0"/>
-                </a:solidFill>
-              </a:rPr>
-              <a:t>blue</a:t>
-            </a:r>
-            <a:r>
-              <a:rPr lang="en-US" dirty="0"/>
-              <a:t> collection live.</a:t>
-            </a:r>
-          </a:p>
-          <a:p>
-            <a:pPr lvl="0" indent="-342900">
+              <a:t>RESTful services should be client-server based stateless web services usually using JSON as the data type. </a:t>
+            </a:r>
+          </a:p>
+          <a:p>
+            <a:pPr indent="-342900">
               <a:buSzPts val="1800"/>
             </a:pPr>
-            <a:r>
-              <a:rPr lang="en-US" dirty="0"/>
-              <a:t>Benefit of blue/green deployments is the easy rollback if the updated code proves to be a failure.</a:t>
-            </a:r>
-          </a:p>
-          <a:p>
-            <a:pPr lvl="0" indent="-342900">
+            <a:endParaRPr lang="en-US" dirty="0"/>
+          </a:p>
+          <a:p>
+            <a:pPr marL="457200" lvl="0" indent="-342900" algn="l" rtl="0">
+              <a:spcBef>
+                <a:spcPts val="0"/>
+              </a:spcBef>
+              <a:spcAft>
+                <a:spcPts val="0"/>
+              </a:spcAft>
               <a:buSzPts val="1800"/>
-            </a:pPr>
-            <a:r>
-              <a:rPr lang="en-US" dirty="0"/>
-              <a:t>The downfall is the necessity of multiple clusters, which costs $$$</a:t>
-            </a:r>
-          </a:p>
-          <a:p>
-            <a:pPr lvl="0" indent="-342900">
-              <a:buSzPts val="1800"/>
-            </a:pPr>
-            <a:endParaRPr lang="en-US" dirty="0"/>
+              <a:buChar char="●"/>
+            </a:pPr>
+            <a:endParaRPr dirty="0"/>
           </a:p>
         </p:txBody>
       </p:sp>
     </p:spTree>
     <p:extLst>
       <p:ext uri="{BB962C8B-B14F-4D97-AF65-F5344CB8AC3E}">
-        <p14:creationId xmlns:p14="http://schemas.microsoft.com/office/powerpoint/2010/main" val="1468977908"/>
+        <p14:creationId xmlns:p14="http://schemas.microsoft.com/office/powerpoint/2010/main" val="629303076"/>
       </p:ext>
     </p:extLst>
   </p:cSld>

--- a/Class 5 Slides.pptx
+++ b/Class 5 Slides.pptx
@@ -5,7 +5,7 @@
     <p:sldMasterId id="2147483659" r:id="rId1"/>
   </p:sldMasterIdLst>
   <p:notesMasterIdLst>
-    <p:notesMasterId r:id="rId17"/>
+    <p:notesMasterId r:id="rId19"/>
   </p:notesMasterIdLst>
   <p:sldIdLst>
     <p:sldId id="256" r:id="rId2"/>
@@ -13,26 +13,28 @@
     <p:sldId id="260" r:id="rId4"/>
     <p:sldId id="264" r:id="rId5"/>
     <p:sldId id="265" r:id="rId6"/>
-    <p:sldId id="266" r:id="rId7"/>
-    <p:sldId id="273" r:id="rId8"/>
-    <p:sldId id="274" r:id="rId9"/>
-    <p:sldId id="267" r:id="rId10"/>
-    <p:sldId id="268" r:id="rId11"/>
-    <p:sldId id="270" r:id="rId12"/>
-    <p:sldId id="271" r:id="rId13"/>
-    <p:sldId id="269" r:id="rId14"/>
-    <p:sldId id="272" r:id="rId15"/>
-    <p:sldId id="285" r:id="rId16"/>
+    <p:sldId id="286" r:id="rId7"/>
+    <p:sldId id="287" r:id="rId8"/>
+    <p:sldId id="266" r:id="rId9"/>
+    <p:sldId id="273" r:id="rId10"/>
+    <p:sldId id="274" r:id="rId11"/>
+    <p:sldId id="267" r:id="rId12"/>
+    <p:sldId id="268" r:id="rId13"/>
+    <p:sldId id="270" r:id="rId14"/>
+    <p:sldId id="271" r:id="rId15"/>
+    <p:sldId id="269" r:id="rId16"/>
+    <p:sldId id="272" r:id="rId17"/>
+    <p:sldId id="285" r:id="rId18"/>
   </p:sldIdLst>
   <p:sldSz cx="9144000" cy="5143500" type="screen16x9"/>
   <p:notesSz cx="6858000" cy="9144000"/>
   <p:embeddedFontLst>
     <p:embeddedFont>
       <p:font typeface="Roboto" panose="02000000000000000000" pitchFamily="2" charset="0"/>
-      <p:regular r:id="rId18"/>
-      <p:bold r:id="rId19"/>
-      <p:italic r:id="rId20"/>
-      <p:boldItalic r:id="rId21"/>
+      <p:regular r:id="rId20"/>
+      <p:bold r:id="rId21"/>
+      <p:italic r:id="rId22"/>
+      <p:boldItalic r:id="rId23"/>
     </p:embeddedFont>
   </p:embeddedFontLst>
   <p:defaultTextStyle>
@@ -920,7 +922,7 @@
     </p:spTree>
     <p:extLst>
       <p:ext uri="{BB962C8B-B14F-4D97-AF65-F5344CB8AC3E}">
-        <p14:creationId xmlns:p14="http://schemas.microsoft.com/office/powerpoint/2010/main" val="2464496078"/>
+        <p14:creationId xmlns:p14="http://schemas.microsoft.com/office/powerpoint/2010/main" val="3344032723"/>
       </p:ext>
     </p:extLst>
   </p:cSld>
@@ -1033,7 +1035,7 @@
     </p:spTree>
     <p:extLst>
       <p:ext uri="{BB962C8B-B14F-4D97-AF65-F5344CB8AC3E}">
-        <p14:creationId xmlns:p14="http://schemas.microsoft.com/office/powerpoint/2010/main" val="1670712207"/>
+        <p14:creationId xmlns:p14="http://schemas.microsoft.com/office/powerpoint/2010/main" val="3447910590"/>
       </p:ext>
     </p:extLst>
   </p:cSld>
@@ -1146,7 +1148,7 @@
     </p:spTree>
     <p:extLst>
       <p:ext uri="{BB962C8B-B14F-4D97-AF65-F5344CB8AC3E}">
-        <p14:creationId xmlns:p14="http://schemas.microsoft.com/office/powerpoint/2010/main" val="3892860880"/>
+        <p14:creationId xmlns:p14="http://schemas.microsoft.com/office/powerpoint/2010/main" val="2464496078"/>
       </p:ext>
     </p:extLst>
   </p:cSld>
@@ -1259,7 +1261,7 @@
     </p:spTree>
     <p:extLst>
       <p:ext uri="{BB962C8B-B14F-4D97-AF65-F5344CB8AC3E}">
-        <p14:creationId xmlns:p14="http://schemas.microsoft.com/office/powerpoint/2010/main" val="4225417892"/>
+        <p14:creationId xmlns:p14="http://schemas.microsoft.com/office/powerpoint/2010/main" val="1670712207"/>
       </p:ext>
     </p:extLst>
   </p:cSld>
@@ -1372,6 +1374,232 @@
     </p:spTree>
     <p:extLst>
       <p:ext uri="{BB962C8B-B14F-4D97-AF65-F5344CB8AC3E}">
+        <p14:creationId xmlns:p14="http://schemas.microsoft.com/office/powerpoint/2010/main" val="3892860880"/>
+      </p:ext>
+    </p:extLst>
+  </p:cSld>
+  <p:clrMapOvr>
+    <a:masterClrMapping/>
+  </p:clrMapOvr>
+</p:notes>
+</file>
+
+<file path=ppt/notesSlides/notesSlide15.xml><?xml version="1.0" encoding="utf-8"?>
+<p:notes xmlns:a="http://schemas.openxmlformats.org/drawingml/2006/main" xmlns:r="http://schemas.openxmlformats.org/officeDocument/2006/relationships" xmlns:p="http://schemas.openxmlformats.org/presentationml/2006/main" showMasterSp="0" showMasterPhAnim="0">
+  <p:cSld>
+    <p:spTree>
+      <p:nvGrpSpPr>
+        <p:cNvPr id="1" name="Shape 91"/>
+        <p:cNvGrpSpPr/>
+        <p:nvPr/>
+      </p:nvGrpSpPr>
+      <p:grpSpPr>
+        <a:xfrm>
+          <a:off x="0" y="0"/>
+          <a:ext cx="0" cy="0"/>
+          <a:chOff x="0" y="0"/>
+          <a:chExt cx="0" cy="0"/>
+        </a:xfrm>
+      </p:grpSpPr>
+      <p:sp>
+        <p:nvSpPr>
+          <p:cNvPr id="92" name="Google Shape;92;g3fd3056a27_0_0:notes"/>
+          <p:cNvSpPr>
+            <a:spLocks noGrp="1" noRot="1" noChangeAspect="1"/>
+          </p:cNvSpPr>
+          <p:nvPr>
+            <p:ph type="sldImg" idx="2"/>
+          </p:nvPr>
+        </p:nvSpPr>
+        <p:spPr>
+          <a:xfrm>
+            <a:off x="381000" y="685800"/>
+            <a:ext cx="6096000" cy="3429000"/>
+          </a:xfrm>
+          <a:custGeom>
+            <a:avLst/>
+            <a:gdLst/>
+            <a:ahLst/>
+            <a:cxnLst/>
+            <a:rect l="l" t="t" r="r" b="b"/>
+            <a:pathLst>
+              <a:path w="120000" h="120000" extrusionOk="0">
+                <a:moveTo>
+                  <a:pt x="0" y="0"/>
+                </a:moveTo>
+                <a:lnTo>
+                  <a:pt x="120000" y="0"/>
+                </a:lnTo>
+                <a:lnTo>
+                  <a:pt x="120000" y="120000"/>
+                </a:lnTo>
+                <a:lnTo>
+                  <a:pt x="0" y="120000"/>
+                </a:lnTo>
+                <a:close/>
+              </a:path>
+            </a:pathLst>
+          </a:custGeom>
+        </p:spPr>
+      </p:sp>
+      <p:sp>
+        <p:nvSpPr>
+          <p:cNvPr id="93" name="Google Shape;93;g3fd3056a27_0_0:notes"/>
+          <p:cNvSpPr txBox="1">
+            <a:spLocks noGrp="1"/>
+          </p:cNvSpPr>
+          <p:nvPr>
+            <p:ph type="body" idx="1"/>
+          </p:nvPr>
+        </p:nvSpPr>
+        <p:spPr>
+          <a:xfrm>
+            <a:off x="685800" y="4343400"/>
+            <a:ext cx="5486400" cy="4114800"/>
+          </a:xfrm>
+          <a:prstGeom prst="rect">
+            <a:avLst/>
+          </a:prstGeom>
+        </p:spPr>
+        <p:txBody>
+          <a:bodyPr spcFirstLastPara="1" wrap="square" lIns="91425" tIns="91425" rIns="91425" bIns="91425" anchor="t" anchorCtr="0">
+            <a:noAutofit/>
+          </a:bodyPr>
+          <a:lstStyle/>
+          <a:p>
+            <a:pPr marL="0" lvl="0" indent="0" algn="l" rtl="0">
+              <a:spcBef>
+                <a:spcPts val="0"/>
+              </a:spcBef>
+              <a:spcAft>
+                <a:spcPts val="0"/>
+              </a:spcAft>
+              <a:buNone/>
+            </a:pPr>
+            <a:r>
+              <a:rPr lang="en"/>
+              <a:t>Resume Aug 21st</a:t>
+            </a:r>
+            <a:endParaRPr/>
+          </a:p>
+        </p:txBody>
+      </p:sp>
+    </p:spTree>
+    <p:extLst>
+      <p:ext uri="{BB962C8B-B14F-4D97-AF65-F5344CB8AC3E}">
+        <p14:creationId xmlns:p14="http://schemas.microsoft.com/office/powerpoint/2010/main" val="4225417892"/>
+      </p:ext>
+    </p:extLst>
+  </p:cSld>
+  <p:clrMapOvr>
+    <a:masterClrMapping/>
+  </p:clrMapOvr>
+</p:notes>
+</file>
+
+<file path=ppt/notesSlides/notesSlide16.xml><?xml version="1.0" encoding="utf-8"?>
+<p:notes xmlns:a="http://schemas.openxmlformats.org/drawingml/2006/main" xmlns:r="http://schemas.openxmlformats.org/officeDocument/2006/relationships" xmlns:p="http://schemas.openxmlformats.org/presentationml/2006/main" showMasterSp="0" showMasterPhAnim="0">
+  <p:cSld>
+    <p:spTree>
+      <p:nvGrpSpPr>
+        <p:cNvPr id="1" name="Shape 91"/>
+        <p:cNvGrpSpPr/>
+        <p:nvPr/>
+      </p:nvGrpSpPr>
+      <p:grpSpPr>
+        <a:xfrm>
+          <a:off x="0" y="0"/>
+          <a:ext cx="0" cy="0"/>
+          <a:chOff x="0" y="0"/>
+          <a:chExt cx="0" cy="0"/>
+        </a:xfrm>
+      </p:grpSpPr>
+      <p:sp>
+        <p:nvSpPr>
+          <p:cNvPr id="92" name="Google Shape;92;g3fd3056a27_0_0:notes"/>
+          <p:cNvSpPr>
+            <a:spLocks noGrp="1" noRot="1" noChangeAspect="1"/>
+          </p:cNvSpPr>
+          <p:nvPr>
+            <p:ph type="sldImg" idx="2"/>
+          </p:nvPr>
+        </p:nvSpPr>
+        <p:spPr>
+          <a:xfrm>
+            <a:off x="381000" y="685800"/>
+            <a:ext cx="6096000" cy="3429000"/>
+          </a:xfrm>
+          <a:custGeom>
+            <a:avLst/>
+            <a:gdLst/>
+            <a:ahLst/>
+            <a:cxnLst/>
+            <a:rect l="l" t="t" r="r" b="b"/>
+            <a:pathLst>
+              <a:path w="120000" h="120000" extrusionOk="0">
+                <a:moveTo>
+                  <a:pt x="0" y="0"/>
+                </a:moveTo>
+                <a:lnTo>
+                  <a:pt x="120000" y="0"/>
+                </a:lnTo>
+                <a:lnTo>
+                  <a:pt x="120000" y="120000"/>
+                </a:lnTo>
+                <a:lnTo>
+                  <a:pt x="0" y="120000"/>
+                </a:lnTo>
+                <a:close/>
+              </a:path>
+            </a:pathLst>
+          </a:custGeom>
+        </p:spPr>
+      </p:sp>
+      <p:sp>
+        <p:nvSpPr>
+          <p:cNvPr id="93" name="Google Shape;93;g3fd3056a27_0_0:notes"/>
+          <p:cNvSpPr txBox="1">
+            <a:spLocks noGrp="1"/>
+          </p:cNvSpPr>
+          <p:nvPr>
+            <p:ph type="body" idx="1"/>
+          </p:nvPr>
+        </p:nvSpPr>
+        <p:spPr>
+          <a:xfrm>
+            <a:off x="685800" y="4343400"/>
+            <a:ext cx="5486400" cy="4114800"/>
+          </a:xfrm>
+          <a:prstGeom prst="rect">
+            <a:avLst/>
+          </a:prstGeom>
+        </p:spPr>
+        <p:txBody>
+          <a:bodyPr spcFirstLastPara="1" wrap="square" lIns="91425" tIns="91425" rIns="91425" bIns="91425" anchor="t" anchorCtr="0">
+            <a:noAutofit/>
+          </a:bodyPr>
+          <a:lstStyle/>
+          <a:p>
+            <a:pPr marL="0" lvl="0" indent="0" algn="l" rtl="0">
+              <a:spcBef>
+                <a:spcPts val="0"/>
+              </a:spcBef>
+              <a:spcAft>
+                <a:spcPts val="0"/>
+              </a:spcAft>
+              <a:buNone/>
+            </a:pPr>
+            <a:r>
+              <a:rPr lang="en"/>
+              <a:t>Resume Aug 21st</a:t>
+            </a:r>
+            <a:endParaRPr/>
+          </a:p>
+        </p:txBody>
+      </p:sp>
+    </p:spTree>
+    <p:extLst>
+      <p:ext uri="{BB962C8B-B14F-4D97-AF65-F5344CB8AC3E}">
         <p14:creationId xmlns:p14="http://schemas.microsoft.com/office/powerpoint/2010/main" val="2721490249"/>
       </p:ext>
     </p:extLst>
@@ -1382,7 +1610,7 @@
 </p:notes>
 </file>
 
-<file path=ppt/notesSlides/notesSlide15.xml><?xml version="1.0" encoding="utf-8"?>
+<file path=ppt/notesSlides/notesSlide17.xml><?xml version="1.0" encoding="utf-8"?>
 <p:notes xmlns:a="http://schemas.openxmlformats.org/drawingml/2006/main" xmlns:r="http://schemas.openxmlformats.org/officeDocument/2006/relationships" xmlns:p="http://schemas.openxmlformats.org/presentationml/2006/main" showMasterSp="0" showMasterPhAnim="0">
   <p:cSld>
     <p:spTree>
@@ -2027,7 +2255,7 @@
     </p:spTree>
     <p:extLst>
       <p:ext uri="{BB962C8B-B14F-4D97-AF65-F5344CB8AC3E}">
-        <p14:creationId xmlns:p14="http://schemas.microsoft.com/office/powerpoint/2010/main" val="2677802266"/>
+        <p14:creationId xmlns:p14="http://schemas.microsoft.com/office/powerpoint/2010/main" val="1367511037"/>
       </p:ext>
     </p:extLst>
   </p:cSld>
@@ -2140,7 +2368,7 @@
     </p:spTree>
     <p:extLst>
       <p:ext uri="{BB962C8B-B14F-4D97-AF65-F5344CB8AC3E}">
-        <p14:creationId xmlns:p14="http://schemas.microsoft.com/office/powerpoint/2010/main" val="2039510149"/>
+        <p14:creationId xmlns:p14="http://schemas.microsoft.com/office/powerpoint/2010/main" val="2475212952"/>
       </p:ext>
     </p:extLst>
   </p:cSld>
@@ -2253,7 +2481,7 @@
     </p:spTree>
     <p:extLst>
       <p:ext uri="{BB962C8B-B14F-4D97-AF65-F5344CB8AC3E}">
-        <p14:creationId xmlns:p14="http://schemas.microsoft.com/office/powerpoint/2010/main" val="3344032723"/>
+        <p14:creationId xmlns:p14="http://schemas.microsoft.com/office/powerpoint/2010/main" val="2677802266"/>
       </p:ext>
     </p:extLst>
   </p:cSld>
@@ -2366,7 +2594,7 @@
     </p:spTree>
     <p:extLst>
       <p:ext uri="{BB962C8B-B14F-4D97-AF65-F5344CB8AC3E}">
-        <p14:creationId xmlns:p14="http://schemas.microsoft.com/office/powerpoint/2010/main" val="3447910590"/>
+        <p14:creationId xmlns:p14="http://schemas.microsoft.com/office/powerpoint/2010/main" val="2039510149"/>
       </p:ext>
     </p:extLst>
   </p:cSld>
@@ -8041,7 +8269,7 @@
             </a:pPr>
             <a:r>
               <a:rPr lang="en-US" dirty="0"/>
-              <a:t>Public Clouds</a:t>
+              <a:t>Deployments (rolling and blue/green) continued…</a:t>
             </a:r>
             <a:endParaRPr dirty="0"/>
           </a:p>
@@ -8065,8 +8293,8 @@
         </p:nvSpPr>
         <p:spPr>
           <a:xfrm>
-            <a:off x="471900" y="1919075"/>
-            <a:ext cx="8222100" cy="2710200"/>
+            <a:off x="460950" y="1718184"/>
+            <a:ext cx="8222100" cy="3345652"/>
           </a:xfrm>
           <a:prstGeom prst="rect">
             <a:avLst/>
@@ -8078,146 +8306,175 @@
           </a:bodyPr>
           <a:lstStyle/>
           <a:p>
-            <a:pPr marL="457200" lvl="0" indent="-342900" algn="l" rtl="0">
-              <a:spcBef>
-                <a:spcPts val="0"/>
-              </a:spcBef>
-              <a:spcAft>
-                <a:spcPts val="0"/>
-              </a:spcAft>
+            <a:pPr lvl="0" indent="-342900">
               <a:buSzPts val="1800"/>
-              <a:buChar char="●"/>
             </a:pPr>
             <a:r>
               <a:rPr lang="en-US" dirty="0"/>
-              <a:t>You’ve probably heard of them before, AWS, Azure, GCP, etc.</a:t>
-            </a:r>
-          </a:p>
-          <a:p>
-            <a:pPr marL="457200" lvl="0" indent="-342900" algn="l" rtl="0">
-              <a:spcBef>
-                <a:spcPts val="0"/>
-              </a:spcBef>
-              <a:spcAft>
-                <a:spcPts val="0"/>
-              </a:spcAft>
+              <a:t>Blue/Green deployments requires two clusters of nodes for each environment, one called </a:t>
+            </a:r>
+            <a:r>
+              <a:rPr lang="en-US" dirty="0">
+                <a:solidFill>
+                  <a:srgbClr val="0070C0"/>
+                </a:solidFill>
+              </a:rPr>
+              <a:t>blue</a:t>
+            </a:r>
+            <a:r>
+              <a:rPr lang="en-US" dirty="0"/>
+              <a:t>, and one called </a:t>
+            </a:r>
+            <a:r>
+              <a:rPr lang="en-US" dirty="0">
+                <a:solidFill>
+                  <a:srgbClr val="00B050"/>
+                </a:solidFill>
+              </a:rPr>
+              <a:t>green</a:t>
+            </a:r>
+            <a:r>
+              <a:rPr lang="en-US" dirty="0"/>
+              <a:t>. </a:t>
+            </a:r>
+          </a:p>
+          <a:p>
+            <a:pPr lvl="0" indent="-342900">
               <a:buSzPts val="1800"/>
-              <a:buChar char="●"/>
             </a:pPr>
             <a:r>
               <a:rPr lang="en-US" dirty="0"/>
-              <a:t>These are the public clouds many companies are using to run their businesses!</a:t>
-            </a:r>
-          </a:p>
-          <a:p>
-            <a:pPr marL="457200" lvl="0" indent="-342900" algn="l" rtl="0">
-              <a:spcBef>
-                <a:spcPts val="0"/>
-              </a:spcBef>
-              <a:spcAft>
-                <a:spcPts val="0"/>
-              </a:spcAft>
+              <a:t>At any given time, only ONE cluster (</a:t>
+            </a:r>
+            <a:r>
+              <a:rPr lang="en-US" dirty="0">
+                <a:solidFill>
+                  <a:srgbClr val="0070C0"/>
+                </a:solidFill>
+              </a:rPr>
+              <a:t>blue</a:t>
+            </a:r>
+            <a:r>
+              <a:rPr lang="en-US" dirty="0"/>
+              <a:t> or </a:t>
+            </a:r>
+            <a:r>
+              <a:rPr lang="en-US" dirty="0">
+                <a:solidFill>
+                  <a:srgbClr val="00B050"/>
+                </a:solidFill>
+              </a:rPr>
+              <a:t>green</a:t>
+            </a:r>
+            <a:r>
+              <a:rPr lang="en-US" dirty="0"/>
+              <a:t>) is live in the environment. </a:t>
+            </a:r>
+          </a:p>
+          <a:p>
+            <a:pPr lvl="0" indent="-342900">
               <a:buSzPts val="1800"/>
-              <a:buChar char="●"/>
             </a:pPr>
             <a:r>
               <a:rPr lang="en-US" dirty="0"/>
-              <a:t>These public clouds provide many services at various layers including</a:t>
-            </a:r>
-          </a:p>
-          <a:p>
-            <a:pPr lvl="1" indent="-342900">
-              <a:spcBef>
-                <a:spcPts val="0"/>
-              </a:spcBef>
+              <a:t>When it’s time to deploy new code, the new code is deployed to the cluster that is </a:t>
+            </a:r>
+            <a:r>
+              <a:rPr lang="en-US" b="1" dirty="0"/>
+              <a:t>not live</a:t>
+            </a:r>
+            <a:r>
+              <a:rPr lang="en-US" dirty="0"/>
+              <a:t>. Once the deploy is complete, the load balancer is switched to the non-live cluster.</a:t>
+            </a:r>
+          </a:p>
+          <a:p>
+            <a:pPr lvl="0" indent="-342900">
               <a:buSzPts val="1800"/>
-              <a:buChar char="●"/>
             </a:pPr>
             <a:r>
               <a:rPr lang="en-US" dirty="0"/>
-              <a:t>IAAS – Infrastructure as a service – Basic building blocks of IT – Servers, network, data storage, etc.</a:t>
-            </a:r>
-          </a:p>
-          <a:p>
-            <a:pPr lvl="1" indent="-342900">
-              <a:spcBef>
-                <a:spcPts val="0"/>
-              </a:spcBef>
+              <a:t>e.g. If we wanted to deploy code version 2.0 and </a:t>
+            </a:r>
+            <a:r>
+              <a:rPr lang="en-US" dirty="0">
+                <a:solidFill>
+                  <a:srgbClr val="00B050"/>
+                </a:solidFill>
+              </a:rPr>
+              <a:t>green</a:t>
+            </a:r>
+            <a:r>
+              <a:rPr lang="en-US" dirty="0"/>
+              <a:t> was live with code version 1.1 and </a:t>
+            </a:r>
+            <a:r>
+              <a:rPr lang="en-US" dirty="0">
+                <a:solidFill>
+                  <a:srgbClr val="0070C0"/>
+                </a:solidFill>
+              </a:rPr>
+              <a:t>blue</a:t>
+            </a:r>
+            <a:r>
+              <a:rPr lang="en-US" dirty="0"/>
+              <a:t> was not live with version 1.0, we would deploy version 2.0 to </a:t>
+            </a:r>
+            <a:r>
+              <a:rPr lang="en-US" dirty="0">
+                <a:solidFill>
+                  <a:srgbClr val="0070C0"/>
+                </a:solidFill>
+              </a:rPr>
+              <a:t>blue</a:t>
+            </a:r>
+            <a:r>
+              <a:rPr lang="en-US" dirty="0"/>
+              <a:t> and update the load balancer to make the </a:t>
+            </a:r>
+            <a:r>
+              <a:rPr lang="en-US" dirty="0">
+                <a:solidFill>
+                  <a:srgbClr val="0070C0"/>
+                </a:solidFill>
+              </a:rPr>
+              <a:t>blue</a:t>
+            </a:r>
+            <a:r>
+              <a:rPr lang="en-US" dirty="0"/>
+              <a:t> collection live.</a:t>
+            </a:r>
+          </a:p>
+          <a:p>
+            <a:pPr lvl="0" indent="-342900">
               <a:buSzPts val="1800"/>
-              <a:buChar char="●"/>
             </a:pPr>
             <a:r>
               <a:rPr lang="en-US" dirty="0"/>
-              <a:t>PAAS – Platform as a service – Hardware and OS, allows for focus on deployment. No need to worry about OS level concerns (patches, </a:t>
-            </a:r>
-            <a:r>
-              <a:rPr lang="en-US" dirty="0" err="1"/>
-              <a:t>etc</a:t>
-            </a:r>
+              <a:t>Benefit of blue/green deployments is the easy rollback if the updated code proves to be a failure.</a:t>
+            </a:r>
+          </a:p>
+          <a:p>
+            <a:pPr lvl="0" indent="-342900">
+              <a:buSzPts val="1800"/>
+            </a:pPr>
             <a:r>
               <a:rPr lang="en-US" dirty="0"/>
-              <a:t>)</a:t>
-            </a:r>
-          </a:p>
-          <a:p>
-            <a:pPr lvl="1" indent="-342900">
-              <a:spcBef>
-                <a:spcPts val="0"/>
-              </a:spcBef>
+              <a:t>The downfall is the necessity of multiple clusters, which costs $$$</a:t>
+            </a:r>
+          </a:p>
+          <a:p>
+            <a:pPr lvl="0" indent="-342900">
               <a:buSzPts val="1800"/>
-              <a:buChar char="●"/>
-            </a:pPr>
-            <a:r>
-              <a:rPr lang="en-US" dirty="0"/>
-              <a:t>SAAS – Software as a service – Completed product that can be run and is managed by the cloud provider. E.g. – Web-based email</a:t>
-            </a:r>
-          </a:p>
-          <a:p>
-            <a:pPr indent="-342900">
-              <a:buSzPts val="1800"/>
-            </a:pPr>
-            <a:r>
-              <a:rPr lang="en-US" dirty="0"/>
-              <a:t>The layer of public cloud services you use will depend on your needs, as you go from IAAS -&gt; SAAS, your low-level control disappears.</a:t>
-            </a:r>
-          </a:p>
-          <a:p>
-            <a:pPr indent="-342900">
-              <a:buSzPts val="1800"/>
-            </a:pPr>
-            <a:r>
-              <a:rPr lang="en-US" dirty="0">
-                <a:hlinkClick r:id="rId3"/>
-              </a:rPr>
-              <a:t>https://aws.amazon.com/types-of-cloud-computing/</a:t>
-            </a:r>
+            </a:pPr>
             <a:endParaRPr lang="en-US" dirty="0"/>
-          </a:p>
-          <a:p>
-            <a:pPr indent="-342900">
-              <a:buSzPts val="1800"/>
-            </a:pPr>
-            <a:endParaRPr lang="en-US" dirty="0"/>
-          </a:p>
-          <a:p>
-            <a:pPr marL="457200" lvl="0" indent="-342900" algn="l" rtl="0">
-              <a:spcBef>
-                <a:spcPts val="0"/>
-              </a:spcBef>
-              <a:spcAft>
-                <a:spcPts val="0"/>
-              </a:spcAft>
-              <a:buSzPts val="1800"/>
-              <a:buChar char="●"/>
-            </a:pPr>
-            <a:endParaRPr dirty="0"/>
           </a:p>
         </p:txBody>
       </p:sp>
     </p:spTree>
     <p:extLst>
       <p:ext uri="{BB962C8B-B14F-4D97-AF65-F5344CB8AC3E}">
-        <p14:creationId xmlns:p14="http://schemas.microsoft.com/office/powerpoint/2010/main" val="1630937321"/>
+        <p14:creationId xmlns:p14="http://schemas.microsoft.com/office/powerpoint/2010/main" val="1468977908"/>
       </p:ext>
     </p:extLst>
   </p:cSld>
@@ -8280,7 +8537,7 @@
             </a:pPr>
             <a:r>
               <a:rPr lang="en-US" dirty="0"/>
-              <a:t>Containerization</a:t>
+              <a:t>REST</a:t>
             </a:r>
             <a:endParaRPr dirty="0"/>
           </a:p>
@@ -8317,6 +8574,517 @@
           </a:bodyPr>
           <a:lstStyle/>
           <a:p>
+            <a:pPr marL="457200" lvl="0" indent="-342900" algn="l" rtl="0">
+              <a:spcBef>
+                <a:spcPts val="0"/>
+              </a:spcBef>
+              <a:spcAft>
+                <a:spcPts val="0"/>
+              </a:spcAft>
+              <a:buSzPts val="1800"/>
+              <a:buChar char="●"/>
+            </a:pPr>
+            <a:r>
+              <a:rPr lang="en-US" dirty="0"/>
+              <a:t>REST – </a:t>
+            </a:r>
+            <a:r>
+              <a:rPr lang="en-US" b="1" dirty="0"/>
+              <a:t>Re</a:t>
+            </a:r>
+            <a:r>
+              <a:rPr lang="en-US" dirty="0"/>
+              <a:t>presentational </a:t>
+            </a:r>
+            <a:r>
+              <a:rPr lang="en-US" b="1" dirty="0"/>
+              <a:t>S</a:t>
+            </a:r>
+            <a:r>
+              <a:rPr lang="en-US" dirty="0"/>
+              <a:t>tate </a:t>
+            </a:r>
+            <a:r>
+              <a:rPr lang="en-US" b="1" dirty="0"/>
+              <a:t>T</a:t>
+            </a:r>
+            <a:r>
+              <a:rPr lang="en-US" dirty="0"/>
+              <a:t>ransfer</a:t>
+            </a:r>
+          </a:p>
+          <a:p>
+            <a:pPr marL="457200" lvl="0" indent="-342900" algn="l" rtl="0">
+              <a:spcBef>
+                <a:spcPts val="0"/>
+              </a:spcBef>
+              <a:spcAft>
+                <a:spcPts val="0"/>
+              </a:spcAft>
+              <a:buSzPts val="1800"/>
+              <a:buChar char="●"/>
+            </a:pPr>
+            <a:r>
+              <a:rPr lang="en-US" dirty="0"/>
+              <a:t>Some interviewers will ask you to define REST, a lot of people fail on this, they can provide examples, but fail to explain what it is.</a:t>
+            </a:r>
+          </a:p>
+          <a:p>
+            <a:pPr marL="457200" lvl="0" indent="-342900" algn="l" rtl="0">
+              <a:spcBef>
+                <a:spcPts val="0"/>
+              </a:spcBef>
+              <a:spcAft>
+                <a:spcPts val="0"/>
+              </a:spcAft>
+              <a:buSzPts val="1800"/>
+              <a:buChar char="●"/>
+            </a:pPr>
+            <a:r>
+              <a:rPr lang="en-US" dirty="0"/>
+              <a:t>REST in its simplest form is a design paradigm for web services built on top of HTTP.</a:t>
+            </a:r>
+          </a:p>
+          <a:p>
+            <a:pPr marL="457200" lvl="0" indent="-342900" algn="l" rtl="0">
+              <a:spcBef>
+                <a:spcPts val="0"/>
+              </a:spcBef>
+              <a:spcAft>
+                <a:spcPts val="0"/>
+              </a:spcAft>
+              <a:buSzPts val="1800"/>
+              <a:buChar char="●"/>
+            </a:pPr>
+            <a:r>
+              <a:rPr lang="en-US" dirty="0"/>
+              <a:t>HTTP Verbs</a:t>
+            </a:r>
+          </a:p>
+          <a:p>
+            <a:pPr lvl="1" indent="-342900">
+              <a:spcBef>
+                <a:spcPts val="0"/>
+              </a:spcBef>
+              <a:buSzPts val="1800"/>
+              <a:buChar char="●"/>
+            </a:pPr>
+            <a:r>
+              <a:rPr lang="en-US" dirty="0"/>
+              <a:t>GET</a:t>
+            </a:r>
+          </a:p>
+          <a:p>
+            <a:pPr lvl="1" indent="-342900">
+              <a:spcBef>
+                <a:spcPts val="0"/>
+              </a:spcBef>
+              <a:buSzPts val="1800"/>
+              <a:buChar char="●"/>
+            </a:pPr>
+            <a:r>
+              <a:rPr lang="en-US" dirty="0"/>
+              <a:t>POST</a:t>
+            </a:r>
+          </a:p>
+          <a:p>
+            <a:pPr lvl="1" indent="-342900">
+              <a:spcBef>
+                <a:spcPts val="0"/>
+              </a:spcBef>
+              <a:buSzPts val="1800"/>
+              <a:buChar char="●"/>
+            </a:pPr>
+            <a:r>
+              <a:rPr lang="en-US" dirty="0"/>
+              <a:t>PUT</a:t>
+            </a:r>
+          </a:p>
+          <a:p>
+            <a:pPr lvl="1" indent="-342900">
+              <a:spcBef>
+                <a:spcPts val="0"/>
+              </a:spcBef>
+              <a:buSzPts val="1800"/>
+              <a:buChar char="●"/>
+            </a:pPr>
+            <a:r>
+              <a:rPr lang="en-US" dirty="0"/>
+              <a:t>DELETE</a:t>
+            </a:r>
+          </a:p>
+          <a:p>
+            <a:pPr indent="-342900">
+              <a:buSzPts val="1800"/>
+            </a:pPr>
+            <a:r>
+              <a:rPr lang="en-US" dirty="0"/>
+              <a:t>RESTful services should be client-server based stateless web services usually using JSON as the data type. </a:t>
+            </a:r>
+          </a:p>
+          <a:p>
+            <a:pPr indent="-342900">
+              <a:buSzPts val="1800"/>
+            </a:pPr>
+            <a:endParaRPr lang="en-US" dirty="0"/>
+          </a:p>
+          <a:p>
+            <a:pPr marL="457200" lvl="0" indent="-342900" algn="l" rtl="0">
+              <a:spcBef>
+                <a:spcPts val="0"/>
+              </a:spcBef>
+              <a:spcAft>
+                <a:spcPts val="0"/>
+              </a:spcAft>
+              <a:buSzPts val="1800"/>
+              <a:buChar char="●"/>
+            </a:pPr>
+            <a:endParaRPr dirty="0"/>
+          </a:p>
+        </p:txBody>
+      </p:sp>
+    </p:spTree>
+    <p:extLst>
+      <p:ext uri="{BB962C8B-B14F-4D97-AF65-F5344CB8AC3E}">
+        <p14:creationId xmlns:p14="http://schemas.microsoft.com/office/powerpoint/2010/main" val="629303076"/>
+      </p:ext>
+    </p:extLst>
+  </p:cSld>
+  <p:clrMapOvr>
+    <a:masterClrMapping/>
+  </p:clrMapOvr>
+</p:sld>
+</file>
+
+<file path=ppt/slides/slide12.xml><?xml version="1.0" encoding="utf-8"?>
+<p:sld xmlns:a="http://schemas.openxmlformats.org/drawingml/2006/main" xmlns:r="http://schemas.openxmlformats.org/officeDocument/2006/relationships" xmlns:p="http://schemas.openxmlformats.org/presentationml/2006/main">
+  <p:cSld>
+    <p:spTree>
+      <p:nvGrpSpPr>
+        <p:cNvPr id="1" name="Shape 94"/>
+        <p:cNvGrpSpPr/>
+        <p:nvPr/>
+      </p:nvGrpSpPr>
+      <p:grpSpPr>
+        <a:xfrm>
+          <a:off x="0" y="0"/>
+          <a:ext cx="0" cy="0"/>
+          <a:chOff x="0" y="0"/>
+          <a:chExt cx="0" cy="0"/>
+        </a:xfrm>
+      </p:grpSpPr>
+      <p:sp>
+        <p:nvSpPr>
+          <p:cNvPr id="95" name="Google Shape;95;p17"/>
+          <p:cNvSpPr txBox="1">
+            <a:spLocks noGrp="1"/>
+          </p:cNvSpPr>
+          <p:nvPr>
+            <p:ph type="title"/>
+          </p:nvPr>
+        </p:nvSpPr>
+        <p:spPr>
+          <a:xfrm>
+            <a:off x="471900" y="738725"/>
+            <a:ext cx="8222100" cy="767700"/>
+          </a:xfrm>
+          <a:prstGeom prst="rect">
+            <a:avLst/>
+          </a:prstGeom>
+        </p:spPr>
+        <p:txBody>
+          <a:bodyPr spcFirstLastPara="1" wrap="square" lIns="91425" tIns="91425" rIns="91425" bIns="91425" anchor="b" anchorCtr="0">
+            <a:noAutofit/>
+          </a:bodyPr>
+          <a:lstStyle/>
+          <a:p>
+            <a:pPr marL="0" lvl="0" indent="0" algn="l" rtl="0">
+              <a:spcBef>
+                <a:spcPts val="0"/>
+              </a:spcBef>
+              <a:spcAft>
+                <a:spcPts val="0"/>
+              </a:spcAft>
+              <a:buNone/>
+            </a:pPr>
+            <a:r>
+              <a:rPr lang="en-US" dirty="0"/>
+              <a:t>Public Clouds</a:t>
+            </a:r>
+            <a:endParaRPr dirty="0"/>
+          </a:p>
+        </p:txBody>
+      </p:sp>
+      <p:sp>
+        <p:nvSpPr>
+          <p:cNvPr id="31" name="Google Shape;89;p16">
+            <a:extLst>
+              <a:ext uri="{FF2B5EF4-FFF2-40B4-BE49-F238E27FC236}">
+                <a16:creationId xmlns:a16="http://schemas.microsoft.com/office/drawing/2014/main" id="{67E34750-AD08-E94A-B9F8-33F50EC2B699}"/>
+              </a:ext>
+            </a:extLst>
+          </p:cNvPr>
+          <p:cNvSpPr txBox="1">
+            <a:spLocks noGrp="1"/>
+          </p:cNvSpPr>
+          <p:nvPr>
+            <p:ph type="body" idx="1"/>
+          </p:nvPr>
+        </p:nvSpPr>
+        <p:spPr>
+          <a:xfrm>
+            <a:off x="471900" y="1919075"/>
+            <a:ext cx="8222100" cy="2710200"/>
+          </a:xfrm>
+          <a:prstGeom prst="rect">
+            <a:avLst/>
+          </a:prstGeom>
+        </p:spPr>
+        <p:txBody>
+          <a:bodyPr spcFirstLastPara="1" wrap="square" lIns="91425" tIns="91425" rIns="91425" bIns="91425" anchor="t" anchorCtr="0">
+            <a:noAutofit/>
+          </a:bodyPr>
+          <a:lstStyle/>
+          <a:p>
+            <a:pPr marL="457200" lvl="0" indent="-342900" algn="l" rtl="0">
+              <a:spcBef>
+                <a:spcPts val="0"/>
+              </a:spcBef>
+              <a:spcAft>
+                <a:spcPts val="0"/>
+              </a:spcAft>
+              <a:buSzPts val="1800"/>
+              <a:buChar char="●"/>
+            </a:pPr>
+            <a:r>
+              <a:rPr lang="en-US" dirty="0"/>
+              <a:t>You’ve probably heard of them before, AWS, Azure, GCP, etc.</a:t>
+            </a:r>
+          </a:p>
+          <a:p>
+            <a:pPr marL="457200" lvl="0" indent="-342900" algn="l" rtl="0">
+              <a:spcBef>
+                <a:spcPts val="0"/>
+              </a:spcBef>
+              <a:spcAft>
+                <a:spcPts val="0"/>
+              </a:spcAft>
+              <a:buSzPts val="1800"/>
+              <a:buChar char="●"/>
+            </a:pPr>
+            <a:r>
+              <a:rPr lang="en-US" dirty="0"/>
+              <a:t>These are the public clouds many companies are using to run their businesses!</a:t>
+            </a:r>
+          </a:p>
+          <a:p>
+            <a:pPr marL="457200" lvl="0" indent="-342900" algn="l" rtl="0">
+              <a:spcBef>
+                <a:spcPts val="0"/>
+              </a:spcBef>
+              <a:spcAft>
+                <a:spcPts val="0"/>
+              </a:spcAft>
+              <a:buSzPts val="1800"/>
+              <a:buChar char="●"/>
+            </a:pPr>
+            <a:r>
+              <a:rPr lang="en-US" dirty="0"/>
+              <a:t>These public clouds provide many services at various layers including</a:t>
+            </a:r>
+          </a:p>
+          <a:p>
+            <a:pPr lvl="1" indent="-342900">
+              <a:spcBef>
+                <a:spcPts val="0"/>
+              </a:spcBef>
+              <a:buSzPts val="1800"/>
+              <a:buChar char="●"/>
+            </a:pPr>
+            <a:r>
+              <a:rPr lang="en-US" dirty="0"/>
+              <a:t>IAAS – Infrastructure as a service – Basic building blocks of IT – Servers, network, data storage, etc.</a:t>
+            </a:r>
+          </a:p>
+          <a:p>
+            <a:pPr lvl="1" indent="-342900">
+              <a:spcBef>
+                <a:spcPts val="0"/>
+              </a:spcBef>
+              <a:buSzPts val="1800"/>
+              <a:buChar char="●"/>
+            </a:pPr>
+            <a:r>
+              <a:rPr lang="en-US" dirty="0"/>
+              <a:t>PAAS – Platform as a service – Hardware and OS, allows for focus on deployment. No need to worry about OS level concerns (patches, </a:t>
+            </a:r>
+            <a:r>
+              <a:rPr lang="en-US" dirty="0" err="1"/>
+              <a:t>etc</a:t>
+            </a:r>
+            <a:r>
+              <a:rPr lang="en-US" dirty="0"/>
+              <a:t>)</a:t>
+            </a:r>
+          </a:p>
+          <a:p>
+            <a:pPr lvl="1" indent="-342900">
+              <a:spcBef>
+                <a:spcPts val="0"/>
+              </a:spcBef>
+              <a:buSzPts val="1800"/>
+              <a:buChar char="●"/>
+            </a:pPr>
+            <a:r>
+              <a:rPr lang="en-US" dirty="0"/>
+              <a:t>SAAS – Software as a service – Completed product that can be run and is managed by the cloud provider. E.g. – Web-based email</a:t>
+            </a:r>
+          </a:p>
+          <a:p>
+            <a:pPr indent="-342900">
+              <a:buSzPts val="1800"/>
+            </a:pPr>
+            <a:r>
+              <a:rPr lang="en-US" dirty="0"/>
+              <a:t>The layer of public cloud services you use will depend on your needs, as you go from IAAS -&gt; SAAS, your low-level control disappears.</a:t>
+            </a:r>
+          </a:p>
+          <a:p>
+            <a:pPr indent="-342900">
+              <a:buSzPts val="1800"/>
+            </a:pPr>
+            <a:r>
+              <a:rPr lang="en-US" dirty="0">
+                <a:hlinkClick r:id="rId3"/>
+              </a:rPr>
+              <a:t>https://aws.amazon.com/types-of-cloud-computing/</a:t>
+            </a:r>
+            <a:endParaRPr lang="en-US" dirty="0"/>
+          </a:p>
+          <a:p>
+            <a:pPr indent="-342900">
+              <a:buSzPts val="1800"/>
+            </a:pPr>
+            <a:endParaRPr lang="en-US" dirty="0"/>
+          </a:p>
+          <a:p>
+            <a:pPr marL="457200" lvl="0" indent="-342900" algn="l" rtl="0">
+              <a:spcBef>
+                <a:spcPts val="0"/>
+              </a:spcBef>
+              <a:spcAft>
+                <a:spcPts val="0"/>
+              </a:spcAft>
+              <a:buSzPts val="1800"/>
+              <a:buChar char="●"/>
+            </a:pPr>
+            <a:endParaRPr dirty="0"/>
+          </a:p>
+        </p:txBody>
+      </p:sp>
+    </p:spTree>
+    <p:extLst>
+      <p:ext uri="{BB962C8B-B14F-4D97-AF65-F5344CB8AC3E}">
+        <p14:creationId xmlns:p14="http://schemas.microsoft.com/office/powerpoint/2010/main" val="1630937321"/>
+      </p:ext>
+    </p:extLst>
+  </p:cSld>
+  <p:clrMapOvr>
+    <a:masterClrMapping/>
+  </p:clrMapOvr>
+</p:sld>
+</file>
+
+<file path=ppt/slides/slide13.xml><?xml version="1.0" encoding="utf-8"?>
+<p:sld xmlns:a="http://schemas.openxmlformats.org/drawingml/2006/main" xmlns:r="http://schemas.openxmlformats.org/officeDocument/2006/relationships" xmlns:p="http://schemas.openxmlformats.org/presentationml/2006/main">
+  <p:cSld>
+    <p:spTree>
+      <p:nvGrpSpPr>
+        <p:cNvPr id="1" name="Shape 94"/>
+        <p:cNvGrpSpPr/>
+        <p:nvPr/>
+      </p:nvGrpSpPr>
+      <p:grpSpPr>
+        <a:xfrm>
+          <a:off x="0" y="0"/>
+          <a:ext cx="0" cy="0"/>
+          <a:chOff x="0" y="0"/>
+          <a:chExt cx="0" cy="0"/>
+        </a:xfrm>
+      </p:grpSpPr>
+      <p:sp>
+        <p:nvSpPr>
+          <p:cNvPr id="95" name="Google Shape;95;p17"/>
+          <p:cNvSpPr txBox="1">
+            <a:spLocks noGrp="1"/>
+          </p:cNvSpPr>
+          <p:nvPr>
+            <p:ph type="title"/>
+          </p:nvPr>
+        </p:nvSpPr>
+        <p:spPr>
+          <a:xfrm>
+            <a:off x="471900" y="738725"/>
+            <a:ext cx="8222100" cy="767700"/>
+          </a:xfrm>
+          <a:prstGeom prst="rect">
+            <a:avLst/>
+          </a:prstGeom>
+        </p:spPr>
+        <p:txBody>
+          <a:bodyPr spcFirstLastPara="1" wrap="square" lIns="91425" tIns="91425" rIns="91425" bIns="91425" anchor="b" anchorCtr="0">
+            <a:noAutofit/>
+          </a:bodyPr>
+          <a:lstStyle/>
+          <a:p>
+            <a:pPr marL="0" lvl="0" indent="0" algn="l" rtl="0">
+              <a:spcBef>
+                <a:spcPts val="0"/>
+              </a:spcBef>
+              <a:spcAft>
+                <a:spcPts val="0"/>
+              </a:spcAft>
+              <a:buNone/>
+            </a:pPr>
+            <a:r>
+              <a:rPr lang="en-US" dirty="0"/>
+              <a:t>Containerization</a:t>
+            </a:r>
+            <a:endParaRPr dirty="0"/>
+          </a:p>
+        </p:txBody>
+      </p:sp>
+      <p:sp>
+        <p:nvSpPr>
+          <p:cNvPr id="31" name="Google Shape;89;p16">
+            <a:extLst>
+              <a:ext uri="{FF2B5EF4-FFF2-40B4-BE49-F238E27FC236}">
+                <a16:creationId xmlns:a16="http://schemas.microsoft.com/office/drawing/2014/main" id="{67E34750-AD08-E94A-B9F8-33F50EC2B699}"/>
+              </a:ext>
+            </a:extLst>
+          </p:cNvPr>
+          <p:cNvSpPr txBox="1">
+            <a:spLocks noGrp="1"/>
+          </p:cNvSpPr>
+          <p:nvPr>
+            <p:ph type="body" idx="1"/>
+          </p:nvPr>
+        </p:nvSpPr>
+        <p:spPr>
+          <a:xfrm>
+            <a:off x="471900" y="1919075"/>
+            <a:ext cx="8222100" cy="2710200"/>
+          </a:xfrm>
+          <a:prstGeom prst="rect">
+            <a:avLst/>
+          </a:prstGeom>
+        </p:spPr>
+        <p:txBody>
+          <a:bodyPr spcFirstLastPara="1" wrap="square" lIns="91425" tIns="91425" rIns="91425" bIns="91425" anchor="t" anchorCtr="0">
+            <a:noAutofit/>
+          </a:bodyPr>
+          <a:lstStyle/>
+          <a:p>
             <a:pPr indent="-342900">
               <a:buSzPts val="1800"/>
             </a:pPr>
@@ -8417,7 +9185,7 @@
 </p:sld>
 </file>
 
-<file path=ppt/slides/slide12.xml><?xml version="1.0" encoding="utf-8"?>
+<file path=ppt/slides/slide14.xml><?xml version="1.0" encoding="utf-8"?>
 <p:sld xmlns:a="http://schemas.openxmlformats.org/drawingml/2006/main" xmlns:r="http://schemas.openxmlformats.org/officeDocument/2006/relationships" xmlns:p="http://schemas.openxmlformats.org/presentationml/2006/main">
   <p:cSld>
     <p:spTree>
@@ -8845,7 +9613,7 @@
 </p:sld>
 </file>
 
-<file path=ppt/slides/slide13.xml><?xml version="1.0" encoding="utf-8"?>
+<file path=ppt/slides/slide15.xml><?xml version="1.0" encoding="utf-8"?>
 <p:sld xmlns:a="http://schemas.openxmlformats.org/drawingml/2006/main" xmlns:r="http://schemas.openxmlformats.org/officeDocument/2006/relationships" xmlns:p="http://schemas.openxmlformats.org/presentationml/2006/main">
   <p:cSld>
     <p:spTree>
@@ -9037,7 +9805,7 @@
 </p:sld>
 </file>
 
-<file path=ppt/slides/slide14.xml><?xml version="1.0" encoding="utf-8"?>
+<file path=ppt/slides/slide16.xml><?xml version="1.0" encoding="utf-8"?>
 <p:sld xmlns:a="http://schemas.openxmlformats.org/drawingml/2006/main" xmlns:r="http://schemas.openxmlformats.org/officeDocument/2006/relationships" xmlns:p="http://schemas.openxmlformats.org/presentationml/2006/main">
   <p:cSld>
     <p:spTree>
@@ -9244,7 +10012,7 @@
 </p:sld>
 </file>
 
-<file path=ppt/slides/slide15.xml><?xml version="1.0" encoding="utf-8"?>
+<file path=ppt/slides/slide17.xml><?xml version="1.0" encoding="utf-8"?>
 <p:sld xmlns:a="http://schemas.openxmlformats.org/drawingml/2006/main" xmlns:r="http://schemas.openxmlformats.org/officeDocument/2006/relationships" xmlns:p="http://schemas.openxmlformats.org/presentationml/2006/main">
   <p:cSld>
     <p:spTree>
@@ -11619,10 +12387,16 @@
               <a:buSzPts val="1800"/>
             </a:pPr>
             <a:r>
+              <a:rPr lang="en-US" b="1" dirty="0">
+                <a:sym typeface="Wingdings" pitchFamily="2" charset="2"/>
+              </a:rPr>
+              <a:t>Note</a:t>
+            </a:r>
+            <a:r>
               <a:rPr lang="en-US" dirty="0">
                 <a:sym typeface="Wingdings" pitchFamily="2" charset="2"/>
               </a:rPr>
-              <a:t>Note: </a:t>
+              <a:t>: </a:t>
             </a:r>
             <a:r>
               <a:rPr lang="en-US" dirty="0"/>
@@ -11721,7 +12495,7 @@
             </a:pPr>
             <a:r>
               <a:rPr lang="en-US" dirty="0"/>
-              <a:t>DevOps</a:t>
+              <a:t>Datastores (bases) SQL vs NoSQL</a:t>
             </a:r>
             <a:endParaRPr dirty="0"/>
           </a:p>
@@ -11758,180 +12532,54 @@
           </a:bodyPr>
           <a:lstStyle/>
           <a:p>
-            <a:pPr marL="457200" lvl="0" indent="-342900" algn="l" rtl="0">
-              <a:spcBef>
-                <a:spcPts val="0"/>
-              </a:spcBef>
-              <a:spcAft>
-                <a:spcPts val="0"/>
-              </a:spcAft>
-              <a:buSzPts val="1800"/>
-              <a:buChar char="●"/>
-            </a:pPr>
+            <a:r>
+              <a:rPr lang="en-US" dirty="0"/>
+              <a:t>SQL databases are table-based, while NoSQL databases are document, key-value, graph, or wide-column stores. </a:t>
+            </a:r>
+          </a:p>
+          <a:p>
             <a:endParaRPr lang="en-US" dirty="0"/>
           </a:p>
           <a:p>
-            <a:pPr marL="457200" lvl="0" indent="-342900" algn="l" rtl="0">
-              <a:spcBef>
-                <a:spcPts val="0"/>
-              </a:spcBef>
-              <a:spcAft>
-                <a:spcPts val="0"/>
-              </a:spcAft>
-              <a:buSzPts val="1800"/>
-              <a:buChar char="●"/>
-            </a:pPr>
             <a:r>
               <a:rPr lang="en-US" dirty="0"/>
-              <a:t>DevOps -&gt; Development Operations; philosophies, practices, and tools that help to deliver software/services to users more efficiently.</a:t>
-            </a:r>
-          </a:p>
-          <a:p>
-            <a:pPr marL="457200" lvl="0" indent="-342900" algn="l" rtl="0">
-              <a:spcBef>
-                <a:spcPts val="0"/>
-              </a:spcBef>
-              <a:spcAft>
-                <a:spcPts val="0"/>
-              </a:spcAft>
-              <a:buSzPts val="1800"/>
-              <a:buChar char="●"/>
-            </a:pPr>
+              <a:t>SQL databases are better for multi-row transactions</a:t>
+            </a:r>
+          </a:p>
+          <a:p>
+            <a:endParaRPr lang="en-US" dirty="0"/>
+          </a:p>
+          <a:p>
             <a:r>
               <a:rPr lang="en-US" dirty="0"/>
-              <a:t>Continuous Integration</a:t>
-            </a:r>
-          </a:p>
-          <a:p>
-            <a:pPr lvl="1" indent="-342900">
-              <a:spcBef>
-                <a:spcPts val="0"/>
-              </a:spcBef>
-              <a:buSzPts val="1800"/>
-              <a:buChar char="●"/>
-            </a:pPr>
+              <a:t>NoSQL is better for unstructured data like documents or JSON</a:t>
+            </a:r>
+          </a:p>
+          <a:p>
+            <a:endParaRPr lang="en-US" dirty="0"/>
+          </a:p>
+          <a:p>
             <a:r>
               <a:rPr lang="en-US" dirty="0"/>
-              <a:t>Things such as Jenkins to build code developed by multiple concurrent engineers </a:t>
-            </a:r>
-          </a:p>
-          <a:p>
-            <a:pPr lvl="0" indent="-342900">
-              <a:buSzPts val="1800"/>
-            </a:pPr>
-            <a:r>
+              <a:t>NoSQL has a dynamic schema vs SQLs static schema</a:t>
+            </a:r>
+            <a:br>
               <a:rPr lang="en-US" dirty="0"/>
-              <a:t>Continuous Delivery</a:t>
-            </a:r>
-          </a:p>
-          <a:p>
-            <a:pPr lvl="1" indent="-342900">
-              <a:spcBef>
-                <a:spcPts val="0"/>
-              </a:spcBef>
-              <a:buSzPts val="1800"/>
-              <a:buChar char="●"/>
-            </a:pPr>
+            </a:br>
+            <a:endParaRPr lang="en-US" dirty="0"/>
+          </a:p>
+          <a:p>
             <a:r>
               <a:rPr lang="en-US" dirty="0"/>
-              <a:t>Automated code building, testing and preparing for release to production. Takes code from build -&gt; deploy</a:t>
-            </a:r>
-          </a:p>
-          <a:p>
-            <a:pPr lvl="0" indent="-342900">
-              <a:buSzPts val="1800"/>
-            </a:pPr>
-            <a:r>
-              <a:rPr lang="en-US" dirty="0"/>
-              <a:t>Build Pipelines</a:t>
-            </a:r>
-          </a:p>
-          <a:p>
-            <a:pPr lvl="1" indent="-342900">
-              <a:spcBef>
-                <a:spcPts val="0"/>
-              </a:spcBef>
-              <a:buSzPts val="1800"/>
-              <a:buChar char="●"/>
-            </a:pPr>
-            <a:r>
-              <a:rPr lang="en-US" dirty="0"/>
-              <a:t>Automated code jobs/stages, a typical pipeline would </a:t>
-            </a:r>
-            <a:r>
-              <a:rPr lang="en-US" b="1" dirty="0"/>
-              <a:t>build</a:t>
-            </a:r>
-            <a:r>
-              <a:rPr lang="en-US" dirty="0"/>
-              <a:t>, </a:t>
-            </a:r>
-            <a:r>
-              <a:rPr lang="en-US" b="1" dirty="0"/>
-              <a:t>test</a:t>
-            </a:r>
-            <a:r>
-              <a:rPr lang="en-US" dirty="0"/>
-              <a:t>, </a:t>
-            </a:r>
-            <a:r>
-              <a:rPr lang="en-US" b="1" dirty="0"/>
-              <a:t>deploy to staging</a:t>
-            </a:r>
-            <a:r>
-              <a:rPr lang="en-US" dirty="0"/>
-              <a:t>, then </a:t>
-            </a:r>
-            <a:r>
-              <a:rPr lang="en-US" b="1" dirty="0"/>
-              <a:t>deploy to production</a:t>
-            </a:r>
-            <a:r>
-              <a:rPr lang="en-US" dirty="0"/>
-              <a:t>. There are many types of pipelines, see: </a:t>
-            </a:r>
-            <a:r>
-              <a:rPr lang="en-US" dirty="0">
-                <a:hlinkClick r:id="rId3"/>
-              </a:rPr>
-              <a:t>https://docs.gitlab.com/ee/ci/pipelines/</a:t>
-            </a:r>
-            <a:endParaRPr lang="en-US" dirty="0"/>
-          </a:p>
-          <a:p>
-            <a:pPr lvl="0" indent="-342900">
-              <a:buSzPts val="1800"/>
-            </a:pPr>
-            <a:r>
-              <a:rPr lang="en-US" dirty="0"/>
-              <a:t>Monitoring and Logging</a:t>
-            </a:r>
-          </a:p>
-          <a:p>
-            <a:pPr lvl="1" indent="-342900">
-              <a:spcBef>
-                <a:spcPts val="0"/>
-              </a:spcBef>
-              <a:buSzPts val="1800"/>
-              <a:buChar char="●"/>
-            </a:pPr>
-            <a:r>
-              <a:rPr lang="en-US" dirty="0"/>
-              <a:t>Things critical for high availability and troubleshooting; examples: Splunk, New Relic, etc.</a:t>
-            </a:r>
-          </a:p>
-          <a:p>
-            <a:pPr indent="-342900">
-              <a:buSzPts val="1800"/>
-            </a:pPr>
-            <a:endParaRPr lang="en-US" dirty="0"/>
+              <a:t>NoSQL works best for companies that are going through rapid growth stages or those with a lot of unstructured data</a:t>
+            </a:r>
           </a:p>
         </p:txBody>
       </p:sp>
     </p:spTree>
     <p:extLst>
       <p:ext uri="{BB962C8B-B14F-4D97-AF65-F5344CB8AC3E}">
-        <p14:creationId xmlns:p14="http://schemas.microsoft.com/office/powerpoint/2010/main" val="2216305668"/>
+        <p14:creationId xmlns:p14="http://schemas.microsoft.com/office/powerpoint/2010/main" val="3937585087"/>
       </p:ext>
     </p:extLst>
   </p:cSld>
@@ -11994,122 +12642,236 @@
             </a:pPr>
             <a:r>
               <a:rPr lang="en-US" dirty="0"/>
-              <a:t>Deployments (rolling and blue/green)</a:t>
+              <a:t>Datastores (bases) SQL vs NoSQL</a:t>
             </a:r>
             <a:endParaRPr dirty="0"/>
           </a:p>
         </p:txBody>
       </p:sp>
-      <p:sp>
-        <p:nvSpPr>
-          <p:cNvPr id="31" name="Google Shape;89;p16">
+      <p:graphicFrame>
+        <p:nvGraphicFramePr>
+          <p:cNvPr id="2" name="Table 2">
             <a:extLst>
               <a:ext uri="{FF2B5EF4-FFF2-40B4-BE49-F238E27FC236}">
-                <a16:creationId xmlns:a16="http://schemas.microsoft.com/office/drawing/2014/main" id="{67E34750-AD08-E94A-B9F8-33F50EC2B699}"/>
+                <a16:creationId xmlns:a16="http://schemas.microsoft.com/office/drawing/2014/main" id="{66680B0D-F9CD-2E41-8FF7-D1A5C71BEE42}"/>
               </a:ext>
             </a:extLst>
           </p:cNvPr>
-          <p:cNvSpPr txBox="1">
-            <a:spLocks noGrp="1"/>
-          </p:cNvSpPr>
+          <p:cNvGraphicFramePr>
+            <a:graphicFrameLocks noGrp="1"/>
+          </p:cNvGraphicFramePr>
           <p:nvPr>
-            <p:ph type="body" idx="1"/>
+            <p:extLst>
+              <p:ext uri="{D42A27DB-BD31-4B8C-83A1-F6EECF244321}">
+                <p14:modId xmlns:p14="http://schemas.microsoft.com/office/powerpoint/2010/main" val="882659858"/>
+              </p:ext>
+            </p:extLst>
           </p:nvPr>
-        </p:nvSpPr>
-        <p:spPr>
-          <a:xfrm>
-            <a:off x="460950" y="1718184"/>
-            <a:ext cx="8222100" cy="3345652"/>
-          </a:xfrm>
-          <a:prstGeom prst="rect">
-            <a:avLst/>
-          </a:prstGeom>
-        </p:spPr>
-        <p:txBody>
-          <a:bodyPr spcFirstLastPara="1" wrap="square" lIns="91425" tIns="91425" rIns="91425" bIns="91425" anchor="t" anchorCtr="0">
-            <a:noAutofit/>
-          </a:bodyPr>
-          <a:lstStyle/>
-          <a:p>
-            <a:pPr marL="457200" lvl="0" indent="-342900" algn="l" rtl="0">
-              <a:spcBef>
-                <a:spcPts val="0"/>
-              </a:spcBef>
-              <a:spcAft>
-                <a:spcPts val="0"/>
-              </a:spcAft>
-              <a:buSzPts val="1800"/>
-              <a:buChar char="●"/>
-            </a:pPr>
-            <a:r>
-              <a:rPr lang="en-US" dirty="0"/>
-              <a:t>We spent all of LC101 and Liftoff (thus far) teaching you how to code, but not how to deploy</a:t>
-            </a:r>
-          </a:p>
-          <a:p>
-            <a:pPr marL="457200" lvl="0" indent="-342900" algn="l" rtl="0">
-              <a:spcBef>
-                <a:spcPts val="0"/>
-              </a:spcBef>
-              <a:spcAft>
-                <a:spcPts val="0"/>
-              </a:spcAft>
-              <a:buSzPts val="1800"/>
-              <a:buChar char="●"/>
-            </a:pPr>
-            <a:r>
-              <a:rPr lang="en-US" dirty="0"/>
-              <a:t>The 2 primary types of deployments are in-place (or rolling) deployments and blue/green deployments. They both have their pros/cons</a:t>
-            </a:r>
-          </a:p>
-          <a:p>
-            <a:pPr lvl="0" indent="-342900">
-              <a:buSzPts val="1800"/>
-            </a:pPr>
-            <a:r>
-              <a:rPr lang="en-US" dirty="0"/>
-              <a:t>In-place (aka rolling) deployments go through each server node (or instance) in the , remove it from the load balancer, shut down the web container/app, deploy the new code, restart the web container/app, and add it back into the load balancer. </a:t>
-            </a:r>
-          </a:p>
-          <a:p>
-            <a:pPr indent="-342900">
-              <a:buSzPts val="1800"/>
-            </a:pPr>
-            <a:r>
-              <a:rPr lang="en-US" dirty="0"/>
-              <a:t>Benefit of rolling deployments is that they require only one collection of nodes for each environment (dev/staging/prod)</a:t>
-            </a:r>
-          </a:p>
-          <a:p>
-            <a:pPr indent="-342900">
-              <a:buSzPts val="1800"/>
-            </a:pPr>
-            <a:r>
-              <a:rPr lang="en-US" dirty="0"/>
-              <a:t>Downfall of rolling deployments is rollbacks (going back to previous version of code) is difficult and requires doing another rolling deployment one server at a time.</a:t>
-            </a:r>
-          </a:p>
-          <a:p>
-            <a:pPr lvl="0" indent="-342900">
-              <a:buSzPts val="1800"/>
-            </a:pPr>
-            <a:r>
-              <a:rPr lang="en-US" dirty="0"/>
-              <a:t>Blue/Green deployments requires two collections of nodes for each environment, one called blue, and one called green. At any given time, only ONE collection (blue or green) is live in the environment. When it’s time to deploy new code, the new code is deployed to the collection that is not live. Once the deploy is complete, the load balancer is switched to the non-live environment.</a:t>
-            </a:r>
-          </a:p>
-          <a:p>
-            <a:pPr lvl="0" indent="-342900">
-              <a:buSzPts val="1800"/>
-            </a:pPr>
-            <a:endParaRPr lang="en-US" dirty="0"/>
-          </a:p>
-        </p:txBody>
-      </p:sp>
+        </p:nvGraphicFramePr>
+        <p:xfrm>
+          <a:off x="1396252" y="2092886"/>
+          <a:ext cx="6096000" cy="1854200"/>
+        </p:xfrm>
+        <a:graphic>
+          <a:graphicData uri="http://schemas.openxmlformats.org/drawingml/2006/table">
+            <a:tbl>
+              <a:tblPr firstRow="1" bandRow="1">
+                <a:tableStyleId>{5C22544A-7EE6-4342-B048-85BDC9FD1C3A}</a:tableStyleId>
+              </a:tblPr>
+              <a:tblGrid>
+                <a:gridCol w="3048000">
+                  <a:extLst>
+                    <a:ext uri="{9D8B030D-6E8A-4147-A177-3AD203B41FA5}">
+                      <a16:colId xmlns:a16="http://schemas.microsoft.com/office/drawing/2014/main" val="2458983483"/>
+                    </a:ext>
+                  </a:extLst>
+                </a:gridCol>
+                <a:gridCol w="3048000">
+                  <a:extLst>
+                    <a:ext uri="{9D8B030D-6E8A-4147-A177-3AD203B41FA5}">
+                      <a16:colId xmlns:a16="http://schemas.microsoft.com/office/drawing/2014/main" val="1749862441"/>
+                    </a:ext>
+                  </a:extLst>
+                </a:gridCol>
+              </a:tblGrid>
+              <a:tr h="370840">
+                <a:tc>
+                  <a:txBody>
+                    <a:bodyPr/>
+                    <a:lstStyle/>
+                    <a:p>
+                      <a:pPr algn="ctr"/>
+                      <a:r>
+                        <a:rPr lang="en-US" dirty="0"/>
+                        <a:t>SQL</a:t>
+                      </a:r>
+                    </a:p>
+                  </a:txBody>
+                  <a:tcPr/>
+                </a:tc>
+                <a:tc>
+                  <a:txBody>
+                    <a:bodyPr/>
+                    <a:lstStyle/>
+                    <a:p>
+                      <a:pPr algn="ctr"/>
+                      <a:r>
+                        <a:rPr lang="en-US" dirty="0"/>
+                        <a:t>NoSQL</a:t>
+                      </a:r>
+                    </a:p>
+                  </a:txBody>
+                  <a:tcPr/>
+                </a:tc>
+                <a:extLst>
+                  <a:ext uri="{0D108BD9-81ED-4DB2-BD59-A6C34878D82A}">
+                    <a16:rowId xmlns:a16="http://schemas.microsoft.com/office/drawing/2014/main" val="3625050503"/>
+                  </a:ext>
+                </a:extLst>
+              </a:tr>
+              <a:tr h="370840">
+                <a:tc>
+                  <a:txBody>
+                    <a:bodyPr/>
+                    <a:lstStyle/>
+                    <a:p>
+                      <a:pPr algn="ctr"/>
+                      <a:r>
+                        <a:rPr lang="en-US" dirty="0"/>
+                        <a:t>MySQL</a:t>
+                      </a:r>
+                    </a:p>
+                  </a:txBody>
+                  <a:tcPr/>
+                </a:tc>
+                <a:tc>
+                  <a:txBody>
+                    <a:bodyPr/>
+                    <a:lstStyle/>
+                    <a:p>
+                      <a:pPr algn="ctr"/>
+                      <a:r>
+                        <a:rPr lang="en-US" dirty="0"/>
+                        <a:t>MongoDB</a:t>
+                      </a:r>
+                    </a:p>
+                  </a:txBody>
+                  <a:tcPr/>
+                </a:tc>
+                <a:extLst>
+                  <a:ext uri="{0D108BD9-81ED-4DB2-BD59-A6C34878D82A}">
+                    <a16:rowId xmlns:a16="http://schemas.microsoft.com/office/drawing/2014/main" val="1263875908"/>
+                  </a:ext>
+                </a:extLst>
+              </a:tr>
+              <a:tr h="370840">
+                <a:tc>
+                  <a:txBody>
+                    <a:bodyPr/>
+                    <a:lstStyle/>
+                    <a:p>
+                      <a:pPr algn="ctr"/>
+                      <a:r>
+                        <a:rPr lang="en-US" dirty="0"/>
+                        <a:t>Oracle</a:t>
+                      </a:r>
+                    </a:p>
+                  </a:txBody>
+                  <a:tcPr/>
+                </a:tc>
+                <a:tc>
+                  <a:txBody>
+                    <a:bodyPr/>
+                    <a:lstStyle/>
+                    <a:p>
+                      <a:pPr algn="ctr"/>
+                      <a:r>
+                        <a:rPr lang="en-US" dirty="0"/>
+                        <a:t>CouchDB</a:t>
+                      </a:r>
+                    </a:p>
+                  </a:txBody>
+                  <a:tcPr/>
+                </a:tc>
+                <a:extLst>
+                  <a:ext uri="{0D108BD9-81ED-4DB2-BD59-A6C34878D82A}">
+                    <a16:rowId xmlns:a16="http://schemas.microsoft.com/office/drawing/2014/main" val="3614238275"/>
+                  </a:ext>
+                </a:extLst>
+              </a:tr>
+              <a:tr h="370840">
+                <a:tc>
+                  <a:txBody>
+                    <a:bodyPr/>
+                    <a:lstStyle/>
+                    <a:p>
+                      <a:pPr algn="ctr"/>
+                      <a:r>
+                        <a:rPr lang="en-US" dirty="0"/>
+                        <a:t>Microsoft SQL Server</a:t>
+                      </a:r>
+                    </a:p>
+                  </a:txBody>
+                  <a:tcPr/>
+                </a:tc>
+                <a:tc>
+                  <a:txBody>
+                    <a:bodyPr/>
+                    <a:lstStyle/>
+                    <a:p>
+                      <a:pPr algn="ctr"/>
+                      <a:endParaRPr lang="en-US" dirty="0"/>
+                    </a:p>
+                  </a:txBody>
+                  <a:tcPr/>
+                </a:tc>
+                <a:extLst>
+                  <a:ext uri="{0D108BD9-81ED-4DB2-BD59-A6C34878D82A}">
+                    <a16:rowId xmlns:a16="http://schemas.microsoft.com/office/drawing/2014/main" val="998496567"/>
+                  </a:ext>
+                </a:extLst>
+              </a:tr>
+              <a:tr h="370840">
+                <a:tc>
+                  <a:txBody>
+                    <a:bodyPr/>
+                    <a:lstStyle/>
+                    <a:p>
+                      <a:pPr algn="ctr"/>
+                      <a:r>
+                        <a:rPr lang="en-US" dirty="0" err="1"/>
+                        <a:t>PostgresSQL</a:t>
+                      </a:r>
+                      <a:endParaRPr lang="en-US" dirty="0"/>
+                    </a:p>
+                  </a:txBody>
+                  <a:tcPr/>
+                </a:tc>
+                <a:tc>
+                  <a:txBody>
+                    <a:bodyPr/>
+                    <a:lstStyle/>
+                    <a:p>
+                      <a:pPr algn="ctr"/>
+                      <a:endParaRPr lang="en-US" dirty="0"/>
+                    </a:p>
+                  </a:txBody>
+                  <a:tcPr/>
+                </a:tc>
+                <a:extLst>
+                  <a:ext uri="{0D108BD9-81ED-4DB2-BD59-A6C34878D82A}">
+                    <a16:rowId xmlns:a16="http://schemas.microsoft.com/office/drawing/2014/main" val="766916732"/>
+                  </a:ext>
+                </a:extLst>
+              </a:tr>
+            </a:tbl>
+          </a:graphicData>
+        </a:graphic>
+      </p:graphicFrame>
     </p:spTree>
     <p:extLst>
       <p:ext uri="{BB962C8B-B14F-4D97-AF65-F5344CB8AC3E}">
-        <p14:creationId xmlns:p14="http://schemas.microsoft.com/office/powerpoint/2010/main" val="1499700365"/>
+        <p14:creationId xmlns:p14="http://schemas.microsoft.com/office/powerpoint/2010/main" val="2924582161"/>
       </p:ext>
     </p:extLst>
   </p:cSld>
@@ -12172,7 +12934,7 @@
             </a:pPr>
             <a:r>
               <a:rPr lang="en-US" dirty="0"/>
-              <a:t>Deployments (rolling and blue/green) continued…</a:t>
+              <a:t>DevOps</a:t>
             </a:r>
             <a:endParaRPr dirty="0"/>
           </a:p>
@@ -12197,7 +12959,7 @@
         <p:spPr>
           <a:xfrm>
             <a:off x="460950" y="1718184"/>
-            <a:ext cx="8222100" cy="3345652"/>
+            <a:ext cx="8222100" cy="3172470"/>
           </a:xfrm>
           <a:prstGeom prst="rect">
             <a:avLst/>
@@ -12209,36 +12971,83 @@
           </a:bodyPr>
           <a:lstStyle/>
           <a:p>
+            <a:pPr marL="457200" lvl="0" indent="-342900" algn="l" rtl="0">
+              <a:spcBef>
+                <a:spcPts val="0"/>
+              </a:spcBef>
+              <a:spcAft>
+                <a:spcPts val="0"/>
+              </a:spcAft>
+              <a:buSzPts val="1800"/>
+              <a:buChar char="●"/>
+            </a:pPr>
+            <a:endParaRPr lang="en-US" dirty="0"/>
+          </a:p>
+          <a:p>
+            <a:pPr marL="457200" lvl="0" indent="-342900" algn="l" rtl="0">
+              <a:spcBef>
+                <a:spcPts val="0"/>
+              </a:spcBef>
+              <a:spcAft>
+                <a:spcPts val="0"/>
+              </a:spcAft>
+              <a:buSzPts val="1800"/>
+              <a:buChar char="●"/>
+            </a:pPr>
+            <a:r>
+              <a:rPr lang="en-US" dirty="0"/>
+              <a:t>DevOps -&gt; Development Operations; philosophies, practices, and tools that help to deliver software/services to users more efficiently.</a:t>
+            </a:r>
+          </a:p>
+          <a:p>
+            <a:pPr marL="457200" lvl="0" indent="-342900" algn="l" rtl="0">
+              <a:spcBef>
+                <a:spcPts val="0"/>
+              </a:spcBef>
+              <a:spcAft>
+                <a:spcPts val="0"/>
+              </a:spcAft>
+              <a:buSzPts val="1800"/>
+              <a:buChar char="●"/>
+            </a:pPr>
+            <a:r>
+              <a:rPr lang="en-US" dirty="0"/>
+              <a:t>Continuous Integration</a:t>
+            </a:r>
+          </a:p>
+          <a:p>
+            <a:pPr lvl="1" indent="-342900">
+              <a:spcBef>
+                <a:spcPts val="0"/>
+              </a:spcBef>
+              <a:buSzPts val="1800"/>
+              <a:buChar char="●"/>
+            </a:pPr>
+            <a:r>
+              <a:rPr lang="en-US" dirty="0"/>
+              <a:t>Things such as Jenkins to build code developed by multiple concurrent engineers </a:t>
+            </a:r>
+          </a:p>
+          <a:p>
             <a:pPr lvl="0" indent="-342900">
               <a:buSzPts val="1800"/>
             </a:pPr>
             <a:r>
               <a:rPr lang="en-US" dirty="0"/>
-              <a:t>Blue/Green deployments requires two clusters of nodes for each environment, one called </a:t>
-            </a:r>
-            <a:r>
-              <a:rPr lang="en-US" dirty="0">
-                <a:solidFill>
-                  <a:srgbClr val="0070C0"/>
-                </a:solidFill>
-              </a:rPr>
-              <a:t>blue</a:t>
-            </a:r>
+              <a:t>Continuous Delivery</a:t>
+            </a:r>
+          </a:p>
+          <a:p>
+            <a:pPr lvl="1" indent="-342900">
+              <a:spcBef>
+                <a:spcPts val="0"/>
+              </a:spcBef>
+              <a:buSzPts val="1800"/>
+              <a:buChar char="●"/>
+            </a:pPr>
             <a:r>
               <a:rPr lang="en-US" dirty="0"/>
-              <a:t>, and one called </a:t>
-            </a:r>
-            <a:r>
-              <a:rPr lang="en-US" dirty="0">
-                <a:solidFill>
-                  <a:srgbClr val="00B050"/>
-                </a:solidFill>
-              </a:rPr>
-              <a:t>green</a:t>
-            </a:r>
-            <a:r>
-              <a:rPr lang="en-US" dirty="0"/>
-              <a:t>. </a:t>
+              <a:t>Automated code building, testing and preparing for release to production. Takes code from build -&gt; deploy</a:t>
             </a:r>
           </a:p>
           <a:p>
@@ -12247,32 +13056,60 @@
             </a:pPr>
             <a:r>
               <a:rPr lang="en-US" dirty="0"/>
-              <a:t>At any given time, only ONE cluster (</a:t>
+              <a:t>Build Pipelines</a:t>
+            </a:r>
+          </a:p>
+          <a:p>
+            <a:pPr lvl="1" indent="-342900">
+              <a:spcBef>
+                <a:spcPts val="0"/>
+              </a:spcBef>
+              <a:buSzPts val="1800"/>
+              <a:buChar char="●"/>
+            </a:pPr>
+            <a:r>
+              <a:rPr lang="en-US" dirty="0"/>
+              <a:t>Automated code jobs/stages, a typical pipeline would </a:t>
+            </a:r>
+            <a:r>
+              <a:rPr lang="en-US" b="1" dirty="0"/>
+              <a:t>build</a:t>
+            </a:r>
+            <a:r>
+              <a:rPr lang="en-US" dirty="0"/>
+              <a:t>, </a:t>
+            </a:r>
+            <a:r>
+              <a:rPr lang="en-US" b="1" dirty="0"/>
+              <a:t>test</a:t>
+            </a:r>
+            <a:r>
+              <a:rPr lang="en-US" dirty="0"/>
+              <a:t>, </a:t>
+            </a:r>
+            <a:r>
+              <a:rPr lang="en-US" b="1" dirty="0"/>
+              <a:t>deploy to staging</a:t>
+            </a:r>
+            <a:r>
+              <a:rPr lang="en-US" dirty="0"/>
+              <a:t>, then </a:t>
+            </a:r>
+            <a:r>
+              <a:rPr lang="en-US" b="1" dirty="0"/>
+              <a:t>deploy to production</a:t>
+            </a:r>
+            <a:r>
+              <a:rPr lang="en-US" dirty="0"/>
+              <a:t>. There are many types of pipelines, see: </a:t>
             </a:r>
             <a:r>
               <a:rPr lang="en-US" dirty="0">
-                <a:solidFill>
-                  <a:srgbClr val="0070C0"/>
-                </a:solidFill>
+                <a:hlinkClick r:id="rId3"/>
               </a:rPr>
-              <a:t>blue</a:t>
-            </a:r>
-            <a:r>
-              <a:rPr lang="en-US" dirty="0"/>
-              <a:t> or </a:t>
-            </a:r>
-            <a:r>
-              <a:rPr lang="en-US" dirty="0">
-                <a:solidFill>
-                  <a:srgbClr val="00B050"/>
-                </a:solidFill>
-              </a:rPr>
-              <a:t>green</a:t>
-            </a:r>
-            <a:r>
-              <a:rPr lang="en-US" dirty="0"/>
-              <a:t>) is live in the environment. </a:t>
-            </a:r>
+              <a:t>https://docs.gitlab.com/ee/ci/pipelines/</a:t>
+            </a:r>
+            <a:endParaRPr lang="en-US" dirty="0"/>
           </a:p>
           <a:p>
             <a:pPr lvl="0" indent="-342900">
@@ -12280,94 +13117,24 @@
             </a:pPr>
             <a:r>
               <a:rPr lang="en-US" dirty="0"/>
-              <a:t>When it’s time to deploy new code, the new code is deployed to the cluster that is </a:t>
-            </a:r>
-            <a:r>
-              <a:rPr lang="en-US" b="1" dirty="0"/>
-              <a:t>not live</a:t>
-            </a:r>
+              <a:t>Monitoring and Logging</a:t>
+            </a:r>
+          </a:p>
+          <a:p>
+            <a:pPr lvl="1" indent="-342900">
+              <a:spcBef>
+                <a:spcPts val="0"/>
+              </a:spcBef>
+              <a:buSzPts val="1800"/>
+              <a:buChar char="●"/>
+            </a:pPr>
             <a:r>
               <a:rPr lang="en-US" dirty="0"/>
-              <a:t>. Once the deploy is complete, the load balancer is switched to the non-live cluster.</a:t>
-            </a:r>
-          </a:p>
-          <a:p>
-            <a:pPr lvl="0" indent="-342900">
-              <a:buSzPts val="1800"/>
-            </a:pPr>
-            <a:r>
-              <a:rPr lang="en-US" dirty="0"/>
-              <a:t>e.g. If we wanted to deploy code version 2.0 and </a:t>
-            </a:r>
-            <a:r>
-              <a:rPr lang="en-US" dirty="0">
-                <a:solidFill>
-                  <a:srgbClr val="00B050"/>
-                </a:solidFill>
-              </a:rPr>
-              <a:t>green</a:t>
-            </a:r>
-            <a:r>
-              <a:rPr lang="en-US" dirty="0"/>
-              <a:t> was live with code version 1.1 and </a:t>
-            </a:r>
-            <a:r>
-              <a:rPr lang="en-US" dirty="0">
-                <a:solidFill>
-                  <a:srgbClr val="0070C0"/>
-                </a:solidFill>
-              </a:rPr>
-              <a:t>blue</a:t>
-            </a:r>
-            <a:r>
-              <a:rPr lang="en-US" dirty="0"/>
-              <a:t> was not live with version 1.0, we would deploy version 2.0 to </a:t>
-            </a:r>
-            <a:r>
-              <a:rPr lang="en-US" dirty="0">
-                <a:solidFill>
-                  <a:srgbClr val="0070C0"/>
-                </a:solidFill>
-              </a:rPr>
-              <a:t>blue</a:t>
-            </a:r>
-            <a:r>
-              <a:rPr lang="en-US" dirty="0"/>
-              <a:t> and update the load balancer to make the </a:t>
-            </a:r>
-            <a:r>
-              <a:rPr lang="en-US" dirty="0">
-                <a:solidFill>
-                  <a:srgbClr val="0070C0"/>
-                </a:solidFill>
-              </a:rPr>
-              <a:t>blue</a:t>
-            </a:r>
-            <a:r>
-              <a:rPr lang="en-US" dirty="0"/>
-              <a:t> collection live.</a:t>
-            </a:r>
-          </a:p>
-          <a:p>
-            <a:pPr lvl="0" indent="-342900">
-              <a:buSzPts val="1800"/>
-            </a:pPr>
-            <a:r>
-              <a:rPr lang="en-US" dirty="0"/>
-              <a:t>Benefit of blue/green deployments is the easy rollback if the updated code proves to be a failure.</a:t>
-            </a:r>
-          </a:p>
-          <a:p>
-            <a:pPr lvl="0" indent="-342900">
-              <a:buSzPts val="1800"/>
-            </a:pPr>
-            <a:r>
-              <a:rPr lang="en-US" dirty="0"/>
-              <a:t>The downfall is the necessity of multiple clusters, which costs $$$</a:t>
-            </a:r>
-          </a:p>
-          <a:p>
-            <a:pPr lvl="0" indent="-342900">
+              <a:t>Things critical for high availability and troubleshooting; examples: Splunk, New Relic, etc.</a:t>
+            </a:r>
+          </a:p>
+          <a:p>
+            <a:pPr indent="-342900">
               <a:buSzPts val="1800"/>
             </a:pPr>
             <a:endParaRPr lang="en-US" dirty="0"/>
@@ -12377,7 +13144,7 @@
     </p:spTree>
     <p:extLst>
       <p:ext uri="{BB962C8B-B14F-4D97-AF65-F5344CB8AC3E}">
-        <p14:creationId xmlns:p14="http://schemas.microsoft.com/office/powerpoint/2010/main" val="1468977908"/>
+        <p14:creationId xmlns:p14="http://schemas.microsoft.com/office/powerpoint/2010/main" val="2216305668"/>
       </p:ext>
     </p:extLst>
   </p:cSld>
@@ -12440,7 +13207,7 @@
             </a:pPr>
             <a:r>
               <a:rPr lang="en-US" dirty="0"/>
-              <a:t>REST</a:t>
+              <a:t>Deployments (rolling and blue/green)</a:t>
             </a:r>
             <a:endParaRPr dirty="0"/>
           </a:p>
@@ -12464,8 +13231,8 @@
         </p:nvSpPr>
         <p:spPr>
           <a:xfrm>
-            <a:off x="471900" y="1919075"/>
-            <a:ext cx="8222100" cy="2710200"/>
+            <a:off x="460950" y="1718184"/>
+            <a:ext cx="8222100" cy="3345652"/>
           </a:xfrm>
           <a:prstGeom prst="rect">
             <a:avLst/>
@@ -12489,31 +13256,7 @@
             </a:pPr>
             <a:r>
               <a:rPr lang="en-US" dirty="0"/>
-              <a:t>REST – </a:t>
-            </a:r>
-            <a:r>
-              <a:rPr lang="en-US" b="1" dirty="0"/>
-              <a:t>Re</a:t>
-            </a:r>
-            <a:r>
-              <a:rPr lang="en-US" dirty="0"/>
-              <a:t>presentational </a:t>
-            </a:r>
-            <a:r>
-              <a:rPr lang="en-US" b="1" dirty="0"/>
-              <a:t>S</a:t>
-            </a:r>
-            <a:r>
-              <a:rPr lang="en-US" dirty="0"/>
-              <a:t>tate </a:t>
-            </a:r>
-            <a:r>
-              <a:rPr lang="en-US" b="1" dirty="0"/>
-              <a:t>T</a:t>
-            </a:r>
-            <a:r>
-              <a:rPr lang="en-US" dirty="0"/>
-              <a:t>ransfer</a:t>
+              <a:t>We spent all of LC101 and Liftoff (thus far) teaching you how to code, but not how to deploy</a:t>
             </a:r>
           </a:p>
           <a:p>
@@ -12529,91 +13272,16 @@
             </a:pPr>
             <a:r>
               <a:rPr lang="en-US" dirty="0"/>
-              <a:t>Some interviewers will ask you to define REST, a lot of people fail on this, they can provide examples, but fail to explain what it is.</a:t>
-            </a:r>
-          </a:p>
-          <a:p>
-            <a:pPr marL="457200" lvl="0" indent="-342900" algn="l" rtl="0">
-              <a:spcBef>
-                <a:spcPts val="0"/>
-              </a:spcBef>
-              <a:spcAft>
-                <a:spcPts val="0"/>
-              </a:spcAft>
+              <a:t>The 2 primary types of deployments are in-place (or rolling) deployments and blue/green deployments. They both have their pros/cons</a:t>
+            </a:r>
+          </a:p>
+          <a:p>
+            <a:pPr lvl="0" indent="-342900">
               <a:buSzPts val="1800"/>
-              <a:buChar char="●"/>
             </a:pPr>
             <a:r>
               <a:rPr lang="en-US" dirty="0"/>
-              <a:t>REST in its simplest form is a design paradigm for web services built on top of HTTP.</a:t>
-            </a:r>
-          </a:p>
-          <a:p>
-            <a:pPr marL="457200" lvl="0" indent="-342900" algn="l" rtl="0">
-              <a:spcBef>
-                <a:spcPts val="0"/>
-              </a:spcBef>
-              <a:spcAft>
-                <a:spcPts val="0"/>
-              </a:spcAft>
-              <a:buSzPts val="1800"/>
-              <a:buChar char="●"/>
-            </a:pPr>
-            <a:r>
-              <a:rPr lang="en-US" dirty="0"/>
-              <a:t>HTTP Verbs</a:t>
-            </a:r>
-          </a:p>
-          <a:p>
-            <a:pPr lvl="1" indent="-342900">
-              <a:spcBef>
-                <a:spcPts val="0"/>
-              </a:spcBef>
-              <a:buSzPts val="1800"/>
-              <a:buChar char="●"/>
-            </a:pPr>
-            <a:r>
-              <a:rPr lang="en-US" dirty="0"/>
-              <a:t>GET</a:t>
-            </a:r>
-          </a:p>
-          <a:p>
-            <a:pPr lvl="1" indent="-342900">
-              <a:spcBef>
-                <a:spcPts val="0"/>
-              </a:spcBef>
-              <a:buSzPts val="1800"/>
-              <a:buChar char="●"/>
-            </a:pPr>
-            <a:r>
-              <a:rPr lang="en-US" dirty="0"/>
-              <a:t>POST</a:t>
-            </a:r>
-          </a:p>
-          <a:p>
-            <a:pPr lvl="1" indent="-342900">
-              <a:spcBef>
-                <a:spcPts val="0"/>
-              </a:spcBef>
-              <a:buSzPts val="1800"/>
-              <a:buChar char="●"/>
-            </a:pPr>
-            <a:r>
-              <a:rPr lang="en-US" dirty="0"/>
-              <a:t>PUT</a:t>
-            </a:r>
-          </a:p>
-          <a:p>
-            <a:pPr lvl="1" indent="-342900">
-              <a:spcBef>
-                <a:spcPts val="0"/>
-              </a:spcBef>
-              <a:buSzPts val="1800"/>
-              <a:buChar char="●"/>
-            </a:pPr>
-            <a:r>
-              <a:rPr lang="en-US" dirty="0"/>
-              <a:t>DELETE</a:t>
+              <a:t>In-place (aka rolling) deployments go through each server node (or instance) in the , remove it from the load balancer, shut down the web container/app, deploy the new code, restart the web container/app, and add it back into the load balancer. </a:t>
             </a:r>
           </a:p>
           <a:p>
@@ -12622,34 +13290,39 @@
             </a:pPr>
             <a:r>
               <a:rPr lang="en-US" dirty="0"/>
-              <a:t>RESTful services should be client-server based stateless web services usually using JSON as the data type. </a:t>
+              <a:t>Benefit of rolling deployments is that they require only one collection of nodes for each environment (dev/staging/prod)</a:t>
             </a:r>
           </a:p>
           <a:p>
             <a:pPr indent="-342900">
               <a:buSzPts val="1800"/>
             </a:pPr>
+            <a:r>
+              <a:rPr lang="en-US" dirty="0"/>
+              <a:t>Downfall of rolling deployments is rollbacks (going back to previous version of code) is difficult and requires doing another rolling deployment one server at a time.</a:t>
+            </a:r>
+          </a:p>
+          <a:p>
+            <a:pPr lvl="0" indent="-342900">
+              <a:buSzPts val="1800"/>
+            </a:pPr>
+            <a:r>
+              <a:rPr lang="en-US" dirty="0"/>
+              <a:t>Blue/Green deployments requires two collections of nodes for each environment, one called blue, and one called green. At any given time, only ONE collection (blue or green) is live in the environment. When it’s time to deploy new code, the new code is deployed to the collection that is not live. Once the deploy is complete, the load balancer is switched to the non-live environment.</a:t>
+            </a:r>
+          </a:p>
+          <a:p>
+            <a:pPr lvl="0" indent="-342900">
+              <a:buSzPts val="1800"/>
+            </a:pPr>
             <a:endParaRPr lang="en-US" dirty="0"/>
-          </a:p>
-          <a:p>
-            <a:pPr marL="457200" lvl="0" indent="-342900" algn="l" rtl="0">
-              <a:spcBef>
-                <a:spcPts val="0"/>
-              </a:spcBef>
-              <a:spcAft>
-                <a:spcPts val="0"/>
-              </a:spcAft>
-              <a:buSzPts val="1800"/>
-              <a:buChar char="●"/>
-            </a:pPr>
-            <a:endParaRPr dirty="0"/>
           </a:p>
         </p:txBody>
       </p:sp>
     </p:spTree>
     <p:extLst>
       <p:ext uri="{BB962C8B-B14F-4D97-AF65-F5344CB8AC3E}">
-        <p14:creationId xmlns:p14="http://schemas.microsoft.com/office/powerpoint/2010/main" val="629303076"/>
+        <p14:creationId xmlns:p14="http://schemas.microsoft.com/office/powerpoint/2010/main" val="1499700365"/>
       </p:ext>
     </p:extLst>
   </p:cSld>

--- a/Class 5 Slides.pptx
+++ b/Class 5 Slides.pptx
@@ -11590,7 +11590,7 @@
                 <a:buNone/>
               </a:pPr>
               <a:r>
-                <a:rPr lang="en">
+                <a:rPr lang="en" dirty="0">
                   <a:solidFill>
                     <a:srgbClr val="5E5E5E"/>
                   </a:solidFill>
@@ -11601,7 +11601,7 @@
                 </a:rPr>
                 <a:t>Next Features</a:t>
               </a:r>
-              <a:endParaRPr>
+              <a:endParaRPr dirty="0">
                 <a:solidFill>
                   <a:srgbClr val="5E5E5E"/>
                 </a:solidFill>
@@ -13231,7 +13231,7 @@
         </p:nvSpPr>
         <p:spPr>
           <a:xfrm>
-            <a:off x="460950" y="1718184"/>
+            <a:off x="450000" y="1382007"/>
             <a:ext cx="8222100" cy="3345652"/>
           </a:xfrm>
           <a:prstGeom prst="rect">
@@ -13281,7 +13281,7 @@
             </a:pPr>
             <a:r>
               <a:rPr lang="en-US" dirty="0"/>
-              <a:t>In-place (aka rolling) deployments go through each server node (or instance) in the , remove it from the load balancer, shut down the web container/app, deploy the new code, restart the web container/app, and add it back into the load balancer. </a:t>
+              <a:t>In-place (aka rolling) deployments go through each server node (or instance) in the cluster, remove it from the load balancer, shut down the web container/app, deploy the new code, restart the web container/app, and add it back into the load balancer. </a:t>
             </a:r>
           </a:p>
           <a:p>
